--- a/thesis/ukapp2/wqu_isc/sofware_design/Lesson 6 - Java.pptx
+++ b/thesis/ukapp2/wqu_isc/sofware_design/Lesson 6 - Java.pptx
@@ -340,7 +340,7 @@
           <a:p>
             <a:fld id="{CD13FC2D-BEDB-45BE-AF82-649A39BEFF71}" type="datetimeFigureOut">
               <a:rPr lang="en-GB" smtClean="0"/>
-              <a:t>13/10/2020</a:t>
+              <a:t>15/10/2020</a:t>
             </a:fld>
             <a:endParaRPr lang="en-GB"/>
           </a:p>
@@ -548,7 +548,7 @@
           <a:p>
             <a:fld id="{CD13FC2D-BEDB-45BE-AF82-649A39BEFF71}" type="datetimeFigureOut">
               <a:rPr lang="en-GB" smtClean="0"/>
-              <a:t>13/10/2020</a:t>
+              <a:t>15/10/2020</a:t>
             </a:fld>
             <a:endParaRPr lang="en-GB"/>
           </a:p>
@@ -804,7 +804,7 @@
           <a:p>
             <a:fld id="{CD13FC2D-BEDB-45BE-AF82-649A39BEFF71}" type="datetimeFigureOut">
               <a:rPr lang="en-GB" smtClean="0"/>
-              <a:t>13/10/2020</a:t>
+              <a:t>15/10/2020</a:t>
             </a:fld>
             <a:endParaRPr lang="en-GB"/>
           </a:p>
@@ -974,7 +974,7 @@
           <a:p>
             <a:fld id="{CD13FC2D-BEDB-45BE-AF82-649A39BEFF71}" type="datetimeFigureOut">
               <a:rPr lang="en-GB" smtClean="0"/>
-              <a:t>13/10/2020</a:t>
+              <a:t>15/10/2020</a:t>
             </a:fld>
             <a:endParaRPr lang="en-GB"/>
           </a:p>
@@ -1317,7 +1317,7 @@
           <a:p>
             <a:fld id="{CD13FC2D-BEDB-45BE-AF82-649A39BEFF71}" type="datetimeFigureOut">
               <a:rPr lang="en-GB" smtClean="0"/>
-              <a:t>13/10/2020</a:t>
+              <a:t>15/10/2020</a:t>
             </a:fld>
             <a:endParaRPr lang="en-GB"/>
           </a:p>
@@ -1592,7 +1592,7 @@
           <a:p>
             <a:fld id="{CD13FC2D-BEDB-45BE-AF82-649A39BEFF71}" type="datetimeFigureOut">
               <a:rPr lang="en-GB" smtClean="0"/>
-              <a:t>13/10/2020</a:t>
+              <a:t>15/10/2020</a:t>
             </a:fld>
             <a:endParaRPr lang="en-GB"/>
           </a:p>
@@ -1971,7 +1971,7 @@
           <a:p>
             <a:fld id="{CD13FC2D-BEDB-45BE-AF82-649A39BEFF71}" type="datetimeFigureOut">
               <a:rPr lang="en-GB" smtClean="0"/>
-              <a:t>13/10/2020</a:t>
+              <a:t>15/10/2020</a:t>
             </a:fld>
             <a:endParaRPr lang="en-GB"/>
           </a:p>
@@ -2089,7 +2089,7 @@
           <a:p>
             <a:fld id="{CD13FC2D-BEDB-45BE-AF82-649A39BEFF71}" type="datetimeFigureOut">
               <a:rPr lang="en-GB" smtClean="0"/>
-              <a:t>13/10/2020</a:t>
+              <a:t>15/10/2020</a:t>
             </a:fld>
             <a:endParaRPr lang="en-GB"/>
           </a:p>
@@ -2260,7 +2260,7 @@
           <a:p>
             <a:fld id="{CD13FC2D-BEDB-45BE-AF82-649A39BEFF71}" type="datetimeFigureOut">
               <a:rPr lang="en-GB" smtClean="0"/>
-              <a:t>13/10/2020</a:t>
+              <a:t>15/10/2020</a:t>
             </a:fld>
             <a:endParaRPr lang="en-GB"/>
           </a:p>
@@ -2614,7 +2614,7 @@
           <a:p>
             <a:fld id="{CD13FC2D-BEDB-45BE-AF82-649A39BEFF71}" type="datetimeFigureOut">
               <a:rPr lang="en-GB" smtClean="0"/>
-              <a:t>13/10/2020</a:t>
+              <a:t>15/10/2020</a:t>
             </a:fld>
             <a:endParaRPr lang="en-GB"/>
           </a:p>
@@ -2996,7 +2996,7 @@
           <a:p>
             <a:fld id="{CD13FC2D-BEDB-45BE-AF82-649A39BEFF71}" type="datetimeFigureOut">
               <a:rPr lang="en-GB" smtClean="0"/>
-              <a:t>13/10/2020</a:t>
+              <a:t>15/10/2020</a:t>
             </a:fld>
             <a:endParaRPr lang="en-GB"/>
           </a:p>
@@ -3283,7 +3283,7 @@
           <a:p>
             <a:fld id="{CD13FC2D-BEDB-45BE-AF82-649A39BEFF71}" type="datetimeFigureOut">
               <a:rPr lang="en-GB" smtClean="0"/>
-              <a:t>13/10/2020</a:t>
+              <a:t>15/10/2020</a:t>
             </a:fld>
             <a:endParaRPr lang="en-GB"/>
           </a:p>
@@ -3880,7 +3880,7 @@
           <a:p>
             <a:r>
               <a:rPr lang="en-US" b="1" dirty="0" smtClean="0"/>
-              <a:t>Java input/output</a:t>
+              <a:t>Java collections</a:t>
             </a:r>
             <a:endParaRPr lang="en-GB" b="1" dirty="0" smtClean="0"/>
           </a:p>
@@ -4037,8 +4037,8 @@
               <a:t> </a:t>
             </a:r>
             <a:r>
-              <a:rPr lang="en-US" dirty="0" smtClean="0"/>
-              <a:t>Object Oriented programming</a:t>
+              <a:rPr lang="en-GB" dirty="0" smtClean="0"/>
+              <a:t>Generics</a:t>
             </a:r>
           </a:p>
           <a:p>
@@ -4047,12 +4047,12 @@
               <a:buChar char="v"/>
             </a:pPr>
             <a:r>
-              <a:rPr lang="en-US" dirty="0"/>
+              <a:rPr lang="en-GB" dirty="0"/>
               <a:t> </a:t>
             </a:r>
             <a:r>
               <a:rPr lang="en-US" dirty="0" smtClean="0"/>
-              <a:t>Abstraction</a:t>
+              <a:t>String as a Collection</a:t>
             </a:r>
           </a:p>
           <a:p>
@@ -4065,9 +4065,10 @@
               <a:t> </a:t>
             </a:r>
             <a:r>
-              <a:rPr lang="en-US" dirty="0" smtClean="0"/>
-              <a:t>Encapsulation</a:t>
-            </a:r>
+              <a:rPr lang="en-US" dirty="0" err="1" smtClean="0"/>
+              <a:t>ArrayList</a:t>
+            </a:r>
+            <a:endParaRPr lang="en-US" dirty="0" smtClean="0"/>
           </a:p>
           <a:p>
             <a:pPr>
@@ -4080,7 +4081,7 @@
             </a:r>
             <a:r>
               <a:rPr lang="en-US" dirty="0" smtClean="0"/>
-              <a:t>Inheritance</a:t>
+              <a:t>Maps</a:t>
             </a:r>
           </a:p>
           <a:p>
@@ -4091,38 +4092,6 @@
             <a:r>
               <a:rPr lang="en-US" dirty="0"/>
               <a:t> </a:t>
-            </a:r>
-            <a:r>
-              <a:rPr lang="en-US" dirty="0" smtClean="0"/>
-              <a:t>Polymorphism</a:t>
-            </a:r>
-          </a:p>
-          <a:p>
-            <a:pPr>
-              <a:buFont typeface="Wingdings" panose="05000000000000000000" pitchFamily="2" charset="2"/>
-              <a:buChar char="v"/>
-            </a:pPr>
-            <a:r>
-              <a:rPr lang="en-US" dirty="0"/>
-              <a:t> </a:t>
-            </a:r>
-            <a:r>
-              <a:rPr lang="en-US" dirty="0" smtClean="0"/>
-              <a:t>OOP keywords</a:t>
-            </a:r>
-          </a:p>
-          <a:p>
-            <a:pPr>
-              <a:buFont typeface="Wingdings" panose="05000000000000000000" pitchFamily="2" charset="2"/>
-              <a:buChar char="v"/>
-            </a:pPr>
-            <a:r>
-              <a:rPr lang="en-US" dirty="0"/>
-              <a:t> </a:t>
-            </a:r>
-            <a:r>
-              <a:rPr lang="en-US" dirty="0" smtClean="0"/>
-              <a:t>Class diagrams</a:t>
             </a:r>
             <a:endParaRPr lang="en-GB" dirty="0"/>
           </a:p>
@@ -4501,6 +4470,12 @@
 </file>
 
 <file path=customXml/item1.xml><?xml version="1.0" encoding="utf-8"?>
+<p:properties xmlns:p="http://schemas.microsoft.com/office/2006/metadata/properties" xmlns:xsi="http://www.w3.org/2001/XMLSchema-instance" xmlns:pc="http://schemas.microsoft.com/office/infopath/2007/PartnerControls">
+  <documentManagement/>
+</p:properties>
+</file>
+
+<file path=customXml/item2.xml><?xml version="1.0" encoding="utf-8"?>
 <ct:contentTypeSchema xmlns:ct="http://schemas.microsoft.com/office/2006/metadata/contentType" xmlns:ma="http://schemas.microsoft.com/office/2006/metadata/properties/metaAttributes" ct:_="" ma:_="" ma:contentTypeName="Document" ma:contentTypeID="0x010100062A1965C0ED8D4B93D90EC9097FB304" ma:contentTypeVersion="13" ma:contentTypeDescription="Create a new document." ma:contentTypeScope="" ma:versionID="ad8c00255a362f38b965062bb6973433">
   <xsd:schema xmlns:xsd="http://www.w3.org/2001/XMLSchema" xmlns:xs="http://www.w3.org/2001/XMLSchema" xmlns:p="http://schemas.microsoft.com/office/2006/metadata/properties" xmlns:ns3="cab83b3b-4db3-4a13-8dd4-e60be6d87cf5" xmlns:ns4="c2e86655-d7ed-4420-bc92-1b9547829f54" targetNamespace="http://schemas.microsoft.com/office/2006/metadata/properties" ma:root="true" ma:fieldsID="d47f86c9060cacabc5fb99b2dd628c7d" ns3:_="" ns4:_="">
     <xsd:import namespace="cab83b3b-4db3-4a13-8dd4-e60be6d87cf5"/>
@@ -4723,12 +4698,6 @@
 </ct:contentTypeSchema>
 </file>
 
-<file path=customXml/item2.xml><?xml version="1.0" encoding="utf-8"?>
-<p:properties xmlns:p="http://schemas.microsoft.com/office/2006/metadata/properties" xmlns:xsi="http://www.w3.org/2001/XMLSchema-instance" xmlns:pc="http://schemas.microsoft.com/office/infopath/2007/PartnerControls">
-  <documentManagement/>
-</p:properties>
-</file>
-
 <file path=customXml/item3.xml><?xml version="1.0" encoding="utf-8"?>
 <?mso-contentType ?>
 <FormTemplates xmlns="http://schemas.microsoft.com/sharepoint/v3/contenttype/forms">
@@ -4739,6 +4708,23 @@
 </file>
 
 <file path=customXml/itemProps1.xml><?xml version="1.0" encoding="utf-8"?>
+<ds:datastoreItem xmlns:ds="http://schemas.openxmlformats.org/officeDocument/2006/customXml" ds:itemID="{1B174DBE-1AD7-495B-B168-212A7EE723A6}">
+  <ds:schemaRefs>
+    <ds:schemaRef ds:uri="http://schemas.microsoft.com/office/2006/documentManagement/types"/>
+    <ds:schemaRef ds:uri="http://schemas.openxmlformats.org/package/2006/metadata/core-properties"/>
+    <ds:schemaRef ds:uri="c2e86655-d7ed-4420-bc92-1b9547829f54"/>
+    <ds:schemaRef ds:uri="http://purl.org/dc/elements/1.1/"/>
+    <ds:schemaRef ds:uri="http://schemas.microsoft.com/office/infopath/2007/PartnerControls"/>
+    <ds:schemaRef ds:uri="cab83b3b-4db3-4a13-8dd4-e60be6d87cf5"/>
+    <ds:schemaRef ds:uri="http://schemas.microsoft.com/office/2006/metadata/properties"/>
+    <ds:schemaRef ds:uri="http://purl.org/dc/terms/"/>
+    <ds:schemaRef ds:uri="http://www.w3.org/XML/1998/namespace"/>
+    <ds:schemaRef ds:uri="http://purl.org/dc/dcmitype/"/>
+  </ds:schemaRefs>
+</ds:datastoreItem>
+</file>
+
+<file path=customXml/itemProps2.xml><?xml version="1.0" encoding="utf-8"?>
 <ds:datastoreItem xmlns:ds="http://schemas.openxmlformats.org/officeDocument/2006/customXml" ds:itemID="{03233C07-2685-44F7-9601-FF64EA49BA1B}">
   <ds:schemaRefs>
     <ds:schemaRef ds:uri="http://schemas.microsoft.com/office/2006/metadata/contentType"/>
@@ -4757,23 +4743,6 @@
 </ds:datastoreItem>
 </file>
 
-<file path=customXml/itemProps2.xml><?xml version="1.0" encoding="utf-8"?>
-<ds:datastoreItem xmlns:ds="http://schemas.openxmlformats.org/officeDocument/2006/customXml" ds:itemID="{1B174DBE-1AD7-495B-B168-212A7EE723A6}">
-  <ds:schemaRefs>
-    <ds:schemaRef ds:uri="http://purl.org/dc/terms/"/>
-    <ds:schemaRef ds:uri="http://schemas.microsoft.com/office/2006/documentManagement/types"/>
-    <ds:schemaRef ds:uri="http://schemas.openxmlformats.org/package/2006/metadata/core-properties"/>
-    <ds:schemaRef ds:uri="cab83b3b-4db3-4a13-8dd4-e60be6d87cf5"/>
-    <ds:schemaRef ds:uri="http://schemas.microsoft.com/office/infopath/2007/PartnerControls"/>
-    <ds:schemaRef ds:uri="http://purl.org/dc/elements/1.1/"/>
-    <ds:schemaRef ds:uri="http://schemas.microsoft.com/office/2006/metadata/properties"/>
-    <ds:schemaRef ds:uri="c2e86655-d7ed-4420-bc92-1b9547829f54"/>
-    <ds:schemaRef ds:uri="http://www.w3.org/XML/1998/namespace"/>
-    <ds:schemaRef ds:uri="http://purl.org/dc/dcmitype/"/>
-  </ds:schemaRefs>
-</ds:datastoreItem>
-</file>
-
 <file path=customXml/itemProps3.xml><?xml version="1.0" encoding="utf-8"?>
 <ds:datastoreItem xmlns:ds="http://schemas.openxmlformats.org/officeDocument/2006/customXml" ds:itemID="{07A05CC1-FF68-453F-AE9C-352B80151440}">
   <ds:schemaRefs>

--- a/thesis/ukapp2/wqu_isc/sofware_design/Lesson 6 - Java.pptx
+++ b/thesis/ukapp2/wqu_isc/sofware_design/Lesson 6 - Java.pptx
@@ -7,7 +7,11 @@
   <p:sldIdLst>
     <p:sldId id="256" r:id="rId5"/>
     <p:sldId id="272" r:id="rId6"/>
-    <p:sldId id="266" r:id="rId7"/>
+    <p:sldId id="273" r:id="rId7"/>
+    <p:sldId id="274" r:id="rId8"/>
+    <p:sldId id="275" r:id="rId9"/>
+    <p:sldId id="276" r:id="rId10"/>
+    <p:sldId id="266" r:id="rId11"/>
   </p:sldIdLst>
   <p:sldSz cx="9144000" cy="6858000" type="screen4x3"/>
   <p:notesSz cx="6858000" cy="9144000"/>
@@ -3869,20 +3873,16 @@
           <a:lstStyle/>
           <a:p>
             <a:r>
-              <a:rPr lang="en-GB" dirty="0" smtClean="0"/>
-              <a:t>An Introduction to object-orientation and the java programming </a:t>
-            </a:r>
-            <a:r>
-              <a:rPr lang="en-GB" dirty="0" smtClean="0"/>
-              <a:t>language</a:t>
-            </a:r>
-          </a:p>
-          <a:p>
-            <a:r>
-              <a:rPr lang="en-US" b="1" dirty="0" smtClean="0"/>
-              <a:t>Java collections</a:t>
-            </a:r>
-            <a:endParaRPr lang="en-GB" b="1" dirty="0" smtClean="0"/>
+              <a:rPr lang="en-GB" dirty="0"/>
+              <a:t>An Introduction to object-orientation and the java programming language</a:t>
+            </a:r>
+          </a:p>
+          <a:p>
+            <a:r>
+              <a:rPr lang="en-US" b="1" dirty="0"/>
+              <a:t>Java input/output</a:t>
+            </a:r>
+            <a:endParaRPr lang="en-GB" b="1" dirty="0"/>
           </a:p>
         </p:txBody>
       </p:sp>
@@ -3995,10 +3995,9 @@
           <a:lstStyle/>
           <a:p>
             <a:r>
-              <a:rPr lang="en-GB" dirty="0" smtClean="0"/>
+              <a:rPr lang="en-GB" dirty="0"/>
               <a:t>Outline</a:t>
             </a:r>
-            <a:endParaRPr lang="en-GB" dirty="0"/>
           </a:p>
         </p:txBody>
       </p:sp>
@@ -4021,7 +4020,7 @@
         <p:spPr>
           <a:xfrm>
             <a:off x="822960" y="1845734"/>
-            <a:ext cx="3444240" cy="4023360"/>
+            <a:ext cx="4804842" cy="4023360"/>
           </a:xfrm>
         </p:spPr>
         <p:txBody>
@@ -4033,12 +4032,8 @@
               <a:buChar char="v"/>
             </a:pPr>
             <a:r>
-              <a:rPr lang="en-GB" dirty="0"/>
-              <a:t> </a:t>
-            </a:r>
-            <a:r>
-              <a:rPr lang="en-GB" dirty="0" smtClean="0"/>
-              <a:t>Generics</a:t>
+              <a:rPr lang="en-US" dirty="0"/>
+              <a:t> Primitive Wrappers</a:t>
             </a:r>
           </a:p>
           <a:p>
@@ -4047,12 +4042,8 @@
               <a:buChar char="v"/>
             </a:pPr>
             <a:r>
-              <a:rPr lang="en-GB" dirty="0"/>
-              <a:t> </a:t>
-            </a:r>
-            <a:r>
-              <a:rPr lang="en-US" dirty="0" smtClean="0"/>
-              <a:t>String as a Collection</a:t>
+              <a:rPr lang="en-US" dirty="0"/>
+              <a:t> Exception Handling</a:t>
             </a:r>
           </a:p>
           <a:p>
@@ -4062,13 +4053,8 @@
             </a:pPr>
             <a:r>
               <a:rPr lang="en-US" dirty="0"/>
-              <a:t> </a:t>
-            </a:r>
-            <a:r>
-              <a:rPr lang="en-US" dirty="0" err="1" smtClean="0"/>
-              <a:t>ArrayList</a:t>
-            </a:r>
-            <a:endParaRPr lang="en-US" dirty="0" smtClean="0"/>
+              <a:t> I/O Streams input and output</a:t>
+            </a:r>
           </a:p>
           <a:p>
             <a:pPr>
@@ -4077,11 +4063,7 @@
             </a:pPr>
             <a:r>
               <a:rPr lang="en-US" dirty="0"/>
-              <a:t> </a:t>
-            </a:r>
-            <a:r>
-              <a:rPr lang="en-US" dirty="0" smtClean="0"/>
-              <a:t>Maps</a:t>
+              <a:t> Readers and Writers</a:t>
             </a:r>
           </a:p>
           <a:p>
@@ -4091,12 +4073,39 @@
             </a:pPr>
             <a:r>
               <a:rPr lang="en-US" dirty="0"/>
-              <a:t> </a:t>
+              <a:t> Working with files</a:t>
+            </a:r>
+          </a:p>
+          <a:p>
+            <a:pPr>
+              <a:buFont typeface="Wingdings" panose="05000000000000000000" pitchFamily="2" charset="2"/>
+              <a:buChar char="v"/>
+            </a:pPr>
+            <a:r>
+              <a:rPr lang="en-US" dirty="0"/>
+              <a:t> Advanced Topics</a:t>
+            </a:r>
+          </a:p>
+          <a:p>
+            <a:pPr lvl="1">
+              <a:buFont typeface="Wingdings" panose="05000000000000000000" pitchFamily="2" charset="2"/>
+              <a:buChar char="v"/>
+            </a:pPr>
+            <a:r>
+              <a:rPr lang="en-US" dirty="0"/>
+              <a:t> Introduction to networking</a:t>
             </a:r>
             <a:endParaRPr lang="en-GB" dirty="0"/>
           </a:p>
           <a:p>
-            <a:endParaRPr lang="en-GB" dirty="0"/>
+            <a:pPr lvl="1">
+              <a:buFont typeface="Wingdings" panose="05000000000000000000" pitchFamily="2" charset="2"/>
+              <a:buChar char="v"/>
+            </a:pPr>
+            <a:r>
+              <a:rPr lang="en-GB" dirty="0"/>
+              <a:t> Stream Collections</a:t>
+            </a:r>
           </a:p>
         </p:txBody>
       </p:sp>
@@ -4114,6 +4123,448 @@
 </file>
 
 <file path=ppt/slides/slide3.xml><?xml version="1.0" encoding="utf-8"?>
+<p:sld xmlns:a="http://schemas.openxmlformats.org/drawingml/2006/main" xmlns:r="http://schemas.openxmlformats.org/officeDocument/2006/relationships" xmlns:p="http://schemas.openxmlformats.org/presentationml/2006/main">
+  <p:cSld>
+    <p:spTree>
+      <p:nvGrpSpPr>
+        <p:cNvPr id="1" name=""/>
+        <p:cNvGrpSpPr/>
+        <p:nvPr/>
+      </p:nvGrpSpPr>
+      <p:grpSpPr>
+        <a:xfrm>
+          <a:off x="0" y="0"/>
+          <a:ext cx="0" cy="0"/>
+          <a:chOff x="0" y="0"/>
+          <a:chExt cx="0" cy="0"/>
+        </a:xfrm>
+      </p:grpSpPr>
+      <p:sp>
+        <p:nvSpPr>
+          <p:cNvPr id="2" name="Title 1">
+            <a:extLst>
+              <a:ext uri="{FF2B5EF4-FFF2-40B4-BE49-F238E27FC236}">
+                <a16:creationId xmlns:a16="http://schemas.microsoft.com/office/drawing/2014/main" id="{7304BBA7-9D5E-4B9A-95AF-2E54F4B41C0E}"/>
+              </a:ext>
+            </a:extLst>
+          </p:cNvPr>
+          <p:cNvSpPr>
+            <a:spLocks noGrp="1"/>
+          </p:cNvSpPr>
+          <p:nvPr>
+            <p:ph type="title"/>
+          </p:nvPr>
+        </p:nvSpPr>
+        <p:spPr/>
+        <p:txBody>
+          <a:bodyPr/>
+          <a:lstStyle/>
+          <a:p>
+            <a:r>
+              <a:rPr lang="en-GB" dirty="0"/>
+              <a:t>Primitive Wrappers</a:t>
+            </a:r>
+          </a:p>
+        </p:txBody>
+      </p:sp>
+      <p:sp>
+        <p:nvSpPr>
+          <p:cNvPr id="3" name="Content Placeholder 2">
+            <a:extLst>
+              <a:ext uri="{FF2B5EF4-FFF2-40B4-BE49-F238E27FC236}">
+                <a16:creationId xmlns:a16="http://schemas.microsoft.com/office/drawing/2014/main" id="{3AB586B9-467B-4F63-B336-2E9D19321584}"/>
+              </a:ext>
+            </a:extLst>
+          </p:cNvPr>
+          <p:cNvSpPr>
+            <a:spLocks noGrp="1"/>
+          </p:cNvSpPr>
+          <p:nvPr>
+            <p:ph idx="1"/>
+          </p:nvPr>
+        </p:nvSpPr>
+        <p:spPr>
+          <a:xfrm>
+            <a:off x="822960" y="1845734"/>
+            <a:ext cx="4804842" cy="4023360"/>
+          </a:xfrm>
+        </p:spPr>
+        <p:txBody>
+          <a:bodyPr/>
+          <a:lstStyle/>
+          <a:p>
+            <a:pPr>
+              <a:buFont typeface="Wingdings" panose="05000000000000000000" pitchFamily="2" charset="2"/>
+              <a:buChar char="v"/>
+            </a:pPr>
+            <a:r>
+              <a:rPr lang="en-GB" dirty="0"/>
+              <a:t>  </a:t>
+            </a:r>
+          </a:p>
+        </p:txBody>
+      </p:sp>
+    </p:spTree>
+    <p:extLst>
+      <p:ext uri="{BB962C8B-B14F-4D97-AF65-F5344CB8AC3E}">
+        <p14:creationId xmlns:p14="http://schemas.microsoft.com/office/powerpoint/2010/main" val="2835789394"/>
+      </p:ext>
+    </p:extLst>
+  </p:cSld>
+  <p:clrMapOvr>
+    <a:masterClrMapping/>
+  </p:clrMapOvr>
+</p:sld>
+</file>
+
+<file path=ppt/slides/slide4.xml><?xml version="1.0" encoding="utf-8"?>
+<p:sld xmlns:a="http://schemas.openxmlformats.org/drawingml/2006/main" xmlns:r="http://schemas.openxmlformats.org/officeDocument/2006/relationships" xmlns:p="http://schemas.openxmlformats.org/presentationml/2006/main">
+  <p:cSld>
+    <p:spTree>
+      <p:nvGrpSpPr>
+        <p:cNvPr id="1" name=""/>
+        <p:cNvGrpSpPr/>
+        <p:nvPr/>
+      </p:nvGrpSpPr>
+      <p:grpSpPr>
+        <a:xfrm>
+          <a:off x="0" y="0"/>
+          <a:ext cx="0" cy="0"/>
+          <a:chOff x="0" y="0"/>
+          <a:chExt cx="0" cy="0"/>
+        </a:xfrm>
+      </p:grpSpPr>
+      <p:sp>
+        <p:nvSpPr>
+          <p:cNvPr id="2" name="Title 1">
+            <a:extLst>
+              <a:ext uri="{FF2B5EF4-FFF2-40B4-BE49-F238E27FC236}">
+                <a16:creationId xmlns:a16="http://schemas.microsoft.com/office/drawing/2014/main" id="{7304BBA7-9D5E-4B9A-95AF-2E54F4B41C0E}"/>
+              </a:ext>
+            </a:extLst>
+          </p:cNvPr>
+          <p:cNvSpPr>
+            <a:spLocks noGrp="1"/>
+          </p:cNvSpPr>
+          <p:nvPr>
+            <p:ph type="title"/>
+          </p:nvPr>
+        </p:nvSpPr>
+        <p:spPr/>
+        <p:txBody>
+          <a:bodyPr/>
+          <a:lstStyle/>
+          <a:p>
+            <a:r>
+              <a:rPr lang="en-GB" dirty="0"/>
+              <a:t>Exception Handling</a:t>
+            </a:r>
+          </a:p>
+        </p:txBody>
+      </p:sp>
+      <p:sp>
+        <p:nvSpPr>
+          <p:cNvPr id="3" name="Content Placeholder 2">
+            <a:extLst>
+              <a:ext uri="{FF2B5EF4-FFF2-40B4-BE49-F238E27FC236}">
+                <a16:creationId xmlns:a16="http://schemas.microsoft.com/office/drawing/2014/main" id="{3AB586B9-467B-4F63-B336-2E9D19321584}"/>
+              </a:ext>
+            </a:extLst>
+          </p:cNvPr>
+          <p:cNvSpPr>
+            <a:spLocks noGrp="1"/>
+          </p:cNvSpPr>
+          <p:nvPr>
+            <p:ph idx="1"/>
+          </p:nvPr>
+        </p:nvSpPr>
+        <p:spPr>
+          <a:xfrm>
+            <a:off x="822960" y="1845734"/>
+            <a:ext cx="4804842" cy="4023360"/>
+          </a:xfrm>
+        </p:spPr>
+        <p:txBody>
+          <a:bodyPr/>
+          <a:lstStyle/>
+          <a:p>
+            <a:pPr>
+              <a:buFont typeface="Wingdings" panose="05000000000000000000" pitchFamily="2" charset="2"/>
+              <a:buChar char="v"/>
+            </a:pPr>
+            <a:r>
+              <a:rPr lang="en-GB" dirty="0"/>
+              <a:t>  </a:t>
+            </a:r>
+          </a:p>
+        </p:txBody>
+      </p:sp>
+    </p:spTree>
+    <p:extLst>
+      <p:ext uri="{BB962C8B-B14F-4D97-AF65-F5344CB8AC3E}">
+        <p14:creationId xmlns:p14="http://schemas.microsoft.com/office/powerpoint/2010/main" val="582744325"/>
+      </p:ext>
+    </p:extLst>
+  </p:cSld>
+  <p:clrMapOvr>
+    <a:masterClrMapping/>
+  </p:clrMapOvr>
+</p:sld>
+</file>
+
+<file path=ppt/slides/slide5.xml><?xml version="1.0" encoding="utf-8"?>
+<p:sld xmlns:a="http://schemas.openxmlformats.org/drawingml/2006/main" xmlns:r="http://schemas.openxmlformats.org/officeDocument/2006/relationships" xmlns:p="http://schemas.openxmlformats.org/presentationml/2006/main">
+  <p:cSld>
+    <p:spTree>
+      <p:nvGrpSpPr>
+        <p:cNvPr id="1" name=""/>
+        <p:cNvGrpSpPr/>
+        <p:nvPr/>
+      </p:nvGrpSpPr>
+      <p:grpSpPr>
+        <a:xfrm>
+          <a:off x="0" y="0"/>
+          <a:ext cx="0" cy="0"/>
+          <a:chOff x="0" y="0"/>
+          <a:chExt cx="0" cy="0"/>
+        </a:xfrm>
+      </p:grpSpPr>
+      <p:sp>
+        <p:nvSpPr>
+          <p:cNvPr id="2" name="Title 1">
+            <a:extLst>
+              <a:ext uri="{FF2B5EF4-FFF2-40B4-BE49-F238E27FC236}">
+                <a16:creationId xmlns:a16="http://schemas.microsoft.com/office/drawing/2014/main" id="{7304BBA7-9D5E-4B9A-95AF-2E54F4B41C0E}"/>
+              </a:ext>
+            </a:extLst>
+          </p:cNvPr>
+          <p:cNvSpPr>
+            <a:spLocks noGrp="1"/>
+          </p:cNvSpPr>
+          <p:nvPr>
+            <p:ph type="title"/>
+          </p:nvPr>
+        </p:nvSpPr>
+        <p:spPr/>
+        <p:txBody>
+          <a:bodyPr/>
+          <a:lstStyle/>
+          <a:p>
+            <a:r>
+              <a:rPr lang="en-GB" dirty="0"/>
+              <a:t>Stream Concept</a:t>
+            </a:r>
+          </a:p>
+        </p:txBody>
+      </p:sp>
+      <p:sp>
+        <p:nvSpPr>
+          <p:cNvPr id="3" name="Content Placeholder 2">
+            <a:extLst>
+              <a:ext uri="{FF2B5EF4-FFF2-40B4-BE49-F238E27FC236}">
+                <a16:creationId xmlns:a16="http://schemas.microsoft.com/office/drawing/2014/main" id="{3AB586B9-467B-4F63-B336-2E9D19321584}"/>
+              </a:ext>
+            </a:extLst>
+          </p:cNvPr>
+          <p:cNvSpPr>
+            <a:spLocks noGrp="1"/>
+          </p:cNvSpPr>
+          <p:nvPr>
+            <p:ph idx="1"/>
+          </p:nvPr>
+        </p:nvSpPr>
+        <p:spPr>
+          <a:xfrm>
+            <a:off x="822959" y="1845734"/>
+            <a:ext cx="6086888" cy="4630480"/>
+          </a:xfrm>
+        </p:spPr>
+        <p:txBody>
+          <a:bodyPr>
+            <a:normAutofit lnSpcReduction="10000"/>
+          </a:bodyPr>
+          <a:lstStyle/>
+          <a:p>
+            <a:pPr>
+              <a:buFont typeface="Wingdings" panose="05000000000000000000" pitchFamily="2" charset="2"/>
+              <a:buChar char="v"/>
+            </a:pPr>
+            <a:r>
+              <a:rPr lang="en-GB" dirty="0"/>
+              <a:t> A Stream refers to a collection of data whose quantity may not be determined at compile time and characterised by arbitrary transfer of the information.</a:t>
+            </a:r>
+          </a:p>
+          <a:p>
+            <a:pPr>
+              <a:buFont typeface="Wingdings" panose="05000000000000000000" pitchFamily="2" charset="2"/>
+              <a:buChar char="v"/>
+            </a:pPr>
+            <a:r>
+              <a:rPr lang="en-GB" dirty="0"/>
+              <a:t> A stream is also characterised by the collection type known as it’s channel and its transport direction known as its source or sink.</a:t>
+            </a:r>
+          </a:p>
+          <a:p>
+            <a:pPr>
+              <a:buFont typeface="Wingdings" panose="05000000000000000000" pitchFamily="2" charset="2"/>
+              <a:buChar char="v"/>
+            </a:pPr>
+            <a:r>
+              <a:rPr lang="en-GB" dirty="0"/>
+              <a:t>When coming from a source the abstract data type is called OutputStream and when going to a sink the abstract Datatype is known as an InputStream  </a:t>
+            </a:r>
+          </a:p>
+          <a:p>
+            <a:pPr>
+              <a:buFont typeface="Wingdings" panose="05000000000000000000" pitchFamily="2" charset="2"/>
+              <a:buChar char="v"/>
+            </a:pPr>
+            <a:r>
+              <a:rPr lang="en-GB" dirty="0"/>
+              <a:t> The collection type or channel could be a bytes, characters or objects.</a:t>
+            </a:r>
+          </a:p>
+          <a:p>
+            <a:pPr>
+              <a:buFont typeface="Wingdings" panose="05000000000000000000" pitchFamily="2" charset="2"/>
+              <a:buChar char="v"/>
+            </a:pPr>
+            <a:r>
+              <a:rPr lang="en-GB" dirty="0"/>
+              <a:t> In Java, while other channels are referred to as streams, human readable character  data are referred to as readers or writers</a:t>
+            </a:r>
+          </a:p>
+        </p:txBody>
+      </p:sp>
+    </p:spTree>
+    <p:extLst>
+      <p:ext uri="{BB962C8B-B14F-4D97-AF65-F5344CB8AC3E}">
+        <p14:creationId xmlns:p14="http://schemas.microsoft.com/office/powerpoint/2010/main" val="265390695"/>
+      </p:ext>
+    </p:extLst>
+  </p:cSld>
+  <p:clrMapOvr>
+    <a:masterClrMapping/>
+  </p:clrMapOvr>
+</p:sld>
+</file>
+
+<file path=ppt/slides/slide6.xml><?xml version="1.0" encoding="utf-8"?>
+<p:sld xmlns:a="http://schemas.openxmlformats.org/drawingml/2006/main" xmlns:r="http://schemas.openxmlformats.org/officeDocument/2006/relationships" xmlns:p="http://schemas.openxmlformats.org/presentationml/2006/main">
+  <p:cSld>
+    <p:spTree>
+      <p:nvGrpSpPr>
+        <p:cNvPr id="1" name=""/>
+        <p:cNvGrpSpPr/>
+        <p:nvPr/>
+      </p:nvGrpSpPr>
+      <p:grpSpPr>
+        <a:xfrm>
+          <a:off x="0" y="0"/>
+          <a:ext cx="0" cy="0"/>
+          <a:chOff x="0" y="0"/>
+          <a:chExt cx="0" cy="0"/>
+        </a:xfrm>
+      </p:grpSpPr>
+      <p:sp>
+        <p:nvSpPr>
+          <p:cNvPr id="2" name="Title 1">
+            <a:extLst>
+              <a:ext uri="{FF2B5EF4-FFF2-40B4-BE49-F238E27FC236}">
+                <a16:creationId xmlns:a16="http://schemas.microsoft.com/office/drawing/2014/main" id="{7304BBA7-9D5E-4B9A-95AF-2E54F4B41C0E}"/>
+              </a:ext>
+            </a:extLst>
+          </p:cNvPr>
+          <p:cNvSpPr>
+            <a:spLocks noGrp="1"/>
+          </p:cNvSpPr>
+          <p:nvPr>
+            <p:ph type="title"/>
+          </p:nvPr>
+        </p:nvSpPr>
+        <p:spPr/>
+        <p:txBody>
+          <a:bodyPr/>
+          <a:lstStyle/>
+          <a:p>
+            <a:r>
+              <a:rPr lang="en-GB" dirty="0"/>
+              <a:t>Types of Streams in Java</a:t>
+            </a:r>
+          </a:p>
+        </p:txBody>
+      </p:sp>
+      <p:sp>
+        <p:nvSpPr>
+          <p:cNvPr id="3" name="Content Placeholder 2">
+            <a:extLst>
+              <a:ext uri="{FF2B5EF4-FFF2-40B4-BE49-F238E27FC236}">
+                <a16:creationId xmlns:a16="http://schemas.microsoft.com/office/drawing/2014/main" id="{3AB586B9-467B-4F63-B336-2E9D19321584}"/>
+              </a:ext>
+            </a:extLst>
+          </p:cNvPr>
+          <p:cNvSpPr>
+            <a:spLocks noGrp="1"/>
+          </p:cNvSpPr>
+          <p:nvPr>
+            <p:ph idx="1"/>
+          </p:nvPr>
+        </p:nvSpPr>
+        <p:spPr>
+          <a:xfrm>
+            <a:off x="822960" y="1845734"/>
+            <a:ext cx="4804842" cy="4023360"/>
+          </a:xfrm>
+        </p:spPr>
+        <p:txBody>
+          <a:bodyPr/>
+          <a:lstStyle/>
+          <a:p>
+            <a:pPr>
+              <a:buFont typeface="Wingdings" panose="05000000000000000000" pitchFamily="2" charset="2"/>
+              <a:buChar char="v"/>
+            </a:pPr>
+            <a:r>
+              <a:rPr lang="en-GB" dirty="0"/>
+              <a:t> Byte</a:t>
+            </a:r>
+          </a:p>
+          <a:p>
+            <a:pPr>
+              <a:buFont typeface="Wingdings" panose="05000000000000000000" pitchFamily="2" charset="2"/>
+              <a:buChar char="v"/>
+            </a:pPr>
+            <a:r>
+              <a:rPr lang="en-GB" dirty="0"/>
+              <a:t> Character</a:t>
+            </a:r>
+          </a:p>
+          <a:p>
+            <a:pPr>
+              <a:buFont typeface="Wingdings" panose="05000000000000000000" pitchFamily="2" charset="2"/>
+              <a:buChar char="v"/>
+            </a:pPr>
+            <a:r>
+              <a:rPr lang="en-GB" dirty="0"/>
+              <a:t> Object</a:t>
+            </a:r>
+          </a:p>
+        </p:txBody>
+      </p:sp>
+    </p:spTree>
+    <p:extLst>
+      <p:ext uri="{BB962C8B-B14F-4D97-AF65-F5344CB8AC3E}">
+        <p14:creationId xmlns:p14="http://schemas.microsoft.com/office/powerpoint/2010/main" val="2942463510"/>
+      </p:ext>
+    </p:extLst>
+  </p:cSld>
+  <p:clrMapOvr>
+    <a:masterClrMapping/>
+  </p:clrMapOvr>
+</p:sld>
+</file>
+
+<file path=ppt/slides/slide7.xml><?xml version="1.0" encoding="utf-8"?>
 <p:sld xmlns:a="http://schemas.openxmlformats.org/drawingml/2006/main" xmlns:r="http://schemas.openxmlformats.org/officeDocument/2006/relationships" xmlns:p="http://schemas.openxmlformats.org/presentationml/2006/main">
   <p:cSld>
     <p:spTree>
@@ -4470,12 +4921,6 @@
 </file>
 
 <file path=customXml/item1.xml><?xml version="1.0" encoding="utf-8"?>
-<p:properties xmlns:p="http://schemas.microsoft.com/office/2006/metadata/properties" xmlns:xsi="http://www.w3.org/2001/XMLSchema-instance" xmlns:pc="http://schemas.microsoft.com/office/infopath/2007/PartnerControls">
-  <documentManagement/>
-</p:properties>
-</file>
-
-<file path=customXml/item2.xml><?xml version="1.0" encoding="utf-8"?>
 <ct:contentTypeSchema xmlns:ct="http://schemas.microsoft.com/office/2006/metadata/contentType" xmlns:ma="http://schemas.microsoft.com/office/2006/metadata/properties/metaAttributes" ct:_="" ma:_="" ma:contentTypeName="Document" ma:contentTypeID="0x010100062A1965C0ED8D4B93D90EC9097FB304" ma:contentTypeVersion="13" ma:contentTypeDescription="Create a new document." ma:contentTypeScope="" ma:versionID="ad8c00255a362f38b965062bb6973433">
   <xsd:schema xmlns:xsd="http://www.w3.org/2001/XMLSchema" xmlns:xs="http://www.w3.org/2001/XMLSchema" xmlns:p="http://schemas.microsoft.com/office/2006/metadata/properties" xmlns:ns3="cab83b3b-4db3-4a13-8dd4-e60be6d87cf5" xmlns:ns4="c2e86655-d7ed-4420-bc92-1b9547829f54" targetNamespace="http://schemas.microsoft.com/office/2006/metadata/properties" ma:root="true" ma:fieldsID="d47f86c9060cacabc5fb99b2dd628c7d" ns3:_="" ns4:_="">
     <xsd:import namespace="cab83b3b-4db3-4a13-8dd4-e60be6d87cf5"/>
@@ -4698,6 +5143,12 @@
 </ct:contentTypeSchema>
 </file>
 
+<file path=customXml/item2.xml><?xml version="1.0" encoding="utf-8"?>
+<p:properties xmlns:p="http://schemas.microsoft.com/office/2006/metadata/properties" xmlns:xsi="http://www.w3.org/2001/XMLSchema-instance" xmlns:pc="http://schemas.microsoft.com/office/infopath/2007/PartnerControls">
+  <documentManagement/>
+</p:properties>
+</file>
+
 <file path=customXml/item3.xml><?xml version="1.0" encoding="utf-8"?>
 <?mso-contentType ?>
 <FormTemplates xmlns="http://schemas.microsoft.com/sharepoint/v3/contenttype/forms">
@@ -4708,23 +5159,6 @@
 </file>
 
 <file path=customXml/itemProps1.xml><?xml version="1.0" encoding="utf-8"?>
-<ds:datastoreItem xmlns:ds="http://schemas.openxmlformats.org/officeDocument/2006/customXml" ds:itemID="{1B174DBE-1AD7-495B-B168-212A7EE723A6}">
-  <ds:schemaRefs>
-    <ds:schemaRef ds:uri="http://schemas.microsoft.com/office/2006/documentManagement/types"/>
-    <ds:schemaRef ds:uri="http://schemas.openxmlformats.org/package/2006/metadata/core-properties"/>
-    <ds:schemaRef ds:uri="c2e86655-d7ed-4420-bc92-1b9547829f54"/>
-    <ds:schemaRef ds:uri="http://purl.org/dc/elements/1.1/"/>
-    <ds:schemaRef ds:uri="http://schemas.microsoft.com/office/infopath/2007/PartnerControls"/>
-    <ds:schemaRef ds:uri="cab83b3b-4db3-4a13-8dd4-e60be6d87cf5"/>
-    <ds:schemaRef ds:uri="http://schemas.microsoft.com/office/2006/metadata/properties"/>
-    <ds:schemaRef ds:uri="http://purl.org/dc/terms/"/>
-    <ds:schemaRef ds:uri="http://www.w3.org/XML/1998/namespace"/>
-    <ds:schemaRef ds:uri="http://purl.org/dc/dcmitype/"/>
-  </ds:schemaRefs>
-</ds:datastoreItem>
-</file>
-
-<file path=customXml/itemProps2.xml><?xml version="1.0" encoding="utf-8"?>
 <ds:datastoreItem xmlns:ds="http://schemas.openxmlformats.org/officeDocument/2006/customXml" ds:itemID="{03233C07-2685-44F7-9601-FF64EA49BA1B}">
   <ds:schemaRefs>
     <ds:schemaRef ds:uri="http://schemas.microsoft.com/office/2006/metadata/contentType"/>
@@ -4743,6 +5177,23 @@
 </ds:datastoreItem>
 </file>
 
+<file path=customXml/itemProps2.xml><?xml version="1.0" encoding="utf-8"?>
+<ds:datastoreItem xmlns:ds="http://schemas.openxmlformats.org/officeDocument/2006/customXml" ds:itemID="{1B174DBE-1AD7-495B-B168-212A7EE723A6}">
+  <ds:schemaRefs>
+    <ds:schemaRef ds:uri="http://purl.org/dc/terms/"/>
+    <ds:schemaRef ds:uri="http://schemas.microsoft.com/office/2006/documentManagement/types"/>
+    <ds:schemaRef ds:uri="http://schemas.openxmlformats.org/package/2006/metadata/core-properties"/>
+    <ds:schemaRef ds:uri="cab83b3b-4db3-4a13-8dd4-e60be6d87cf5"/>
+    <ds:schemaRef ds:uri="http://schemas.microsoft.com/office/infopath/2007/PartnerControls"/>
+    <ds:schemaRef ds:uri="http://purl.org/dc/elements/1.1/"/>
+    <ds:schemaRef ds:uri="http://schemas.microsoft.com/office/2006/metadata/properties"/>
+    <ds:schemaRef ds:uri="c2e86655-d7ed-4420-bc92-1b9547829f54"/>
+    <ds:schemaRef ds:uri="http://www.w3.org/XML/1998/namespace"/>
+    <ds:schemaRef ds:uri="http://purl.org/dc/dcmitype/"/>
+  </ds:schemaRefs>
+</ds:datastoreItem>
+</file>
+
 <file path=customXml/itemProps3.xml><?xml version="1.0" encoding="utf-8"?>
 <ds:datastoreItem xmlns:ds="http://schemas.openxmlformats.org/officeDocument/2006/customXml" ds:itemID="{07A05CC1-FF68-453F-AE9C-352B80151440}">
   <ds:schemaRefs>

--- a/thesis/ukapp2/wqu_isc/sofware_design/Lesson 6 - Java.pptx
+++ b/thesis/ukapp2/wqu_isc/sofware_design/Lesson 6 - Java.pptx
@@ -4,14 +4,27 @@
   <p:sldMasterIdLst>
     <p:sldMasterId id="2147483672" r:id="rId4"/>
   </p:sldMasterIdLst>
+  <p:notesMasterIdLst>
+    <p:notesMasterId r:id="rId22"/>
+  </p:notesMasterIdLst>
   <p:sldIdLst>
     <p:sldId id="256" r:id="rId5"/>
     <p:sldId id="272" r:id="rId6"/>
-    <p:sldId id="273" r:id="rId7"/>
-    <p:sldId id="274" r:id="rId8"/>
-    <p:sldId id="275" r:id="rId9"/>
-    <p:sldId id="276" r:id="rId10"/>
-    <p:sldId id="266" r:id="rId11"/>
+    <p:sldId id="279" r:id="rId7"/>
+    <p:sldId id="273" r:id="rId8"/>
+    <p:sldId id="278" r:id="rId9"/>
+    <p:sldId id="266" r:id="rId10"/>
+    <p:sldId id="274" r:id="rId11"/>
+    <p:sldId id="277" r:id="rId12"/>
+    <p:sldId id="285" r:id="rId13"/>
+    <p:sldId id="276" r:id="rId14"/>
+    <p:sldId id="282" r:id="rId15"/>
+    <p:sldId id="280" r:id="rId16"/>
+    <p:sldId id="286" r:id="rId17"/>
+    <p:sldId id="281" r:id="rId18"/>
+    <p:sldId id="287" r:id="rId19"/>
+    <p:sldId id="284" r:id="rId20"/>
+    <p:sldId id="283" r:id="rId21"/>
   </p:sldIdLst>
   <p:sldSz cx="9144000" cy="6858000" type="screen4x3"/>
   <p:notesSz cx="6858000" cy="9144000"/>
@@ -118,6 +131,2237 @@
 </p:presentation>
 </file>
 
+<file path=ppt/notesMasters/notesMaster1.xml><?xml version="1.0" encoding="utf-8"?>
+<p:notesMaster xmlns:a="http://schemas.openxmlformats.org/drawingml/2006/main" xmlns:r="http://schemas.openxmlformats.org/officeDocument/2006/relationships" xmlns:p="http://schemas.openxmlformats.org/presentationml/2006/main">
+  <p:cSld>
+    <p:bg>
+      <p:bgRef idx="1001">
+        <a:schemeClr val="bg1"/>
+      </p:bgRef>
+    </p:bg>
+    <p:spTree>
+      <p:nvGrpSpPr>
+        <p:cNvPr id="1" name=""/>
+        <p:cNvGrpSpPr/>
+        <p:nvPr/>
+      </p:nvGrpSpPr>
+      <p:grpSpPr>
+        <a:xfrm>
+          <a:off x="0" y="0"/>
+          <a:ext cx="0" cy="0"/>
+          <a:chOff x="0" y="0"/>
+          <a:chExt cx="0" cy="0"/>
+        </a:xfrm>
+      </p:grpSpPr>
+      <p:sp>
+        <p:nvSpPr>
+          <p:cNvPr id="2" name="Header Placeholder 1"/>
+          <p:cNvSpPr>
+            <a:spLocks noGrp="1"/>
+          </p:cNvSpPr>
+          <p:nvPr>
+            <p:ph type="hdr" sz="quarter"/>
+          </p:nvPr>
+        </p:nvSpPr>
+        <p:spPr>
+          <a:xfrm>
+            <a:off x="0" y="0"/>
+            <a:ext cx="2971800" cy="458788"/>
+          </a:xfrm>
+          <a:prstGeom prst="rect">
+            <a:avLst/>
+          </a:prstGeom>
+        </p:spPr>
+        <p:txBody>
+          <a:bodyPr vert="horz" lIns="91440" tIns="45720" rIns="91440" bIns="45720" rtlCol="0"/>
+          <a:lstStyle>
+            <a:lvl1pPr algn="l">
+              <a:defRPr sz="1200"/>
+            </a:lvl1pPr>
+          </a:lstStyle>
+          <a:p>
+            <a:endParaRPr lang="en-GB"/>
+          </a:p>
+        </p:txBody>
+      </p:sp>
+      <p:sp>
+        <p:nvSpPr>
+          <p:cNvPr id="3" name="Date Placeholder 2"/>
+          <p:cNvSpPr>
+            <a:spLocks noGrp="1"/>
+          </p:cNvSpPr>
+          <p:nvPr>
+            <p:ph type="dt" idx="1"/>
+          </p:nvPr>
+        </p:nvSpPr>
+        <p:spPr>
+          <a:xfrm>
+            <a:off x="3884613" y="0"/>
+            <a:ext cx="2971800" cy="458788"/>
+          </a:xfrm>
+          <a:prstGeom prst="rect">
+            <a:avLst/>
+          </a:prstGeom>
+        </p:spPr>
+        <p:txBody>
+          <a:bodyPr vert="horz" lIns="91440" tIns="45720" rIns="91440" bIns="45720" rtlCol="0"/>
+          <a:lstStyle>
+            <a:lvl1pPr algn="r">
+              <a:defRPr sz="1200"/>
+            </a:lvl1pPr>
+          </a:lstStyle>
+          <a:p>
+            <a:fld id="{4358A756-45B2-441B-BD26-2888C6C79637}" type="datetimeFigureOut">
+              <a:rPr lang="en-GB" smtClean="0"/>
+              <a:t>17/10/2020</a:t>
+            </a:fld>
+            <a:endParaRPr lang="en-GB"/>
+          </a:p>
+        </p:txBody>
+      </p:sp>
+      <p:sp>
+        <p:nvSpPr>
+          <p:cNvPr id="4" name="Slide Image Placeholder 3"/>
+          <p:cNvSpPr>
+            <a:spLocks noGrp="1" noRot="1" noChangeAspect="1"/>
+          </p:cNvSpPr>
+          <p:nvPr>
+            <p:ph type="sldImg" idx="2"/>
+          </p:nvPr>
+        </p:nvSpPr>
+        <p:spPr>
+          <a:xfrm>
+            <a:off x="1371600" y="1143000"/>
+            <a:ext cx="4114800" cy="3086100"/>
+          </a:xfrm>
+          <a:prstGeom prst="rect">
+            <a:avLst/>
+          </a:prstGeom>
+          <a:noFill/>
+          <a:ln w="12700">
+            <a:solidFill>
+              <a:prstClr val="black"/>
+            </a:solidFill>
+          </a:ln>
+        </p:spPr>
+        <p:txBody>
+          <a:bodyPr vert="horz" lIns="91440" tIns="45720" rIns="91440" bIns="45720" rtlCol="0" anchor="ctr"/>
+          <a:lstStyle/>
+          <a:p>
+            <a:endParaRPr lang="en-GB"/>
+          </a:p>
+        </p:txBody>
+      </p:sp>
+      <p:sp>
+        <p:nvSpPr>
+          <p:cNvPr id="5" name="Notes Placeholder 4"/>
+          <p:cNvSpPr>
+            <a:spLocks noGrp="1"/>
+          </p:cNvSpPr>
+          <p:nvPr>
+            <p:ph type="body" sz="quarter" idx="3"/>
+          </p:nvPr>
+        </p:nvSpPr>
+        <p:spPr>
+          <a:xfrm>
+            <a:off x="685800" y="4400550"/>
+            <a:ext cx="5486400" cy="3600450"/>
+          </a:xfrm>
+          <a:prstGeom prst="rect">
+            <a:avLst/>
+          </a:prstGeom>
+        </p:spPr>
+        <p:txBody>
+          <a:bodyPr vert="horz" lIns="91440" tIns="45720" rIns="91440" bIns="45720" rtlCol="0"/>
+          <a:lstStyle/>
+          <a:p>
+            <a:pPr lvl="0"/>
+            <a:r>
+              <a:rPr lang="en-US"/>
+              <a:t>Click to edit Master text styles</a:t>
+            </a:r>
+          </a:p>
+          <a:p>
+            <a:pPr lvl="1"/>
+            <a:r>
+              <a:rPr lang="en-US"/>
+              <a:t>Second level</a:t>
+            </a:r>
+          </a:p>
+          <a:p>
+            <a:pPr lvl="2"/>
+            <a:r>
+              <a:rPr lang="en-US"/>
+              <a:t>Third level</a:t>
+            </a:r>
+          </a:p>
+          <a:p>
+            <a:pPr lvl="3"/>
+            <a:r>
+              <a:rPr lang="en-US"/>
+              <a:t>Fourth level</a:t>
+            </a:r>
+          </a:p>
+          <a:p>
+            <a:pPr lvl="4"/>
+            <a:r>
+              <a:rPr lang="en-US"/>
+              <a:t>Fifth level</a:t>
+            </a:r>
+            <a:endParaRPr lang="en-GB"/>
+          </a:p>
+        </p:txBody>
+      </p:sp>
+      <p:sp>
+        <p:nvSpPr>
+          <p:cNvPr id="6" name="Footer Placeholder 5"/>
+          <p:cNvSpPr>
+            <a:spLocks noGrp="1"/>
+          </p:cNvSpPr>
+          <p:nvPr>
+            <p:ph type="ftr" sz="quarter" idx="4"/>
+          </p:nvPr>
+        </p:nvSpPr>
+        <p:spPr>
+          <a:xfrm>
+            <a:off x="0" y="8685213"/>
+            <a:ext cx="2971800" cy="458787"/>
+          </a:xfrm>
+          <a:prstGeom prst="rect">
+            <a:avLst/>
+          </a:prstGeom>
+        </p:spPr>
+        <p:txBody>
+          <a:bodyPr vert="horz" lIns="91440" tIns="45720" rIns="91440" bIns="45720" rtlCol="0" anchor="b"/>
+          <a:lstStyle>
+            <a:lvl1pPr algn="l">
+              <a:defRPr sz="1200"/>
+            </a:lvl1pPr>
+          </a:lstStyle>
+          <a:p>
+            <a:endParaRPr lang="en-GB"/>
+          </a:p>
+        </p:txBody>
+      </p:sp>
+      <p:sp>
+        <p:nvSpPr>
+          <p:cNvPr id="7" name="Slide Number Placeholder 6"/>
+          <p:cNvSpPr>
+            <a:spLocks noGrp="1"/>
+          </p:cNvSpPr>
+          <p:nvPr>
+            <p:ph type="sldNum" sz="quarter" idx="5"/>
+          </p:nvPr>
+        </p:nvSpPr>
+        <p:spPr>
+          <a:xfrm>
+            <a:off x="3884613" y="8685213"/>
+            <a:ext cx="2971800" cy="458787"/>
+          </a:xfrm>
+          <a:prstGeom prst="rect">
+            <a:avLst/>
+          </a:prstGeom>
+        </p:spPr>
+        <p:txBody>
+          <a:bodyPr vert="horz" lIns="91440" tIns="45720" rIns="91440" bIns="45720" rtlCol="0" anchor="b"/>
+          <a:lstStyle>
+            <a:lvl1pPr algn="r">
+              <a:defRPr sz="1200"/>
+            </a:lvl1pPr>
+          </a:lstStyle>
+          <a:p>
+            <a:fld id="{CBED2C08-AD98-45B5-84F2-FC10CCB1149B}" type="slidenum">
+              <a:rPr lang="en-GB" smtClean="0"/>
+              <a:t>‹#›</a:t>
+            </a:fld>
+            <a:endParaRPr lang="en-GB"/>
+          </a:p>
+        </p:txBody>
+      </p:sp>
+    </p:spTree>
+    <p:extLst>
+      <p:ext uri="{BB962C8B-B14F-4D97-AF65-F5344CB8AC3E}">
+        <p14:creationId xmlns:p14="http://schemas.microsoft.com/office/powerpoint/2010/main" val="1797256642"/>
+      </p:ext>
+    </p:extLst>
+  </p:cSld>
+  <p:clrMap bg1="lt1" tx1="dk1" bg2="lt2" tx2="dk2" accent1="accent1" accent2="accent2" accent3="accent3" accent4="accent4" accent5="accent5" accent6="accent6" hlink="hlink" folHlink="folHlink"/>
+  <p:notesStyle>
+    <a:lvl1pPr marL="0" algn="l" defTabSz="914400" rtl="0" eaLnBrk="1" latinLnBrk="0" hangingPunct="1">
+      <a:defRPr sz="1200" kern="1200">
+        <a:solidFill>
+          <a:schemeClr val="tx1"/>
+        </a:solidFill>
+        <a:latin typeface="+mn-lt"/>
+        <a:ea typeface="+mn-ea"/>
+        <a:cs typeface="+mn-cs"/>
+      </a:defRPr>
+    </a:lvl1pPr>
+    <a:lvl2pPr marL="457200" algn="l" defTabSz="914400" rtl="0" eaLnBrk="1" latinLnBrk="0" hangingPunct="1">
+      <a:defRPr sz="1200" kern="1200">
+        <a:solidFill>
+          <a:schemeClr val="tx1"/>
+        </a:solidFill>
+        <a:latin typeface="+mn-lt"/>
+        <a:ea typeface="+mn-ea"/>
+        <a:cs typeface="+mn-cs"/>
+      </a:defRPr>
+    </a:lvl2pPr>
+    <a:lvl3pPr marL="914400" algn="l" defTabSz="914400" rtl="0" eaLnBrk="1" latinLnBrk="0" hangingPunct="1">
+      <a:defRPr sz="1200" kern="1200">
+        <a:solidFill>
+          <a:schemeClr val="tx1"/>
+        </a:solidFill>
+        <a:latin typeface="+mn-lt"/>
+        <a:ea typeface="+mn-ea"/>
+        <a:cs typeface="+mn-cs"/>
+      </a:defRPr>
+    </a:lvl3pPr>
+    <a:lvl4pPr marL="1371600" algn="l" defTabSz="914400" rtl="0" eaLnBrk="1" latinLnBrk="0" hangingPunct="1">
+      <a:defRPr sz="1200" kern="1200">
+        <a:solidFill>
+          <a:schemeClr val="tx1"/>
+        </a:solidFill>
+        <a:latin typeface="+mn-lt"/>
+        <a:ea typeface="+mn-ea"/>
+        <a:cs typeface="+mn-cs"/>
+      </a:defRPr>
+    </a:lvl4pPr>
+    <a:lvl5pPr marL="1828800" algn="l" defTabSz="914400" rtl="0" eaLnBrk="1" latinLnBrk="0" hangingPunct="1">
+      <a:defRPr sz="1200" kern="1200">
+        <a:solidFill>
+          <a:schemeClr val="tx1"/>
+        </a:solidFill>
+        <a:latin typeface="+mn-lt"/>
+        <a:ea typeface="+mn-ea"/>
+        <a:cs typeface="+mn-cs"/>
+      </a:defRPr>
+    </a:lvl5pPr>
+    <a:lvl6pPr marL="2286000" algn="l" defTabSz="914400" rtl="0" eaLnBrk="1" latinLnBrk="0" hangingPunct="1">
+      <a:defRPr sz="1200" kern="1200">
+        <a:solidFill>
+          <a:schemeClr val="tx1"/>
+        </a:solidFill>
+        <a:latin typeface="+mn-lt"/>
+        <a:ea typeface="+mn-ea"/>
+        <a:cs typeface="+mn-cs"/>
+      </a:defRPr>
+    </a:lvl6pPr>
+    <a:lvl7pPr marL="2743200" algn="l" defTabSz="914400" rtl="0" eaLnBrk="1" latinLnBrk="0" hangingPunct="1">
+      <a:defRPr sz="1200" kern="1200">
+        <a:solidFill>
+          <a:schemeClr val="tx1"/>
+        </a:solidFill>
+        <a:latin typeface="+mn-lt"/>
+        <a:ea typeface="+mn-ea"/>
+        <a:cs typeface="+mn-cs"/>
+      </a:defRPr>
+    </a:lvl7pPr>
+    <a:lvl8pPr marL="3200400" algn="l" defTabSz="914400" rtl="0" eaLnBrk="1" latinLnBrk="0" hangingPunct="1">
+      <a:defRPr sz="1200" kern="1200">
+        <a:solidFill>
+          <a:schemeClr val="tx1"/>
+        </a:solidFill>
+        <a:latin typeface="+mn-lt"/>
+        <a:ea typeface="+mn-ea"/>
+        <a:cs typeface="+mn-cs"/>
+      </a:defRPr>
+    </a:lvl8pPr>
+    <a:lvl9pPr marL="3657600" algn="l" defTabSz="914400" rtl="0" eaLnBrk="1" latinLnBrk="0" hangingPunct="1">
+      <a:defRPr sz="1200" kern="1200">
+        <a:solidFill>
+          <a:schemeClr val="tx1"/>
+        </a:solidFill>
+        <a:latin typeface="+mn-lt"/>
+        <a:ea typeface="+mn-ea"/>
+        <a:cs typeface="+mn-cs"/>
+      </a:defRPr>
+    </a:lvl9pPr>
+  </p:notesStyle>
+</p:notesMaster>
+</file>
+
+<file path=ppt/notesSlides/notesSlide1.xml><?xml version="1.0" encoding="utf-8"?>
+<p:notes xmlns:a="http://schemas.openxmlformats.org/drawingml/2006/main" xmlns:r="http://schemas.openxmlformats.org/officeDocument/2006/relationships" xmlns:p="http://schemas.openxmlformats.org/presentationml/2006/main">
+  <p:cSld>
+    <p:spTree>
+      <p:nvGrpSpPr>
+        <p:cNvPr id="1" name=""/>
+        <p:cNvGrpSpPr/>
+        <p:nvPr/>
+      </p:nvGrpSpPr>
+      <p:grpSpPr>
+        <a:xfrm>
+          <a:off x="0" y="0"/>
+          <a:ext cx="0" cy="0"/>
+          <a:chOff x="0" y="0"/>
+          <a:chExt cx="0" cy="0"/>
+        </a:xfrm>
+      </p:grpSpPr>
+      <p:sp>
+        <p:nvSpPr>
+          <p:cNvPr id="2" name="Slide Image Placeholder 1"/>
+          <p:cNvSpPr>
+            <a:spLocks noGrp="1" noRot="1" noChangeAspect="1"/>
+          </p:cNvSpPr>
+          <p:nvPr>
+            <p:ph type="sldImg"/>
+          </p:nvPr>
+        </p:nvSpPr>
+        <p:spPr/>
+      </p:sp>
+      <p:sp>
+        <p:nvSpPr>
+          <p:cNvPr id="3" name="Notes Placeholder 2"/>
+          <p:cNvSpPr>
+            <a:spLocks noGrp="1"/>
+          </p:cNvSpPr>
+          <p:nvPr>
+            <p:ph type="body" idx="1"/>
+          </p:nvPr>
+        </p:nvSpPr>
+        <p:spPr/>
+        <p:txBody>
+          <a:bodyPr/>
+          <a:lstStyle/>
+          <a:p>
+            <a:pPr algn="l">
+              <a:buFont typeface="Arial" panose="020B0604020202020204" pitchFamily="34" charset="0"/>
+              <a:buChar char="•"/>
+            </a:pPr>
+            <a:r>
+              <a:rPr lang="en-US" b="0" i="0" dirty="0" err="1">
+                <a:solidFill>
+                  <a:srgbClr val="CC0000"/>
+                </a:solidFill>
+                <a:effectLst/>
+                <a:latin typeface="Courier New" panose="02070309020205020404" pitchFamily="49" charset="0"/>
+              </a:rPr>
+              <a:t>coll.size</a:t>
+            </a:r>
+            <a:r>
+              <a:rPr lang="en-US" b="0" i="0" dirty="0">
+                <a:solidFill>
+                  <a:srgbClr val="CC0000"/>
+                </a:solidFill>
+                <a:effectLst/>
+                <a:latin typeface="Courier New" panose="02070309020205020404" pitchFamily="49" charset="0"/>
+              </a:rPr>
+              <a:t>()</a:t>
+            </a:r>
+            <a:r>
+              <a:rPr lang="en-US" b="0" i="0" dirty="0">
+                <a:solidFill>
+                  <a:srgbClr val="000000"/>
+                </a:solidFill>
+                <a:effectLst/>
+                <a:latin typeface="Times New Roman" panose="02020603050405020304" pitchFamily="18" charset="0"/>
+              </a:rPr>
+              <a:t> — returns an </a:t>
+            </a:r>
+            <a:r>
+              <a:rPr lang="en-US" b="0" i="0" dirty="0">
+                <a:solidFill>
+                  <a:srgbClr val="0050C0"/>
+                </a:solidFill>
+                <a:effectLst/>
+                <a:latin typeface="Times New Roman" panose="02020603050405020304" pitchFamily="18" charset="0"/>
+              </a:rPr>
+              <a:t>int</a:t>
+            </a:r>
+            <a:r>
+              <a:rPr lang="en-US" b="0" i="0" dirty="0">
+                <a:solidFill>
+                  <a:srgbClr val="000000"/>
+                </a:solidFill>
+                <a:effectLst/>
+                <a:latin typeface="Times New Roman" panose="02020603050405020304" pitchFamily="18" charset="0"/>
+              </a:rPr>
+              <a:t> that gives the number of objects in the collection.</a:t>
+            </a:r>
+          </a:p>
+          <a:p>
+            <a:pPr algn="l">
+              <a:buFont typeface="Arial" panose="020B0604020202020204" pitchFamily="34" charset="0"/>
+              <a:buChar char="•"/>
+            </a:pPr>
+            <a:r>
+              <a:rPr lang="en-US" b="0" i="0" dirty="0" err="1">
+                <a:solidFill>
+                  <a:srgbClr val="CC0000"/>
+                </a:solidFill>
+                <a:effectLst/>
+                <a:latin typeface="Courier New" panose="02070309020205020404" pitchFamily="49" charset="0"/>
+              </a:rPr>
+              <a:t>coll.isEmpty</a:t>
+            </a:r>
+            <a:r>
+              <a:rPr lang="en-US" b="0" i="0" dirty="0">
+                <a:solidFill>
+                  <a:srgbClr val="CC0000"/>
+                </a:solidFill>
+                <a:effectLst/>
+                <a:latin typeface="Courier New" panose="02070309020205020404" pitchFamily="49" charset="0"/>
+              </a:rPr>
+              <a:t>()</a:t>
+            </a:r>
+            <a:r>
+              <a:rPr lang="en-US" b="0" i="0" dirty="0">
+                <a:solidFill>
+                  <a:srgbClr val="000000"/>
+                </a:solidFill>
+                <a:effectLst/>
+                <a:latin typeface="Times New Roman" panose="02020603050405020304" pitchFamily="18" charset="0"/>
+              </a:rPr>
+              <a:t> — returns a </a:t>
+            </a:r>
+            <a:r>
+              <a:rPr lang="en-US" b="0" i="0" dirty="0" err="1">
+                <a:solidFill>
+                  <a:srgbClr val="0050C0"/>
+                </a:solidFill>
+                <a:effectLst/>
+                <a:latin typeface="Times New Roman" panose="02020603050405020304" pitchFamily="18" charset="0"/>
+              </a:rPr>
+              <a:t>boolean</a:t>
+            </a:r>
+            <a:r>
+              <a:rPr lang="en-US" b="0" i="0" dirty="0">
+                <a:solidFill>
+                  <a:srgbClr val="000000"/>
+                </a:solidFill>
+                <a:effectLst/>
+                <a:latin typeface="Times New Roman" panose="02020603050405020304" pitchFamily="18" charset="0"/>
+              </a:rPr>
+              <a:t> value which is </a:t>
+            </a:r>
+            <a:r>
+              <a:rPr lang="en-US" b="0" i="0" dirty="0">
+                <a:solidFill>
+                  <a:srgbClr val="000000"/>
+                </a:solidFill>
+                <a:effectLst/>
+                <a:latin typeface="Courier New" panose="02070309020205020404" pitchFamily="49" charset="0"/>
+              </a:rPr>
+              <a:t>true</a:t>
+            </a:r>
+            <a:r>
+              <a:rPr lang="en-US" b="0" i="0" dirty="0">
+                <a:solidFill>
+                  <a:srgbClr val="000000"/>
+                </a:solidFill>
+                <a:effectLst/>
+                <a:latin typeface="Times New Roman" panose="02020603050405020304" pitchFamily="18" charset="0"/>
+              </a:rPr>
+              <a:t> if the size of the collection is 0.</a:t>
+            </a:r>
+          </a:p>
+          <a:p>
+            <a:pPr algn="l">
+              <a:buFont typeface="Arial" panose="020B0604020202020204" pitchFamily="34" charset="0"/>
+              <a:buChar char="•"/>
+            </a:pPr>
+            <a:r>
+              <a:rPr lang="en-US" b="0" i="0" dirty="0" err="1">
+                <a:solidFill>
+                  <a:srgbClr val="CC0000"/>
+                </a:solidFill>
+                <a:effectLst/>
+                <a:latin typeface="Courier New" panose="02070309020205020404" pitchFamily="49" charset="0"/>
+              </a:rPr>
+              <a:t>coll.clear</a:t>
+            </a:r>
+            <a:r>
+              <a:rPr lang="en-US" b="0" i="0" dirty="0">
+                <a:solidFill>
+                  <a:srgbClr val="CC0000"/>
+                </a:solidFill>
+                <a:effectLst/>
+                <a:latin typeface="Courier New" panose="02070309020205020404" pitchFamily="49" charset="0"/>
+              </a:rPr>
+              <a:t>()</a:t>
+            </a:r>
+            <a:r>
+              <a:rPr lang="en-US" b="0" i="0" dirty="0">
+                <a:solidFill>
+                  <a:srgbClr val="000000"/>
+                </a:solidFill>
+                <a:effectLst/>
+                <a:latin typeface="Times New Roman" panose="02020603050405020304" pitchFamily="18" charset="0"/>
+              </a:rPr>
+              <a:t> — removes all objects from the collection.</a:t>
+            </a:r>
+          </a:p>
+          <a:p>
+            <a:pPr algn="l">
+              <a:buFont typeface="Arial" panose="020B0604020202020204" pitchFamily="34" charset="0"/>
+              <a:buChar char="•"/>
+            </a:pPr>
+            <a:r>
+              <a:rPr lang="en-US" b="0" i="0" dirty="0" err="1">
+                <a:solidFill>
+                  <a:srgbClr val="CC0000"/>
+                </a:solidFill>
+                <a:effectLst/>
+                <a:latin typeface="Courier New" panose="02070309020205020404" pitchFamily="49" charset="0"/>
+              </a:rPr>
+              <a:t>coll.add</a:t>
+            </a:r>
+            <a:r>
+              <a:rPr lang="en-US" b="0" i="0" dirty="0">
+                <a:solidFill>
+                  <a:srgbClr val="CC0000"/>
+                </a:solidFill>
+                <a:effectLst/>
+                <a:latin typeface="Courier New" panose="02070309020205020404" pitchFamily="49" charset="0"/>
+              </a:rPr>
+              <a:t>(</a:t>
+            </a:r>
+            <a:r>
+              <a:rPr lang="en-US" b="0" i="0" dirty="0" err="1">
+                <a:solidFill>
+                  <a:srgbClr val="CC0000"/>
+                </a:solidFill>
+                <a:effectLst/>
+                <a:latin typeface="Courier New" panose="02070309020205020404" pitchFamily="49" charset="0"/>
+              </a:rPr>
+              <a:t>tobject</a:t>
+            </a:r>
+            <a:r>
+              <a:rPr lang="en-US" b="0" i="0" dirty="0">
+                <a:solidFill>
+                  <a:srgbClr val="CC0000"/>
+                </a:solidFill>
+                <a:effectLst/>
+                <a:latin typeface="Courier New" panose="02070309020205020404" pitchFamily="49" charset="0"/>
+              </a:rPr>
+              <a:t>)</a:t>
+            </a:r>
+            <a:r>
+              <a:rPr lang="en-US" b="0" i="0" dirty="0">
+                <a:solidFill>
+                  <a:srgbClr val="000000"/>
+                </a:solidFill>
+                <a:effectLst/>
+                <a:latin typeface="Times New Roman" panose="02020603050405020304" pitchFamily="18" charset="0"/>
+              </a:rPr>
+              <a:t> — adds </a:t>
+            </a:r>
+            <a:r>
+              <a:rPr lang="en-US" b="0" i="0" dirty="0" err="1">
+                <a:solidFill>
+                  <a:srgbClr val="000000"/>
+                </a:solidFill>
+                <a:effectLst/>
+                <a:latin typeface="Courier New" panose="02070309020205020404" pitchFamily="49" charset="0"/>
+              </a:rPr>
+              <a:t>tobject</a:t>
+            </a:r>
+            <a:r>
+              <a:rPr lang="en-US" b="0" i="0" dirty="0">
+                <a:solidFill>
+                  <a:srgbClr val="000000"/>
+                </a:solidFill>
+                <a:effectLst/>
+                <a:latin typeface="Times New Roman" panose="02020603050405020304" pitchFamily="18" charset="0"/>
+              </a:rPr>
+              <a:t> to the collection. The parameter must be of type </a:t>
+            </a:r>
+            <a:r>
+              <a:rPr lang="en-US" b="0" i="1" dirty="0">
+                <a:solidFill>
+                  <a:srgbClr val="0050C0"/>
+                </a:solidFill>
+                <a:effectLst/>
+                <a:latin typeface="Times New Roman" panose="02020603050405020304" pitchFamily="18" charset="0"/>
+              </a:rPr>
+              <a:t>T</a:t>
+            </a:r>
+            <a:r>
+              <a:rPr lang="en-US" b="0" i="0" dirty="0">
+                <a:solidFill>
+                  <a:srgbClr val="000000"/>
+                </a:solidFill>
+                <a:effectLst/>
+                <a:latin typeface="Times New Roman" panose="02020603050405020304" pitchFamily="18" charset="0"/>
+              </a:rPr>
+              <a:t>; if not, a syntax error occurs at compile time. (Remember that if </a:t>
+            </a:r>
+            <a:r>
+              <a:rPr lang="en-US" b="0" i="1" dirty="0">
+                <a:solidFill>
+                  <a:srgbClr val="0050C0"/>
+                </a:solidFill>
+                <a:effectLst/>
+                <a:latin typeface="Times New Roman" panose="02020603050405020304" pitchFamily="18" charset="0"/>
+              </a:rPr>
+              <a:t>T</a:t>
+            </a:r>
+            <a:r>
+              <a:rPr lang="en-US" b="0" i="0" dirty="0">
+                <a:solidFill>
+                  <a:srgbClr val="000000"/>
+                </a:solidFill>
+                <a:effectLst/>
+                <a:latin typeface="Times New Roman" panose="02020603050405020304" pitchFamily="18" charset="0"/>
+              </a:rPr>
+              <a:t> is a class, this includes objects belonging to a subclass of </a:t>
+            </a:r>
+            <a:r>
+              <a:rPr lang="en-US" b="0" i="1" dirty="0">
+                <a:solidFill>
+                  <a:srgbClr val="0050C0"/>
+                </a:solidFill>
+                <a:effectLst/>
+                <a:latin typeface="Times New Roman" panose="02020603050405020304" pitchFamily="18" charset="0"/>
+              </a:rPr>
+              <a:t>T</a:t>
+            </a:r>
+            <a:r>
+              <a:rPr lang="en-US" b="0" i="0" dirty="0">
+                <a:solidFill>
+                  <a:srgbClr val="000000"/>
+                </a:solidFill>
+                <a:effectLst/>
+                <a:latin typeface="Times New Roman" panose="02020603050405020304" pitchFamily="18" charset="0"/>
+              </a:rPr>
+              <a:t>, and if </a:t>
+            </a:r>
+            <a:r>
+              <a:rPr lang="en-US" b="0" i="1" dirty="0">
+                <a:solidFill>
+                  <a:srgbClr val="0050C0"/>
+                </a:solidFill>
+                <a:effectLst/>
+                <a:latin typeface="Times New Roman" panose="02020603050405020304" pitchFamily="18" charset="0"/>
+              </a:rPr>
+              <a:t>T</a:t>
+            </a:r>
+            <a:r>
+              <a:rPr lang="en-US" b="0" i="0" dirty="0">
+                <a:solidFill>
+                  <a:srgbClr val="000000"/>
+                </a:solidFill>
+                <a:effectLst/>
+                <a:latin typeface="Times New Roman" panose="02020603050405020304" pitchFamily="18" charset="0"/>
+              </a:rPr>
+              <a:t> is an interface, it includes any object that implements </a:t>
+            </a:r>
+            <a:r>
+              <a:rPr lang="en-US" b="0" i="1" dirty="0">
+                <a:solidFill>
+                  <a:srgbClr val="0050C0"/>
+                </a:solidFill>
+                <a:effectLst/>
+                <a:latin typeface="Times New Roman" panose="02020603050405020304" pitchFamily="18" charset="0"/>
+              </a:rPr>
+              <a:t>T</a:t>
+            </a:r>
+            <a:r>
+              <a:rPr lang="en-US" b="0" i="0" dirty="0">
+                <a:solidFill>
+                  <a:srgbClr val="000000"/>
+                </a:solidFill>
+                <a:effectLst/>
+                <a:latin typeface="Times New Roman" panose="02020603050405020304" pitchFamily="18" charset="0"/>
+              </a:rPr>
+              <a:t>.) The </a:t>
+            </a:r>
+            <a:r>
+              <a:rPr lang="en-US" b="0" i="0" dirty="0">
+                <a:solidFill>
+                  <a:srgbClr val="000000"/>
+                </a:solidFill>
+                <a:effectLst/>
+                <a:latin typeface="Courier New" panose="02070309020205020404" pitchFamily="49" charset="0"/>
+              </a:rPr>
+              <a:t>add()</a:t>
+            </a:r>
+            <a:r>
+              <a:rPr lang="en-US" b="0" i="0" dirty="0">
+                <a:solidFill>
+                  <a:srgbClr val="000000"/>
+                </a:solidFill>
+                <a:effectLst/>
+                <a:latin typeface="Times New Roman" panose="02020603050405020304" pitchFamily="18" charset="0"/>
+              </a:rPr>
+              <a:t> method returns a </a:t>
+            </a:r>
+            <a:r>
+              <a:rPr lang="en-US" b="0" i="0" dirty="0" err="1">
+                <a:solidFill>
+                  <a:srgbClr val="0050C0"/>
+                </a:solidFill>
+                <a:effectLst/>
+                <a:latin typeface="Times New Roman" panose="02020603050405020304" pitchFamily="18" charset="0"/>
+              </a:rPr>
+              <a:t>boolean</a:t>
+            </a:r>
+            <a:r>
+              <a:rPr lang="en-US" b="0" i="0" dirty="0">
+                <a:solidFill>
+                  <a:srgbClr val="000000"/>
+                </a:solidFill>
+                <a:effectLst/>
+                <a:latin typeface="Times New Roman" panose="02020603050405020304" pitchFamily="18" charset="0"/>
+              </a:rPr>
+              <a:t> value which tells you whether the operation actually modified the collection. For example, adding an object to a </a:t>
+            </a:r>
+            <a:r>
+              <a:rPr lang="en-US" b="0" i="0" dirty="0">
+                <a:solidFill>
+                  <a:srgbClr val="000000"/>
+                </a:solidFill>
+                <a:effectLst/>
+                <a:latin typeface="Courier New" panose="02070309020205020404" pitchFamily="49" charset="0"/>
+              </a:rPr>
+              <a:t>Set</a:t>
+            </a:r>
+            <a:r>
+              <a:rPr lang="en-US" b="0" i="0" dirty="0">
+                <a:solidFill>
+                  <a:srgbClr val="000000"/>
+                </a:solidFill>
+                <a:effectLst/>
+                <a:latin typeface="Times New Roman" panose="02020603050405020304" pitchFamily="18" charset="0"/>
+              </a:rPr>
+              <a:t> has no effect if that object was already in the set.</a:t>
+            </a:r>
+          </a:p>
+          <a:p>
+            <a:pPr algn="l">
+              <a:buFont typeface="Arial" panose="020B0604020202020204" pitchFamily="34" charset="0"/>
+              <a:buChar char="•"/>
+            </a:pPr>
+            <a:r>
+              <a:rPr lang="en-US" b="0" i="0" dirty="0" err="1">
+                <a:solidFill>
+                  <a:srgbClr val="CC0000"/>
+                </a:solidFill>
+                <a:effectLst/>
+                <a:latin typeface="Courier New" panose="02070309020205020404" pitchFamily="49" charset="0"/>
+              </a:rPr>
+              <a:t>coll.contains</a:t>
+            </a:r>
+            <a:r>
+              <a:rPr lang="en-US" b="0" i="0" dirty="0">
+                <a:solidFill>
+                  <a:srgbClr val="CC0000"/>
+                </a:solidFill>
+                <a:effectLst/>
+                <a:latin typeface="Courier New" panose="02070309020205020404" pitchFamily="49" charset="0"/>
+              </a:rPr>
+              <a:t>(object)</a:t>
+            </a:r>
+            <a:r>
+              <a:rPr lang="en-US" b="0" i="0" dirty="0">
+                <a:solidFill>
+                  <a:srgbClr val="000000"/>
+                </a:solidFill>
+                <a:effectLst/>
+                <a:latin typeface="Times New Roman" panose="02020603050405020304" pitchFamily="18" charset="0"/>
+              </a:rPr>
+              <a:t> — returns a </a:t>
+            </a:r>
+            <a:r>
+              <a:rPr lang="en-US" b="0" i="0" dirty="0" err="1">
+                <a:solidFill>
+                  <a:srgbClr val="0050C0"/>
+                </a:solidFill>
+                <a:effectLst/>
+                <a:latin typeface="Times New Roman" panose="02020603050405020304" pitchFamily="18" charset="0"/>
+              </a:rPr>
+              <a:t>boolean</a:t>
+            </a:r>
+            <a:r>
+              <a:rPr lang="en-US" b="0" i="0" dirty="0">
+                <a:solidFill>
+                  <a:srgbClr val="000000"/>
+                </a:solidFill>
+                <a:effectLst/>
+                <a:latin typeface="Times New Roman" panose="02020603050405020304" pitchFamily="18" charset="0"/>
+              </a:rPr>
+              <a:t> value that is true if </a:t>
+            </a:r>
+            <a:r>
+              <a:rPr lang="en-US" b="0" i="0" dirty="0">
+                <a:solidFill>
+                  <a:srgbClr val="000000"/>
+                </a:solidFill>
+                <a:effectLst/>
+                <a:latin typeface="Courier New" panose="02070309020205020404" pitchFamily="49" charset="0"/>
+              </a:rPr>
+              <a:t>object</a:t>
+            </a:r>
+            <a:r>
+              <a:rPr lang="en-US" b="0" i="0" dirty="0">
+                <a:solidFill>
+                  <a:srgbClr val="000000"/>
+                </a:solidFill>
+                <a:effectLst/>
+                <a:latin typeface="Times New Roman" panose="02020603050405020304" pitchFamily="18" charset="0"/>
+              </a:rPr>
+              <a:t> is in the collection. Note that </a:t>
+            </a:r>
+            <a:r>
+              <a:rPr lang="en-US" b="0" i="0" dirty="0">
+                <a:solidFill>
+                  <a:srgbClr val="000000"/>
+                </a:solidFill>
+                <a:effectLst/>
+                <a:latin typeface="Courier New" panose="02070309020205020404" pitchFamily="49" charset="0"/>
+              </a:rPr>
+              <a:t>object</a:t>
+            </a:r>
+            <a:r>
+              <a:rPr lang="en-US" b="0" i="0" dirty="0">
+                <a:solidFill>
+                  <a:srgbClr val="000000"/>
+                </a:solidFill>
+                <a:effectLst/>
+                <a:latin typeface="Times New Roman" panose="02020603050405020304" pitchFamily="18" charset="0"/>
+              </a:rPr>
+              <a:t> is </a:t>
+            </a:r>
+            <a:r>
+              <a:rPr lang="en-US" b="1" i="0" dirty="0">
+                <a:solidFill>
+                  <a:srgbClr val="000000"/>
+                </a:solidFill>
+                <a:effectLst/>
+                <a:latin typeface="Times New Roman" panose="02020603050405020304" pitchFamily="18" charset="0"/>
+              </a:rPr>
+              <a:t>not</a:t>
+            </a:r>
+            <a:r>
+              <a:rPr lang="en-US" b="0" i="0" dirty="0">
+                <a:solidFill>
+                  <a:srgbClr val="000000"/>
+                </a:solidFill>
+                <a:effectLst/>
+                <a:latin typeface="Times New Roman" panose="02020603050405020304" pitchFamily="18" charset="0"/>
+              </a:rPr>
+              <a:t> required to be of type </a:t>
+            </a:r>
+            <a:r>
+              <a:rPr lang="en-US" b="0" i="1" dirty="0">
+                <a:solidFill>
+                  <a:srgbClr val="0050C0"/>
+                </a:solidFill>
+                <a:effectLst/>
+                <a:latin typeface="Times New Roman" panose="02020603050405020304" pitchFamily="18" charset="0"/>
+              </a:rPr>
+              <a:t>T</a:t>
+            </a:r>
+            <a:r>
+              <a:rPr lang="en-US" b="0" i="0" dirty="0">
+                <a:solidFill>
+                  <a:srgbClr val="000000"/>
+                </a:solidFill>
+                <a:effectLst/>
+                <a:latin typeface="Times New Roman" panose="02020603050405020304" pitchFamily="18" charset="0"/>
+              </a:rPr>
+              <a:t>, since it makes sense to check whether </a:t>
+            </a:r>
+            <a:r>
+              <a:rPr lang="en-US" b="0" i="0" dirty="0">
+                <a:solidFill>
+                  <a:srgbClr val="000000"/>
+                </a:solidFill>
+                <a:effectLst/>
+                <a:latin typeface="Courier New" panose="02070309020205020404" pitchFamily="49" charset="0"/>
+              </a:rPr>
+              <a:t>object</a:t>
+            </a:r>
+            <a:r>
+              <a:rPr lang="en-US" b="0" i="0" dirty="0">
+                <a:solidFill>
+                  <a:srgbClr val="000000"/>
+                </a:solidFill>
+                <a:effectLst/>
+                <a:latin typeface="Times New Roman" panose="02020603050405020304" pitchFamily="18" charset="0"/>
+              </a:rPr>
+              <a:t> is in the collection, no matter what type </a:t>
+            </a:r>
+            <a:r>
+              <a:rPr lang="en-US" b="0" i="0" dirty="0">
+                <a:solidFill>
+                  <a:srgbClr val="000000"/>
+                </a:solidFill>
+                <a:effectLst/>
+                <a:latin typeface="Courier New" panose="02070309020205020404" pitchFamily="49" charset="0"/>
+              </a:rPr>
+              <a:t>object</a:t>
+            </a:r>
+            <a:r>
+              <a:rPr lang="en-US" b="0" i="0" dirty="0">
+                <a:solidFill>
+                  <a:srgbClr val="000000"/>
+                </a:solidFill>
+                <a:effectLst/>
+                <a:latin typeface="Times New Roman" panose="02020603050405020304" pitchFamily="18" charset="0"/>
+              </a:rPr>
+              <a:t> has. (For testing equality, </a:t>
+            </a:r>
+            <a:r>
+              <a:rPr lang="en-US" b="0" i="0" dirty="0">
+                <a:solidFill>
+                  <a:srgbClr val="000000"/>
+                </a:solidFill>
+                <a:effectLst/>
+                <a:latin typeface="Courier New" panose="02070309020205020404" pitchFamily="49" charset="0"/>
+              </a:rPr>
+              <a:t>null</a:t>
+            </a:r>
+            <a:r>
+              <a:rPr lang="en-US" b="0" i="0" dirty="0">
+                <a:solidFill>
+                  <a:srgbClr val="000000"/>
+                </a:solidFill>
+                <a:effectLst/>
+                <a:latin typeface="Times New Roman" panose="02020603050405020304" pitchFamily="18" charset="0"/>
+              </a:rPr>
+              <a:t> is considered to be equal to itself. The criterion for testing non-null objects for equality can differ from one kind of collection to another; see </a:t>
+            </a:r>
+            <a:r>
+              <a:rPr lang="en-US" b="0" i="0" u="sng" dirty="0">
+                <a:solidFill>
+                  <a:srgbClr val="553377"/>
+                </a:solidFill>
+                <a:effectLst/>
+                <a:latin typeface="Times New Roman" panose="02020603050405020304" pitchFamily="18" charset="0"/>
+                <a:hlinkClick r:id="rId3"/>
+              </a:rPr>
+              <a:t>Subsection 10.1.6</a:t>
+            </a:r>
+            <a:r>
+              <a:rPr lang="en-US" b="0" i="0" dirty="0">
+                <a:solidFill>
+                  <a:srgbClr val="000000"/>
+                </a:solidFill>
+                <a:effectLst/>
+                <a:latin typeface="Times New Roman" panose="02020603050405020304" pitchFamily="18" charset="0"/>
+              </a:rPr>
+              <a:t>, below.)</a:t>
+            </a:r>
+          </a:p>
+          <a:p>
+            <a:pPr algn="l">
+              <a:buFont typeface="Arial" panose="020B0604020202020204" pitchFamily="34" charset="0"/>
+              <a:buChar char="•"/>
+            </a:pPr>
+            <a:r>
+              <a:rPr lang="en-US" b="0" i="0" dirty="0" err="1">
+                <a:solidFill>
+                  <a:srgbClr val="CC0000"/>
+                </a:solidFill>
+                <a:effectLst/>
+                <a:latin typeface="Courier New" panose="02070309020205020404" pitchFamily="49" charset="0"/>
+              </a:rPr>
+              <a:t>coll.remove</a:t>
+            </a:r>
+            <a:r>
+              <a:rPr lang="en-US" b="0" i="0" dirty="0">
+                <a:solidFill>
+                  <a:srgbClr val="CC0000"/>
+                </a:solidFill>
+                <a:effectLst/>
+                <a:latin typeface="Courier New" panose="02070309020205020404" pitchFamily="49" charset="0"/>
+              </a:rPr>
+              <a:t>(object)</a:t>
+            </a:r>
+            <a:r>
+              <a:rPr lang="en-US" b="0" i="0" dirty="0">
+                <a:solidFill>
+                  <a:srgbClr val="000000"/>
+                </a:solidFill>
+                <a:effectLst/>
+                <a:latin typeface="Times New Roman" panose="02020603050405020304" pitchFamily="18" charset="0"/>
+              </a:rPr>
+              <a:t> — removes </a:t>
+            </a:r>
+            <a:r>
+              <a:rPr lang="en-US" b="0" i="0" dirty="0">
+                <a:solidFill>
+                  <a:srgbClr val="000000"/>
+                </a:solidFill>
+                <a:effectLst/>
+                <a:latin typeface="Courier New" panose="02070309020205020404" pitchFamily="49" charset="0"/>
+              </a:rPr>
+              <a:t>object</a:t>
+            </a:r>
+            <a:r>
+              <a:rPr lang="en-US" b="0" i="0" dirty="0">
+                <a:solidFill>
+                  <a:srgbClr val="000000"/>
+                </a:solidFill>
+                <a:effectLst/>
+                <a:latin typeface="Times New Roman" panose="02020603050405020304" pitchFamily="18" charset="0"/>
+              </a:rPr>
+              <a:t> from the collection, if it occurs in the collection, and returns a </a:t>
+            </a:r>
+            <a:r>
+              <a:rPr lang="en-US" b="0" i="0" dirty="0" err="1">
+                <a:solidFill>
+                  <a:srgbClr val="0050C0"/>
+                </a:solidFill>
+                <a:effectLst/>
+                <a:latin typeface="Times New Roman" panose="02020603050405020304" pitchFamily="18" charset="0"/>
+              </a:rPr>
+              <a:t>boolean</a:t>
+            </a:r>
+            <a:r>
+              <a:rPr lang="en-US" b="0" i="0" dirty="0">
+                <a:solidFill>
+                  <a:srgbClr val="000000"/>
+                </a:solidFill>
+                <a:effectLst/>
+                <a:latin typeface="Times New Roman" panose="02020603050405020304" pitchFamily="18" charset="0"/>
+              </a:rPr>
+              <a:t> value that tells you whether the object was found. Again, </a:t>
+            </a:r>
+            <a:r>
+              <a:rPr lang="en-US" b="0" i="0" dirty="0">
+                <a:solidFill>
+                  <a:srgbClr val="000000"/>
+                </a:solidFill>
+                <a:effectLst/>
+                <a:latin typeface="Courier New" panose="02070309020205020404" pitchFamily="49" charset="0"/>
+              </a:rPr>
+              <a:t>object</a:t>
+            </a:r>
+            <a:r>
+              <a:rPr lang="en-US" b="0" i="0" dirty="0">
+                <a:solidFill>
+                  <a:srgbClr val="000000"/>
+                </a:solidFill>
+                <a:effectLst/>
+                <a:latin typeface="Times New Roman" panose="02020603050405020304" pitchFamily="18" charset="0"/>
+              </a:rPr>
+              <a:t> is not required to be of type </a:t>
+            </a:r>
+            <a:r>
+              <a:rPr lang="en-US" b="0" i="1" dirty="0">
+                <a:solidFill>
+                  <a:srgbClr val="0050C0"/>
+                </a:solidFill>
+                <a:effectLst/>
+                <a:latin typeface="Times New Roman" panose="02020603050405020304" pitchFamily="18" charset="0"/>
+              </a:rPr>
+              <a:t>T</a:t>
+            </a:r>
+            <a:r>
+              <a:rPr lang="en-US" b="0" i="0" dirty="0">
+                <a:solidFill>
+                  <a:srgbClr val="000000"/>
+                </a:solidFill>
+                <a:effectLst/>
+                <a:latin typeface="Times New Roman" panose="02020603050405020304" pitchFamily="18" charset="0"/>
+              </a:rPr>
+              <a:t>. The test for equality is the same test that is used by </a:t>
+            </a:r>
+            <a:r>
+              <a:rPr lang="en-US" b="0" i="0" dirty="0">
+                <a:solidFill>
+                  <a:srgbClr val="000000"/>
+                </a:solidFill>
+                <a:effectLst/>
+                <a:latin typeface="Courier New" panose="02070309020205020404" pitchFamily="49" charset="0"/>
+              </a:rPr>
+              <a:t>contains()</a:t>
+            </a:r>
+            <a:r>
+              <a:rPr lang="en-US" b="0" i="0" dirty="0">
+                <a:solidFill>
+                  <a:srgbClr val="000000"/>
+                </a:solidFill>
+                <a:effectLst/>
+                <a:latin typeface="Times New Roman" panose="02020603050405020304" pitchFamily="18" charset="0"/>
+              </a:rPr>
+              <a:t>.</a:t>
+            </a:r>
+          </a:p>
+          <a:p>
+            <a:pPr algn="l">
+              <a:buFont typeface="Arial" panose="020B0604020202020204" pitchFamily="34" charset="0"/>
+              <a:buChar char="•"/>
+            </a:pPr>
+            <a:r>
+              <a:rPr lang="en-US" b="0" i="0" dirty="0" err="1">
+                <a:solidFill>
+                  <a:srgbClr val="CC0000"/>
+                </a:solidFill>
+                <a:effectLst/>
+                <a:latin typeface="Courier New" panose="02070309020205020404" pitchFamily="49" charset="0"/>
+              </a:rPr>
+              <a:t>coll.containsAll</a:t>
+            </a:r>
+            <a:r>
+              <a:rPr lang="en-US" b="0" i="0" dirty="0">
+                <a:solidFill>
+                  <a:srgbClr val="CC0000"/>
+                </a:solidFill>
+                <a:effectLst/>
+                <a:latin typeface="Courier New" panose="02070309020205020404" pitchFamily="49" charset="0"/>
+              </a:rPr>
+              <a:t>(coll2)</a:t>
+            </a:r>
+            <a:r>
+              <a:rPr lang="en-US" b="0" i="0" dirty="0">
+                <a:solidFill>
+                  <a:srgbClr val="000000"/>
+                </a:solidFill>
+                <a:effectLst/>
+                <a:latin typeface="Times New Roman" panose="02020603050405020304" pitchFamily="18" charset="0"/>
+              </a:rPr>
+              <a:t> — returns a </a:t>
+            </a:r>
+            <a:r>
+              <a:rPr lang="en-US" b="0" i="0" dirty="0" err="1">
+                <a:solidFill>
+                  <a:srgbClr val="0050C0"/>
+                </a:solidFill>
+                <a:effectLst/>
+                <a:latin typeface="Times New Roman" panose="02020603050405020304" pitchFamily="18" charset="0"/>
+              </a:rPr>
+              <a:t>boolean</a:t>
+            </a:r>
+            <a:r>
+              <a:rPr lang="en-US" b="0" i="0" dirty="0">
+                <a:solidFill>
+                  <a:srgbClr val="000000"/>
+                </a:solidFill>
+                <a:effectLst/>
+                <a:latin typeface="Times New Roman" panose="02020603050405020304" pitchFamily="18" charset="0"/>
+              </a:rPr>
+              <a:t> value that is true if every </a:t>
+            </a:r>
+            <a:r>
+              <a:rPr lang="en-US" b="0" i="0" dirty="0">
+                <a:solidFill>
+                  <a:srgbClr val="000000"/>
+                </a:solidFill>
+                <a:effectLst/>
+                <a:latin typeface="Courier New" panose="02070309020205020404" pitchFamily="49" charset="0"/>
+              </a:rPr>
+              <a:t>object</a:t>
+            </a:r>
+            <a:r>
+              <a:rPr lang="en-US" b="0" i="0" dirty="0">
+                <a:solidFill>
+                  <a:srgbClr val="000000"/>
+                </a:solidFill>
+                <a:effectLst/>
+                <a:latin typeface="Times New Roman" panose="02020603050405020304" pitchFamily="18" charset="0"/>
+              </a:rPr>
+              <a:t> in </a:t>
+            </a:r>
+            <a:r>
+              <a:rPr lang="en-US" b="0" i="0" dirty="0">
+                <a:solidFill>
+                  <a:srgbClr val="000000"/>
+                </a:solidFill>
+                <a:effectLst/>
+                <a:latin typeface="Courier New" panose="02070309020205020404" pitchFamily="49" charset="0"/>
+              </a:rPr>
+              <a:t>coll2</a:t>
+            </a:r>
+            <a:r>
+              <a:rPr lang="en-US" b="0" i="0" dirty="0">
+                <a:solidFill>
+                  <a:srgbClr val="000000"/>
+                </a:solidFill>
+                <a:effectLst/>
+                <a:latin typeface="Times New Roman" panose="02020603050405020304" pitchFamily="18" charset="0"/>
+              </a:rPr>
+              <a:t> is also in </a:t>
+            </a:r>
+            <a:r>
+              <a:rPr lang="en-US" b="0" i="0" dirty="0">
+                <a:solidFill>
+                  <a:srgbClr val="000000"/>
+                </a:solidFill>
+                <a:effectLst/>
+                <a:latin typeface="Courier New" panose="02070309020205020404" pitchFamily="49" charset="0"/>
+              </a:rPr>
+              <a:t>coll</a:t>
+            </a:r>
+            <a:r>
+              <a:rPr lang="en-US" b="0" i="0" dirty="0">
+                <a:solidFill>
+                  <a:srgbClr val="000000"/>
+                </a:solidFill>
+                <a:effectLst/>
+                <a:latin typeface="Times New Roman" panose="02020603050405020304" pitchFamily="18" charset="0"/>
+              </a:rPr>
+              <a:t>. The parameter can be any collection.</a:t>
+            </a:r>
+          </a:p>
+          <a:p>
+            <a:pPr algn="l">
+              <a:buFont typeface="Arial" panose="020B0604020202020204" pitchFamily="34" charset="0"/>
+              <a:buChar char="•"/>
+            </a:pPr>
+            <a:r>
+              <a:rPr lang="en-US" b="0" i="0" dirty="0" err="1">
+                <a:solidFill>
+                  <a:srgbClr val="CC0000"/>
+                </a:solidFill>
+                <a:effectLst/>
+                <a:latin typeface="Courier New" panose="02070309020205020404" pitchFamily="49" charset="0"/>
+              </a:rPr>
+              <a:t>coll.addAll</a:t>
+            </a:r>
+            <a:r>
+              <a:rPr lang="en-US" b="0" i="0" dirty="0">
+                <a:solidFill>
+                  <a:srgbClr val="CC0000"/>
+                </a:solidFill>
+                <a:effectLst/>
+                <a:latin typeface="Courier New" panose="02070309020205020404" pitchFamily="49" charset="0"/>
+              </a:rPr>
+              <a:t>(coll2)</a:t>
+            </a:r>
+            <a:r>
+              <a:rPr lang="en-US" b="0" i="0" dirty="0">
+                <a:solidFill>
+                  <a:srgbClr val="000000"/>
+                </a:solidFill>
+                <a:effectLst/>
+                <a:latin typeface="Times New Roman" panose="02020603050405020304" pitchFamily="18" charset="0"/>
+              </a:rPr>
+              <a:t> — adds all the objects in </a:t>
+            </a:r>
+            <a:r>
+              <a:rPr lang="en-US" b="0" i="0" dirty="0">
+                <a:solidFill>
+                  <a:srgbClr val="000000"/>
+                </a:solidFill>
+                <a:effectLst/>
+                <a:latin typeface="Courier New" panose="02070309020205020404" pitchFamily="49" charset="0"/>
+              </a:rPr>
+              <a:t>coll2</a:t>
+            </a:r>
+            <a:r>
+              <a:rPr lang="en-US" b="0" i="0" dirty="0">
+                <a:solidFill>
+                  <a:srgbClr val="000000"/>
+                </a:solidFill>
+                <a:effectLst/>
+                <a:latin typeface="Times New Roman" panose="02020603050405020304" pitchFamily="18" charset="0"/>
+              </a:rPr>
+              <a:t> to </a:t>
+            </a:r>
+            <a:r>
+              <a:rPr lang="en-US" b="0" i="0" dirty="0">
+                <a:solidFill>
+                  <a:srgbClr val="000000"/>
+                </a:solidFill>
+                <a:effectLst/>
+                <a:latin typeface="Courier New" panose="02070309020205020404" pitchFamily="49" charset="0"/>
+              </a:rPr>
+              <a:t>coll</a:t>
+            </a:r>
+            <a:r>
+              <a:rPr lang="en-US" b="0" i="0" dirty="0">
+                <a:solidFill>
+                  <a:srgbClr val="000000"/>
+                </a:solidFill>
+                <a:effectLst/>
+                <a:latin typeface="Times New Roman" panose="02020603050405020304" pitchFamily="18" charset="0"/>
+              </a:rPr>
+              <a:t>. The parameter, </a:t>
+            </a:r>
+            <a:r>
+              <a:rPr lang="en-US" b="0" i="0" dirty="0">
+                <a:solidFill>
+                  <a:srgbClr val="000000"/>
+                </a:solidFill>
+                <a:effectLst/>
+                <a:latin typeface="Courier New" panose="02070309020205020404" pitchFamily="49" charset="0"/>
+              </a:rPr>
+              <a:t>coll2</a:t>
+            </a:r>
+            <a:r>
+              <a:rPr lang="en-US" b="0" i="0" dirty="0">
+                <a:solidFill>
+                  <a:srgbClr val="000000"/>
+                </a:solidFill>
+                <a:effectLst/>
+                <a:latin typeface="Times New Roman" panose="02020603050405020304" pitchFamily="18" charset="0"/>
+              </a:rPr>
+              <a:t>, can be any collection of type </a:t>
+            </a:r>
+            <a:r>
+              <a:rPr lang="en-US" b="0" i="1" dirty="0">
+                <a:solidFill>
+                  <a:srgbClr val="0050C0"/>
+                </a:solidFill>
+                <a:effectLst/>
+                <a:latin typeface="Times New Roman" panose="02020603050405020304" pitchFamily="18" charset="0"/>
+              </a:rPr>
+              <a:t>Collection&lt;T&gt;</a:t>
+            </a:r>
+            <a:r>
+              <a:rPr lang="en-US" b="0" i="0" dirty="0">
+                <a:solidFill>
+                  <a:srgbClr val="000000"/>
+                </a:solidFill>
+                <a:effectLst/>
+                <a:latin typeface="Times New Roman" panose="02020603050405020304" pitchFamily="18" charset="0"/>
+              </a:rPr>
+              <a:t>. However, it can also be more general. For example, if </a:t>
+            </a:r>
+            <a:r>
+              <a:rPr lang="en-US" b="0" i="1" dirty="0">
+                <a:solidFill>
+                  <a:srgbClr val="0050C0"/>
+                </a:solidFill>
+                <a:effectLst/>
+                <a:latin typeface="Times New Roman" panose="02020603050405020304" pitchFamily="18" charset="0"/>
+              </a:rPr>
+              <a:t>T</a:t>
+            </a:r>
+            <a:r>
+              <a:rPr lang="en-US" b="0" i="0" dirty="0">
+                <a:solidFill>
+                  <a:srgbClr val="000000"/>
+                </a:solidFill>
+                <a:effectLst/>
+                <a:latin typeface="Times New Roman" panose="02020603050405020304" pitchFamily="18" charset="0"/>
+              </a:rPr>
+              <a:t> is a class and </a:t>
+            </a:r>
+            <a:r>
+              <a:rPr lang="en-US" b="0" i="1" dirty="0">
+                <a:solidFill>
+                  <a:srgbClr val="0050C0"/>
+                </a:solidFill>
+                <a:effectLst/>
+                <a:latin typeface="Times New Roman" panose="02020603050405020304" pitchFamily="18" charset="0"/>
+              </a:rPr>
+              <a:t>S</a:t>
+            </a:r>
+            <a:r>
+              <a:rPr lang="en-US" b="0" i="0" dirty="0">
+                <a:solidFill>
+                  <a:srgbClr val="000000"/>
+                </a:solidFill>
+                <a:effectLst/>
+                <a:latin typeface="Times New Roman" panose="02020603050405020304" pitchFamily="18" charset="0"/>
+              </a:rPr>
+              <a:t> is a sub-class of </a:t>
+            </a:r>
+            <a:r>
+              <a:rPr lang="en-US" b="0" i="1" dirty="0">
+                <a:solidFill>
+                  <a:srgbClr val="0050C0"/>
+                </a:solidFill>
+                <a:effectLst/>
+                <a:latin typeface="Times New Roman" panose="02020603050405020304" pitchFamily="18" charset="0"/>
+              </a:rPr>
+              <a:t>T</a:t>
+            </a:r>
+            <a:r>
+              <a:rPr lang="en-US" b="0" i="0" dirty="0">
+                <a:solidFill>
+                  <a:srgbClr val="000000"/>
+                </a:solidFill>
+                <a:effectLst/>
+                <a:latin typeface="Times New Roman" panose="02020603050405020304" pitchFamily="18" charset="0"/>
+              </a:rPr>
+              <a:t>, then </a:t>
+            </a:r>
+            <a:r>
+              <a:rPr lang="en-US" b="0" i="0" dirty="0">
+                <a:solidFill>
+                  <a:srgbClr val="000000"/>
+                </a:solidFill>
+                <a:effectLst/>
+                <a:latin typeface="Courier New" panose="02070309020205020404" pitchFamily="49" charset="0"/>
+              </a:rPr>
+              <a:t>coll2</a:t>
+            </a:r>
+            <a:r>
+              <a:rPr lang="en-US" b="0" i="0" dirty="0">
+                <a:solidFill>
+                  <a:srgbClr val="000000"/>
+                </a:solidFill>
+                <a:effectLst/>
+                <a:latin typeface="Times New Roman" panose="02020603050405020304" pitchFamily="18" charset="0"/>
+              </a:rPr>
+              <a:t> can be of type </a:t>
+            </a:r>
+            <a:r>
+              <a:rPr lang="en-US" b="0" i="1" dirty="0">
+                <a:solidFill>
+                  <a:srgbClr val="0050C0"/>
+                </a:solidFill>
+                <a:effectLst/>
+                <a:latin typeface="Times New Roman" panose="02020603050405020304" pitchFamily="18" charset="0"/>
+              </a:rPr>
+              <a:t>Collection&lt;S&gt;</a:t>
+            </a:r>
+            <a:r>
+              <a:rPr lang="en-US" b="0" i="0" dirty="0">
+                <a:solidFill>
+                  <a:srgbClr val="000000"/>
+                </a:solidFill>
+                <a:effectLst/>
+                <a:latin typeface="Times New Roman" panose="02020603050405020304" pitchFamily="18" charset="0"/>
+              </a:rPr>
+              <a:t>. This makes sense because any object of type </a:t>
+            </a:r>
+            <a:r>
+              <a:rPr lang="en-US" b="0" i="1" dirty="0">
+                <a:solidFill>
+                  <a:srgbClr val="0050C0"/>
+                </a:solidFill>
+                <a:effectLst/>
+                <a:latin typeface="Times New Roman" panose="02020603050405020304" pitchFamily="18" charset="0"/>
+              </a:rPr>
+              <a:t>S</a:t>
+            </a:r>
+            <a:r>
+              <a:rPr lang="en-US" b="0" i="0" dirty="0">
+                <a:solidFill>
+                  <a:srgbClr val="000000"/>
+                </a:solidFill>
+                <a:effectLst/>
+                <a:latin typeface="Times New Roman" panose="02020603050405020304" pitchFamily="18" charset="0"/>
+              </a:rPr>
+              <a:t> is automatically of type </a:t>
+            </a:r>
+            <a:r>
+              <a:rPr lang="en-US" b="0" i="1" dirty="0">
+                <a:solidFill>
+                  <a:srgbClr val="0050C0"/>
+                </a:solidFill>
+                <a:effectLst/>
+                <a:latin typeface="Times New Roman" panose="02020603050405020304" pitchFamily="18" charset="0"/>
+              </a:rPr>
+              <a:t>T</a:t>
+            </a:r>
+            <a:r>
+              <a:rPr lang="en-US" b="0" i="0" dirty="0">
+                <a:solidFill>
+                  <a:srgbClr val="000000"/>
+                </a:solidFill>
+                <a:effectLst/>
+                <a:latin typeface="Times New Roman" panose="02020603050405020304" pitchFamily="18" charset="0"/>
+              </a:rPr>
+              <a:t> and so can legally be added to </a:t>
+            </a:r>
+            <a:r>
+              <a:rPr lang="en-US" b="0" i="0" dirty="0">
+                <a:solidFill>
+                  <a:srgbClr val="000000"/>
+                </a:solidFill>
+                <a:effectLst/>
+                <a:latin typeface="Courier New" panose="02070309020205020404" pitchFamily="49" charset="0"/>
+              </a:rPr>
+              <a:t>coll</a:t>
+            </a:r>
+            <a:r>
+              <a:rPr lang="en-US" b="0" i="0" dirty="0">
+                <a:solidFill>
+                  <a:srgbClr val="000000"/>
+                </a:solidFill>
+                <a:effectLst/>
+                <a:latin typeface="Times New Roman" panose="02020603050405020304" pitchFamily="18" charset="0"/>
+              </a:rPr>
+              <a:t>.</a:t>
+            </a:r>
+          </a:p>
+          <a:p>
+            <a:pPr algn="l">
+              <a:buFont typeface="Arial" panose="020B0604020202020204" pitchFamily="34" charset="0"/>
+              <a:buChar char="•"/>
+            </a:pPr>
+            <a:r>
+              <a:rPr lang="en-US" b="0" i="0" dirty="0" err="1">
+                <a:solidFill>
+                  <a:srgbClr val="CC0000"/>
+                </a:solidFill>
+                <a:effectLst/>
+                <a:latin typeface="Courier New" panose="02070309020205020404" pitchFamily="49" charset="0"/>
+              </a:rPr>
+              <a:t>coll.removeAll</a:t>
+            </a:r>
+            <a:r>
+              <a:rPr lang="en-US" b="0" i="0" dirty="0">
+                <a:solidFill>
+                  <a:srgbClr val="CC0000"/>
+                </a:solidFill>
+                <a:effectLst/>
+                <a:latin typeface="Courier New" panose="02070309020205020404" pitchFamily="49" charset="0"/>
+              </a:rPr>
+              <a:t>(coll2)</a:t>
+            </a:r>
+            <a:r>
+              <a:rPr lang="en-US" b="0" i="0" dirty="0">
+                <a:solidFill>
+                  <a:srgbClr val="000000"/>
+                </a:solidFill>
+                <a:effectLst/>
+                <a:latin typeface="Times New Roman" panose="02020603050405020304" pitchFamily="18" charset="0"/>
+              </a:rPr>
+              <a:t> — removes every </a:t>
+            </a:r>
+            <a:r>
+              <a:rPr lang="en-US" b="0" i="0" dirty="0">
+                <a:solidFill>
+                  <a:srgbClr val="000000"/>
+                </a:solidFill>
+                <a:effectLst/>
+                <a:latin typeface="Courier New" panose="02070309020205020404" pitchFamily="49" charset="0"/>
+              </a:rPr>
+              <a:t>object</a:t>
+            </a:r>
+            <a:r>
+              <a:rPr lang="en-US" b="0" i="0" dirty="0">
+                <a:solidFill>
+                  <a:srgbClr val="000000"/>
+                </a:solidFill>
+                <a:effectLst/>
+                <a:latin typeface="Times New Roman" panose="02020603050405020304" pitchFamily="18" charset="0"/>
+              </a:rPr>
+              <a:t> from </a:t>
+            </a:r>
+            <a:r>
+              <a:rPr lang="en-US" b="0" i="0" dirty="0" err="1">
+                <a:solidFill>
+                  <a:srgbClr val="000000"/>
+                </a:solidFill>
+                <a:effectLst/>
+                <a:latin typeface="Courier New" panose="02070309020205020404" pitchFamily="49" charset="0"/>
+              </a:rPr>
+              <a:t>coll</a:t>
+            </a:r>
+            <a:r>
+              <a:rPr lang="en-US" b="0" i="0" dirty="0">
+                <a:solidFill>
+                  <a:srgbClr val="000000"/>
+                </a:solidFill>
+                <a:effectLst/>
+                <a:latin typeface="Times New Roman" panose="02020603050405020304" pitchFamily="18" charset="0"/>
+              </a:rPr>
+              <a:t> that also occurs in the collection </a:t>
+            </a:r>
+            <a:r>
+              <a:rPr lang="en-US" b="0" i="0" dirty="0">
+                <a:solidFill>
+                  <a:srgbClr val="000000"/>
+                </a:solidFill>
+                <a:effectLst/>
+                <a:latin typeface="Courier New" panose="02070309020205020404" pitchFamily="49" charset="0"/>
+              </a:rPr>
+              <a:t>coll2</a:t>
+            </a:r>
+            <a:r>
+              <a:rPr lang="en-US" b="0" i="0" dirty="0">
+                <a:solidFill>
+                  <a:srgbClr val="000000"/>
+                </a:solidFill>
+                <a:effectLst/>
+                <a:latin typeface="Times New Roman" panose="02020603050405020304" pitchFamily="18" charset="0"/>
+              </a:rPr>
+              <a:t>. </a:t>
+            </a:r>
+            <a:r>
+              <a:rPr lang="en-US" b="0" i="0" dirty="0">
+                <a:solidFill>
+                  <a:srgbClr val="000000"/>
+                </a:solidFill>
+                <a:effectLst/>
+                <a:latin typeface="Courier New" panose="02070309020205020404" pitchFamily="49" charset="0"/>
+              </a:rPr>
+              <a:t>coll2</a:t>
+            </a:r>
+            <a:r>
+              <a:rPr lang="en-US" b="0" i="0" dirty="0">
+                <a:solidFill>
+                  <a:srgbClr val="000000"/>
+                </a:solidFill>
+                <a:effectLst/>
+                <a:latin typeface="Times New Roman" panose="02020603050405020304" pitchFamily="18" charset="0"/>
+              </a:rPr>
+              <a:t> can be any collection.</a:t>
+            </a:r>
+          </a:p>
+          <a:p>
+            <a:pPr algn="l">
+              <a:buFont typeface="Arial" panose="020B0604020202020204" pitchFamily="34" charset="0"/>
+              <a:buChar char="•"/>
+            </a:pPr>
+            <a:r>
+              <a:rPr lang="en-US" b="0" i="0" dirty="0" err="1">
+                <a:solidFill>
+                  <a:srgbClr val="CC0000"/>
+                </a:solidFill>
+                <a:effectLst/>
+                <a:latin typeface="Courier New" panose="02070309020205020404" pitchFamily="49" charset="0"/>
+              </a:rPr>
+              <a:t>coll.retainAll</a:t>
+            </a:r>
+            <a:r>
+              <a:rPr lang="en-US" b="0" i="0" dirty="0">
+                <a:solidFill>
+                  <a:srgbClr val="CC0000"/>
+                </a:solidFill>
+                <a:effectLst/>
+                <a:latin typeface="Courier New" panose="02070309020205020404" pitchFamily="49" charset="0"/>
+              </a:rPr>
+              <a:t>(coll2)</a:t>
+            </a:r>
+            <a:r>
+              <a:rPr lang="en-US" b="0" i="0" dirty="0">
+                <a:solidFill>
+                  <a:srgbClr val="000000"/>
+                </a:solidFill>
+                <a:effectLst/>
+                <a:latin typeface="Times New Roman" panose="02020603050405020304" pitchFamily="18" charset="0"/>
+              </a:rPr>
+              <a:t> — removes every </a:t>
+            </a:r>
+            <a:r>
+              <a:rPr lang="en-US" b="0" i="0" dirty="0">
+                <a:solidFill>
+                  <a:srgbClr val="000000"/>
+                </a:solidFill>
+                <a:effectLst/>
+                <a:latin typeface="Courier New" panose="02070309020205020404" pitchFamily="49" charset="0"/>
+              </a:rPr>
+              <a:t>object</a:t>
+            </a:r>
+            <a:r>
+              <a:rPr lang="en-US" b="0" i="0" dirty="0">
+                <a:solidFill>
+                  <a:srgbClr val="000000"/>
+                </a:solidFill>
+                <a:effectLst/>
+                <a:latin typeface="Times New Roman" panose="02020603050405020304" pitchFamily="18" charset="0"/>
+              </a:rPr>
+              <a:t> from </a:t>
+            </a:r>
+            <a:r>
+              <a:rPr lang="en-US" b="0" i="0" dirty="0" err="1">
+                <a:solidFill>
+                  <a:srgbClr val="000000"/>
+                </a:solidFill>
+                <a:effectLst/>
+                <a:latin typeface="Courier New" panose="02070309020205020404" pitchFamily="49" charset="0"/>
+              </a:rPr>
+              <a:t>coll</a:t>
+            </a:r>
+            <a:r>
+              <a:rPr lang="en-US" b="0" i="0" dirty="0">
+                <a:solidFill>
+                  <a:srgbClr val="000000"/>
+                </a:solidFill>
+                <a:effectLst/>
+                <a:latin typeface="Times New Roman" panose="02020603050405020304" pitchFamily="18" charset="0"/>
+              </a:rPr>
+              <a:t> that </a:t>
+            </a:r>
+            <a:r>
+              <a:rPr lang="en-US" b="1" i="0" dirty="0">
+                <a:solidFill>
+                  <a:srgbClr val="000000"/>
+                </a:solidFill>
+                <a:effectLst/>
+                <a:latin typeface="Times New Roman" panose="02020603050405020304" pitchFamily="18" charset="0"/>
+              </a:rPr>
+              <a:t>does not occur</a:t>
+            </a:r>
+            <a:r>
+              <a:rPr lang="en-US" b="0" i="0" dirty="0">
+                <a:solidFill>
+                  <a:srgbClr val="000000"/>
+                </a:solidFill>
+                <a:effectLst/>
+                <a:latin typeface="Times New Roman" panose="02020603050405020304" pitchFamily="18" charset="0"/>
+              </a:rPr>
+              <a:t> in the collection </a:t>
+            </a:r>
+            <a:r>
+              <a:rPr lang="en-US" b="0" i="0" dirty="0">
+                <a:solidFill>
+                  <a:srgbClr val="000000"/>
+                </a:solidFill>
+                <a:effectLst/>
+                <a:latin typeface="Courier New" panose="02070309020205020404" pitchFamily="49" charset="0"/>
+              </a:rPr>
+              <a:t>coll2</a:t>
+            </a:r>
+            <a:r>
+              <a:rPr lang="en-US" b="0" i="0" dirty="0">
+                <a:solidFill>
+                  <a:srgbClr val="000000"/>
+                </a:solidFill>
+                <a:effectLst/>
+                <a:latin typeface="Times New Roman" panose="02020603050405020304" pitchFamily="18" charset="0"/>
+              </a:rPr>
+              <a:t>. It "retains" only the objects that do occur in </a:t>
+            </a:r>
+            <a:r>
+              <a:rPr lang="en-US" b="0" i="0" dirty="0">
+                <a:solidFill>
+                  <a:srgbClr val="000000"/>
+                </a:solidFill>
+                <a:effectLst/>
+                <a:latin typeface="Courier New" panose="02070309020205020404" pitchFamily="49" charset="0"/>
+              </a:rPr>
+              <a:t>coll2</a:t>
+            </a:r>
+            <a:r>
+              <a:rPr lang="en-US" b="0" i="0" dirty="0">
+                <a:solidFill>
+                  <a:srgbClr val="000000"/>
+                </a:solidFill>
+                <a:effectLst/>
+                <a:latin typeface="Times New Roman" panose="02020603050405020304" pitchFamily="18" charset="0"/>
+              </a:rPr>
+              <a:t>. </a:t>
+            </a:r>
+            <a:r>
+              <a:rPr lang="en-US" b="0" i="0" dirty="0">
+                <a:solidFill>
+                  <a:srgbClr val="000000"/>
+                </a:solidFill>
+                <a:effectLst/>
+                <a:latin typeface="Courier New" panose="02070309020205020404" pitchFamily="49" charset="0"/>
+              </a:rPr>
+              <a:t>coll2</a:t>
+            </a:r>
+            <a:r>
+              <a:rPr lang="en-US" b="0" i="0" dirty="0">
+                <a:solidFill>
+                  <a:srgbClr val="000000"/>
+                </a:solidFill>
+                <a:effectLst/>
+                <a:latin typeface="Times New Roman" panose="02020603050405020304" pitchFamily="18" charset="0"/>
+              </a:rPr>
+              <a:t> can be any collection.</a:t>
+            </a:r>
+          </a:p>
+          <a:p>
+            <a:pPr algn="l">
+              <a:buFont typeface="Arial" panose="020B0604020202020204" pitchFamily="34" charset="0"/>
+              <a:buChar char="•"/>
+            </a:pPr>
+            <a:r>
+              <a:rPr lang="en-US" b="0" i="0" dirty="0" err="1">
+                <a:solidFill>
+                  <a:srgbClr val="CC0000"/>
+                </a:solidFill>
+                <a:effectLst/>
+                <a:latin typeface="Courier New" panose="02070309020205020404" pitchFamily="49" charset="0"/>
+              </a:rPr>
+              <a:t>coll.toArray</a:t>
+            </a:r>
+            <a:r>
+              <a:rPr lang="en-US" b="0" i="0" dirty="0">
+                <a:solidFill>
+                  <a:srgbClr val="CC0000"/>
+                </a:solidFill>
+                <a:effectLst/>
+                <a:latin typeface="Courier New" panose="02070309020205020404" pitchFamily="49" charset="0"/>
+              </a:rPr>
+              <a:t>()</a:t>
+            </a:r>
+            <a:r>
+              <a:rPr lang="en-US" b="0" i="0" dirty="0">
+                <a:solidFill>
+                  <a:srgbClr val="000000"/>
+                </a:solidFill>
+                <a:effectLst/>
+                <a:latin typeface="Times New Roman" panose="02020603050405020304" pitchFamily="18" charset="0"/>
+              </a:rPr>
+              <a:t> — returns an array of type </a:t>
+            </a:r>
+            <a:r>
+              <a:rPr lang="en-US" b="0" i="0" dirty="0">
+                <a:solidFill>
+                  <a:srgbClr val="0050C0"/>
+                </a:solidFill>
+                <a:effectLst/>
+                <a:latin typeface="Courier New" panose="02070309020205020404" pitchFamily="49" charset="0"/>
+              </a:rPr>
+              <a:t>Object[]</a:t>
+            </a:r>
+            <a:r>
+              <a:rPr lang="en-US" b="0" i="0" dirty="0">
+                <a:solidFill>
+                  <a:srgbClr val="000000"/>
+                </a:solidFill>
+                <a:effectLst/>
+                <a:latin typeface="Times New Roman" panose="02020603050405020304" pitchFamily="18" charset="0"/>
+              </a:rPr>
+              <a:t> that contains all the items in the collection. Note that the return type is </a:t>
+            </a:r>
+            <a:r>
+              <a:rPr lang="en-US" b="0" i="0" dirty="0">
+                <a:solidFill>
+                  <a:srgbClr val="0050C0"/>
+                </a:solidFill>
+                <a:effectLst/>
+                <a:latin typeface="Courier New" panose="02070309020205020404" pitchFamily="49" charset="0"/>
+              </a:rPr>
+              <a:t>Object[]</a:t>
+            </a:r>
+            <a:r>
+              <a:rPr lang="en-US" b="0" i="0" dirty="0">
+                <a:solidFill>
+                  <a:srgbClr val="000000"/>
+                </a:solidFill>
+                <a:effectLst/>
+                <a:latin typeface="Times New Roman" panose="02020603050405020304" pitchFamily="18" charset="0"/>
+              </a:rPr>
+              <a:t>, not </a:t>
+            </a:r>
+            <a:r>
+              <a:rPr lang="en-US" b="0" i="0" dirty="0">
+                <a:solidFill>
+                  <a:srgbClr val="0050C0"/>
+                </a:solidFill>
+                <a:effectLst/>
+                <a:latin typeface="Courier New" panose="02070309020205020404" pitchFamily="49" charset="0"/>
+              </a:rPr>
+              <a:t>T[]</a:t>
+            </a:r>
+            <a:r>
+              <a:rPr lang="en-US" b="0" i="0" dirty="0">
+                <a:solidFill>
+                  <a:srgbClr val="000000"/>
+                </a:solidFill>
+                <a:effectLst/>
+                <a:latin typeface="Times New Roman" panose="02020603050405020304" pitchFamily="18" charset="0"/>
+              </a:rPr>
+              <a:t>! However, there is another version of this method that takes an array of type </a:t>
+            </a:r>
+            <a:r>
+              <a:rPr lang="en-US" b="0" i="0" dirty="0">
+                <a:solidFill>
+                  <a:srgbClr val="0050C0"/>
+                </a:solidFill>
+                <a:effectLst/>
+                <a:latin typeface="Courier New" panose="02070309020205020404" pitchFamily="49" charset="0"/>
+              </a:rPr>
+              <a:t>T[]</a:t>
+            </a:r>
+            <a:r>
+              <a:rPr lang="en-US" b="0" i="0" dirty="0">
+                <a:solidFill>
+                  <a:srgbClr val="000000"/>
+                </a:solidFill>
+                <a:effectLst/>
+                <a:latin typeface="Times New Roman" panose="02020603050405020304" pitchFamily="18" charset="0"/>
+              </a:rPr>
+              <a:t> as a parameter: the method </a:t>
+            </a:r>
+            <a:r>
+              <a:rPr lang="en-US" b="0" i="0" dirty="0" err="1">
+                <a:solidFill>
+                  <a:srgbClr val="000000"/>
+                </a:solidFill>
+                <a:effectLst/>
+                <a:latin typeface="Courier New" panose="02070309020205020404" pitchFamily="49" charset="0"/>
+              </a:rPr>
+              <a:t>coll.toArray</a:t>
+            </a:r>
+            <a:r>
+              <a:rPr lang="en-US" b="0" i="0" dirty="0">
+                <a:solidFill>
+                  <a:srgbClr val="000000"/>
+                </a:solidFill>
+                <a:effectLst/>
+                <a:latin typeface="Courier New" panose="02070309020205020404" pitchFamily="49" charset="0"/>
+              </a:rPr>
+              <a:t>(</a:t>
+            </a:r>
+            <a:r>
+              <a:rPr lang="en-US" b="0" i="0" dirty="0" err="1">
+                <a:solidFill>
+                  <a:srgbClr val="000000"/>
+                </a:solidFill>
+                <a:effectLst/>
+                <a:latin typeface="Courier New" panose="02070309020205020404" pitchFamily="49" charset="0"/>
+              </a:rPr>
+              <a:t>tarray</a:t>
+            </a:r>
+            <a:r>
+              <a:rPr lang="en-US" b="0" i="0" dirty="0">
+                <a:solidFill>
+                  <a:srgbClr val="000000"/>
+                </a:solidFill>
+                <a:effectLst/>
+                <a:latin typeface="Courier New" panose="02070309020205020404" pitchFamily="49" charset="0"/>
+              </a:rPr>
+              <a:t>)</a:t>
+            </a:r>
+            <a:r>
+              <a:rPr lang="en-US" b="0" i="0" dirty="0">
+                <a:solidFill>
+                  <a:srgbClr val="000000"/>
+                </a:solidFill>
+                <a:effectLst/>
+                <a:latin typeface="Times New Roman" panose="02020603050405020304" pitchFamily="18" charset="0"/>
+              </a:rPr>
+              <a:t> returns an array of type </a:t>
+            </a:r>
+            <a:r>
+              <a:rPr lang="en-US" b="0" i="0" dirty="0">
+                <a:solidFill>
+                  <a:srgbClr val="0050C0"/>
+                </a:solidFill>
+                <a:effectLst/>
+                <a:latin typeface="Courier New" panose="02070309020205020404" pitchFamily="49" charset="0"/>
+              </a:rPr>
+              <a:t>T[]</a:t>
+            </a:r>
+            <a:r>
+              <a:rPr lang="en-US" b="0" i="0" dirty="0">
+                <a:solidFill>
+                  <a:srgbClr val="000000"/>
+                </a:solidFill>
+                <a:effectLst/>
+                <a:latin typeface="Times New Roman" panose="02020603050405020304" pitchFamily="18" charset="0"/>
+              </a:rPr>
+              <a:t> containing all the items in the collection. If the array parameter </a:t>
+            </a:r>
+            <a:r>
+              <a:rPr lang="en-US" b="0" i="0" dirty="0" err="1">
+                <a:solidFill>
+                  <a:srgbClr val="000000"/>
+                </a:solidFill>
+                <a:effectLst/>
+                <a:latin typeface="Courier New" panose="02070309020205020404" pitchFamily="49" charset="0"/>
+              </a:rPr>
+              <a:t>tarray</a:t>
+            </a:r>
+            <a:r>
+              <a:rPr lang="en-US" b="0" i="0" dirty="0">
+                <a:solidFill>
+                  <a:srgbClr val="000000"/>
+                </a:solidFill>
+                <a:effectLst/>
+                <a:latin typeface="Times New Roman" panose="02020603050405020304" pitchFamily="18" charset="0"/>
+              </a:rPr>
+              <a:t> is large enough to hold the entire collection, then the items are stored in </a:t>
+            </a:r>
+            <a:r>
+              <a:rPr lang="en-US" b="0" i="0" dirty="0" err="1">
+                <a:solidFill>
+                  <a:srgbClr val="000000"/>
+                </a:solidFill>
+                <a:effectLst/>
+                <a:latin typeface="Courier New" panose="02070309020205020404" pitchFamily="49" charset="0"/>
+              </a:rPr>
+              <a:t>tarray</a:t>
+            </a:r>
+            <a:r>
+              <a:rPr lang="en-US" b="0" i="0" dirty="0">
+                <a:solidFill>
+                  <a:srgbClr val="000000"/>
+                </a:solidFill>
+                <a:effectLst/>
+                <a:latin typeface="Times New Roman" panose="02020603050405020304" pitchFamily="18" charset="0"/>
+              </a:rPr>
+              <a:t> and </a:t>
+            </a:r>
+            <a:r>
+              <a:rPr lang="en-US" b="0" i="0" dirty="0" err="1">
+                <a:solidFill>
+                  <a:srgbClr val="000000"/>
+                </a:solidFill>
+                <a:effectLst/>
+                <a:latin typeface="Courier New" panose="02070309020205020404" pitchFamily="49" charset="0"/>
+              </a:rPr>
+              <a:t>tarray</a:t>
+            </a:r>
+            <a:r>
+              <a:rPr lang="en-US" b="0" i="0" dirty="0">
+                <a:solidFill>
+                  <a:srgbClr val="000000"/>
+                </a:solidFill>
+                <a:effectLst/>
+                <a:latin typeface="Times New Roman" panose="02020603050405020304" pitchFamily="18" charset="0"/>
+              </a:rPr>
+              <a:t> is also the return value of the collection. If </a:t>
+            </a:r>
+            <a:r>
+              <a:rPr lang="en-US" b="0" i="0" dirty="0" err="1">
+                <a:solidFill>
+                  <a:srgbClr val="000000"/>
+                </a:solidFill>
+                <a:effectLst/>
+                <a:latin typeface="Courier New" panose="02070309020205020404" pitchFamily="49" charset="0"/>
+              </a:rPr>
+              <a:t>tarray</a:t>
+            </a:r>
+            <a:r>
+              <a:rPr lang="en-US" b="0" i="0" dirty="0">
+                <a:solidFill>
+                  <a:srgbClr val="000000"/>
+                </a:solidFill>
+                <a:effectLst/>
+                <a:latin typeface="Times New Roman" panose="02020603050405020304" pitchFamily="18" charset="0"/>
+              </a:rPr>
+              <a:t> is not large enough, then a new array is created to hold the items; in that case </a:t>
+            </a:r>
+            <a:r>
+              <a:rPr lang="en-US" b="0" i="0" dirty="0" err="1">
+                <a:solidFill>
+                  <a:srgbClr val="000000"/>
+                </a:solidFill>
+                <a:effectLst/>
+                <a:latin typeface="Courier New" panose="02070309020205020404" pitchFamily="49" charset="0"/>
+              </a:rPr>
+              <a:t>tarray</a:t>
+            </a:r>
+            <a:r>
+              <a:rPr lang="en-US" b="0" i="0" dirty="0">
+                <a:solidFill>
+                  <a:srgbClr val="000000"/>
+                </a:solidFill>
+                <a:effectLst/>
+                <a:latin typeface="Times New Roman" panose="02020603050405020304" pitchFamily="18" charset="0"/>
+              </a:rPr>
+              <a:t> serves only to specify the type of the array. For example, </a:t>
+            </a:r>
+            <a:r>
+              <a:rPr lang="en-US" b="0" i="0" dirty="0" err="1">
+                <a:solidFill>
+                  <a:srgbClr val="000000"/>
+                </a:solidFill>
+                <a:effectLst/>
+                <a:latin typeface="Courier New" panose="02070309020205020404" pitchFamily="49" charset="0"/>
+              </a:rPr>
+              <a:t>coll.toArray</a:t>
+            </a:r>
+            <a:r>
+              <a:rPr lang="en-US" b="0" i="0" dirty="0">
+                <a:solidFill>
+                  <a:srgbClr val="000000"/>
+                </a:solidFill>
+                <a:effectLst/>
+                <a:latin typeface="Courier New" panose="02070309020205020404" pitchFamily="49" charset="0"/>
+              </a:rPr>
+              <a:t>(new String[0])</a:t>
+            </a:r>
+            <a:r>
+              <a:rPr lang="en-US" b="0" i="0" dirty="0">
+                <a:solidFill>
+                  <a:srgbClr val="000000"/>
+                </a:solidFill>
+                <a:effectLst/>
+                <a:latin typeface="Times New Roman" panose="02020603050405020304" pitchFamily="18" charset="0"/>
+              </a:rPr>
+              <a:t> can be used if </a:t>
+            </a:r>
+            <a:r>
+              <a:rPr lang="en-US" b="0" i="0" dirty="0" err="1">
+                <a:solidFill>
+                  <a:srgbClr val="000000"/>
+                </a:solidFill>
+                <a:effectLst/>
+                <a:latin typeface="Courier New" panose="02070309020205020404" pitchFamily="49" charset="0"/>
+              </a:rPr>
+              <a:t>coll</a:t>
+            </a:r>
+            <a:r>
+              <a:rPr lang="en-US" b="0" i="0" dirty="0">
+                <a:solidFill>
+                  <a:srgbClr val="000000"/>
+                </a:solidFill>
+                <a:effectLst/>
+                <a:latin typeface="Times New Roman" panose="02020603050405020304" pitchFamily="18" charset="0"/>
+              </a:rPr>
+              <a:t> is a collection of </a:t>
+            </a:r>
+            <a:r>
+              <a:rPr lang="en-US" b="0" i="1" dirty="0">
+                <a:solidFill>
+                  <a:srgbClr val="0050C0"/>
+                </a:solidFill>
+                <a:effectLst/>
+                <a:latin typeface="Times New Roman" panose="02020603050405020304" pitchFamily="18" charset="0"/>
+              </a:rPr>
+              <a:t>Strings</a:t>
+            </a:r>
+            <a:r>
+              <a:rPr lang="en-US" b="0" i="0" dirty="0">
+                <a:solidFill>
+                  <a:srgbClr val="000000"/>
+                </a:solidFill>
+                <a:effectLst/>
+                <a:latin typeface="Times New Roman" panose="02020603050405020304" pitchFamily="18" charset="0"/>
+              </a:rPr>
+              <a:t> and will return a new array of type </a:t>
+            </a:r>
+            <a:r>
+              <a:rPr lang="en-US" b="0" i="0" dirty="0">
+                <a:solidFill>
+                  <a:srgbClr val="0050C0"/>
+                </a:solidFill>
+                <a:effectLst/>
+                <a:latin typeface="Courier New" panose="02070309020205020404" pitchFamily="49" charset="0"/>
+              </a:rPr>
+              <a:t>String[]</a:t>
+            </a:r>
+            <a:r>
+              <a:rPr lang="en-US" b="0" i="0" dirty="0">
+                <a:solidFill>
+                  <a:srgbClr val="000000"/>
+                </a:solidFill>
+                <a:effectLst/>
+                <a:latin typeface="Times New Roman" panose="02020603050405020304" pitchFamily="18" charset="0"/>
+              </a:rPr>
+              <a:t>.</a:t>
+            </a:r>
+          </a:p>
+          <a:p>
+            <a:endParaRPr lang="en-GB" dirty="0"/>
+          </a:p>
+        </p:txBody>
+      </p:sp>
+      <p:sp>
+        <p:nvSpPr>
+          <p:cNvPr id="4" name="Slide Number Placeholder 3"/>
+          <p:cNvSpPr>
+            <a:spLocks noGrp="1"/>
+          </p:cNvSpPr>
+          <p:nvPr>
+            <p:ph type="sldNum" sz="quarter" idx="5"/>
+          </p:nvPr>
+        </p:nvSpPr>
+        <p:spPr/>
+        <p:txBody>
+          <a:bodyPr/>
+          <a:lstStyle/>
+          <a:p>
+            <a:fld id="{CBED2C08-AD98-45B5-84F2-FC10CCB1149B}" type="slidenum">
+              <a:rPr lang="en-GB" smtClean="0"/>
+              <a:t>10</a:t>
+            </a:fld>
+            <a:endParaRPr lang="en-GB"/>
+          </a:p>
+        </p:txBody>
+      </p:sp>
+    </p:spTree>
+    <p:extLst>
+      <p:ext uri="{BB962C8B-B14F-4D97-AF65-F5344CB8AC3E}">
+        <p14:creationId xmlns:p14="http://schemas.microsoft.com/office/powerpoint/2010/main" val="1739185750"/>
+      </p:ext>
+    </p:extLst>
+  </p:cSld>
+  <p:clrMapOvr>
+    <a:masterClrMapping/>
+  </p:clrMapOvr>
+</p:notes>
+</file>
+
 <file path=ppt/slideLayouts/slideLayout1.xml><?xml version="1.0" encoding="utf-8"?>
 <p:sldLayout xmlns:a="http://schemas.openxmlformats.org/drawingml/2006/main" xmlns:r="http://schemas.openxmlformats.org/officeDocument/2006/relationships" xmlns:p="http://schemas.openxmlformats.org/presentationml/2006/main" showMasterSp="0" type="title" preserve="1">
   <p:cSld name="Title Slide">
@@ -344,7 +2588,7 @@
           <a:p>
             <a:fld id="{CD13FC2D-BEDB-45BE-AF82-649A39BEFF71}" type="datetimeFigureOut">
               <a:rPr lang="en-GB" smtClean="0"/>
-              <a:t>15/10/2020</a:t>
+              <a:t>17/10/2020</a:t>
             </a:fld>
             <a:endParaRPr lang="en-GB"/>
           </a:p>
@@ -552,7 +2796,7 @@
           <a:p>
             <a:fld id="{CD13FC2D-BEDB-45BE-AF82-649A39BEFF71}" type="datetimeFigureOut">
               <a:rPr lang="en-GB" smtClean="0"/>
-              <a:t>15/10/2020</a:t>
+              <a:t>17/10/2020</a:t>
             </a:fld>
             <a:endParaRPr lang="en-GB"/>
           </a:p>
@@ -808,7 +3052,7 @@
           <a:p>
             <a:fld id="{CD13FC2D-BEDB-45BE-AF82-649A39BEFF71}" type="datetimeFigureOut">
               <a:rPr lang="en-GB" smtClean="0"/>
-              <a:t>15/10/2020</a:t>
+              <a:t>17/10/2020</a:t>
             </a:fld>
             <a:endParaRPr lang="en-GB"/>
           </a:p>
@@ -978,7 +3222,7 @@
           <a:p>
             <a:fld id="{CD13FC2D-BEDB-45BE-AF82-649A39BEFF71}" type="datetimeFigureOut">
               <a:rPr lang="en-GB" smtClean="0"/>
-              <a:t>15/10/2020</a:t>
+              <a:t>17/10/2020</a:t>
             </a:fld>
             <a:endParaRPr lang="en-GB"/>
           </a:p>
@@ -1321,7 +3565,7 @@
           <a:p>
             <a:fld id="{CD13FC2D-BEDB-45BE-AF82-649A39BEFF71}" type="datetimeFigureOut">
               <a:rPr lang="en-GB" smtClean="0"/>
-              <a:t>15/10/2020</a:t>
+              <a:t>17/10/2020</a:t>
             </a:fld>
             <a:endParaRPr lang="en-GB"/>
           </a:p>
@@ -1596,7 +3840,7 @@
           <a:p>
             <a:fld id="{CD13FC2D-BEDB-45BE-AF82-649A39BEFF71}" type="datetimeFigureOut">
               <a:rPr lang="en-GB" smtClean="0"/>
-              <a:t>15/10/2020</a:t>
+              <a:t>17/10/2020</a:t>
             </a:fld>
             <a:endParaRPr lang="en-GB"/>
           </a:p>
@@ -1975,7 +4219,7 @@
           <a:p>
             <a:fld id="{CD13FC2D-BEDB-45BE-AF82-649A39BEFF71}" type="datetimeFigureOut">
               <a:rPr lang="en-GB" smtClean="0"/>
-              <a:t>15/10/2020</a:t>
+              <a:t>17/10/2020</a:t>
             </a:fld>
             <a:endParaRPr lang="en-GB"/>
           </a:p>
@@ -2093,7 +4337,7 @@
           <a:p>
             <a:fld id="{CD13FC2D-BEDB-45BE-AF82-649A39BEFF71}" type="datetimeFigureOut">
               <a:rPr lang="en-GB" smtClean="0"/>
-              <a:t>15/10/2020</a:t>
+              <a:t>17/10/2020</a:t>
             </a:fld>
             <a:endParaRPr lang="en-GB"/>
           </a:p>
@@ -2264,7 +4508,7 @@
           <a:p>
             <a:fld id="{CD13FC2D-BEDB-45BE-AF82-649A39BEFF71}" type="datetimeFigureOut">
               <a:rPr lang="en-GB" smtClean="0"/>
-              <a:t>15/10/2020</a:t>
+              <a:t>17/10/2020</a:t>
             </a:fld>
             <a:endParaRPr lang="en-GB"/>
           </a:p>
@@ -2618,7 +4862,7 @@
           <a:p>
             <a:fld id="{CD13FC2D-BEDB-45BE-AF82-649A39BEFF71}" type="datetimeFigureOut">
               <a:rPr lang="en-GB" smtClean="0"/>
-              <a:t>15/10/2020</a:t>
+              <a:t>17/10/2020</a:t>
             </a:fld>
             <a:endParaRPr lang="en-GB"/>
           </a:p>
@@ -3000,7 +5244,7 @@
           <a:p>
             <a:fld id="{CD13FC2D-BEDB-45BE-AF82-649A39BEFF71}" type="datetimeFigureOut">
               <a:rPr lang="en-GB" smtClean="0"/>
-              <a:t>15/10/2020</a:t>
+              <a:t>17/10/2020</a:t>
             </a:fld>
             <a:endParaRPr lang="en-GB"/>
           </a:p>
@@ -3287,7 +5531,7 @@
           <a:p>
             <a:fld id="{CD13FC2D-BEDB-45BE-AF82-649A39BEFF71}" type="datetimeFigureOut">
               <a:rPr lang="en-GB" smtClean="0"/>
-              <a:t>15/10/2020</a:t>
+              <a:t>17/10/2020</a:t>
             </a:fld>
             <a:endParaRPr lang="en-GB"/>
           </a:p>
@@ -3880,7 +6124,15 @@
           <a:p>
             <a:r>
               <a:rPr lang="en-US" b="1" dirty="0"/>
-              <a:t>Java input/output</a:t>
+              <a:t>Java collections and </a:t>
+            </a:r>
+            <a:r>
+              <a:rPr lang="en-US" b="1" dirty="0" err="1"/>
+              <a:t>gui</a:t>
+            </a:r>
+            <a:r>
+              <a:rPr lang="en-US" b="1"/>
+              <a:t> development</a:t>
             </a:r>
             <a:endParaRPr lang="en-GB" b="1" dirty="0"/>
           </a:p>
@@ -3947,6 +6199,2177 @@
     <p:extLst>
       <p:ext uri="{BB962C8B-B14F-4D97-AF65-F5344CB8AC3E}">
         <p14:creationId xmlns:p14="http://schemas.microsoft.com/office/powerpoint/2010/main" val="4209893728"/>
+      </p:ext>
+    </p:extLst>
+  </p:cSld>
+  <p:clrMapOvr>
+    <a:masterClrMapping/>
+  </p:clrMapOvr>
+</p:sld>
+</file>
+
+<file path=ppt/slides/slide10.xml><?xml version="1.0" encoding="utf-8"?>
+<p:sld xmlns:a="http://schemas.openxmlformats.org/drawingml/2006/main" xmlns:r="http://schemas.openxmlformats.org/officeDocument/2006/relationships" xmlns:p="http://schemas.openxmlformats.org/presentationml/2006/main">
+  <p:cSld>
+    <p:spTree>
+      <p:nvGrpSpPr>
+        <p:cNvPr id="1" name=""/>
+        <p:cNvGrpSpPr/>
+        <p:nvPr/>
+      </p:nvGrpSpPr>
+      <p:grpSpPr>
+        <a:xfrm>
+          <a:off x="0" y="0"/>
+          <a:ext cx="0" cy="0"/>
+          <a:chOff x="0" y="0"/>
+          <a:chExt cx="0" cy="0"/>
+        </a:xfrm>
+      </p:grpSpPr>
+      <p:sp>
+        <p:nvSpPr>
+          <p:cNvPr id="2" name="Title 1">
+            <a:extLst>
+              <a:ext uri="{FF2B5EF4-FFF2-40B4-BE49-F238E27FC236}">
+                <a16:creationId xmlns:a16="http://schemas.microsoft.com/office/drawing/2014/main" id="{DDF53C9D-14DC-494C-9002-53AF93CCA3C5}"/>
+              </a:ext>
+            </a:extLst>
+          </p:cNvPr>
+          <p:cNvSpPr>
+            <a:spLocks noGrp="1"/>
+          </p:cNvSpPr>
+          <p:nvPr>
+            <p:ph type="title"/>
+          </p:nvPr>
+        </p:nvSpPr>
+        <p:spPr>
+          <a:xfrm>
+            <a:off x="433633" y="956821"/>
+            <a:ext cx="7543800" cy="702302"/>
+          </a:xfrm>
+        </p:spPr>
+        <p:txBody>
+          <a:bodyPr>
+            <a:normAutofit fontScale="90000"/>
+          </a:bodyPr>
+          <a:lstStyle/>
+          <a:p>
+            <a:r>
+              <a:rPr lang="en-GB" dirty="0"/>
+              <a:t>Grid Layout</a:t>
+            </a:r>
+          </a:p>
+        </p:txBody>
+      </p:sp>
+      <p:sp>
+        <p:nvSpPr>
+          <p:cNvPr id="3" name="Content Placeholder 2">
+            <a:extLst>
+              <a:ext uri="{FF2B5EF4-FFF2-40B4-BE49-F238E27FC236}">
+                <a16:creationId xmlns:a16="http://schemas.microsoft.com/office/drawing/2014/main" id="{CA8C3057-08A3-484F-8EF1-AA593CCA77BF}"/>
+              </a:ext>
+            </a:extLst>
+          </p:cNvPr>
+          <p:cNvSpPr>
+            <a:spLocks noGrp="1"/>
+          </p:cNvSpPr>
+          <p:nvPr>
+            <p:ph idx="1"/>
+          </p:nvPr>
+        </p:nvSpPr>
+        <p:spPr>
+          <a:xfrm>
+            <a:off x="433633" y="1989056"/>
+            <a:ext cx="8427563" cy="4110086"/>
+          </a:xfrm>
+        </p:spPr>
+        <p:txBody>
+          <a:bodyPr>
+            <a:noAutofit/>
+          </a:bodyPr>
+          <a:lstStyle/>
+          <a:p>
+            <a:pPr marL="342900" indent="-342900" algn="l">
+              <a:spcBef>
+                <a:spcPts val="0"/>
+              </a:spcBef>
+              <a:buFont typeface="+mj-lt"/>
+              <a:buAutoNum type="arabicPeriod"/>
+            </a:pPr>
+            <a:r>
+              <a:rPr lang="en-US" sz="1600" b="0" i="0" dirty="0" err="1">
+                <a:solidFill>
+                  <a:srgbClr val="CC0000"/>
+                </a:solidFill>
+                <a:effectLst/>
+                <a:latin typeface="Courier New" panose="02070309020205020404" pitchFamily="49" charset="0"/>
+              </a:rPr>
+              <a:t>coll.size</a:t>
+            </a:r>
+            <a:r>
+              <a:rPr lang="en-US" sz="1600" b="0" i="0" dirty="0">
+                <a:solidFill>
+                  <a:srgbClr val="CC0000"/>
+                </a:solidFill>
+                <a:effectLst/>
+                <a:latin typeface="Courier New" panose="02070309020205020404" pitchFamily="49" charset="0"/>
+              </a:rPr>
+              <a:t>()</a:t>
+            </a:r>
+            <a:r>
+              <a:rPr lang="en-US" sz="1600" b="0" i="0" dirty="0">
+                <a:solidFill>
+                  <a:srgbClr val="000000"/>
+                </a:solidFill>
+                <a:effectLst/>
+                <a:latin typeface="Times New Roman" panose="02020603050405020304" pitchFamily="18" charset="0"/>
+              </a:rPr>
+              <a:t> — returns an </a:t>
+            </a:r>
+            <a:r>
+              <a:rPr lang="en-US" sz="1600" b="0" i="0" dirty="0">
+                <a:solidFill>
+                  <a:srgbClr val="0050C0"/>
+                </a:solidFill>
+                <a:effectLst/>
+                <a:latin typeface="Times New Roman" panose="02020603050405020304" pitchFamily="18" charset="0"/>
+              </a:rPr>
+              <a:t>int</a:t>
+            </a:r>
+            <a:r>
+              <a:rPr lang="en-US" sz="1600" b="0" i="0" dirty="0">
+                <a:solidFill>
+                  <a:srgbClr val="000000"/>
+                </a:solidFill>
+                <a:effectLst/>
+                <a:latin typeface="Times New Roman" panose="02020603050405020304" pitchFamily="18" charset="0"/>
+              </a:rPr>
+              <a:t> that gives the number of objects in the collection.</a:t>
+            </a:r>
+          </a:p>
+          <a:p>
+            <a:pPr marL="342900" indent="-342900" algn="l">
+              <a:spcBef>
+                <a:spcPts val="0"/>
+              </a:spcBef>
+              <a:buFont typeface="+mj-lt"/>
+              <a:buAutoNum type="arabicPeriod"/>
+            </a:pPr>
+            <a:r>
+              <a:rPr lang="en-US" sz="1600" b="0" i="0" dirty="0" err="1">
+                <a:solidFill>
+                  <a:srgbClr val="CC0000"/>
+                </a:solidFill>
+                <a:effectLst/>
+                <a:latin typeface="Courier New" panose="02070309020205020404" pitchFamily="49" charset="0"/>
+              </a:rPr>
+              <a:t>coll.isEmpty</a:t>
+            </a:r>
+            <a:r>
+              <a:rPr lang="en-US" sz="1600" b="0" i="0" dirty="0">
+                <a:solidFill>
+                  <a:srgbClr val="CC0000"/>
+                </a:solidFill>
+                <a:effectLst/>
+                <a:latin typeface="Courier New" panose="02070309020205020404" pitchFamily="49" charset="0"/>
+              </a:rPr>
+              <a:t>()</a:t>
+            </a:r>
+            <a:r>
+              <a:rPr lang="en-US" sz="1600" b="0" i="0" dirty="0">
+                <a:solidFill>
+                  <a:srgbClr val="000000"/>
+                </a:solidFill>
+                <a:effectLst/>
+                <a:latin typeface="Times New Roman" panose="02020603050405020304" pitchFamily="18" charset="0"/>
+              </a:rPr>
+              <a:t> — returns a </a:t>
+            </a:r>
+            <a:r>
+              <a:rPr lang="en-US" sz="1600" b="0" i="0" dirty="0" err="1">
+                <a:solidFill>
+                  <a:srgbClr val="0050C0"/>
+                </a:solidFill>
+                <a:effectLst/>
+                <a:latin typeface="Times New Roman" panose="02020603050405020304" pitchFamily="18" charset="0"/>
+              </a:rPr>
+              <a:t>boolean</a:t>
+            </a:r>
+            <a:r>
+              <a:rPr lang="en-US" sz="1600" b="0" i="0" dirty="0">
+                <a:solidFill>
+                  <a:srgbClr val="000000"/>
+                </a:solidFill>
+                <a:effectLst/>
+                <a:latin typeface="Times New Roman" panose="02020603050405020304" pitchFamily="18" charset="0"/>
+              </a:rPr>
+              <a:t> value which is </a:t>
+            </a:r>
+            <a:r>
+              <a:rPr lang="en-US" sz="1600" b="0" i="0" dirty="0">
+                <a:solidFill>
+                  <a:srgbClr val="000000"/>
+                </a:solidFill>
+                <a:effectLst/>
+                <a:latin typeface="Courier New" panose="02070309020205020404" pitchFamily="49" charset="0"/>
+              </a:rPr>
+              <a:t>true</a:t>
+            </a:r>
+            <a:r>
+              <a:rPr lang="en-US" sz="1600" b="0" i="0" dirty="0">
+                <a:solidFill>
+                  <a:srgbClr val="000000"/>
+                </a:solidFill>
+                <a:effectLst/>
+                <a:latin typeface="Times New Roman" panose="02020603050405020304" pitchFamily="18" charset="0"/>
+              </a:rPr>
+              <a:t> if the size of the collection is 0.</a:t>
+            </a:r>
+          </a:p>
+          <a:p>
+            <a:pPr marL="342900" indent="-342900" algn="l">
+              <a:spcBef>
+                <a:spcPts val="0"/>
+              </a:spcBef>
+              <a:buFont typeface="+mj-lt"/>
+              <a:buAutoNum type="arabicPeriod"/>
+            </a:pPr>
+            <a:r>
+              <a:rPr lang="en-US" sz="1600" b="0" i="0" dirty="0" err="1">
+                <a:solidFill>
+                  <a:srgbClr val="CC0000"/>
+                </a:solidFill>
+                <a:effectLst/>
+                <a:latin typeface="Courier New" panose="02070309020205020404" pitchFamily="49" charset="0"/>
+              </a:rPr>
+              <a:t>coll.clear</a:t>
+            </a:r>
+            <a:r>
+              <a:rPr lang="en-US" sz="1600" b="0" i="0" dirty="0">
+                <a:solidFill>
+                  <a:srgbClr val="CC0000"/>
+                </a:solidFill>
+                <a:effectLst/>
+                <a:latin typeface="Courier New" panose="02070309020205020404" pitchFamily="49" charset="0"/>
+              </a:rPr>
+              <a:t>()</a:t>
+            </a:r>
+            <a:r>
+              <a:rPr lang="en-US" sz="1600" b="0" i="0" dirty="0">
+                <a:solidFill>
+                  <a:srgbClr val="000000"/>
+                </a:solidFill>
+                <a:effectLst/>
+                <a:latin typeface="Times New Roman" panose="02020603050405020304" pitchFamily="18" charset="0"/>
+              </a:rPr>
+              <a:t> — removes all objects from the collection.</a:t>
+            </a:r>
+          </a:p>
+          <a:p>
+            <a:pPr marL="342900" indent="-342900" algn="l">
+              <a:spcBef>
+                <a:spcPts val="0"/>
+              </a:spcBef>
+              <a:buFont typeface="+mj-lt"/>
+              <a:buAutoNum type="arabicPeriod"/>
+            </a:pPr>
+            <a:r>
+              <a:rPr lang="en-US" sz="1600" b="0" i="0" dirty="0" err="1">
+                <a:solidFill>
+                  <a:srgbClr val="CC0000"/>
+                </a:solidFill>
+                <a:effectLst/>
+                <a:latin typeface="Courier New" panose="02070309020205020404" pitchFamily="49" charset="0"/>
+              </a:rPr>
+              <a:t>coll.add</a:t>
+            </a:r>
+            <a:r>
+              <a:rPr lang="en-US" sz="1600" b="0" i="0" dirty="0">
+                <a:solidFill>
+                  <a:srgbClr val="CC0000"/>
+                </a:solidFill>
+                <a:effectLst/>
+                <a:latin typeface="Courier New" panose="02070309020205020404" pitchFamily="49" charset="0"/>
+              </a:rPr>
+              <a:t>(</a:t>
+            </a:r>
+            <a:r>
+              <a:rPr lang="en-US" sz="1600" b="0" i="0" dirty="0" err="1">
+                <a:solidFill>
+                  <a:srgbClr val="CC0000"/>
+                </a:solidFill>
+                <a:effectLst/>
+                <a:latin typeface="Courier New" panose="02070309020205020404" pitchFamily="49" charset="0"/>
+              </a:rPr>
+              <a:t>tobject</a:t>
+            </a:r>
+            <a:r>
+              <a:rPr lang="en-US" sz="1600" b="0" i="0" dirty="0">
+                <a:solidFill>
+                  <a:srgbClr val="CC0000"/>
+                </a:solidFill>
+                <a:effectLst/>
+                <a:latin typeface="Courier New" panose="02070309020205020404" pitchFamily="49" charset="0"/>
+              </a:rPr>
+              <a:t>)</a:t>
+            </a:r>
+            <a:r>
+              <a:rPr lang="en-US" sz="1600" b="0" i="0" dirty="0">
+                <a:solidFill>
+                  <a:srgbClr val="000000"/>
+                </a:solidFill>
+                <a:effectLst/>
+                <a:latin typeface="Times New Roman" panose="02020603050405020304" pitchFamily="18" charset="0"/>
+              </a:rPr>
+              <a:t> — adds </a:t>
+            </a:r>
+            <a:r>
+              <a:rPr lang="en-US" sz="1600" b="0" i="0" dirty="0" err="1">
+                <a:solidFill>
+                  <a:srgbClr val="000000"/>
+                </a:solidFill>
+                <a:effectLst/>
+                <a:latin typeface="Courier New" panose="02070309020205020404" pitchFamily="49" charset="0"/>
+              </a:rPr>
+              <a:t>tobject</a:t>
+            </a:r>
+            <a:r>
+              <a:rPr lang="en-US" sz="1600" b="0" i="0" dirty="0">
+                <a:solidFill>
+                  <a:srgbClr val="000000"/>
+                </a:solidFill>
+                <a:effectLst/>
+                <a:latin typeface="Times New Roman" panose="02020603050405020304" pitchFamily="18" charset="0"/>
+              </a:rPr>
+              <a:t> to the collection. </a:t>
+            </a:r>
+          </a:p>
+          <a:p>
+            <a:pPr marL="342900" indent="-342900" algn="l">
+              <a:spcBef>
+                <a:spcPts val="0"/>
+              </a:spcBef>
+              <a:buFont typeface="+mj-lt"/>
+              <a:buAutoNum type="arabicPeriod"/>
+            </a:pPr>
+            <a:r>
+              <a:rPr lang="en-US" sz="1600" b="0" i="0" dirty="0" err="1">
+                <a:solidFill>
+                  <a:srgbClr val="CC0000"/>
+                </a:solidFill>
+                <a:effectLst/>
+                <a:latin typeface="Courier New" panose="02070309020205020404" pitchFamily="49" charset="0"/>
+              </a:rPr>
+              <a:t>coll.contains</a:t>
+            </a:r>
+            <a:r>
+              <a:rPr lang="en-US" sz="1600" b="0" i="0" dirty="0">
+                <a:solidFill>
+                  <a:srgbClr val="CC0000"/>
+                </a:solidFill>
+                <a:effectLst/>
+                <a:latin typeface="Courier New" panose="02070309020205020404" pitchFamily="49" charset="0"/>
+              </a:rPr>
+              <a:t>(object)</a:t>
+            </a:r>
+            <a:r>
+              <a:rPr lang="en-US" sz="1600" b="0" i="0" dirty="0">
+                <a:solidFill>
+                  <a:srgbClr val="000000"/>
+                </a:solidFill>
+                <a:effectLst/>
+                <a:latin typeface="Times New Roman" panose="02020603050405020304" pitchFamily="18" charset="0"/>
+              </a:rPr>
+              <a:t> — returns a </a:t>
+            </a:r>
+            <a:r>
+              <a:rPr lang="en-US" sz="1600" b="0" i="0" dirty="0" err="1">
+                <a:solidFill>
+                  <a:srgbClr val="0050C0"/>
+                </a:solidFill>
+                <a:effectLst/>
+                <a:latin typeface="Times New Roman" panose="02020603050405020304" pitchFamily="18" charset="0"/>
+              </a:rPr>
+              <a:t>boolean</a:t>
+            </a:r>
+            <a:r>
+              <a:rPr lang="en-US" sz="1600" b="0" i="0" dirty="0">
+                <a:solidFill>
+                  <a:srgbClr val="000000"/>
+                </a:solidFill>
+                <a:effectLst/>
+                <a:latin typeface="Times New Roman" panose="02020603050405020304" pitchFamily="18" charset="0"/>
+              </a:rPr>
+              <a:t> value that is true if </a:t>
+            </a:r>
+            <a:r>
+              <a:rPr lang="en-US" sz="1600" b="0" i="0" dirty="0">
+                <a:solidFill>
+                  <a:srgbClr val="000000"/>
+                </a:solidFill>
+                <a:effectLst/>
+                <a:latin typeface="Courier New" panose="02070309020205020404" pitchFamily="49" charset="0"/>
+              </a:rPr>
+              <a:t>object</a:t>
+            </a:r>
+            <a:r>
+              <a:rPr lang="en-US" sz="1600" b="0" i="0" dirty="0">
+                <a:solidFill>
+                  <a:srgbClr val="000000"/>
+                </a:solidFill>
+                <a:effectLst/>
+                <a:latin typeface="Times New Roman" panose="02020603050405020304" pitchFamily="18" charset="0"/>
+              </a:rPr>
+              <a:t> is in the collection. </a:t>
+            </a:r>
+          </a:p>
+          <a:p>
+            <a:pPr marL="342900" indent="-342900" algn="l">
+              <a:spcBef>
+                <a:spcPts val="0"/>
+              </a:spcBef>
+              <a:buFont typeface="+mj-lt"/>
+              <a:buAutoNum type="arabicPeriod"/>
+            </a:pPr>
+            <a:r>
+              <a:rPr lang="en-US" sz="1600" b="0" i="0" dirty="0" err="1">
+                <a:solidFill>
+                  <a:srgbClr val="CC0000"/>
+                </a:solidFill>
+                <a:effectLst/>
+                <a:latin typeface="Courier New" panose="02070309020205020404" pitchFamily="49" charset="0"/>
+              </a:rPr>
+              <a:t>coll.remove</a:t>
+            </a:r>
+            <a:r>
+              <a:rPr lang="en-US" sz="1600" b="0" i="0" dirty="0">
+                <a:solidFill>
+                  <a:srgbClr val="CC0000"/>
+                </a:solidFill>
+                <a:effectLst/>
+                <a:latin typeface="Courier New" panose="02070309020205020404" pitchFamily="49" charset="0"/>
+              </a:rPr>
+              <a:t>(object)</a:t>
+            </a:r>
+            <a:r>
+              <a:rPr lang="en-US" sz="1600" b="0" i="0" dirty="0">
+                <a:solidFill>
+                  <a:srgbClr val="000000"/>
+                </a:solidFill>
+                <a:effectLst/>
+                <a:latin typeface="Times New Roman" panose="02020603050405020304" pitchFamily="18" charset="0"/>
+              </a:rPr>
+              <a:t> — removes </a:t>
+            </a:r>
+            <a:r>
+              <a:rPr lang="en-US" sz="1600" b="0" i="0" dirty="0">
+                <a:solidFill>
+                  <a:srgbClr val="000000"/>
+                </a:solidFill>
+                <a:effectLst/>
+                <a:latin typeface="Courier New" panose="02070309020205020404" pitchFamily="49" charset="0"/>
+              </a:rPr>
+              <a:t>object</a:t>
+            </a:r>
+            <a:r>
+              <a:rPr lang="en-US" sz="1600" b="0" i="0" dirty="0">
+                <a:solidFill>
+                  <a:srgbClr val="000000"/>
+                </a:solidFill>
+                <a:effectLst/>
+                <a:latin typeface="Times New Roman" panose="02020603050405020304" pitchFamily="18" charset="0"/>
+              </a:rPr>
+              <a:t> from the collection.</a:t>
+            </a:r>
+          </a:p>
+          <a:p>
+            <a:pPr marL="342900" indent="-342900" algn="l">
+              <a:spcBef>
+                <a:spcPts val="0"/>
+              </a:spcBef>
+              <a:buFont typeface="+mj-lt"/>
+              <a:buAutoNum type="arabicPeriod"/>
+            </a:pPr>
+            <a:r>
+              <a:rPr lang="en-US" sz="1600" b="0" i="0" dirty="0" err="1">
+                <a:solidFill>
+                  <a:srgbClr val="CC0000"/>
+                </a:solidFill>
+                <a:effectLst/>
+                <a:latin typeface="Courier New" panose="02070309020205020404" pitchFamily="49" charset="0"/>
+              </a:rPr>
+              <a:t>coll.containsAll</a:t>
+            </a:r>
+            <a:r>
+              <a:rPr lang="en-US" sz="1600" b="0" i="0" dirty="0">
+                <a:solidFill>
+                  <a:srgbClr val="CC0000"/>
+                </a:solidFill>
+                <a:effectLst/>
+                <a:latin typeface="Courier New" panose="02070309020205020404" pitchFamily="49" charset="0"/>
+              </a:rPr>
+              <a:t>(coll2)</a:t>
+            </a:r>
+            <a:r>
+              <a:rPr lang="en-US" sz="1600" b="0" i="0" dirty="0">
+                <a:solidFill>
+                  <a:srgbClr val="000000"/>
+                </a:solidFill>
+                <a:effectLst/>
+                <a:latin typeface="Times New Roman" panose="02020603050405020304" pitchFamily="18" charset="0"/>
+              </a:rPr>
+              <a:t> — returns a </a:t>
+            </a:r>
+            <a:r>
+              <a:rPr lang="en-US" sz="1600" b="0" i="0" dirty="0" err="1">
+                <a:solidFill>
+                  <a:srgbClr val="0050C0"/>
+                </a:solidFill>
+                <a:effectLst/>
+                <a:latin typeface="Times New Roman" panose="02020603050405020304" pitchFamily="18" charset="0"/>
+              </a:rPr>
+              <a:t>boolean</a:t>
+            </a:r>
+            <a:r>
+              <a:rPr lang="en-US" sz="1600" b="0" i="0" dirty="0">
+                <a:solidFill>
+                  <a:srgbClr val="000000"/>
+                </a:solidFill>
+                <a:effectLst/>
+                <a:latin typeface="Times New Roman" panose="02020603050405020304" pitchFamily="18" charset="0"/>
+              </a:rPr>
+              <a:t> value that is true if every </a:t>
+            </a:r>
+            <a:r>
+              <a:rPr lang="en-US" sz="1600" b="0" i="0" dirty="0">
+                <a:solidFill>
+                  <a:srgbClr val="000000"/>
+                </a:solidFill>
+                <a:effectLst/>
+                <a:latin typeface="Courier New" panose="02070309020205020404" pitchFamily="49" charset="0"/>
+              </a:rPr>
+              <a:t>object</a:t>
+            </a:r>
+            <a:r>
+              <a:rPr lang="en-US" sz="1600" b="0" i="0" dirty="0">
+                <a:solidFill>
+                  <a:srgbClr val="000000"/>
+                </a:solidFill>
+                <a:effectLst/>
+                <a:latin typeface="Times New Roman" panose="02020603050405020304" pitchFamily="18" charset="0"/>
+              </a:rPr>
+              <a:t> in </a:t>
+            </a:r>
+            <a:r>
+              <a:rPr lang="en-US" sz="1600" b="0" i="0" dirty="0">
+                <a:solidFill>
+                  <a:srgbClr val="000000"/>
+                </a:solidFill>
+                <a:effectLst/>
+                <a:latin typeface="Courier New" panose="02070309020205020404" pitchFamily="49" charset="0"/>
+              </a:rPr>
+              <a:t>coll2</a:t>
+            </a:r>
+            <a:r>
+              <a:rPr lang="en-US" sz="1600" b="0" i="0" dirty="0">
+                <a:solidFill>
+                  <a:srgbClr val="000000"/>
+                </a:solidFill>
+                <a:effectLst/>
+                <a:latin typeface="Times New Roman" panose="02020603050405020304" pitchFamily="18" charset="0"/>
+              </a:rPr>
+              <a:t> is also in </a:t>
+            </a:r>
+            <a:r>
+              <a:rPr lang="en-US" sz="1600" b="0" i="0" dirty="0" err="1">
+                <a:solidFill>
+                  <a:srgbClr val="000000"/>
+                </a:solidFill>
+                <a:effectLst/>
+                <a:latin typeface="Courier New" panose="02070309020205020404" pitchFamily="49" charset="0"/>
+              </a:rPr>
+              <a:t>coll</a:t>
+            </a:r>
+            <a:endParaRPr lang="en-US" sz="1600" b="0" i="0" dirty="0">
+              <a:solidFill>
+                <a:srgbClr val="000000"/>
+              </a:solidFill>
+              <a:effectLst/>
+              <a:latin typeface="Courier New" panose="02070309020205020404" pitchFamily="49" charset="0"/>
+            </a:endParaRPr>
+          </a:p>
+          <a:p>
+            <a:pPr marL="342900" indent="-342900" algn="l">
+              <a:spcBef>
+                <a:spcPts val="0"/>
+              </a:spcBef>
+              <a:buFont typeface="+mj-lt"/>
+              <a:buAutoNum type="arabicPeriod"/>
+            </a:pPr>
+            <a:r>
+              <a:rPr lang="en-US" sz="1600" b="0" i="0" dirty="0" err="1">
+                <a:solidFill>
+                  <a:srgbClr val="CC0000"/>
+                </a:solidFill>
+                <a:effectLst/>
+                <a:latin typeface="Courier New" panose="02070309020205020404" pitchFamily="49" charset="0"/>
+              </a:rPr>
+              <a:t>coll.addAll</a:t>
+            </a:r>
+            <a:r>
+              <a:rPr lang="en-US" sz="1600" b="0" i="0" dirty="0">
+                <a:solidFill>
+                  <a:srgbClr val="CC0000"/>
+                </a:solidFill>
+                <a:effectLst/>
+                <a:latin typeface="Courier New" panose="02070309020205020404" pitchFamily="49" charset="0"/>
+              </a:rPr>
+              <a:t>(coll2)</a:t>
+            </a:r>
+            <a:r>
+              <a:rPr lang="en-US" sz="1600" b="0" i="0" dirty="0">
+                <a:solidFill>
+                  <a:srgbClr val="000000"/>
+                </a:solidFill>
+                <a:effectLst/>
+                <a:latin typeface="Times New Roman" panose="02020603050405020304" pitchFamily="18" charset="0"/>
+              </a:rPr>
+              <a:t> — adds all the objects in </a:t>
+            </a:r>
+            <a:r>
+              <a:rPr lang="en-US" sz="1600" b="0" i="0" dirty="0">
+                <a:solidFill>
+                  <a:srgbClr val="000000"/>
+                </a:solidFill>
+                <a:effectLst/>
+                <a:latin typeface="Courier New" panose="02070309020205020404" pitchFamily="49" charset="0"/>
+              </a:rPr>
+              <a:t>coll2</a:t>
+            </a:r>
+            <a:r>
+              <a:rPr lang="en-US" sz="1600" b="0" i="0" dirty="0">
+                <a:solidFill>
+                  <a:srgbClr val="000000"/>
+                </a:solidFill>
+                <a:effectLst/>
+                <a:latin typeface="Times New Roman" panose="02020603050405020304" pitchFamily="18" charset="0"/>
+              </a:rPr>
+              <a:t> to </a:t>
+            </a:r>
+            <a:r>
+              <a:rPr lang="en-US" sz="1600" b="0" i="0" dirty="0">
+                <a:solidFill>
+                  <a:srgbClr val="000000"/>
+                </a:solidFill>
+                <a:effectLst/>
+                <a:latin typeface="Courier New" panose="02070309020205020404" pitchFamily="49" charset="0"/>
+              </a:rPr>
+              <a:t>coll</a:t>
+            </a:r>
+            <a:r>
+              <a:rPr lang="en-US" sz="1600" b="0" i="0" dirty="0">
+                <a:solidFill>
+                  <a:srgbClr val="000000"/>
+                </a:solidFill>
+                <a:effectLst/>
+                <a:latin typeface="Times New Roman" panose="02020603050405020304" pitchFamily="18" charset="0"/>
+              </a:rPr>
+              <a:t>. The parameter, </a:t>
+            </a:r>
+            <a:r>
+              <a:rPr lang="en-US" sz="1600" b="0" i="0" dirty="0">
+                <a:solidFill>
+                  <a:srgbClr val="000000"/>
+                </a:solidFill>
+                <a:effectLst/>
+                <a:latin typeface="Courier New" panose="02070309020205020404" pitchFamily="49" charset="0"/>
+              </a:rPr>
+              <a:t>coll2</a:t>
+            </a:r>
+            <a:r>
+              <a:rPr lang="en-US" sz="1600" b="0" i="0" dirty="0">
+                <a:solidFill>
+                  <a:srgbClr val="000000"/>
+                </a:solidFill>
+                <a:effectLst/>
+                <a:latin typeface="Times New Roman" panose="02020603050405020304" pitchFamily="18" charset="0"/>
+              </a:rPr>
+              <a:t>, can be any collection of type </a:t>
+            </a:r>
+            <a:r>
+              <a:rPr lang="en-US" sz="1600" b="0" i="1" dirty="0">
+                <a:solidFill>
+                  <a:srgbClr val="0050C0"/>
+                </a:solidFill>
+                <a:effectLst/>
+                <a:latin typeface="Times New Roman" panose="02020603050405020304" pitchFamily="18" charset="0"/>
+              </a:rPr>
+              <a:t>Collection&lt;T&gt;</a:t>
+            </a:r>
+            <a:endParaRPr lang="en-US" sz="1600" b="0" i="0" dirty="0">
+              <a:solidFill>
+                <a:srgbClr val="000000"/>
+              </a:solidFill>
+              <a:effectLst/>
+              <a:latin typeface="Times New Roman" panose="02020603050405020304" pitchFamily="18" charset="0"/>
+            </a:endParaRPr>
+          </a:p>
+          <a:p>
+            <a:pPr marL="342900" indent="-342900" algn="l">
+              <a:spcBef>
+                <a:spcPts val="0"/>
+              </a:spcBef>
+              <a:buFont typeface="+mj-lt"/>
+              <a:buAutoNum type="arabicPeriod"/>
+            </a:pPr>
+            <a:r>
+              <a:rPr lang="en-US" sz="1600" b="0" i="0" dirty="0" err="1">
+                <a:solidFill>
+                  <a:srgbClr val="CC0000"/>
+                </a:solidFill>
+                <a:effectLst/>
+                <a:latin typeface="Courier New" panose="02070309020205020404" pitchFamily="49" charset="0"/>
+              </a:rPr>
+              <a:t>coll.removeAll</a:t>
+            </a:r>
+            <a:r>
+              <a:rPr lang="en-US" sz="1600" b="0" i="0" dirty="0">
+                <a:solidFill>
+                  <a:srgbClr val="CC0000"/>
+                </a:solidFill>
+                <a:effectLst/>
+                <a:latin typeface="Courier New" panose="02070309020205020404" pitchFamily="49" charset="0"/>
+              </a:rPr>
+              <a:t>(coll2)</a:t>
+            </a:r>
+            <a:r>
+              <a:rPr lang="en-US" sz="1600" b="0" i="0" dirty="0">
+                <a:solidFill>
+                  <a:srgbClr val="000000"/>
+                </a:solidFill>
+                <a:effectLst/>
+                <a:latin typeface="Times New Roman" panose="02020603050405020304" pitchFamily="18" charset="0"/>
+              </a:rPr>
+              <a:t> — removes every </a:t>
+            </a:r>
+            <a:r>
+              <a:rPr lang="en-US" sz="1600" b="0" i="0" dirty="0">
+                <a:solidFill>
+                  <a:srgbClr val="000000"/>
+                </a:solidFill>
+                <a:effectLst/>
+                <a:latin typeface="Courier New" panose="02070309020205020404" pitchFamily="49" charset="0"/>
+              </a:rPr>
+              <a:t>object</a:t>
+            </a:r>
+            <a:r>
+              <a:rPr lang="en-US" sz="1600" b="0" i="0" dirty="0">
+                <a:solidFill>
+                  <a:srgbClr val="000000"/>
+                </a:solidFill>
+                <a:effectLst/>
+                <a:latin typeface="Times New Roman" panose="02020603050405020304" pitchFamily="18" charset="0"/>
+              </a:rPr>
+              <a:t> from </a:t>
+            </a:r>
+            <a:r>
+              <a:rPr lang="en-US" sz="1600" b="0" i="0" dirty="0" err="1">
+                <a:solidFill>
+                  <a:srgbClr val="000000"/>
+                </a:solidFill>
+                <a:effectLst/>
+                <a:latin typeface="Courier New" panose="02070309020205020404" pitchFamily="49" charset="0"/>
+              </a:rPr>
+              <a:t>coll</a:t>
+            </a:r>
+            <a:r>
+              <a:rPr lang="en-US" sz="1600" b="0" i="0" dirty="0">
+                <a:solidFill>
+                  <a:srgbClr val="000000"/>
+                </a:solidFill>
+                <a:effectLst/>
+                <a:latin typeface="Times New Roman" panose="02020603050405020304" pitchFamily="18" charset="0"/>
+              </a:rPr>
+              <a:t> that also occurs in the collection </a:t>
+            </a:r>
+            <a:r>
+              <a:rPr lang="en-US" sz="1600" b="0" i="0" dirty="0">
+                <a:solidFill>
+                  <a:srgbClr val="000000"/>
+                </a:solidFill>
+                <a:effectLst/>
+                <a:latin typeface="Courier New" panose="02070309020205020404" pitchFamily="49" charset="0"/>
+              </a:rPr>
+              <a:t>coll2</a:t>
+            </a:r>
+            <a:r>
+              <a:rPr lang="en-US" sz="1600" b="0" i="0" dirty="0">
+                <a:solidFill>
+                  <a:srgbClr val="000000"/>
+                </a:solidFill>
+                <a:effectLst/>
+                <a:latin typeface="Times New Roman" panose="02020603050405020304" pitchFamily="18" charset="0"/>
+              </a:rPr>
+              <a:t>. </a:t>
+            </a:r>
+            <a:r>
+              <a:rPr lang="en-US" sz="1600" b="0" i="0" dirty="0">
+                <a:solidFill>
+                  <a:srgbClr val="000000"/>
+                </a:solidFill>
+                <a:effectLst/>
+                <a:latin typeface="Courier New" panose="02070309020205020404" pitchFamily="49" charset="0"/>
+              </a:rPr>
+              <a:t>coll2</a:t>
+            </a:r>
+            <a:r>
+              <a:rPr lang="en-US" sz="1600" b="0" i="0" dirty="0">
+                <a:solidFill>
+                  <a:srgbClr val="000000"/>
+                </a:solidFill>
+                <a:effectLst/>
+                <a:latin typeface="Times New Roman" panose="02020603050405020304" pitchFamily="18" charset="0"/>
+              </a:rPr>
+              <a:t> can be any collection.</a:t>
+            </a:r>
+          </a:p>
+          <a:p>
+            <a:pPr marL="342900" indent="-342900" algn="l">
+              <a:spcBef>
+                <a:spcPts val="0"/>
+              </a:spcBef>
+              <a:buFont typeface="+mj-lt"/>
+              <a:buAutoNum type="arabicPeriod"/>
+            </a:pPr>
+            <a:r>
+              <a:rPr lang="en-US" sz="1600" b="0" i="0" dirty="0" err="1">
+                <a:solidFill>
+                  <a:srgbClr val="CC0000"/>
+                </a:solidFill>
+                <a:effectLst/>
+                <a:latin typeface="Courier New" panose="02070309020205020404" pitchFamily="49" charset="0"/>
+              </a:rPr>
+              <a:t>coll.retainAll</a:t>
+            </a:r>
+            <a:r>
+              <a:rPr lang="en-US" sz="1600" b="0" i="0" dirty="0">
+                <a:solidFill>
+                  <a:srgbClr val="CC0000"/>
+                </a:solidFill>
+                <a:effectLst/>
+                <a:latin typeface="Courier New" panose="02070309020205020404" pitchFamily="49" charset="0"/>
+              </a:rPr>
+              <a:t>(coll2)</a:t>
+            </a:r>
+            <a:r>
+              <a:rPr lang="en-US" sz="1600" b="0" i="0" dirty="0">
+                <a:solidFill>
+                  <a:srgbClr val="000000"/>
+                </a:solidFill>
+                <a:effectLst/>
+                <a:latin typeface="Times New Roman" panose="02020603050405020304" pitchFamily="18" charset="0"/>
+              </a:rPr>
+              <a:t> — removes every </a:t>
+            </a:r>
+            <a:r>
+              <a:rPr lang="en-US" sz="1600" b="0" i="0" dirty="0">
+                <a:solidFill>
+                  <a:srgbClr val="000000"/>
+                </a:solidFill>
+                <a:effectLst/>
+                <a:latin typeface="Courier New" panose="02070309020205020404" pitchFamily="49" charset="0"/>
+              </a:rPr>
+              <a:t>object</a:t>
+            </a:r>
+            <a:r>
+              <a:rPr lang="en-US" sz="1600" b="0" i="0" dirty="0">
+                <a:solidFill>
+                  <a:srgbClr val="000000"/>
+                </a:solidFill>
+                <a:effectLst/>
+                <a:latin typeface="Times New Roman" panose="02020603050405020304" pitchFamily="18" charset="0"/>
+              </a:rPr>
+              <a:t> from </a:t>
+            </a:r>
+            <a:r>
+              <a:rPr lang="en-US" sz="1600" b="0" i="0" dirty="0" err="1">
+                <a:solidFill>
+                  <a:srgbClr val="000000"/>
+                </a:solidFill>
+                <a:effectLst/>
+                <a:latin typeface="Courier New" panose="02070309020205020404" pitchFamily="49" charset="0"/>
+              </a:rPr>
+              <a:t>coll</a:t>
+            </a:r>
+            <a:r>
+              <a:rPr lang="en-US" sz="1600" b="0" i="0" dirty="0">
+                <a:solidFill>
+                  <a:srgbClr val="000000"/>
+                </a:solidFill>
+                <a:effectLst/>
+                <a:latin typeface="Times New Roman" panose="02020603050405020304" pitchFamily="18" charset="0"/>
+              </a:rPr>
+              <a:t> that </a:t>
+            </a:r>
+            <a:r>
+              <a:rPr lang="en-US" sz="1600" b="1" i="0" dirty="0">
+                <a:solidFill>
+                  <a:srgbClr val="000000"/>
+                </a:solidFill>
+                <a:effectLst/>
+                <a:latin typeface="Times New Roman" panose="02020603050405020304" pitchFamily="18" charset="0"/>
+              </a:rPr>
+              <a:t>does not occur</a:t>
+            </a:r>
+            <a:r>
+              <a:rPr lang="en-US" sz="1600" b="0" i="0" dirty="0">
+                <a:solidFill>
+                  <a:srgbClr val="000000"/>
+                </a:solidFill>
+                <a:effectLst/>
+                <a:latin typeface="Times New Roman" panose="02020603050405020304" pitchFamily="18" charset="0"/>
+              </a:rPr>
+              <a:t> in the collection </a:t>
+            </a:r>
+            <a:r>
+              <a:rPr lang="en-US" sz="1600" b="0" i="0" dirty="0">
+                <a:solidFill>
+                  <a:srgbClr val="000000"/>
+                </a:solidFill>
+                <a:effectLst/>
+                <a:latin typeface="Courier New" panose="02070309020205020404" pitchFamily="49" charset="0"/>
+              </a:rPr>
+              <a:t>coll2</a:t>
+            </a:r>
+            <a:r>
+              <a:rPr lang="en-US" sz="1600" b="0" i="0" dirty="0">
+                <a:solidFill>
+                  <a:srgbClr val="000000"/>
+                </a:solidFill>
+                <a:effectLst/>
+                <a:latin typeface="Times New Roman" panose="02020603050405020304" pitchFamily="18" charset="0"/>
+              </a:rPr>
+              <a:t>. </a:t>
+            </a:r>
+          </a:p>
+          <a:p>
+            <a:pPr marL="342900" indent="-342900" algn="l">
+              <a:spcBef>
+                <a:spcPts val="0"/>
+              </a:spcBef>
+              <a:buFont typeface="+mj-lt"/>
+              <a:buAutoNum type="arabicPeriod"/>
+            </a:pPr>
+            <a:r>
+              <a:rPr lang="en-US" sz="1600" b="0" i="0" dirty="0" err="1">
+                <a:solidFill>
+                  <a:srgbClr val="CC0000"/>
+                </a:solidFill>
+                <a:effectLst/>
+                <a:latin typeface="Courier New" panose="02070309020205020404" pitchFamily="49" charset="0"/>
+              </a:rPr>
+              <a:t>coll.toArray</a:t>
+            </a:r>
+            <a:r>
+              <a:rPr lang="en-US" sz="1600" b="0" i="0" dirty="0">
+                <a:solidFill>
+                  <a:srgbClr val="CC0000"/>
+                </a:solidFill>
+                <a:effectLst/>
+                <a:latin typeface="Courier New" panose="02070309020205020404" pitchFamily="49" charset="0"/>
+              </a:rPr>
+              <a:t>()</a:t>
+            </a:r>
+            <a:r>
+              <a:rPr lang="en-US" sz="1600" b="0" i="0" dirty="0">
+                <a:solidFill>
+                  <a:srgbClr val="000000"/>
+                </a:solidFill>
+                <a:effectLst/>
+                <a:latin typeface="Times New Roman" panose="02020603050405020304" pitchFamily="18" charset="0"/>
+              </a:rPr>
+              <a:t> — returns an array of type </a:t>
+            </a:r>
+            <a:r>
+              <a:rPr lang="en-US" sz="1600" b="0" i="0" dirty="0">
+                <a:solidFill>
+                  <a:srgbClr val="0050C0"/>
+                </a:solidFill>
+                <a:effectLst/>
+                <a:latin typeface="Courier New" panose="02070309020205020404" pitchFamily="49" charset="0"/>
+              </a:rPr>
+              <a:t>Object[]</a:t>
+            </a:r>
+            <a:r>
+              <a:rPr lang="en-US" sz="1600" b="0" i="0" dirty="0">
+                <a:solidFill>
+                  <a:srgbClr val="000000"/>
+                </a:solidFill>
+                <a:effectLst/>
+                <a:latin typeface="Times New Roman" panose="02020603050405020304" pitchFamily="18" charset="0"/>
+              </a:rPr>
+              <a:t> that contains all the items in the collection. </a:t>
+            </a:r>
+            <a:endParaRPr lang="en-GB" sz="1600" dirty="0"/>
+          </a:p>
+        </p:txBody>
+      </p:sp>
+    </p:spTree>
+    <p:extLst>
+      <p:ext uri="{BB962C8B-B14F-4D97-AF65-F5344CB8AC3E}">
+        <p14:creationId xmlns:p14="http://schemas.microsoft.com/office/powerpoint/2010/main" val="653392103"/>
+      </p:ext>
+    </p:extLst>
+  </p:cSld>
+  <p:clrMapOvr>
+    <a:masterClrMapping/>
+  </p:clrMapOvr>
+</p:sld>
+</file>
+
+<file path=ppt/slides/slide11.xml><?xml version="1.0" encoding="utf-8"?>
+<p:sld xmlns:a="http://schemas.openxmlformats.org/drawingml/2006/main" xmlns:r="http://schemas.openxmlformats.org/officeDocument/2006/relationships" xmlns:p="http://schemas.openxmlformats.org/presentationml/2006/main">
+  <p:cSld>
+    <p:spTree>
+      <p:nvGrpSpPr>
+        <p:cNvPr id="1" name=""/>
+        <p:cNvGrpSpPr/>
+        <p:nvPr/>
+      </p:nvGrpSpPr>
+      <p:grpSpPr>
+        <a:xfrm>
+          <a:off x="0" y="0"/>
+          <a:ext cx="0" cy="0"/>
+          <a:chOff x="0" y="0"/>
+          <a:chExt cx="0" cy="0"/>
+        </a:xfrm>
+      </p:grpSpPr>
+      <p:sp>
+        <p:nvSpPr>
+          <p:cNvPr id="3" name="Content Placeholder 2">
+            <a:extLst>
+              <a:ext uri="{FF2B5EF4-FFF2-40B4-BE49-F238E27FC236}">
+                <a16:creationId xmlns:a16="http://schemas.microsoft.com/office/drawing/2014/main" id="{6C7F13ED-B066-4225-805E-0889FD78E024}"/>
+              </a:ext>
+            </a:extLst>
+          </p:cNvPr>
+          <p:cNvSpPr>
+            <a:spLocks noGrp="1"/>
+          </p:cNvSpPr>
+          <p:nvPr>
+            <p:ph idx="1"/>
+          </p:nvPr>
+        </p:nvSpPr>
+        <p:spPr/>
+        <p:txBody>
+          <a:bodyPr>
+            <a:normAutofit/>
+          </a:bodyPr>
+          <a:lstStyle/>
+          <a:p>
+            <a:pPr algn="ctr"/>
+            <a:endParaRPr lang="en-GB" sz="4800" dirty="0"/>
+          </a:p>
+          <a:p>
+            <a:pPr marL="0" indent="0" algn="ctr">
+              <a:buNone/>
+            </a:pPr>
+            <a:endParaRPr lang="en-GB" sz="4800" dirty="0"/>
+          </a:p>
+          <a:p>
+            <a:pPr marL="0" indent="0" algn="ctr">
+              <a:buNone/>
+            </a:pPr>
+            <a:r>
+              <a:rPr lang="en-GB" sz="4800" dirty="0"/>
+              <a:t>Any Questions?</a:t>
+            </a:r>
+          </a:p>
+        </p:txBody>
+      </p:sp>
+    </p:spTree>
+    <p:extLst>
+      <p:ext uri="{BB962C8B-B14F-4D97-AF65-F5344CB8AC3E}">
+        <p14:creationId xmlns:p14="http://schemas.microsoft.com/office/powerpoint/2010/main" val="3568024758"/>
+      </p:ext>
+    </p:extLst>
+  </p:cSld>
+  <p:clrMapOvr>
+    <a:masterClrMapping/>
+  </p:clrMapOvr>
+</p:sld>
+</file>
+
+<file path=ppt/slides/slide12.xml><?xml version="1.0" encoding="utf-8"?>
+<p:sld xmlns:a="http://schemas.openxmlformats.org/drawingml/2006/main" xmlns:r="http://schemas.openxmlformats.org/officeDocument/2006/relationships" xmlns:p="http://schemas.openxmlformats.org/presentationml/2006/main">
+  <p:cSld>
+    <p:spTree>
+      <p:nvGrpSpPr>
+        <p:cNvPr id="1" name=""/>
+        <p:cNvGrpSpPr/>
+        <p:nvPr/>
+      </p:nvGrpSpPr>
+      <p:grpSpPr>
+        <a:xfrm>
+          <a:off x="0" y="0"/>
+          <a:ext cx="0" cy="0"/>
+          <a:chOff x="0" y="0"/>
+          <a:chExt cx="0" cy="0"/>
+        </a:xfrm>
+      </p:grpSpPr>
+      <p:sp>
+        <p:nvSpPr>
+          <p:cNvPr id="2" name="Title 1">
+            <a:extLst>
+              <a:ext uri="{FF2B5EF4-FFF2-40B4-BE49-F238E27FC236}">
+                <a16:creationId xmlns:a16="http://schemas.microsoft.com/office/drawing/2014/main" id="{7304BBA7-9D5E-4B9A-95AF-2E54F4B41C0E}"/>
+              </a:ext>
+            </a:extLst>
+          </p:cNvPr>
+          <p:cNvSpPr>
+            <a:spLocks noGrp="1"/>
+          </p:cNvSpPr>
+          <p:nvPr>
+            <p:ph type="title"/>
+          </p:nvPr>
+        </p:nvSpPr>
+        <p:spPr/>
+        <p:txBody>
+          <a:bodyPr/>
+          <a:lstStyle/>
+          <a:p>
+            <a:r>
+              <a:rPr lang="en-GB" dirty="0"/>
+              <a:t>Event handling</a:t>
+            </a:r>
+          </a:p>
+        </p:txBody>
+      </p:sp>
+      <p:sp>
+        <p:nvSpPr>
+          <p:cNvPr id="3" name="Content Placeholder 2">
+            <a:extLst>
+              <a:ext uri="{FF2B5EF4-FFF2-40B4-BE49-F238E27FC236}">
+                <a16:creationId xmlns:a16="http://schemas.microsoft.com/office/drawing/2014/main" id="{3AB586B9-467B-4F63-B336-2E9D19321584}"/>
+              </a:ext>
+            </a:extLst>
+          </p:cNvPr>
+          <p:cNvSpPr>
+            <a:spLocks noGrp="1"/>
+          </p:cNvSpPr>
+          <p:nvPr>
+            <p:ph idx="1"/>
+          </p:nvPr>
+        </p:nvSpPr>
+        <p:spPr>
+          <a:xfrm>
+            <a:off x="822959" y="1845734"/>
+            <a:ext cx="7543800" cy="4023360"/>
+          </a:xfrm>
+        </p:spPr>
+        <p:txBody>
+          <a:bodyPr>
+            <a:normAutofit fontScale="92500" lnSpcReduction="20000"/>
+          </a:bodyPr>
+          <a:lstStyle/>
+          <a:p>
+            <a:pPr>
+              <a:buFont typeface="Wingdings" panose="05000000000000000000" pitchFamily="2" charset="2"/>
+              <a:buChar char="v"/>
+            </a:pPr>
+            <a:r>
+              <a:rPr lang="en-GB" dirty="0"/>
+              <a:t> For an address book we would like to maintain a list of addresses that will have the following attributes and behaviours.</a:t>
+            </a:r>
+          </a:p>
+          <a:p>
+            <a:pPr>
+              <a:buFont typeface="Wingdings" panose="05000000000000000000" pitchFamily="2" charset="2"/>
+              <a:buChar char="v"/>
+            </a:pPr>
+            <a:r>
+              <a:rPr lang="en-GB" dirty="0"/>
+              <a:t> Attributes (properties)</a:t>
+            </a:r>
+          </a:p>
+          <a:p>
+            <a:pPr marL="544068" lvl="1" indent="-342900">
+              <a:buFont typeface="+mj-lt"/>
+              <a:buAutoNum type="arabicPeriod"/>
+            </a:pPr>
+            <a:r>
+              <a:rPr lang="en-GB" dirty="0"/>
+              <a:t>Entry (type=class {Entry})</a:t>
+            </a:r>
+          </a:p>
+          <a:p>
+            <a:pPr marL="251460" indent="-342900">
+              <a:buFont typeface="Wingdings" panose="05000000000000000000" pitchFamily="2" charset="2"/>
+              <a:buChar char="v"/>
+            </a:pPr>
+            <a:r>
+              <a:rPr lang="en-GB" dirty="0"/>
+              <a:t>Methods (behaviours)</a:t>
+            </a:r>
+          </a:p>
+          <a:p>
+            <a:pPr marL="544068" lvl="1" indent="-342900">
+              <a:buFont typeface="+mj-lt"/>
+              <a:buAutoNum type="arabicPeriod"/>
+            </a:pPr>
+            <a:r>
+              <a:rPr lang="en-GB" dirty="0"/>
+              <a:t>Add Entry – add an address book entry</a:t>
+            </a:r>
+          </a:p>
+          <a:p>
+            <a:pPr marL="544068" lvl="1" indent="-342900">
+              <a:buFont typeface="+mj-lt"/>
+              <a:buAutoNum type="arabicPeriod"/>
+            </a:pPr>
+            <a:r>
+              <a:rPr lang="en-GB" dirty="0"/>
+              <a:t>Remove entry – remove and address book entry</a:t>
+            </a:r>
+          </a:p>
+          <a:p>
+            <a:pPr marL="544068" lvl="1" indent="-342900">
+              <a:buFont typeface="+mj-lt"/>
+              <a:buAutoNum type="arabicPeriod"/>
+            </a:pPr>
+            <a:r>
+              <a:rPr lang="en-GB" dirty="0"/>
+              <a:t>List Entries – shows all entries</a:t>
+            </a:r>
+          </a:p>
+          <a:p>
+            <a:pPr marL="544068" lvl="1" indent="-342900">
+              <a:buFont typeface="+mj-lt"/>
+              <a:buAutoNum type="arabicPeriod"/>
+            </a:pPr>
+            <a:r>
+              <a:rPr lang="en-GB" dirty="0"/>
+              <a:t>Find entry – find and entry by name</a:t>
+            </a:r>
+          </a:p>
+          <a:p>
+            <a:pPr marL="544068" lvl="1" indent="-342900">
+              <a:buFont typeface="+mj-lt"/>
+              <a:buAutoNum type="arabicPeriod"/>
+            </a:pPr>
+            <a:endParaRPr lang="en-GB" dirty="0"/>
+          </a:p>
+          <a:p>
+            <a:pPr marL="251460" indent="-342900">
+              <a:buFont typeface="Wingdings" panose="05000000000000000000" pitchFamily="2" charset="2"/>
+              <a:buChar char="v"/>
+            </a:pPr>
+            <a:r>
+              <a:rPr lang="en-GB" dirty="0"/>
+              <a:t>Entry Class properties</a:t>
+            </a:r>
+          </a:p>
+          <a:p>
+            <a:pPr marL="544068" lvl="1" indent="-342900">
+              <a:buFont typeface="Wingdings" panose="05000000000000000000" pitchFamily="2" charset="2"/>
+              <a:buChar char="v"/>
+            </a:pPr>
+            <a:r>
+              <a:rPr lang="en-GB" dirty="0"/>
+              <a:t>Name (type=string, public)</a:t>
+            </a:r>
+          </a:p>
+          <a:p>
+            <a:pPr marL="544068" lvl="1" indent="-342900">
+              <a:buFont typeface="Wingdings" panose="05000000000000000000" pitchFamily="2" charset="2"/>
+              <a:buChar char="v"/>
+            </a:pPr>
+            <a:r>
+              <a:rPr lang="en-GB" dirty="0"/>
+              <a:t>Phone Number (type=</a:t>
+            </a:r>
+          </a:p>
+          <a:p>
+            <a:pPr marL="544068" lvl="1" indent="-342900">
+              <a:buFont typeface="+mj-lt"/>
+              <a:buAutoNum type="arabicPeriod"/>
+            </a:pPr>
+            <a:endParaRPr lang="en-GB" dirty="0"/>
+          </a:p>
+        </p:txBody>
+      </p:sp>
+    </p:spTree>
+    <p:extLst>
+      <p:ext uri="{BB962C8B-B14F-4D97-AF65-F5344CB8AC3E}">
+        <p14:creationId xmlns:p14="http://schemas.microsoft.com/office/powerpoint/2010/main" val="1029761563"/>
+      </p:ext>
+    </p:extLst>
+  </p:cSld>
+  <p:clrMapOvr>
+    <a:masterClrMapping/>
+  </p:clrMapOvr>
+</p:sld>
+</file>
+
+<file path=ppt/slides/slide13.xml><?xml version="1.0" encoding="utf-8"?>
+<p:sld xmlns:a="http://schemas.openxmlformats.org/drawingml/2006/main" xmlns:r="http://schemas.openxmlformats.org/officeDocument/2006/relationships" xmlns:p="http://schemas.openxmlformats.org/presentationml/2006/main">
+  <p:cSld>
+    <p:spTree>
+      <p:nvGrpSpPr>
+        <p:cNvPr id="1" name=""/>
+        <p:cNvGrpSpPr/>
+        <p:nvPr/>
+      </p:nvGrpSpPr>
+      <p:grpSpPr>
+        <a:xfrm>
+          <a:off x="0" y="0"/>
+          <a:ext cx="0" cy="0"/>
+          <a:chOff x="0" y="0"/>
+          <a:chExt cx="0" cy="0"/>
+        </a:xfrm>
+      </p:grpSpPr>
+      <p:sp>
+        <p:nvSpPr>
+          <p:cNvPr id="3" name="Content Placeholder 2">
+            <a:extLst>
+              <a:ext uri="{FF2B5EF4-FFF2-40B4-BE49-F238E27FC236}">
+                <a16:creationId xmlns:a16="http://schemas.microsoft.com/office/drawing/2014/main" id="{6C7F13ED-B066-4225-805E-0889FD78E024}"/>
+              </a:ext>
+            </a:extLst>
+          </p:cNvPr>
+          <p:cNvSpPr>
+            <a:spLocks noGrp="1"/>
+          </p:cNvSpPr>
+          <p:nvPr>
+            <p:ph idx="1"/>
+          </p:nvPr>
+        </p:nvSpPr>
+        <p:spPr/>
+        <p:txBody>
+          <a:bodyPr>
+            <a:normAutofit/>
+          </a:bodyPr>
+          <a:lstStyle/>
+          <a:p>
+            <a:pPr algn="ctr"/>
+            <a:endParaRPr lang="en-GB" sz="4800" dirty="0"/>
+          </a:p>
+          <a:p>
+            <a:pPr marL="0" indent="0" algn="ctr">
+              <a:buNone/>
+            </a:pPr>
+            <a:endParaRPr lang="en-GB" sz="4800" dirty="0"/>
+          </a:p>
+          <a:p>
+            <a:pPr marL="0" indent="0" algn="ctr">
+              <a:buNone/>
+            </a:pPr>
+            <a:r>
+              <a:rPr lang="en-GB" sz="4800" dirty="0"/>
+              <a:t>Any Questions?</a:t>
+            </a:r>
+          </a:p>
+        </p:txBody>
+      </p:sp>
+    </p:spTree>
+    <p:extLst>
+      <p:ext uri="{BB962C8B-B14F-4D97-AF65-F5344CB8AC3E}">
+        <p14:creationId xmlns:p14="http://schemas.microsoft.com/office/powerpoint/2010/main" val="1560354920"/>
+      </p:ext>
+    </p:extLst>
+  </p:cSld>
+  <p:clrMapOvr>
+    <a:masterClrMapping/>
+  </p:clrMapOvr>
+</p:sld>
+</file>
+
+<file path=ppt/slides/slide14.xml><?xml version="1.0" encoding="utf-8"?>
+<p:sld xmlns:a="http://schemas.openxmlformats.org/drawingml/2006/main" xmlns:r="http://schemas.openxmlformats.org/officeDocument/2006/relationships" xmlns:p="http://schemas.openxmlformats.org/presentationml/2006/main">
+  <p:cSld>
+    <p:spTree>
+      <p:nvGrpSpPr>
+        <p:cNvPr id="1" name=""/>
+        <p:cNvGrpSpPr/>
+        <p:nvPr/>
+      </p:nvGrpSpPr>
+      <p:grpSpPr>
+        <a:xfrm>
+          <a:off x="0" y="0"/>
+          <a:ext cx="0" cy="0"/>
+          <a:chOff x="0" y="0"/>
+          <a:chExt cx="0" cy="0"/>
+        </a:xfrm>
+      </p:grpSpPr>
+      <p:sp>
+        <p:nvSpPr>
+          <p:cNvPr id="2" name="Title 1">
+            <a:extLst>
+              <a:ext uri="{FF2B5EF4-FFF2-40B4-BE49-F238E27FC236}">
+                <a16:creationId xmlns:a16="http://schemas.microsoft.com/office/drawing/2014/main" id="{7304BBA7-9D5E-4B9A-95AF-2E54F4B41C0E}"/>
+              </a:ext>
+            </a:extLst>
+          </p:cNvPr>
+          <p:cNvSpPr>
+            <a:spLocks noGrp="1"/>
+          </p:cNvSpPr>
+          <p:nvPr>
+            <p:ph type="title"/>
+          </p:nvPr>
+        </p:nvSpPr>
+        <p:spPr/>
+        <p:txBody>
+          <a:bodyPr/>
+          <a:lstStyle/>
+          <a:p>
+            <a:r>
+              <a:rPr lang="en-GB" dirty="0"/>
+              <a:t>Exception Handling</a:t>
+            </a:r>
+          </a:p>
+        </p:txBody>
+      </p:sp>
+      <p:sp>
+        <p:nvSpPr>
+          <p:cNvPr id="3" name="Content Placeholder 2">
+            <a:extLst>
+              <a:ext uri="{FF2B5EF4-FFF2-40B4-BE49-F238E27FC236}">
+                <a16:creationId xmlns:a16="http://schemas.microsoft.com/office/drawing/2014/main" id="{3AB586B9-467B-4F63-B336-2E9D19321584}"/>
+              </a:ext>
+            </a:extLst>
+          </p:cNvPr>
+          <p:cNvSpPr>
+            <a:spLocks noGrp="1"/>
+          </p:cNvSpPr>
+          <p:nvPr>
+            <p:ph idx="1"/>
+          </p:nvPr>
+        </p:nvSpPr>
+        <p:spPr>
+          <a:xfrm>
+            <a:off x="822959" y="1845734"/>
+            <a:ext cx="7543800" cy="4023360"/>
+          </a:xfrm>
+        </p:spPr>
+        <p:txBody>
+          <a:bodyPr>
+            <a:normAutofit fontScale="92500" lnSpcReduction="20000"/>
+          </a:bodyPr>
+          <a:lstStyle/>
+          <a:p>
+            <a:pPr>
+              <a:buFont typeface="Wingdings" panose="05000000000000000000" pitchFamily="2" charset="2"/>
+              <a:buChar char="v"/>
+            </a:pPr>
+            <a:r>
+              <a:rPr lang="en-GB" dirty="0"/>
+              <a:t> For an address book we would like to maintain a list of addresses that will have the following attributes and behaviours.</a:t>
+            </a:r>
+          </a:p>
+          <a:p>
+            <a:pPr>
+              <a:buFont typeface="Wingdings" panose="05000000000000000000" pitchFamily="2" charset="2"/>
+              <a:buChar char="v"/>
+            </a:pPr>
+            <a:r>
+              <a:rPr lang="en-GB" dirty="0"/>
+              <a:t> Attributes (properties)</a:t>
+            </a:r>
+          </a:p>
+          <a:p>
+            <a:pPr marL="544068" lvl="1" indent="-342900">
+              <a:buFont typeface="+mj-lt"/>
+              <a:buAutoNum type="arabicPeriod"/>
+            </a:pPr>
+            <a:r>
+              <a:rPr lang="en-GB" dirty="0"/>
+              <a:t>Entry (type=class {Entry})</a:t>
+            </a:r>
+          </a:p>
+          <a:p>
+            <a:pPr marL="251460" indent="-342900">
+              <a:buFont typeface="Wingdings" panose="05000000000000000000" pitchFamily="2" charset="2"/>
+              <a:buChar char="v"/>
+            </a:pPr>
+            <a:r>
+              <a:rPr lang="en-GB" dirty="0"/>
+              <a:t>Methods (behaviours)</a:t>
+            </a:r>
+          </a:p>
+          <a:p>
+            <a:pPr marL="544068" lvl="1" indent="-342900">
+              <a:buFont typeface="+mj-lt"/>
+              <a:buAutoNum type="arabicPeriod"/>
+            </a:pPr>
+            <a:r>
+              <a:rPr lang="en-GB" dirty="0"/>
+              <a:t>Add Entry – add an address book entry</a:t>
+            </a:r>
+          </a:p>
+          <a:p>
+            <a:pPr marL="544068" lvl="1" indent="-342900">
+              <a:buFont typeface="+mj-lt"/>
+              <a:buAutoNum type="arabicPeriod"/>
+            </a:pPr>
+            <a:r>
+              <a:rPr lang="en-GB" dirty="0"/>
+              <a:t>Remove entry – remove and address book entry</a:t>
+            </a:r>
+          </a:p>
+          <a:p>
+            <a:pPr marL="544068" lvl="1" indent="-342900">
+              <a:buFont typeface="+mj-lt"/>
+              <a:buAutoNum type="arabicPeriod"/>
+            </a:pPr>
+            <a:r>
+              <a:rPr lang="en-GB" dirty="0"/>
+              <a:t>List Entries – shows all entries</a:t>
+            </a:r>
+          </a:p>
+          <a:p>
+            <a:pPr marL="544068" lvl="1" indent="-342900">
+              <a:buFont typeface="+mj-lt"/>
+              <a:buAutoNum type="arabicPeriod"/>
+            </a:pPr>
+            <a:r>
+              <a:rPr lang="en-GB" dirty="0"/>
+              <a:t>Find entry – find and entry by name</a:t>
+            </a:r>
+          </a:p>
+          <a:p>
+            <a:pPr marL="544068" lvl="1" indent="-342900">
+              <a:buFont typeface="+mj-lt"/>
+              <a:buAutoNum type="arabicPeriod"/>
+            </a:pPr>
+            <a:endParaRPr lang="en-GB" dirty="0"/>
+          </a:p>
+          <a:p>
+            <a:pPr marL="251460" indent="-342900">
+              <a:buFont typeface="Wingdings" panose="05000000000000000000" pitchFamily="2" charset="2"/>
+              <a:buChar char="v"/>
+            </a:pPr>
+            <a:r>
+              <a:rPr lang="en-GB" dirty="0"/>
+              <a:t>Entry Class properties</a:t>
+            </a:r>
+          </a:p>
+          <a:p>
+            <a:pPr marL="544068" lvl="1" indent="-342900">
+              <a:buFont typeface="Wingdings" panose="05000000000000000000" pitchFamily="2" charset="2"/>
+              <a:buChar char="v"/>
+            </a:pPr>
+            <a:r>
+              <a:rPr lang="en-GB" dirty="0"/>
+              <a:t>Name (type=string, public)</a:t>
+            </a:r>
+          </a:p>
+          <a:p>
+            <a:pPr marL="544068" lvl="1" indent="-342900">
+              <a:buFont typeface="Wingdings" panose="05000000000000000000" pitchFamily="2" charset="2"/>
+              <a:buChar char="v"/>
+            </a:pPr>
+            <a:r>
+              <a:rPr lang="en-GB" dirty="0"/>
+              <a:t>Phone Number (type=</a:t>
+            </a:r>
+          </a:p>
+          <a:p>
+            <a:pPr marL="544068" lvl="1" indent="-342900">
+              <a:buFont typeface="+mj-lt"/>
+              <a:buAutoNum type="arabicPeriod"/>
+            </a:pPr>
+            <a:endParaRPr lang="en-GB" dirty="0"/>
+          </a:p>
+        </p:txBody>
+      </p:sp>
+    </p:spTree>
+    <p:extLst>
+      <p:ext uri="{BB962C8B-B14F-4D97-AF65-F5344CB8AC3E}">
+        <p14:creationId xmlns:p14="http://schemas.microsoft.com/office/powerpoint/2010/main" val="1169195662"/>
+      </p:ext>
+    </p:extLst>
+  </p:cSld>
+  <p:clrMapOvr>
+    <a:masterClrMapping/>
+  </p:clrMapOvr>
+</p:sld>
+</file>
+
+<file path=ppt/slides/slide15.xml><?xml version="1.0" encoding="utf-8"?>
+<p:sld xmlns:a="http://schemas.openxmlformats.org/drawingml/2006/main" xmlns:r="http://schemas.openxmlformats.org/officeDocument/2006/relationships" xmlns:p="http://schemas.openxmlformats.org/presentationml/2006/main">
+  <p:cSld>
+    <p:spTree>
+      <p:nvGrpSpPr>
+        <p:cNvPr id="1" name=""/>
+        <p:cNvGrpSpPr/>
+        <p:nvPr/>
+      </p:nvGrpSpPr>
+      <p:grpSpPr>
+        <a:xfrm>
+          <a:off x="0" y="0"/>
+          <a:ext cx="0" cy="0"/>
+          <a:chOff x="0" y="0"/>
+          <a:chExt cx="0" cy="0"/>
+        </a:xfrm>
+      </p:grpSpPr>
+      <p:sp>
+        <p:nvSpPr>
+          <p:cNvPr id="3" name="Content Placeholder 2">
+            <a:extLst>
+              <a:ext uri="{FF2B5EF4-FFF2-40B4-BE49-F238E27FC236}">
+                <a16:creationId xmlns:a16="http://schemas.microsoft.com/office/drawing/2014/main" id="{6C7F13ED-B066-4225-805E-0889FD78E024}"/>
+              </a:ext>
+            </a:extLst>
+          </p:cNvPr>
+          <p:cNvSpPr>
+            <a:spLocks noGrp="1"/>
+          </p:cNvSpPr>
+          <p:nvPr>
+            <p:ph idx="1"/>
+          </p:nvPr>
+        </p:nvSpPr>
+        <p:spPr/>
+        <p:txBody>
+          <a:bodyPr>
+            <a:normAutofit/>
+          </a:bodyPr>
+          <a:lstStyle/>
+          <a:p>
+            <a:pPr algn="ctr"/>
+            <a:endParaRPr lang="en-GB" sz="4800" dirty="0"/>
+          </a:p>
+          <a:p>
+            <a:pPr marL="0" indent="0" algn="ctr">
+              <a:buNone/>
+            </a:pPr>
+            <a:endParaRPr lang="en-GB" sz="4800" dirty="0"/>
+          </a:p>
+          <a:p>
+            <a:pPr marL="0" indent="0" algn="ctr">
+              <a:buNone/>
+            </a:pPr>
+            <a:r>
+              <a:rPr lang="en-GB" sz="4800" dirty="0"/>
+              <a:t>Any Questions?</a:t>
+            </a:r>
+          </a:p>
+        </p:txBody>
+      </p:sp>
+    </p:spTree>
+    <p:extLst>
+      <p:ext uri="{BB962C8B-B14F-4D97-AF65-F5344CB8AC3E}">
+        <p14:creationId xmlns:p14="http://schemas.microsoft.com/office/powerpoint/2010/main" val="116358808"/>
+      </p:ext>
+    </p:extLst>
+  </p:cSld>
+  <p:clrMapOvr>
+    <a:masterClrMapping/>
+  </p:clrMapOvr>
+</p:sld>
+</file>
+
+<file path=ppt/slides/slide16.xml><?xml version="1.0" encoding="utf-8"?>
+<p:sld xmlns:a="http://schemas.openxmlformats.org/drawingml/2006/main" xmlns:r="http://schemas.openxmlformats.org/officeDocument/2006/relationships" xmlns:p="http://schemas.openxmlformats.org/presentationml/2006/main">
+  <p:cSld>
+    <p:spTree>
+      <p:nvGrpSpPr>
+        <p:cNvPr id="1" name=""/>
+        <p:cNvGrpSpPr/>
+        <p:nvPr/>
+      </p:nvGrpSpPr>
+      <p:grpSpPr>
+        <a:xfrm>
+          <a:off x="0" y="0"/>
+          <a:ext cx="0" cy="0"/>
+          <a:chOff x="0" y="0"/>
+          <a:chExt cx="0" cy="0"/>
+        </a:xfrm>
+      </p:grpSpPr>
+      <p:sp>
+        <p:nvSpPr>
+          <p:cNvPr id="2" name="Title 1">
+            <a:extLst>
+              <a:ext uri="{FF2B5EF4-FFF2-40B4-BE49-F238E27FC236}">
+                <a16:creationId xmlns:a16="http://schemas.microsoft.com/office/drawing/2014/main" id="{7304BBA7-9D5E-4B9A-95AF-2E54F4B41C0E}"/>
+              </a:ext>
+            </a:extLst>
+          </p:cNvPr>
+          <p:cNvSpPr>
+            <a:spLocks noGrp="1"/>
+          </p:cNvSpPr>
+          <p:nvPr>
+            <p:ph type="title"/>
+          </p:nvPr>
+        </p:nvSpPr>
+        <p:spPr/>
+        <p:txBody>
+          <a:bodyPr/>
+          <a:lstStyle/>
+          <a:p>
+            <a:r>
+              <a:rPr lang="en-GB" dirty="0"/>
+              <a:t>Exercises</a:t>
+            </a:r>
+          </a:p>
+        </p:txBody>
+      </p:sp>
+      <p:sp>
+        <p:nvSpPr>
+          <p:cNvPr id="3" name="Content Placeholder 2">
+            <a:extLst>
+              <a:ext uri="{FF2B5EF4-FFF2-40B4-BE49-F238E27FC236}">
+                <a16:creationId xmlns:a16="http://schemas.microsoft.com/office/drawing/2014/main" id="{3AB586B9-467B-4F63-B336-2E9D19321584}"/>
+              </a:ext>
+            </a:extLst>
+          </p:cNvPr>
+          <p:cNvSpPr>
+            <a:spLocks noGrp="1"/>
+          </p:cNvSpPr>
+          <p:nvPr>
+            <p:ph idx="1"/>
+          </p:nvPr>
+        </p:nvSpPr>
+        <p:spPr>
+          <a:xfrm>
+            <a:off x="822959" y="1845734"/>
+            <a:ext cx="7543800" cy="4023360"/>
+          </a:xfrm>
+        </p:spPr>
+        <p:txBody>
+          <a:bodyPr>
+            <a:normAutofit/>
+          </a:bodyPr>
+          <a:lstStyle/>
+          <a:p>
+            <a:pPr marL="457200" indent="-457200">
+              <a:buFont typeface="+mj-lt"/>
+              <a:buAutoNum type="arabicPeriod"/>
+            </a:pPr>
+            <a:r>
+              <a:rPr lang="en-GB" dirty="0"/>
+              <a:t>Create a GUI for the address book program</a:t>
+            </a:r>
+          </a:p>
+          <a:p>
+            <a:pPr marL="457200" indent="-457200">
+              <a:buFont typeface="+mj-lt"/>
+              <a:buAutoNum type="arabicPeriod"/>
+            </a:pPr>
+            <a:endParaRPr lang="en-GB" dirty="0"/>
+          </a:p>
+          <a:p>
+            <a:pPr marL="544068" lvl="1" indent="-342900">
+              <a:buFont typeface="+mj-lt"/>
+              <a:buAutoNum type="arabicPeriod"/>
+            </a:pPr>
+            <a:endParaRPr lang="en-GB" dirty="0"/>
+          </a:p>
+        </p:txBody>
+      </p:sp>
+    </p:spTree>
+    <p:extLst>
+      <p:ext uri="{BB962C8B-B14F-4D97-AF65-F5344CB8AC3E}">
+        <p14:creationId xmlns:p14="http://schemas.microsoft.com/office/powerpoint/2010/main" val="817811"/>
+      </p:ext>
+    </p:extLst>
+  </p:cSld>
+  <p:clrMapOvr>
+    <a:masterClrMapping/>
+  </p:clrMapOvr>
+</p:sld>
+</file>
+
+<file path=ppt/slides/slide17.xml><?xml version="1.0" encoding="utf-8"?>
+<p:sld xmlns:a="http://schemas.openxmlformats.org/drawingml/2006/main" xmlns:r="http://schemas.openxmlformats.org/officeDocument/2006/relationships" xmlns:p="http://schemas.openxmlformats.org/presentationml/2006/main">
+  <p:cSld>
+    <p:spTree>
+      <p:nvGrpSpPr>
+        <p:cNvPr id="1" name=""/>
+        <p:cNvGrpSpPr/>
+        <p:nvPr/>
+      </p:nvGrpSpPr>
+      <p:grpSpPr>
+        <a:xfrm>
+          <a:off x="0" y="0"/>
+          <a:ext cx="0" cy="0"/>
+          <a:chOff x="0" y="0"/>
+          <a:chExt cx="0" cy="0"/>
+        </a:xfrm>
+      </p:grpSpPr>
+      <p:sp>
+        <p:nvSpPr>
+          <p:cNvPr id="2" name="Title 1">
+            <a:extLst>
+              <a:ext uri="{FF2B5EF4-FFF2-40B4-BE49-F238E27FC236}">
+                <a16:creationId xmlns:a16="http://schemas.microsoft.com/office/drawing/2014/main" id="{7304BBA7-9D5E-4B9A-95AF-2E54F4B41C0E}"/>
+              </a:ext>
+            </a:extLst>
+          </p:cNvPr>
+          <p:cNvSpPr>
+            <a:spLocks noGrp="1"/>
+          </p:cNvSpPr>
+          <p:nvPr>
+            <p:ph type="title"/>
+          </p:nvPr>
+        </p:nvSpPr>
+        <p:spPr>
+          <a:xfrm>
+            <a:off x="822960" y="286604"/>
+            <a:ext cx="7543800" cy="702301"/>
+          </a:xfrm>
+        </p:spPr>
+        <p:txBody>
+          <a:bodyPr>
+            <a:normAutofit fontScale="90000"/>
+          </a:bodyPr>
+          <a:lstStyle/>
+          <a:p>
+            <a:r>
+              <a:rPr lang="en-GB" dirty="0"/>
+              <a:t>Exercise (Advanced)</a:t>
+            </a:r>
+          </a:p>
+        </p:txBody>
+      </p:sp>
+      <p:sp>
+        <p:nvSpPr>
+          <p:cNvPr id="7" name="Content Placeholder 6">
+            <a:extLst>
+              <a:ext uri="{FF2B5EF4-FFF2-40B4-BE49-F238E27FC236}">
+                <a16:creationId xmlns:a16="http://schemas.microsoft.com/office/drawing/2014/main" id="{67B3107E-BAA4-4555-A388-C5EA097A83DF}"/>
+              </a:ext>
+            </a:extLst>
+          </p:cNvPr>
+          <p:cNvSpPr>
+            <a:spLocks noGrp="1"/>
+          </p:cNvSpPr>
+          <p:nvPr>
+            <p:ph sz="half" idx="1"/>
+          </p:nvPr>
+        </p:nvSpPr>
+        <p:spPr/>
+        <p:txBody>
+          <a:bodyPr/>
+          <a:lstStyle/>
+          <a:p>
+            <a:endParaRPr lang="en-GB" dirty="0"/>
+          </a:p>
+        </p:txBody>
+      </p:sp>
+      <p:sp>
+        <p:nvSpPr>
+          <p:cNvPr id="8" name="Content Placeholder 7">
+            <a:extLst>
+              <a:ext uri="{FF2B5EF4-FFF2-40B4-BE49-F238E27FC236}">
+                <a16:creationId xmlns:a16="http://schemas.microsoft.com/office/drawing/2014/main" id="{8F7FAA5C-B8AC-4176-9063-10AA9000B80F}"/>
+              </a:ext>
+            </a:extLst>
+          </p:cNvPr>
+          <p:cNvSpPr>
+            <a:spLocks noGrp="1"/>
+          </p:cNvSpPr>
+          <p:nvPr>
+            <p:ph sz="half" idx="2"/>
+          </p:nvPr>
+        </p:nvSpPr>
+        <p:spPr/>
+        <p:txBody>
+          <a:bodyPr/>
+          <a:lstStyle/>
+          <a:p>
+            <a:endParaRPr lang="en-GB"/>
+          </a:p>
+        </p:txBody>
+      </p:sp>
+      <p:sp>
+        <p:nvSpPr>
+          <p:cNvPr id="6" name="Content Placeholder 2">
+            <a:extLst>
+              <a:ext uri="{FF2B5EF4-FFF2-40B4-BE49-F238E27FC236}">
+                <a16:creationId xmlns:a16="http://schemas.microsoft.com/office/drawing/2014/main" id="{7F1124D1-869B-45EB-BF23-5CAF051FB4F7}"/>
+              </a:ext>
+            </a:extLst>
+          </p:cNvPr>
+          <p:cNvSpPr txBox="1">
+            <a:spLocks/>
+          </p:cNvSpPr>
+          <p:nvPr/>
+        </p:nvSpPr>
+        <p:spPr>
+          <a:xfrm>
+            <a:off x="822960" y="1152899"/>
+            <a:ext cx="7543800" cy="748454"/>
+          </a:xfrm>
+          <a:prstGeom prst="rect">
+            <a:avLst/>
+          </a:prstGeom>
+        </p:spPr>
+        <p:txBody>
+          <a:bodyPr vert="horz" lIns="0" tIns="45720" rIns="0" bIns="45720" rtlCol="0">
+            <a:normAutofit/>
+          </a:bodyPr>
+          <a:lstStyle>
+            <a:lvl1pPr marL="91440" indent="-91440" algn="l" defTabSz="914400" rtl="0" eaLnBrk="1" latinLnBrk="0" hangingPunct="1">
+              <a:lnSpc>
+                <a:spcPct val="90000"/>
+              </a:lnSpc>
+              <a:spcBef>
+                <a:spcPts val="1200"/>
+              </a:spcBef>
+              <a:spcAft>
+                <a:spcPts val="200"/>
+              </a:spcAft>
+              <a:buClr>
+                <a:schemeClr val="accent1"/>
+              </a:buClr>
+              <a:buSzPct val="100000"/>
+              <a:buFont typeface="Calibri" panose="020F0502020204030204" pitchFamily="34" charset="0"/>
+              <a:buChar char=" "/>
+              <a:defRPr sz="2000" kern="1200">
+                <a:solidFill>
+                  <a:schemeClr val="tx1">
+                    <a:lumMod val="75000"/>
+                    <a:lumOff val="25000"/>
+                  </a:schemeClr>
+                </a:solidFill>
+                <a:latin typeface="+mn-lt"/>
+                <a:ea typeface="+mn-ea"/>
+                <a:cs typeface="+mn-cs"/>
+              </a:defRPr>
+            </a:lvl1pPr>
+            <a:lvl2pPr marL="384048" indent="-182880" algn="l" defTabSz="914400" rtl="0" eaLnBrk="1" latinLnBrk="0" hangingPunct="1">
+              <a:lnSpc>
+                <a:spcPct val="90000"/>
+              </a:lnSpc>
+              <a:spcBef>
+                <a:spcPts val="200"/>
+              </a:spcBef>
+              <a:spcAft>
+                <a:spcPts val="400"/>
+              </a:spcAft>
+              <a:buClr>
+                <a:schemeClr val="accent1"/>
+              </a:buClr>
+              <a:buFont typeface="Calibri" pitchFamily="34" charset="0"/>
+              <a:buChar char="◦"/>
+              <a:defRPr sz="1800" kern="1200">
+                <a:solidFill>
+                  <a:schemeClr val="tx1">
+                    <a:lumMod val="75000"/>
+                    <a:lumOff val="25000"/>
+                  </a:schemeClr>
+                </a:solidFill>
+                <a:latin typeface="+mn-lt"/>
+                <a:ea typeface="+mn-ea"/>
+                <a:cs typeface="+mn-cs"/>
+              </a:defRPr>
+            </a:lvl2pPr>
+            <a:lvl3pPr marL="566928" indent="-182880" algn="l" defTabSz="914400" rtl="0" eaLnBrk="1" latinLnBrk="0" hangingPunct="1">
+              <a:lnSpc>
+                <a:spcPct val="90000"/>
+              </a:lnSpc>
+              <a:spcBef>
+                <a:spcPts val="200"/>
+              </a:spcBef>
+              <a:spcAft>
+                <a:spcPts val="400"/>
+              </a:spcAft>
+              <a:buClr>
+                <a:schemeClr val="accent1"/>
+              </a:buClr>
+              <a:buFont typeface="Calibri" pitchFamily="34" charset="0"/>
+              <a:buChar char="◦"/>
+              <a:defRPr sz="1400" kern="1200">
+                <a:solidFill>
+                  <a:schemeClr val="tx1">
+                    <a:lumMod val="75000"/>
+                    <a:lumOff val="25000"/>
+                  </a:schemeClr>
+                </a:solidFill>
+                <a:latin typeface="+mn-lt"/>
+                <a:ea typeface="+mn-ea"/>
+                <a:cs typeface="+mn-cs"/>
+              </a:defRPr>
+            </a:lvl3pPr>
+            <a:lvl4pPr marL="749808" indent="-182880" algn="l" defTabSz="914400" rtl="0" eaLnBrk="1" latinLnBrk="0" hangingPunct="1">
+              <a:lnSpc>
+                <a:spcPct val="90000"/>
+              </a:lnSpc>
+              <a:spcBef>
+                <a:spcPts val="200"/>
+              </a:spcBef>
+              <a:spcAft>
+                <a:spcPts val="400"/>
+              </a:spcAft>
+              <a:buClr>
+                <a:schemeClr val="accent1"/>
+              </a:buClr>
+              <a:buFont typeface="Calibri" pitchFamily="34" charset="0"/>
+              <a:buChar char="◦"/>
+              <a:defRPr sz="1400" kern="1200">
+                <a:solidFill>
+                  <a:schemeClr val="tx1">
+                    <a:lumMod val="75000"/>
+                    <a:lumOff val="25000"/>
+                  </a:schemeClr>
+                </a:solidFill>
+                <a:latin typeface="+mn-lt"/>
+                <a:ea typeface="+mn-ea"/>
+                <a:cs typeface="+mn-cs"/>
+              </a:defRPr>
+            </a:lvl4pPr>
+            <a:lvl5pPr marL="932688" indent="-182880" algn="l" defTabSz="914400" rtl="0" eaLnBrk="1" latinLnBrk="0" hangingPunct="1">
+              <a:lnSpc>
+                <a:spcPct val="90000"/>
+              </a:lnSpc>
+              <a:spcBef>
+                <a:spcPts val="200"/>
+              </a:spcBef>
+              <a:spcAft>
+                <a:spcPts val="400"/>
+              </a:spcAft>
+              <a:buClr>
+                <a:schemeClr val="accent1"/>
+              </a:buClr>
+              <a:buFont typeface="Calibri" pitchFamily="34" charset="0"/>
+              <a:buChar char="◦"/>
+              <a:defRPr sz="1400" kern="1200">
+                <a:solidFill>
+                  <a:schemeClr val="tx1">
+                    <a:lumMod val="75000"/>
+                    <a:lumOff val="25000"/>
+                  </a:schemeClr>
+                </a:solidFill>
+                <a:latin typeface="+mn-lt"/>
+                <a:ea typeface="+mn-ea"/>
+                <a:cs typeface="+mn-cs"/>
+              </a:defRPr>
+            </a:lvl5pPr>
+            <a:lvl6pPr marL="1100000" indent="-228600" algn="l" defTabSz="914400" rtl="0" eaLnBrk="1" latinLnBrk="0" hangingPunct="1">
+              <a:lnSpc>
+                <a:spcPct val="90000"/>
+              </a:lnSpc>
+              <a:spcBef>
+                <a:spcPts val="200"/>
+              </a:spcBef>
+              <a:spcAft>
+                <a:spcPts val="400"/>
+              </a:spcAft>
+              <a:buClr>
+                <a:schemeClr val="accent1"/>
+              </a:buClr>
+              <a:buFont typeface="Calibri" pitchFamily="34" charset="0"/>
+              <a:buChar char="◦"/>
+              <a:defRPr sz="1400" kern="1200">
+                <a:solidFill>
+                  <a:schemeClr val="tx1">
+                    <a:lumMod val="75000"/>
+                    <a:lumOff val="25000"/>
+                  </a:schemeClr>
+                </a:solidFill>
+                <a:latin typeface="+mn-lt"/>
+                <a:ea typeface="+mn-ea"/>
+                <a:cs typeface="+mn-cs"/>
+              </a:defRPr>
+            </a:lvl6pPr>
+            <a:lvl7pPr marL="1300000" indent="-228600" algn="l" defTabSz="914400" rtl="0" eaLnBrk="1" latinLnBrk="0" hangingPunct="1">
+              <a:lnSpc>
+                <a:spcPct val="90000"/>
+              </a:lnSpc>
+              <a:spcBef>
+                <a:spcPts val="200"/>
+              </a:spcBef>
+              <a:spcAft>
+                <a:spcPts val="400"/>
+              </a:spcAft>
+              <a:buClr>
+                <a:schemeClr val="accent1"/>
+              </a:buClr>
+              <a:buFont typeface="Calibri" pitchFamily="34" charset="0"/>
+              <a:buChar char="◦"/>
+              <a:defRPr sz="1400" kern="1200">
+                <a:solidFill>
+                  <a:schemeClr val="tx1">
+                    <a:lumMod val="75000"/>
+                    <a:lumOff val="25000"/>
+                  </a:schemeClr>
+                </a:solidFill>
+                <a:latin typeface="+mn-lt"/>
+                <a:ea typeface="+mn-ea"/>
+                <a:cs typeface="+mn-cs"/>
+              </a:defRPr>
+            </a:lvl7pPr>
+            <a:lvl8pPr marL="1500000" indent="-228600" algn="l" defTabSz="914400" rtl="0" eaLnBrk="1" latinLnBrk="0" hangingPunct="1">
+              <a:lnSpc>
+                <a:spcPct val="90000"/>
+              </a:lnSpc>
+              <a:spcBef>
+                <a:spcPts val="200"/>
+              </a:spcBef>
+              <a:spcAft>
+                <a:spcPts val="400"/>
+              </a:spcAft>
+              <a:buClr>
+                <a:schemeClr val="accent1"/>
+              </a:buClr>
+              <a:buFont typeface="Calibri" pitchFamily="34" charset="0"/>
+              <a:buChar char="◦"/>
+              <a:defRPr sz="1400" kern="1200">
+                <a:solidFill>
+                  <a:schemeClr val="tx1">
+                    <a:lumMod val="75000"/>
+                    <a:lumOff val="25000"/>
+                  </a:schemeClr>
+                </a:solidFill>
+                <a:latin typeface="+mn-lt"/>
+                <a:ea typeface="+mn-ea"/>
+                <a:cs typeface="+mn-cs"/>
+              </a:defRPr>
+            </a:lvl8pPr>
+            <a:lvl9pPr marL="1700000" indent="-228600" algn="l" defTabSz="914400" rtl="0" eaLnBrk="1" latinLnBrk="0" hangingPunct="1">
+              <a:lnSpc>
+                <a:spcPct val="90000"/>
+              </a:lnSpc>
+              <a:spcBef>
+                <a:spcPts val="200"/>
+              </a:spcBef>
+              <a:spcAft>
+                <a:spcPts val="400"/>
+              </a:spcAft>
+              <a:buClr>
+                <a:schemeClr val="accent1"/>
+              </a:buClr>
+              <a:buFont typeface="Calibri" pitchFamily="34" charset="0"/>
+              <a:buChar char="◦"/>
+              <a:defRPr sz="1400" kern="1200">
+                <a:solidFill>
+                  <a:schemeClr val="tx1">
+                    <a:lumMod val="75000"/>
+                    <a:lumOff val="25000"/>
+                  </a:schemeClr>
+                </a:solidFill>
+                <a:latin typeface="+mn-lt"/>
+                <a:ea typeface="+mn-ea"/>
+                <a:cs typeface="+mn-cs"/>
+              </a:defRPr>
+            </a:lvl9pPr>
+          </a:lstStyle>
+          <a:p>
+            <a:pPr>
+              <a:buFont typeface="Wingdings" panose="05000000000000000000" pitchFamily="2" charset="2"/>
+              <a:buChar char="v"/>
+            </a:pPr>
+            <a:r>
+              <a:rPr lang="en-GB"/>
+              <a:t> Create a GUI application for the POS system given by the following class and sequence diagram</a:t>
+            </a:r>
+            <a:endParaRPr lang="en-GB" dirty="0"/>
+          </a:p>
+        </p:txBody>
+      </p:sp>
+    </p:spTree>
+    <p:extLst>
+      <p:ext uri="{BB962C8B-B14F-4D97-AF65-F5344CB8AC3E}">
+        <p14:creationId xmlns:p14="http://schemas.microsoft.com/office/powerpoint/2010/main" val="2250901835"/>
       </p:ext>
     </p:extLst>
   </p:cSld>
@@ -4019,93 +8442,125 @@
         </p:nvSpPr>
         <p:spPr>
           <a:xfrm>
-            <a:off x="822960" y="1845734"/>
-            <a:ext cx="4804842" cy="4023360"/>
+            <a:off x="822960" y="1958855"/>
+            <a:ext cx="4795415" cy="4243981"/>
           </a:xfrm>
         </p:spPr>
         <p:txBody>
-          <a:bodyPr/>
+          <a:bodyPr>
+            <a:normAutofit/>
+          </a:bodyPr>
           <a:lstStyle/>
           <a:p>
             <a:pPr>
+              <a:spcBef>
+                <a:spcPts val="600"/>
+              </a:spcBef>
               <a:buFont typeface="Wingdings" panose="05000000000000000000" pitchFamily="2" charset="2"/>
               <a:buChar char="v"/>
             </a:pPr>
             <a:r>
-              <a:rPr lang="en-US" dirty="0"/>
-              <a:t> Primitive Wrappers</a:t>
+              <a:rPr lang="en-US" sz="2000" dirty="0"/>
+              <a:t> Introduction to GUI development</a:t>
             </a:r>
           </a:p>
           <a:p>
             <a:pPr>
+              <a:spcBef>
+                <a:spcPts val="600"/>
+              </a:spcBef>
               <a:buFont typeface="Wingdings" panose="05000000000000000000" pitchFamily="2" charset="2"/>
               <a:buChar char="v"/>
             </a:pPr>
             <a:r>
               <a:rPr lang="en-US" dirty="0"/>
-              <a:t> Exception Handling</a:t>
+              <a:t> Buttons</a:t>
             </a:r>
           </a:p>
           <a:p>
             <a:pPr>
+              <a:spcBef>
+                <a:spcPts val="600"/>
+              </a:spcBef>
               <a:buFont typeface="Wingdings" panose="05000000000000000000" pitchFamily="2" charset="2"/>
               <a:buChar char="v"/>
             </a:pPr>
             <a:r>
               <a:rPr lang="en-US" dirty="0"/>
-              <a:t> I/O Streams input and output</a:t>
+              <a:t> Labels</a:t>
             </a:r>
           </a:p>
           <a:p>
             <a:pPr>
+              <a:spcBef>
+                <a:spcPts val="600"/>
+              </a:spcBef>
               <a:buFont typeface="Wingdings" panose="05000000000000000000" pitchFamily="2" charset="2"/>
               <a:buChar char="v"/>
             </a:pPr>
             <a:r>
               <a:rPr lang="en-US" dirty="0"/>
-              <a:t> Readers and Writers</a:t>
-            </a:r>
+              <a:t> </a:t>
+            </a:r>
+            <a:r>
+              <a:rPr lang="en-US" dirty="0" err="1"/>
+              <a:t>TextField</a:t>
+            </a:r>
+            <a:endParaRPr lang="en-US" dirty="0"/>
           </a:p>
           <a:p>
             <a:pPr>
+              <a:spcBef>
+                <a:spcPts val="600"/>
+              </a:spcBef>
               <a:buFont typeface="Wingdings" panose="05000000000000000000" pitchFamily="2" charset="2"/>
               <a:buChar char="v"/>
             </a:pPr>
             <a:r>
-              <a:rPr lang="en-US" dirty="0"/>
-              <a:t> Working with files</a:t>
+              <a:rPr lang="en-US" sz="2000" dirty="0"/>
+              <a:t> Layouts</a:t>
             </a:r>
           </a:p>
           <a:p>
             <a:pPr>
+              <a:spcBef>
+                <a:spcPts val="600"/>
+              </a:spcBef>
               <a:buFont typeface="Wingdings" panose="05000000000000000000" pitchFamily="2" charset="2"/>
               <a:buChar char="v"/>
             </a:pPr>
             <a:r>
-              <a:rPr lang="en-US" dirty="0"/>
-              <a:t> Advanced Topics</a:t>
-            </a:r>
-          </a:p>
-          <a:p>
-            <a:pPr lvl="1">
+              <a:rPr lang="en-US" sz="2000" dirty="0"/>
+              <a:t> Event Handling</a:t>
+            </a:r>
+          </a:p>
+          <a:p>
+            <a:pPr>
+              <a:spcBef>
+                <a:spcPts val="600"/>
+              </a:spcBef>
               <a:buFont typeface="Wingdings" panose="05000000000000000000" pitchFamily="2" charset="2"/>
               <a:buChar char="v"/>
             </a:pPr>
             <a:r>
               <a:rPr lang="en-US" dirty="0"/>
-              <a:t> Introduction to networking</a:t>
+              <a:t> Exception handling</a:t>
             </a:r>
             <a:endParaRPr lang="en-GB" dirty="0"/>
           </a:p>
           <a:p>
-            <a:pPr lvl="1">
+            <a:pPr>
+              <a:spcBef>
+                <a:spcPts val="600"/>
+              </a:spcBef>
               <a:buFont typeface="Wingdings" panose="05000000000000000000" pitchFamily="2" charset="2"/>
               <a:buChar char="v"/>
             </a:pPr>
             <a:r>
-              <a:rPr lang="en-GB" dirty="0"/>
-              <a:t> Stream Collections</a:t>
-            </a:r>
+              <a:rPr lang="en-GB" sz="2000" dirty="0"/>
+              <a:t> Exercises</a:t>
+            </a:r>
+            <a:endParaRPr lang="en-US" sz="2000" dirty="0"/>
           </a:p>
         </p:txBody>
       </p:sp>
@@ -4162,7 +8617,7 @@
           <a:p>
             <a:r>
               <a:rPr lang="en-GB" dirty="0"/>
-              <a:t>Primitive Wrappers</a:t>
+              <a:t>Button</a:t>
             </a:r>
           </a:p>
         </p:txBody>
@@ -4185,12 +8640,14 @@
         </p:nvSpPr>
         <p:spPr>
           <a:xfrm>
-            <a:off x="822960" y="1845734"/>
-            <a:ext cx="4804842" cy="4023360"/>
+            <a:off x="822959" y="1845734"/>
+            <a:ext cx="7543800" cy="4023360"/>
           </a:xfrm>
         </p:spPr>
         <p:txBody>
-          <a:bodyPr/>
+          <a:bodyPr>
+            <a:normAutofit fontScale="92500" lnSpcReduction="20000"/>
+          </a:bodyPr>
           <a:lstStyle/>
           <a:p>
             <a:pPr>
@@ -4199,15 +8656,129 @@
             </a:pPr>
             <a:r>
               <a:rPr lang="en-GB" dirty="0"/>
-              <a:t>  </a:t>
-            </a:r>
+              <a:t> For an address book we would like to maintain a list of addresses that will have the following attributes and behaviours.</a:t>
+            </a:r>
+          </a:p>
+          <a:p>
+            <a:pPr>
+              <a:buFont typeface="Wingdings" panose="05000000000000000000" pitchFamily="2" charset="2"/>
+              <a:buChar char="v"/>
+            </a:pPr>
+            <a:r>
+              <a:rPr lang="en-GB" dirty="0"/>
+              <a:t> Attributes (properties)</a:t>
+            </a:r>
+          </a:p>
+          <a:p>
+            <a:pPr marL="544068" lvl="1" indent="-342900">
+              <a:buFont typeface="+mj-lt"/>
+              <a:buAutoNum type="arabicPeriod"/>
+            </a:pPr>
+            <a:r>
+              <a:rPr lang="en-GB" dirty="0"/>
+              <a:t>Entry (type=class {Entry})</a:t>
+            </a:r>
+          </a:p>
+          <a:p>
+            <a:pPr marL="251460" indent="-342900">
+              <a:buFont typeface="Wingdings" panose="05000000000000000000" pitchFamily="2" charset="2"/>
+              <a:buChar char="v"/>
+            </a:pPr>
+            <a:r>
+              <a:rPr lang="en-GB" dirty="0"/>
+              <a:t>Methods (behaviours)</a:t>
+            </a:r>
+          </a:p>
+          <a:p>
+            <a:pPr marL="544068" lvl="1" indent="-342900">
+              <a:buFont typeface="+mj-lt"/>
+              <a:buAutoNum type="arabicPeriod"/>
+            </a:pPr>
+            <a:r>
+              <a:rPr lang="en-GB" dirty="0"/>
+              <a:t>Add Entry – add an address book entry</a:t>
+            </a:r>
+          </a:p>
+          <a:p>
+            <a:pPr marL="544068" lvl="1" indent="-342900">
+              <a:buFont typeface="+mj-lt"/>
+              <a:buAutoNum type="arabicPeriod"/>
+            </a:pPr>
+            <a:r>
+              <a:rPr lang="en-GB" dirty="0"/>
+              <a:t>Remove entry – remove and address book entry</a:t>
+            </a:r>
+          </a:p>
+          <a:p>
+            <a:pPr marL="544068" lvl="1" indent="-342900">
+              <a:buFont typeface="+mj-lt"/>
+              <a:buAutoNum type="arabicPeriod"/>
+            </a:pPr>
+            <a:r>
+              <a:rPr lang="en-GB" dirty="0"/>
+              <a:t>List Entries – shows all entries</a:t>
+            </a:r>
+          </a:p>
+          <a:p>
+            <a:pPr marL="544068" lvl="1" indent="-342900">
+              <a:buFont typeface="+mj-lt"/>
+              <a:buAutoNum type="arabicPeriod"/>
+            </a:pPr>
+            <a:r>
+              <a:rPr lang="en-GB" dirty="0"/>
+              <a:t>Find entry – find and entry by name</a:t>
+            </a:r>
+          </a:p>
+          <a:p>
+            <a:pPr marL="544068" lvl="1" indent="-342900">
+              <a:buFont typeface="+mj-lt"/>
+              <a:buAutoNum type="arabicPeriod"/>
+            </a:pPr>
+            <a:endParaRPr lang="en-GB" dirty="0"/>
+          </a:p>
+          <a:p>
+            <a:pPr marL="251460" indent="-342900">
+              <a:buFont typeface="Wingdings" panose="05000000000000000000" pitchFamily="2" charset="2"/>
+              <a:buChar char="v"/>
+            </a:pPr>
+            <a:r>
+              <a:rPr lang="en-GB" dirty="0"/>
+              <a:t>Entry Class properties</a:t>
+            </a:r>
+          </a:p>
+          <a:p>
+            <a:pPr marL="544068" lvl="1" indent="-342900">
+              <a:buFont typeface="Wingdings" panose="05000000000000000000" pitchFamily="2" charset="2"/>
+              <a:buChar char="v"/>
+            </a:pPr>
+            <a:r>
+              <a:rPr lang="en-GB" dirty="0"/>
+              <a:t>Name (type=string, public)</a:t>
+            </a:r>
+          </a:p>
+          <a:p>
+            <a:pPr marL="544068" lvl="1" indent="-342900">
+              <a:buFont typeface="Wingdings" panose="05000000000000000000" pitchFamily="2" charset="2"/>
+              <a:buChar char="v"/>
+            </a:pPr>
+            <a:r>
+              <a:rPr lang="en-GB" dirty="0"/>
+              <a:t>Phone Number (type=</a:t>
+            </a:r>
+          </a:p>
+          <a:p>
+            <a:pPr marL="544068" lvl="1" indent="-342900">
+              <a:buFont typeface="+mj-lt"/>
+              <a:buAutoNum type="arabicPeriod"/>
+            </a:pPr>
+            <a:endParaRPr lang="en-GB" dirty="0"/>
           </a:p>
         </p:txBody>
       </p:sp>
     </p:spTree>
     <p:extLst>
       <p:ext uri="{BB962C8B-B14F-4D97-AF65-F5344CB8AC3E}">
-        <p14:creationId xmlns:p14="http://schemas.microsoft.com/office/powerpoint/2010/main" val="2835789394"/>
+        <p14:creationId xmlns:p14="http://schemas.microsoft.com/office/powerpoint/2010/main" val="2577163140"/>
       </p:ext>
     </p:extLst>
   </p:cSld>
@@ -4257,7 +8828,7 @@
           <a:p>
             <a:r>
               <a:rPr lang="en-GB" dirty="0"/>
-              <a:t>Exception Handling</a:t>
+              <a:t>Label</a:t>
             </a:r>
           </a:p>
         </p:txBody>
@@ -4280,12 +8851,14 @@
         </p:nvSpPr>
         <p:spPr>
           <a:xfrm>
-            <a:off x="822960" y="1845734"/>
-            <a:ext cx="4804842" cy="4023360"/>
+            <a:off x="822959" y="1845734"/>
+            <a:ext cx="7543800" cy="4023360"/>
           </a:xfrm>
         </p:spPr>
         <p:txBody>
-          <a:bodyPr/>
+          <a:bodyPr>
+            <a:normAutofit fontScale="92500" lnSpcReduction="20000"/>
+          </a:bodyPr>
           <a:lstStyle/>
           <a:p>
             <a:pPr>
@@ -4294,7 +8867,128 @@
             </a:pPr>
             <a:r>
               <a:rPr lang="en-GB" dirty="0"/>
-              <a:t>  </a:t>
+              <a:t> The Java collections framework add additional features to basic arrays such as the ability to use collections without direct reference to it’s index.  For example adding elements to a collection.</a:t>
+            </a:r>
+          </a:p>
+          <a:p>
+            <a:pPr>
+              <a:buFont typeface="Wingdings" panose="05000000000000000000" pitchFamily="2" charset="2"/>
+              <a:buChar char="v"/>
+            </a:pPr>
+            <a:r>
+              <a:rPr lang="en-GB" dirty="0"/>
+              <a:t> Generics allows a uniform way to manipulate collections of varying data types.  Consider the snippet below</a:t>
+            </a:r>
+          </a:p>
+          <a:p>
+            <a:pPr marL="0" indent="0">
+              <a:buNone/>
+            </a:pPr>
+            <a:r>
+              <a:rPr lang="en-GB" dirty="0"/>
+              <a:t>List </a:t>
+            </a:r>
+            <a:r>
+              <a:rPr lang="en-GB" dirty="0" err="1"/>
+              <a:t>list</a:t>
+            </a:r>
+            <a:r>
+              <a:rPr lang="en-GB" dirty="0"/>
+              <a:t> = new </a:t>
+            </a:r>
+            <a:r>
+              <a:rPr lang="en-GB" dirty="0" err="1"/>
+              <a:t>ArrayList</a:t>
+            </a:r>
+            <a:r>
+              <a:rPr lang="en-GB" dirty="0"/>
+              <a:t>();</a:t>
+            </a:r>
+          </a:p>
+          <a:p>
+            <a:pPr marL="0" indent="0">
+              <a:buNone/>
+            </a:pPr>
+            <a:r>
+              <a:rPr lang="en-GB" dirty="0" err="1"/>
+              <a:t>list.add</a:t>
+            </a:r>
+            <a:r>
+              <a:rPr lang="en-GB" dirty="0"/>
+              <a:t>("hello");</a:t>
+            </a:r>
+          </a:p>
+          <a:p>
+            <a:pPr marL="0" indent="0">
+              <a:buNone/>
+            </a:pPr>
+            <a:r>
+              <a:rPr lang="en-GB" dirty="0"/>
+              <a:t>String s = (String) </a:t>
+            </a:r>
+            <a:r>
+              <a:rPr lang="en-GB" dirty="0" err="1"/>
+              <a:t>list.get</a:t>
+            </a:r>
+            <a:r>
+              <a:rPr lang="en-GB" dirty="0"/>
+              <a:t>(0); // without generic code</a:t>
+            </a:r>
+          </a:p>
+          <a:p>
+            <a:pPr marL="0" indent="0">
+              <a:buNone/>
+            </a:pPr>
+            <a:r>
+              <a:rPr lang="en-GB" dirty="0"/>
+              <a:t>When re-written to use generics, the code does not require casting:</a:t>
+            </a:r>
+          </a:p>
+          <a:p>
+            <a:pPr marL="0" indent="0">
+              <a:buNone/>
+            </a:pPr>
+            <a:r>
+              <a:rPr lang="en-GB" dirty="0"/>
+              <a:t>List&lt;String&gt; list = new </a:t>
+            </a:r>
+            <a:r>
+              <a:rPr lang="en-GB" dirty="0" err="1"/>
+              <a:t>ArrayList</a:t>
+            </a:r>
+            <a:r>
+              <a:rPr lang="en-GB" dirty="0"/>
+              <a:t>&lt;String&gt;();</a:t>
+            </a:r>
+          </a:p>
+          <a:p>
+            <a:pPr marL="0" indent="0">
+              <a:buNone/>
+            </a:pPr>
+            <a:r>
+              <a:rPr lang="en-GB" dirty="0" err="1"/>
+              <a:t>list.add</a:t>
+            </a:r>
+            <a:r>
+              <a:rPr lang="en-GB" dirty="0"/>
+              <a:t>("hello");</a:t>
+            </a:r>
+          </a:p>
+          <a:p>
+            <a:pPr marL="0" indent="0">
+              <a:buNone/>
+            </a:pPr>
+            <a:r>
+              <a:rPr lang="en-GB" dirty="0"/>
+              <a:t>String s = </a:t>
+            </a:r>
+            <a:r>
+              <a:rPr lang="en-GB" dirty="0" err="1"/>
+              <a:t>list.get</a:t>
+            </a:r>
+            <a:r>
+              <a:rPr lang="en-GB" dirty="0"/>
+              <a:t>(0);   // no cast</a:t>
             </a:r>
           </a:p>
         </p:txBody>
@@ -4302,7 +8996,7 @@
     </p:spTree>
     <p:extLst>
       <p:ext uri="{BB962C8B-B14F-4D97-AF65-F5344CB8AC3E}">
-        <p14:creationId xmlns:p14="http://schemas.microsoft.com/office/powerpoint/2010/main" val="582744325"/>
+        <p14:creationId xmlns:p14="http://schemas.microsoft.com/office/powerpoint/2010/main" val="1474572558"/>
       </p:ext>
     </p:extLst>
   </p:cSld>
@@ -4351,9 +9045,10 @@
           <a:lstStyle/>
           <a:p>
             <a:r>
-              <a:rPr lang="en-GB" dirty="0"/>
-              <a:t>Stream Concept</a:t>
-            </a:r>
+              <a:rPr lang="en-GB" dirty="0" err="1"/>
+              <a:t>TextField</a:t>
+            </a:r>
+            <a:endParaRPr lang="en-GB" dirty="0"/>
           </a:p>
         </p:txBody>
       </p:sp>
@@ -4376,12 +9071,12 @@
         <p:spPr>
           <a:xfrm>
             <a:off x="822959" y="1845734"/>
-            <a:ext cx="6086888" cy="4630480"/>
+            <a:ext cx="7543800" cy="4023360"/>
           </a:xfrm>
         </p:spPr>
         <p:txBody>
           <a:bodyPr>
-            <a:normAutofit lnSpcReduction="10000"/>
+            <a:normAutofit fontScale="92500" lnSpcReduction="20000"/>
           </a:bodyPr>
           <a:lstStyle/>
           <a:p>
@@ -4391,7 +9086,7 @@
             </a:pPr>
             <a:r>
               <a:rPr lang="en-GB" dirty="0"/>
-              <a:t> A Stream refers to a collection of data whose quantity may not be determined at compile time and characterised by arbitrary transfer of the information.</a:t>
+              <a:t> For an address book we would like to maintain a list of addresses that will have the following attributes and behaviours.</a:t>
             </a:r>
           </a:p>
           <a:p>
@@ -4401,45 +9096,119 @@
             </a:pPr>
             <a:r>
               <a:rPr lang="en-GB" dirty="0"/>
-              <a:t> A stream is also characterised by the collection type known as it’s channel and its transport direction known as its source or sink.</a:t>
-            </a:r>
-          </a:p>
-          <a:p>
-            <a:pPr>
+              <a:t> Attributes (properties)</a:t>
+            </a:r>
+          </a:p>
+          <a:p>
+            <a:pPr marL="544068" lvl="1" indent="-342900">
+              <a:buFont typeface="+mj-lt"/>
+              <a:buAutoNum type="arabicPeriod"/>
+            </a:pPr>
+            <a:r>
+              <a:rPr lang="en-GB" dirty="0"/>
+              <a:t>Entry (type=class {Entry})</a:t>
+            </a:r>
+          </a:p>
+          <a:p>
+            <a:pPr marL="251460" indent="-342900">
               <a:buFont typeface="Wingdings" panose="05000000000000000000" pitchFamily="2" charset="2"/>
               <a:buChar char="v"/>
             </a:pPr>
             <a:r>
               <a:rPr lang="en-GB" dirty="0"/>
-              <a:t>When coming from a source the abstract data type is called OutputStream and when going to a sink the abstract Datatype is known as an InputStream  </a:t>
-            </a:r>
-          </a:p>
-          <a:p>
-            <a:pPr>
+              <a:t>Methods (behaviours)</a:t>
+            </a:r>
+          </a:p>
+          <a:p>
+            <a:pPr marL="544068" lvl="1" indent="-342900">
+              <a:buFont typeface="+mj-lt"/>
+              <a:buAutoNum type="arabicPeriod"/>
+            </a:pPr>
+            <a:r>
+              <a:rPr lang="en-GB" dirty="0"/>
+              <a:t>Add Entry – add an address book entry</a:t>
+            </a:r>
+          </a:p>
+          <a:p>
+            <a:pPr marL="544068" lvl="1" indent="-342900">
+              <a:buFont typeface="+mj-lt"/>
+              <a:buAutoNum type="arabicPeriod"/>
+            </a:pPr>
+            <a:r>
+              <a:rPr lang="en-GB" dirty="0"/>
+              <a:t>Remove entry – remove and address book entry</a:t>
+            </a:r>
+          </a:p>
+          <a:p>
+            <a:pPr marL="544068" lvl="1" indent="-342900">
+              <a:buFont typeface="+mj-lt"/>
+              <a:buAutoNum type="arabicPeriod"/>
+            </a:pPr>
+            <a:r>
+              <a:rPr lang="en-GB" dirty="0"/>
+              <a:t>List Entries – shows all entries</a:t>
+            </a:r>
+          </a:p>
+          <a:p>
+            <a:pPr marL="544068" lvl="1" indent="-342900">
+              <a:buFont typeface="+mj-lt"/>
+              <a:buAutoNum type="arabicPeriod"/>
+            </a:pPr>
+            <a:r>
+              <a:rPr lang="en-GB" dirty="0"/>
+              <a:t>Find entry – find and entry by name</a:t>
+            </a:r>
+          </a:p>
+          <a:p>
+            <a:pPr marL="544068" lvl="1" indent="-342900">
+              <a:buFont typeface="+mj-lt"/>
+              <a:buAutoNum type="arabicPeriod"/>
+            </a:pPr>
+            <a:endParaRPr lang="en-GB" dirty="0"/>
+          </a:p>
+          <a:p>
+            <a:pPr marL="251460" indent="-342900">
               <a:buFont typeface="Wingdings" panose="05000000000000000000" pitchFamily="2" charset="2"/>
               <a:buChar char="v"/>
             </a:pPr>
             <a:r>
               <a:rPr lang="en-GB" dirty="0"/>
-              <a:t> The collection type or channel could be a bytes, characters or objects.</a:t>
-            </a:r>
-          </a:p>
-          <a:p>
-            <a:pPr>
+              <a:t>Entry Class properties</a:t>
+            </a:r>
+          </a:p>
+          <a:p>
+            <a:pPr marL="544068" lvl="1" indent="-342900">
               <a:buFont typeface="Wingdings" panose="05000000000000000000" pitchFamily="2" charset="2"/>
               <a:buChar char="v"/>
             </a:pPr>
             <a:r>
               <a:rPr lang="en-GB" dirty="0"/>
-              <a:t> In Java, while other channels are referred to as streams, human readable character  data are referred to as readers or writers</a:t>
-            </a:r>
+              <a:t>Name (type=string, public)</a:t>
+            </a:r>
+          </a:p>
+          <a:p>
+            <a:pPr marL="544068" lvl="1" indent="-342900">
+              <a:buFont typeface="Wingdings" panose="05000000000000000000" pitchFamily="2" charset="2"/>
+              <a:buChar char="v"/>
+            </a:pPr>
+            <a:r>
+              <a:rPr lang="en-GB" dirty="0"/>
+              <a:t>Phone Number (type=</a:t>
+            </a:r>
+          </a:p>
+          <a:p>
+            <a:pPr marL="544068" lvl="1" indent="-342900">
+              <a:buFont typeface="+mj-lt"/>
+              <a:buAutoNum type="arabicPeriod"/>
+            </a:pPr>
+            <a:endParaRPr lang="en-GB" dirty="0"/>
           </a:p>
         </p:txBody>
       </p:sp>
     </p:spTree>
     <p:extLst>
       <p:ext uri="{BB962C8B-B14F-4D97-AF65-F5344CB8AC3E}">
-        <p14:creationId xmlns:p14="http://schemas.microsoft.com/office/powerpoint/2010/main" val="265390695"/>
+        <p14:creationId xmlns:p14="http://schemas.microsoft.com/office/powerpoint/2010/main" val="146647858"/>
       </p:ext>
     </p:extLst>
   </p:cSld>
@@ -4468,38 +9237,10 @@
       </p:grpSpPr>
       <p:sp>
         <p:nvSpPr>
-          <p:cNvPr id="2" name="Title 1">
-            <a:extLst>
-              <a:ext uri="{FF2B5EF4-FFF2-40B4-BE49-F238E27FC236}">
-                <a16:creationId xmlns:a16="http://schemas.microsoft.com/office/drawing/2014/main" id="{7304BBA7-9D5E-4B9A-95AF-2E54F4B41C0E}"/>
-              </a:ext>
-            </a:extLst>
-          </p:cNvPr>
-          <p:cNvSpPr>
-            <a:spLocks noGrp="1"/>
-          </p:cNvSpPr>
-          <p:nvPr>
-            <p:ph type="title"/>
-          </p:nvPr>
-        </p:nvSpPr>
-        <p:spPr/>
-        <p:txBody>
-          <a:bodyPr/>
-          <a:lstStyle/>
-          <a:p>
-            <a:r>
-              <a:rPr lang="en-GB" dirty="0"/>
-              <a:t>Types of Streams in Java</a:t>
-            </a:r>
-          </a:p>
-        </p:txBody>
-      </p:sp>
-      <p:sp>
-        <p:nvSpPr>
           <p:cNvPr id="3" name="Content Placeholder 2">
             <a:extLst>
               <a:ext uri="{FF2B5EF4-FFF2-40B4-BE49-F238E27FC236}">
-                <a16:creationId xmlns:a16="http://schemas.microsoft.com/office/drawing/2014/main" id="{3AB586B9-467B-4F63-B336-2E9D19321584}"/>
+                <a16:creationId xmlns:a16="http://schemas.microsoft.com/office/drawing/2014/main" id="{6C7F13ED-B066-4225-805E-0889FD78E024}"/>
               </a:ext>
             </a:extLst>
           </p:cNvPr>
@@ -4510,43 +9251,29 @@
             <p:ph idx="1"/>
           </p:nvPr>
         </p:nvSpPr>
-        <p:spPr>
-          <a:xfrm>
-            <a:off x="822960" y="1845734"/>
-            <a:ext cx="4804842" cy="4023360"/>
-          </a:xfrm>
-        </p:spPr>
+        <p:spPr/>
         <p:txBody>
-          <a:bodyPr/>
+          <a:bodyPr>
+            <a:normAutofit/>
+          </a:bodyPr>
           <a:lstStyle/>
           <a:p>
-            <a:pPr>
-              <a:buFont typeface="Wingdings" panose="05000000000000000000" pitchFamily="2" charset="2"/>
-              <a:buChar char="v"/>
-            </a:pPr>
-            <a:r>
-              <a:rPr lang="en-GB" dirty="0"/>
-              <a:t> Byte</a:t>
-            </a:r>
-          </a:p>
-          <a:p>
-            <a:pPr>
-              <a:buFont typeface="Wingdings" panose="05000000000000000000" pitchFamily="2" charset="2"/>
-              <a:buChar char="v"/>
-            </a:pPr>
-            <a:r>
-              <a:rPr lang="en-GB" dirty="0"/>
-              <a:t> Character</a:t>
-            </a:r>
-          </a:p>
-          <a:p>
-            <a:pPr>
-              <a:buFont typeface="Wingdings" panose="05000000000000000000" pitchFamily="2" charset="2"/>
-              <a:buChar char="v"/>
-            </a:pPr>
-            <a:r>
-              <a:rPr lang="en-GB" dirty="0"/>
-              <a:t> Object</a:t>
+            <a:pPr algn="ctr"/>
+            <a:endParaRPr lang="en-GB" sz="4800" dirty="0"/>
+          </a:p>
+          <a:p>
+            <a:pPr marL="0" indent="0" algn="ctr">
+              <a:buNone/>
+            </a:pPr>
+            <a:endParaRPr lang="en-GB" sz="4800" dirty="0"/>
+          </a:p>
+          <a:p>
+            <a:pPr marL="0" indent="0" algn="ctr">
+              <a:buNone/>
+            </a:pPr>
+            <a:r>
+              <a:rPr lang="en-GB" sz="4800" dirty="0"/>
+              <a:t>Any Questions?</a:t>
             </a:r>
           </a:p>
         </p:txBody>
@@ -4554,7 +9281,7 @@
     </p:spTree>
     <p:extLst>
       <p:ext uri="{BB962C8B-B14F-4D97-AF65-F5344CB8AC3E}">
-        <p14:creationId xmlns:p14="http://schemas.microsoft.com/office/powerpoint/2010/main" val="2942463510"/>
+        <p14:creationId xmlns:p14="http://schemas.microsoft.com/office/powerpoint/2010/main" val="1021398088"/>
       </p:ext>
     </p:extLst>
   </p:cSld>
@@ -4583,10 +9310,38 @@
       </p:grpSpPr>
       <p:sp>
         <p:nvSpPr>
+          <p:cNvPr id="2" name="Title 1">
+            <a:extLst>
+              <a:ext uri="{FF2B5EF4-FFF2-40B4-BE49-F238E27FC236}">
+                <a16:creationId xmlns:a16="http://schemas.microsoft.com/office/drawing/2014/main" id="{7304BBA7-9D5E-4B9A-95AF-2E54F4B41C0E}"/>
+              </a:ext>
+            </a:extLst>
+          </p:cNvPr>
+          <p:cNvSpPr>
+            <a:spLocks noGrp="1"/>
+          </p:cNvSpPr>
+          <p:nvPr>
+            <p:ph type="title"/>
+          </p:nvPr>
+        </p:nvSpPr>
+        <p:spPr/>
+        <p:txBody>
+          <a:bodyPr/>
+          <a:lstStyle/>
+          <a:p>
+            <a:r>
+              <a:rPr lang="en-GB" dirty="0"/>
+              <a:t>Basic Layouts</a:t>
+            </a:r>
+          </a:p>
+        </p:txBody>
+      </p:sp>
+      <p:sp>
+        <p:nvSpPr>
           <p:cNvPr id="3" name="Content Placeholder 2">
             <a:extLst>
               <a:ext uri="{FF2B5EF4-FFF2-40B4-BE49-F238E27FC236}">
-                <a16:creationId xmlns:a16="http://schemas.microsoft.com/office/drawing/2014/main" id="{6C7F13ED-B066-4225-805E-0889FD78E024}"/>
+                <a16:creationId xmlns:a16="http://schemas.microsoft.com/office/drawing/2014/main" id="{3AB586B9-467B-4F63-B336-2E9D19321584}"/>
               </a:ext>
             </a:extLst>
           </p:cNvPr>
@@ -4597,29 +9352,45 @@
             <p:ph idx="1"/>
           </p:nvPr>
         </p:nvSpPr>
-        <p:spPr/>
+        <p:spPr>
+          <a:xfrm>
+            <a:off x="822959" y="1845734"/>
+            <a:ext cx="7543800" cy="4023360"/>
+          </a:xfrm>
+        </p:spPr>
         <p:txBody>
           <a:bodyPr>
             <a:normAutofit/>
           </a:bodyPr>
           <a:lstStyle/>
           <a:p>
-            <a:pPr algn="ctr"/>
-            <a:endParaRPr lang="en-GB" sz="4800" dirty="0"/>
-          </a:p>
-          <a:p>
-            <a:pPr marL="0" indent="0" algn="ctr">
-              <a:buNone/>
-            </a:pPr>
-            <a:endParaRPr lang="en-GB" sz="4800" dirty="0"/>
-          </a:p>
-          <a:p>
-            <a:pPr marL="0" indent="0" algn="ctr">
-              <a:buNone/>
-            </a:pPr>
-            <a:r>
-              <a:rPr lang="en-GB" sz="4800" dirty="0"/>
-              <a:t>Any Questions?</a:t>
+            <a:pPr>
+              <a:buFont typeface="Wingdings" panose="05000000000000000000" pitchFamily="2" charset="2"/>
+              <a:buChar char="v"/>
+            </a:pPr>
+            <a:r>
+              <a:rPr lang="en-GB" dirty="0"/>
+              <a:t> Flow Layout</a:t>
+            </a:r>
+          </a:p>
+          <a:p>
+            <a:pPr>
+              <a:buFont typeface="Wingdings" panose="05000000000000000000" pitchFamily="2" charset="2"/>
+              <a:buChar char="v"/>
+            </a:pPr>
+            <a:r>
+              <a:rPr lang="en-GB" dirty="0"/>
+              <a:t> Border Layout</a:t>
+            </a:r>
+          </a:p>
+          <a:p>
+            <a:pPr>
+              <a:buFont typeface="Wingdings" panose="05000000000000000000" pitchFamily="2" charset="2"/>
+              <a:buChar char="v"/>
+            </a:pPr>
+            <a:r>
+              <a:rPr lang="en-GB" dirty="0"/>
+              <a:t> Grid layout</a:t>
             </a:r>
           </a:p>
         </p:txBody>
@@ -4627,7 +9398,269 @@
     </p:spTree>
     <p:extLst>
       <p:ext uri="{BB962C8B-B14F-4D97-AF65-F5344CB8AC3E}">
-        <p14:creationId xmlns:p14="http://schemas.microsoft.com/office/powerpoint/2010/main" val="1021398088"/>
+        <p14:creationId xmlns:p14="http://schemas.microsoft.com/office/powerpoint/2010/main" val="1913449767"/>
+      </p:ext>
+    </p:extLst>
+  </p:cSld>
+  <p:clrMapOvr>
+    <a:masterClrMapping/>
+  </p:clrMapOvr>
+</p:sld>
+</file>
+
+<file path=ppt/slides/slide8.xml><?xml version="1.0" encoding="utf-8"?>
+<p:sld xmlns:a="http://schemas.openxmlformats.org/drawingml/2006/main" xmlns:r="http://schemas.openxmlformats.org/officeDocument/2006/relationships" xmlns:p="http://schemas.openxmlformats.org/presentationml/2006/main">
+  <p:cSld>
+    <p:spTree>
+      <p:nvGrpSpPr>
+        <p:cNvPr id="1" name=""/>
+        <p:cNvGrpSpPr/>
+        <p:nvPr/>
+      </p:nvGrpSpPr>
+      <p:grpSpPr>
+        <a:xfrm>
+          <a:off x="0" y="0"/>
+          <a:ext cx="0" cy="0"/>
+          <a:chOff x="0" y="0"/>
+          <a:chExt cx="0" cy="0"/>
+        </a:xfrm>
+      </p:grpSpPr>
+      <p:sp>
+        <p:nvSpPr>
+          <p:cNvPr id="2" name="Title 1">
+            <a:extLst>
+              <a:ext uri="{FF2B5EF4-FFF2-40B4-BE49-F238E27FC236}">
+                <a16:creationId xmlns:a16="http://schemas.microsoft.com/office/drawing/2014/main" id="{7304BBA7-9D5E-4B9A-95AF-2E54F4B41C0E}"/>
+              </a:ext>
+            </a:extLst>
+          </p:cNvPr>
+          <p:cNvSpPr>
+            <a:spLocks noGrp="1"/>
+          </p:cNvSpPr>
+          <p:nvPr>
+            <p:ph type="title"/>
+          </p:nvPr>
+        </p:nvSpPr>
+        <p:spPr/>
+        <p:txBody>
+          <a:bodyPr/>
+          <a:lstStyle/>
+          <a:p>
+            <a:r>
+              <a:rPr lang="en-GB" dirty="0"/>
+              <a:t>Flow Layout</a:t>
+            </a:r>
+          </a:p>
+        </p:txBody>
+      </p:sp>
+      <p:sp>
+        <p:nvSpPr>
+          <p:cNvPr id="3" name="Content Placeholder 2">
+            <a:extLst>
+              <a:ext uri="{FF2B5EF4-FFF2-40B4-BE49-F238E27FC236}">
+                <a16:creationId xmlns:a16="http://schemas.microsoft.com/office/drawing/2014/main" id="{3AB586B9-467B-4F63-B336-2E9D19321584}"/>
+              </a:ext>
+            </a:extLst>
+          </p:cNvPr>
+          <p:cNvSpPr>
+            <a:spLocks noGrp="1"/>
+          </p:cNvSpPr>
+          <p:nvPr>
+            <p:ph idx="1"/>
+          </p:nvPr>
+        </p:nvSpPr>
+        <p:spPr>
+          <a:xfrm>
+            <a:off x="822959" y="1845734"/>
+            <a:ext cx="7543800" cy="4023360"/>
+          </a:xfrm>
+        </p:spPr>
+        <p:txBody>
+          <a:bodyPr>
+            <a:normAutofit/>
+          </a:bodyPr>
+          <a:lstStyle/>
+          <a:p>
+            <a:pPr>
+              <a:buFont typeface="Wingdings" panose="05000000000000000000" pitchFamily="2" charset="2"/>
+              <a:buChar char="v"/>
+            </a:pPr>
+            <a:r>
+              <a:rPr lang="en-GB" dirty="0"/>
+              <a:t> The Java collections framework add additional features to basic arrays</a:t>
+            </a:r>
+          </a:p>
+          <a:p>
+            <a:pPr>
+              <a:buFont typeface="Wingdings" panose="05000000000000000000" pitchFamily="2" charset="2"/>
+              <a:buChar char="v"/>
+            </a:pPr>
+            <a:r>
+              <a:rPr lang="en-GB" dirty="0"/>
+              <a:t> There are many classes in the collections framework but they are all derived from either the Collection interface or Map interface.</a:t>
+            </a:r>
+          </a:p>
+          <a:p>
+            <a:pPr>
+              <a:buFont typeface="Wingdings" panose="05000000000000000000" pitchFamily="2" charset="2"/>
+              <a:buChar char="v"/>
+            </a:pPr>
+            <a:r>
+              <a:rPr lang="en-GB" dirty="0"/>
+              <a:t> We will focus on the </a:t>
+            </a:r>
+            <a:r>
+              <a:rPr lang="en-GB" dirty="0" err="1"/>
+              <a:t>ArrayList</a:t>
+            </a:r>
+            <a:r>
+              <a:rPr lang="en-GB" dirty="0"/>
+              <a:t> and HashMap</a:t>
+            </a:r>
+          </a:p>
+          <a:p>
+            <a:pPr>
+              <a:buFont typeface="Wingdings" panose="05000000000000000000" pitchFamily="2" charset="2"/>
+              <a:buChar char="v"/>
+            </a:pPr>
+            <a:r>
+              <a:rPr lang="en-GB" dirty="0"/>
+              <a:t> Let’s look at the Collection interface contract</a:t>
+            </a:r>
+          </a:p>
+          <a:p>
+            <a:pPr lvl="1">
+              <a:buFont typeface="Wingdings" panose="05000000000000000000" pitchFamily="2" charset="2"/>
+              <a:buChar char="v"/>
+            </a:pPr>
+            <a:r>
+              <a:rPr lang="en-GB" dirty="0"/>
+              <a:t> Remember an interface is a contract that promises all sub-classes will implement all the methods declared in the interface.</a:t>
+            </a:r>
+          </a:p>
+        </p:txBody>
+      </p:sp>
+    </p:spTree>
+    <p:extLst>
+      <p:ext uri="{BB962C8B-B14F-4D97-AF65-F5344CB8AC3E}">
+        <p14:creationId xmlns:p14="http://schemas.microsoft.com/office/powerpoint/2010/main" val="3475966643"/>
+      </p:ext>
+    </p:extLst>
+  </p:cSld>
+  <p:clrMapOvr>
+    <a:masterClrMapping/>
+  </p:clrMapOvr>
+</p:sld>
+</file>
+
+<file path=ppt/slides/slide9.xml><?xml version="1.0" encoding="utf-8"?>
+<p:sld xmlns:a="http://schemas.openxmlformats.org/drawingml/2006/main" xmlns:r="http://schemas.openxmlformats.org/officeDocument/2006/relationships" xmlns:p="http://schemas.openxmlformats.org/presentationml/2006/main">
+  <p:cSld>
+    <p:spTree>
+      <p:nvGrpSpPr>
+        <p:cNvPr id="1" name=""/>
+        <p:cNvGrpSpPr/>
+        <p:nvPr/>
+      </p:nvGrpSpPr>
+      <p:grpSpPr>
+        <a:xfrm>
+          <a:off x="0" y="0"/>
+          <a:ext cx="0" cy="0"/>
+          <a:chOff x="0" y="0"/>
+          <a:chExt cx="0" cy="0"/>
+        </a:xfrm>
+      </p:grpSpPr>
+      <p:sp>
+        <p:nvSpPr>
+          <p:cNvPr id="2" name="Title 1">
+            <a:extLst>
+              <a:ext uri="{FF2B5EF4-FFF2-40B4-BE49-F238E27FC236}">
+                <a16:creationId xmlns:a16="http://schemas.microsoft.com/office/drawing/2014/main" id="{7304BBA7-9D5E-4B9A-95AF-2E54F4B41C0E}"/>
+              </a:ext>
+            </a:extLst>
+          </p:cNvPr>
+          <p:cNvSpPr>
+            <a:spLocks noGrp="1"/>
+          </p:cNvSpPr>
+          <p:nvPr>
+            <p:ph type="title"/>
+          </p:nvPr>
+        </p:nvSpPr>
+        <p:spPr/>
+        <p:txBody>
+          <a:bodyPr/>
+          <a:lstStyle/>
+          <a:p>
+            <a:r>
+              <a:rPr lang="en-GB" dirty="0"/>
+              <a:t>Border Layouts</a:t>
+            </a:r>
+          </a:p>
+        </p:txBody>
+      </p:sp>
+      <p:sp>
+        <p:nvSpPr>
+          <p:cNvPr id="3" name="Content Placeholder 2">
+            <a:extLst>
+              <a:ext uri="{FF2B5EF4-FFF2-40B4-BE49-F238E27FC236}">
+                <a16:creationId xmlns:a16="http://schemas.microsoft.com/office/drawing/2014/main" id="{3AB586B9-467B-4F63-B336-2E9D19321584}"/>
+              </a:ext>
+            </a:extLst>
+          </p:cNvPr>
+          <p:cNvSpPr>
+            <a:spLocks noGrp="1"/>
+          </p:cNvSpPr>
+          <p:nvPr>
+            <p:ph idx="1"/>
+          </p:nvPr>
+        </p:nvSpPr>
+        <p:spPr>
+          <a:xfrm>
+            <a:off x="822959" y="1845734"/>
+            <a:ext cx="7543800" cy="4023360"/>
+          </a:xfrm>
+        </p:spPr>
+        <p:txBody>
+          <a:bodyPr>
+            <a:normAutofit/>
+          </a:bodyPr>
+          <a:lstStyle/>
+          <a:p>
+            <a:pPr>
+              <a:buFont typeface="Wingdings" panose="05000000000000000000" pitchFamily="2" charset="2"/>
+              <a:buChar char="v"/>
+            </a:pPr>
+            <a:r>
+              <a:rPr lang="en-GB" dirty="0"/>
+              <a:t> Flow Layout</a:t>
+            </a:r>
+          </a:p>
+          <a:p>
+            <a:pPr>
+              <a:buFont typeface="Wingdings" panose="05000000000000000000" pitchFamily="2" charset="2"/>
+              <a:buChar char="v"/>
+            </a:pPr>
+            <a:r>
+              <a:rPr lang="en-GB" dirty="0"/>
+              <a:t> Border Layout</a:t>
+            </a:r>
+          </a:p>
+          <a:p>
+            <a:pPr>
+              <a:buFont typeface="Wingdings" panose="05000000000000000000" pitchFamily="2" charset="2"/>
+              <a:buChar char="v"/>
+            </a:pPr>
+            <a:r>
+              <a:rPr lang="en-GB" dirty="0"/>
+              <a:t> Grid layout</a:t>
+            </a:r>
+          </a:p>
+        </p:txBody>
+      </p:sp>
+    </p:spTree>
+    <p:extLst>
+      <p:ext uri="{BB962C8B-B14F-4D97-AF65-F5344CB8AC3E}">
+        <p14:creationId xmlns:p14="http://schemas.microsoft.com/office/powerpoint/2010/main" val="220773433"/>
       </p:ext>
     </p:extLst>
   </p:cSld>
@@ -4920,7 +9953,317 @@
 </a:theme>
 </file>
 
+<file path=ppt/theme/theme2.xml><?xml version="1.0" encoding="utf-8"?>
+<a:theme xmlns:a="http://schemas.openxmlformats.org/drawingml/2006/main" name="Office Theme">
+  <a:themeElements>
+    <a:clrScheme name="Office">
+      <a:dk1>
+        <a:sysClr val="windowText" lastClr="000000"/>
+      </a:dk1>
+      <a:lt1>
+        <a:sysClr val="window" lastClr="FFFFFF"/>
+      </a:lt1>
+      <a:dk2>
+        <a:srgbClr val="44546A"/>
+      </a:dk2>
+      <a:lt2>
+        <a:srgbClr val="E7E6E6"/>
+      </a:lt2>
+      <a:accent1>
+        <a:srgbClr val="4472C4"/>
+      </a:accent1>
+      <a:accent2>
+        <a:srgbClr val="ED7D31"/>
+      </a:accent2>
+      <a:accent3>
+        <a:srgbClr val="A5A5A5"/>
+      </a:accent3>
+      <a:accent4>
+        <a:srgbClr val="FFC000"/>
+      </a:accent4>
+      <a:accent5>
+        <a:srgbClr val="5B9BD5"/>
+      </a:accent5>
+      <a:accent6>
+        <a:srgbClr val="70AD47"/>
+      </a:accent6>
+      <a:hlink>
+        <a:srgbClr val="0563C1"/>
+      </a:hlink>
+      <a:folHlink>
+        <a:srgbClr val="954F72"/>
+      </a:folHlink>
+    </a:clrScheme>
+    <a:fontScheme name="Office">
+      <a:majorFont>
+        <a:latin typeface="Calibri Light" panose="020F0302020204030204"/>
+        <a:ea typeface=""/>
+        <a:cs typeface=""/>
+        <a:font script="Jpan" typeface="游ゴシック Light"/>
+        <a:font script="Hang" typeface="맑은 고딕"/>
+        <a:font script="Hans" typeface="等线 Light"/>
+        <a:font script="Hant" typeface="新細明體"/>
+        <a:font script="Arab" typeface="Times New Roman"/>
+        <a:font script="Hebr" typeface="Times New Roman"/>
+        <a:font script="Thai" typeface="Angsana New"/>
+        <a:font script="Ethi" typeface="Nyala"/>
+        <a:font script="Beng" typeface="Vrinda"/>
+        <a:font script="Gujr" typeface="Shruti"/>
+        <a:font script="Khmr" typeface="MoolBoran"/>
+        <a:font script="Knda" typeface="Tunga"/>
+        <a:font script="Guru" typeface="Raavi"/>
+        <a:font script="Cans" typeface="Euphemia"/>
+        <a:font script="Cher" typeface="Plantagenet Cherokee"/>
+        <a:font script="Yiii" typeface="Microsoft Yi Baiti"/>
+        <a:font script="Tibt" typeface="Microsoft Himalaya"/>
+        <a:font script="Thaa" typeface="MV Boli"/>
+        <a:font script="Deva" typeface="Mangal"/>
+        <a:font script="Telu" typeface="Gautami"/>
+        <a:font script="Taml" typeface="Latha"/>
+        <a:font script="Syrc" typeface="Estrangelo Edessa"/>
+        <a:font script="Orya" typeface="Kalinga"/>
+        <a:font script="Mlym" typeface="Kartika"/>
+        <a:font script="Laoo" typeface="DokChampa"/>
+        <a:font script="Sinh" typeface="Iskoola Pota"/>
+        <a:font script="Mong" typeface="Mongolian Baiti"/>
+        <a:font script="Viet" typeface="Times New Roman"/>
+        <a:font script="Uigh" typeface="Microsoft Uighur"/>
+        <a:font script="Geor" typeface="Sylfaen"/>
+        <a:font script="Armn" typeface="Arial"/>
+        <a:font script="Bugi" typeface="Leelawadee UI"/>
+        <a:font script="Bopo" typeface="Microsoft JhengHei"/>
+        <a:font script="Java" typeface="Javanese Text"/>
+        <a:font script="Lisu" typeface="Segoe UI"/>
+        <a:font script="Mymr" typeface="Myanmar Text"/>
+        <a:font script="Nkoo" typeface="Ebrima"/>
+        <a:font script="Olck" typeface="Nirmala UI"/>
+        <a:font script="Osma" typeface="Ebrima"/>
+        <a:font script="Phag" typeface="Phagspa"/>
+        <a:font script="Syrn" typeface="Estrangelo Edessa"/>
+        <a:font script="Syrj" typeface="Estrangelo Edessa"/>
+        <a:font script="Syre" typeface="Estrangelo Edessa"/>
+        <a:font script="Sora" typeface="Nirmala UI"/>
+        <a:font script="Tale" typeface="Microsoft Tai Le"/>
+        <a:font script="Talu" typeface="Microsoft New Tai Lue"/>
+        <a:font script="Tfng" typeface="Ebrima"/>
+      </a:majorFont>
+      <a:minorFont>
+        <a:latin typeface="Calibri" panose="020F0502020204030204"/>
+        <a:ea typeface=""/>
+        <a:cs typeface=""/>
+        <a:font script="Jpan" typeface="游ゴシック"/>
+        <a:font script="Hang" typeface="맑은 고딕"/>
+        <a:font script="Hans" typeface="等线"/>
+        <a:font script="Hant" typeface="新細明體"/>
+        <a:font script="Arab" typeface="Arial"/>
+        <a:font script="Hebr" typeface="Arial"/>
+        <a:font script="Thai" typeface="Cordia New"/>
+        <a:font script="Ethi" typeface="Nyala"/>
+        <a:font script="Beng" typeface="Vrinda"/>
+        <a:font script="Gujr" typeface="Shruti"/>
+        <a:font script="Khmr" typeface="DaunPenh"/>
+        <a:font script="Knda" typeface="Tunga"/>
+        <a:font script="Guru" typeface="Raavi"/>
+        <a:font script="Cans" typeface="Euphemia"/>
+        <a:font script="Cher" typeface="Plantagenet Cherokee"/>
+        <a:font script="Yiii" typeface="Microsoft Yi Baiti"/>
+        <a:font script="Tibt" typeface="Microsoft Himalaya"/>
+        <a:font script="Thaa" typeface="MV Boli"/>
+        <a:font script="Deva" typeface="Mangal"/>
+        <a:font script="Telu" typeface="Gautami"/>
+        <a:font script="Taml" typeface="Latha"/>
+        <a:font script="Syrc" typeface="Estrangelo Edessa"/>
+        <a:font script="Orya" typeface="Kalinga"/>
+        <a:font script="Mlym" typeface="Kartika"/>
+        <a:font script="Laoo" typeface="DokChampa"/>
+        <a:font script="Sinh" typeface="Iskoola Pota"/>
+        <a:font script="Mong" typeface="Mongolian Baiti"/>
+        <a:font script="Viet" typeface="Arial"/>
+        <a:font script="Uigh" typeface="Microsoft Uighur"/>
+        <a:font script="Geor" typeface="Sylfaen"/>
+        <a:font script="Armn" typeface="Arial"/>
+        <a:font script="Bugi" typeface="Leelawadee UI"/>
+        <a:font script="Bopo" typeface="Microsoft JhengHei"/>
+        <a:font script="Java" typeface="Javanese Text"/>
+        <a:font script="Lisu" typeface="Segoe UI"/>
+        <a:font script="Mymr" typeface="Myanmar Text"/>
+        <a:font script="Nkoo" typeface="Ebrima"/>
+        <a:font script="Olck" typeface="Nirmala UI"/>
+        <a:font script="Osma" typeface="Ebrima"/>
+        <a:font script="Phag" typeface="Phagspa"/>
+        <a:font script="Syrn" typeface="Estrangelo Edessa"/>
+        <a:font script="Syrj" typeface="Estrangelo Edessa"/>
+        <a:font script="Syre" typeface="Estrangelo Edessa"/>
+        <a:font script="Sora" typeface="Nirmala UI"/>
+        <a:font script="Tale" typeface="Microsoft Tai Le"/>
+        <a:font script="Talu" typeface="Microsoft New Tai Lue"/>
+        <a:font script="Tfng" typeface="Ebrima"/>
+      </a:minorFont>
+    </a:fontScheme>
+    <a:fmtScheme name="Office">
+      <a:fillStyleLst>
+        <a:solidFill>
+          <a:schemeClr val="phClr"/>
+        </a:solidFill>
+        <a:gradFill rotWithShape="1">
+          <a:gsLst>
+            <a:gs pos="0">
+              <a:schemeClr val="phClr">
+                <a:lumMod val="110000"/>
+                <a:satMod val="105000"/>
+                <a:tint val="67000"/>
+              </a:schemeClr>
+            </a:gs>
+            <a:gs pos="50000">
+              <a:schemeClr val="phClr">
+                <a:lumMod val="105000"/>
+                <a:satMod val="103000"/>
+                <a:tint val="73000"/>
+              </a:schemeClr>
+            </a:gs>
+            <a:gs pos="100000">
+              <a:schemeClr val="phClr">
+                <a:lumMod val="105000"/>
+                <a:satMod val="109000"/>
+                <a:tint val="81000"/>
+              </a:schemeClr>
+            </a:gs>
+          </a:gsLst>
+          <a:lin ang="5400000" scaled="0"/>
+        </a:gradFill>
+        <a:gradFill rotWithShape="1">
+          <a:gsLst>
+            <a:gs pos="0">
+              <a:schemeClr val="phClr">
+                <a:satMod val="103000"/>
+                <a:lumMod val="102000"/>
+                <a:tint val="94000"/>
+              </a:schemeClr>
+            </a:gs>
+            <a:gs pos="50000">
+              <a:schemeClr val="phClr">
+                <a:satMod val="110000"/>
+                <a:lumMod val="100000"/>
+                <a:shade val="100000"/>
+              </a:schemeClr>
+            </a:gs>
+            <a:gs pos="100000">
+              <a:schemeClr val="phClr">
+                <a:lumMod val="99000"/>
+                <a:satMod val="120000"/>
+                <a:shade val="78000"/>
+              </a:schemeClr>
+            </a:gs>
+          </a:gsLst>
+          <a:lin ang="5400000" scaled="0"/>
+        </a:gradFill>
+      </a:fillStyleLst>
+      <a:lnStyleLst>
+        <a:ln w="6350" cap="flat" cmpd="sng" algn="ctr">
+          <a:solidFill>
+            <a:schemeClr val="phClr"/>
+          </a:solidFill>
+          <a:prstDash val="solid"/>
+          <a:miter lim="800000"/>
+        </a:ln>
+        <a:ln w="12700" cap="flat" cmpd="sng" algn="ctr">
+          <a:solidFill>
+            <a:schemeClr val="phClr"/>
+          </a:solidFill>
+          <a:prstDash val="solid"/>
+          <a:miter lim="800000"/>
+        </a:ln>
+        <a:ln w="19050" cap="flat" cmpd="sng" algn="ctr">
+          <a:solidFill>
+            <a:schemeClr val="phClr"/>
+          </a:solidFill>
+          <a:prstDash val="solid"/>
+          <a:miter lim="800000"/>
+        </a:ln>
+      </a:lnStyleLst>
+      <a:effectStyleLst>
+        <a:effectStyle>
+          <a:effectLst/>
+        </a:effectStyle>
+        <a:effectStyle>
+          <a:effectLst/>
+        </a:effectStyle>
+        <a:effectStyle>
+          <a:effectLst>
+            <a:outerShdw blurRad="57150" dist="19050" dir="5400000" algn="ctr" rotWithShape="0">
+              <a:srgbClr val="000000">
+                <a:alpha val="63000"/>
+              </a:srgbClr>
+            </a:outerShdw>
+          </a:effectLst>
+        </a:effectStyle>
+      </a:effectStyleLst>
+      <a:bgFillStyleLst>
+        <a:solidFill>
+          <a:schemeClr val="phClr"/>
+        </a:solidFill>
+        <a:solidFill>
+          <a:schemeClr val="phClr">
+            <a:tint val="95000"/>
+            <a:satMod val="170000"/>
+          </a:schemeClr>
+        </a:solidFill>
+        <a:gradFill rotWithShape="1">
+          <a:gsLst>
+            <a:gs pos="0">
+              <a:schemeClr val="phClr">
+                <a:tint val="93000"/>
+                <a:satMod val="150000"/>
+                <a:shade val="98000"/>
+                <a:lumMod val="102000"/>
+              </a:schemeClr>
+            </a:gs>
+            <a:gs pos="50000">
+              <a:schemeClr val="phClr">
+                <a:tint val="98000"/>
+                <a:satMod val="130000"/>
+                <a:shade val="90000"/>
+                <a:lumMod val="103000"/>
+              </a:schemeClr>
+            </a:gs>
+            <a:gs pos="100000">
+              <a:schemeClr val="phClr">
+                <a:shade val="63000"/>
+                <a:satMod val="120000"/>
+              </a:schemeClr>
+            </a:gs>
+          </a:gsLst>
+          <a:lin ang="5400000" scaled="0"/>
+        </a:gradFill>
+      </a:bgFillStyleLst>
+    </a:fmtScheme>
+  </a:themeElements>
+  <a:objectDefaults/>
+  <a:extraClrSchemeLst/>
+  <a:extLst>
+    <a:ext uri="{05A4C25C-085E-4340-85A3-A5531E510DB2}">
+      <thm15:themeFamily xmlns:thm15="http://schemas.microsoft.com/office/thememl/2012/main" name="Office Theme" id="{62F939B6-93AF-4DB8-9C6B-D6C7DFDC589F}" vid="{4A3C46E8-61CC-4603-A589-7422A47A8E4A}"/>
+    </a:ext>
+  </a:extLst>
+</a:theme>
+</file>
+
 <file path=customXml/item1.xml><?xml version="1.0" encoding="utf-8"?>
+<p:properties xmlns:p="http://schemas.microsoft.com/office/2006/metadata/properties" xmlns:xsi="http://www.w3.org/2001/XMLSchema-instance" xmlns:pc="http://schemas.microsoft.com/office/infopath/2007/PartnerControls">
+  <documentManagement/>
+</p:properties>
+</file>
+
+<file path=customXml/item2.xml><?xml version="1.0" encoding="utf-8"?>
+<?mso-contentType ?>
+<FormTemplates xmlns="http://schemas.microsoft.com/sharepoint/v3/contenttype/forms">
+  <Display>DocumentLibraryForm</Display>
+  <Edit>DocumentLibraryForm</Edit>
+  <New>DocumentLibraryForm</New>
+</FormTemplates>
+</file>
+
+<file path=customXml/item3.xml><?xml version="1.0" encoding="utf-8"?>
 <ct:contentTypeSchema xmlns:ct="http://schemas.microsoft.com/office/2006/metadata/contentType" xmlns:ma="http://schemas.microsoft.com/office/2006/metadata/properties/metaAttributes" ct:_="" ma:_="" ma:contentTypeName="Document" ma:contentTypeID="0x010100062A1965C0ED8D4B93D90EC9097FB304" ma:contentTypeVersion="13" ma:contentTypeDescription="Create a new document." ma:contentTypeScope="" ma:versionID="ad8c00255a362f38b965062bb6973433">
   <xsd:schema xmlns:xsd="http://www.w3.org/2001/XMLSchema" xmlns:xs="http://www.w3.org/2001/XMLSchema" xmlns:p="http://schemas.microsoft.com/office/2006/metadata/properties" xmlns:ns3="cab83b3b-4db3-4a13-8dd4-e60be6d87cf5" xmlns:ns4="c2e86655-d7ed-4420-bc92-1b9547829f54" targetNamespace="http://schemas.microsoft.com/office/2006/metadata/properties" ma:root="true" ma:fieldsID="d47f86c9060cacabc5fb99b2dd628c7d" ns3:_="" ns4:_="">
     <xsd:import namespace="cab83b3b-4db3-4a13-8dd4-e60be6d87cf5"/>
@@ -5143,22 +10486,32 @@
 </ct:contentTypeSchema>
 </file>
 
-<file path=customXml/item2.xml><?xml version="1.0" encoding="utf-8"?>
-<p:properties xmlns:p="http://schemas.microsoft.com/office/2006/metadata/properties" xmlns:xsi="http://www.w3.org/2001/XMLSchema-instance" xmlns:pc="http://schemas.microsoft.com/office/infopath/2007/PartnerControls">
-  <documentManagement/>
-</p:properties>
+<file path=customXml/itemProps1.xml><?xml version="1.0" encoding="utf-8"?>
+<ds:datastoreItem xmlns:ds="http://schemas.openxmlformats.org/officeDocument/2006/customXml" ds:itemID="{1B174DBE-1AD7-495B-B168-212A7EE723A6}">
+  <ds:schemaRefs>
+    <ds:schemaRef ds:uri="http://schemas.microsoft.com/office/2006/documentManagement/types"/>
+    <ds:schemaRef ds:uri="http://schemas.openxmlformats.org/package/2006/metadata/core-properties"/>
+    <ds:schemaRef ds:uri="c2e86655-d7ed-4420-bc92-1b9547829f54"/>
+    <ds:schemaRef ds:uri="http://purl.org/dc/elements/1.1/"/>
+    <ds:schemaRef ds:uri="http://schemas.microsoft.com/office/infopath/2007/PartnerControls"/>
+    <ds:schemaRef ds:uri="cab83b3b-4db3-4a13-8dd4-e60be6d87cf5"/>
+    <ds:schemaRef ds:uri="http://schemas.microsoft.com/office/2006/metadata/properties"/>
+    <ds:schemaRef ds:uri="http://purl.org/dc/terms/"/>
+    <ds:schemaRef ds:uri="http://www.w3.org/XML/1998/namespace"/>
+    <ds:schemaRef ds:uri="http://purl.org/dc/dcmitype/"/>
+  </ds:schemaRefs>
+</ds:datastoreItem>
 </file>
 
-<file path=customXml/item3.xml><?xml version="1.0" encoding="utf-8"?>
-<?mso-contentType ?>
-<FormTemplates xmlns="http://schemas.microsoft.com/sharepoint/v3/contenttype/forms">
-  <Display>DocumentLibraryForm</Display>
-  <Edit>DocumentLibraryForm</Edit>
-  <New>DocumentLibraryForm</New>
-</FormTemplates>
+<file path=customXml/itemProps2.xml><?xml version="1.0" encoding="utf-8"?>
+<ds:datastoreItem xmlns:ds="http://schemas.openxmlformats.org/officeDocument/2006/customXml" ds:itemID="{07A05CC1-FF68-453F-AE9C-352B80151440}">
+  <ds:schemaRefs>
+    <ds:schemaRef ds:uri="http://schemas.microsoft.com/sharepoint/v3/contenttype/forms"/>
+  </ds:schemaRefs>
+</ds:datastoreItem>
 </file>
 
-<file path=customXml/itemProps1.xml><?xml version="1.0" encoding="utf-8"?>
+<file path=customXml/itemProps3.xml><?xml version="1.0" encoding="utf-8"?>
 <ds:datastoreItem xmlns:ds="http://schemas.openxmlformats.org/officeDocument/2006/customXml" ds:itemID="{03233C07-2685-44F7-9601-FF64EA49BA1B}">
   <ds:schemaRefs>
     <ds:schemaRef ds:uri="http://schemas.microsoft.com/office/2006/metadata/contentType"/>
@@ -5175,29 +10528,4 @@
     <ds:schemaRef ds:uri="http://schemas.microsoft.com/internal/obd"/>
   </ds:schemaRefs>
 </ds:datastoreItem>
-</file>
-
-<file path=customXml/itemProps2.xml><?xml version="1.0" encoding="utf-8"?>
-<ds:datastoreItem xmlns:ds="http://schemas.openxmlformats.org/officeDocument/2006/customXml" ds:itemID="{1B174DBE-1AD7-495B-B168-212A7EE723A6}">
-  <ds:schemaRefs>
-    <ds:schemaRef ds:uri="http://purl.org/dc/terms/"/>
-    <ds:schemaRef ds:uri="http://schemas.microsoft.com/office/2006/documentManagement/types"/>
-    <ds:schemaRef ds:uri="http://schemas.openxmlformats.org/package/2006/metadata/core-properties"/>
-    <ds:schemaRef ds:uri="cab83b3b-4db3-4a13-8dd4-e60be6d87cf5"/>
-    <ds:schemaRef ds:uri="http://schemas.microsoft.com/office/infopath/2007/PartnerControls"/>
-    <ds:schemaRef ds:uri="http://purl.org/dc/elements/1.1/"/>
-    <ds:schemaRef ds:uri="http://schemas.microsoft.com/office/2006/metadata/properties"/>
-    <ds:schemaRef ds:uri="c2e86655-d7ed-4420-bc92-1b9547829f54"/>
-    <ds:schemaRef ds:uri="http://www.w3.org/XML/1998/namespace"/>
-    <ds:schemaRef ds:uri="http://purl.org/dc/dcmitype/"/>
-  </ds:schemaRefs>
-</ds:datastoreItem>
-</file>
-
-<file path=customXml/itemProps3.xml><?xml version="1.0" encoding="utf-8"?>
-<ds:datastoreItem xmlns:ds="http://schemas.openxmlformats.org/officeDocument/2006/customXml" ds:itemID="{07A05CC1-FF68-453F-AE9C-352B80151440}">
-  <ds:schemaRefs>
-    <ds:schemaRef ds:uri="http://schemas.microsoft.com/sharepoint/v3/contenttype/forms"/>
-  </ds:schemaRefs>
-</ds:datastoreItem>
 </file>
--- a/thesis/ukapp2/wqu_isc/sofware_design/Lesson 6 - Java.pptx
+++ b/thesis/ukapp2/wqu_isc/sofware_design/Lesson 6 - Java.pptx
@@ -25,12 +25,12 @@
     <p:sldId id="282" r:id="rId19"/>
     <p:sldId id="276" r:id="rId20"/>
     <p:sldId id="292" r:id="rId21"/>
-    <p:sldId id="296" r:id="rId22"/>
-    <p:sldId id="280" r:id="rId23"/>
-    <p:sldId id="294" r:id="rId24"/>
-    <p:sldId id="286" r:id="rId25"/>
-    <p:sldId id="281" r:id="rId26"/>
-    <p:sldId id="295" r:id="rId27"/>
+    <p:sldId id="286" r:id="rId22"/>
+    <p:sldId id="281" r:id="rId23"/>
+    <p:sldId id="295" r:id="rId24"/>
+    <p:sldId id="296" r:id="rId25"/>
+    <p:sldId id="280" r:id="rId26"/>
+    <p:sldId id="294" r:id="rId27"/>
     <p:sldId id="287" r:id="rId28"/>
     <p:sldId id="284" r:id="rId29"/>
     <p:sldId id="283" r:id="rId30"/>
@@ -222,7 +222,7 @@
           <a:p>
             <a:fld id="{4358A756-45B2-441B-BD26-2888C6C79637}" type="datetimeFigureOut">
               <a:rPr lang="en-GB" smtClean="0"/>
-              <a:t>18/10/2020</a:t>
+              <a:t>19/10/2020</a:t>
             </a:fld>
             <a:endParaRPr lang="en-GB"/>
           </a:p>
@@ -800,7 +800,7 @@
           <a:p>
             <a:fld id="{CD13FC2D-BEDB-45BE-AF82-649A39BEFF71}" type="datetimeFigureOut">
               <a:rPr lang="en-GB" smtClean="0"/>
-              <a:t>18/10/2020</a:t>
+              <a:t>19/10/2020</a:t>
             </a:fld>
             <a:endParaRPr lang="en-GB"/>
           </a:p>
@@ -1008,7 +1008,7 @@
           <a:p>
             <a:fld id="{CD13FC2D-BEDB-45BE-AF82-649A39BEFF71}" type="datetimeFigureOut">
               <a:rPr lang="en-GB" smtClean="0"/>
-              <a:t>18/10/2020</a:t>
+              <a:t>19/10/2020</a:t>
             </a:fld>
             <a:endParaRPr lang="en-GB"/>
           </a:p>
@@ -1264,7 +1264,7 @@
           <a:p>
             <a:fld id="{CD13FC2D-BEDB-45BE-AF82-649A39BEFF71}" type="datetimeFigureOut">
               <a:rPr lang="en-GB" smtClean="0"/>
-              <a:t>18/10/2020</a:t>
+              <a:t>19/10/2020</a:t>
             </a:fld>
             <a:endParaRPr lang="en-GB"/>
           </a:p>
@@ -1434,7 +1434,7 @@
           <a:p>
             <a:fld id="{CD13FC2D-BEDB-45BE-AF82-649A39BEFF71}" type="datetimeFigureOut">
               <a:rPr lang="en-GB" smtClean="0"/>
-              <a:t>18/10/2020</a:t>
+              <a:t>19/10/2020</a:t>
             </a:fld>
             <a:endParaRPr lang="en-GB"/>
           </a:p>
@@ -1777,7 +1777,7 @@
           <a:p>
             <a:fld id="{CD13FC2D-BEDB-45BE-AF82-649A39BEFF71}" type="datetimeFigureOut">
               <a:rPr lang="en-GB" smtClean="0"/>
-              <a:t>18/10/2020</a:t>
+              <a:t>19/10/2020</a:t>
             </a:fld>
             <a:endParaRPr lang="en-GB"/>
           </a:p>
@@ -2052,7 +2052,7 @@
           <a:p>
             <a:fld id="{CD13FC2D-BEDB-45BE-AF82-649A39BEFF71}" type="datetimeFigureOut">
               <a:rPr lang="en-GB" smtClean="0"/>
-              <a:t>18/10/2020</a:t>
+              <a:t>19/10/2020</a:t>
             </a:fld>
             <a:endParaRPr lang="en-GB"/>
           </a:p>
@@ -2431,7 +2431,7 @@
           <a:p>
             <a:fld id="{CD13FC2D-BEDB-45BE-AF82-649A39BEFF71}" type="datetimeFigureOut">
               <a:rPr lang="en-GB" smtClean="0"/>
-              <a:t>18/10/2020</a:t>
+              <a:t>19/10/2020</a:t>
             </a:fld>
             <a:endParaRPr lang="en-GB"/>
           </a:p>
@@ -2549,7 +2549,7 @@
           <a:p>
             <a:fld id="{CD13FC2D-BEDB-45BE-AF82-649A39BEFF71}" type="datetimeFigureOut">
               <a:rPr lang="en-GB" smtClean="0"/>
-              <a:t>18/10/2020</a:t>
+              <a:t>19/10/2020</a:t>
             </a:fld>
             <a:endParaRPr lang="en-GB"/>
           </a:p>
@@ -2720,7 +2720,7 @@
           <a:p>
             <a:fld id="{CD13FC2D-BEDB-45BE-AF82-649A39BEFF71}" type="datetimeFigureOut">
               <a:rPr lang="en-GB" smtClean="0"/>
-              <a:t>18/10/2020</a:t>
+              <a:t>19/10/2020</a:t>
             </a:fld>
             <a:endParaRPr lang="en-GB"/>
           </a:p>
@@ -3074,7 +3074,7 @@
           <a:p>
             <a:fld id="{CD13FC2D-BEDB-45BE-AF82-649A39BEFF71}" type="datetimeFigureOut">
               <a:rPr lang="en-GB" smtClean="0"/>
-              <a:t>18/10/2020</a:t>
+              <a:t>19/10/2020</a:t>
             </a:fld>
             <a:endParaRPr lang="en-GB"/>
           </a:p>
@@ -3456,7 +3456,7 @@
           <a:p>
             <a:fld id="{CD13FC2D-BEDB-45BE-AF82-649A39BEFF71}" type="datetimeFigureOut">
               <a:rPr lang="en-GB" smtClean="0"/>
-              <a:t>18/10/2020</a:t>
+              <a:t>19/10/2020</a:t>
             </a:fld>
             <a:endParaRPr lang="en-GB"/>
           </a:p>
@@ -3743,7 +3743,7 @@
           <a:p>
             <a:fld id="{CD13FC2D-BEDB-45BE-AF82-649A39BEFF71}" type="datetimeFigureOut">
               <a:rPr lang="en-GB" smtClean="0"/>
-              <a:t>18/10/2020</a:t>
+              <a:t>19/10/2020</a:t>
             </a:fld>
             <a:endParaRPr lang="en-GB"/>
           </a:p>
@@ -6380,12 +6380,12 @@
         </p:nvCxnSpPr>
         <p:spPr>
           <a:xfrm>
-            <a:off x="3928145" y="2098731"/>
-            <a:ext cx="1218890" cy="643679"/>
+            <a:off x="3670895" y="2098731"/>
+            <a:ext cx="1476140" cy="643679"/>
           </a:xfrm>
           <a:prstGeom prst="curvedConnector3">
             <a:avLst>
-              <a:gd name="adj1" fmla="val 98724"/>
+              <a:gd name="adj1" fmla="val 98534"/>
             </a:avLst>
           </a:prstGeom>
           <a:ln>
@@ -6422,7 +6422,7 @@
         <p:spPr>
           <a:xfrm>
             <a:off x="2913957" y="1914065"/>
-            <a:ext cx="1014188" cy="369332"/>
+            <a:ext cx="756938" cy="369332"/>
           </a:xfrm>
           <a:prstGeom prst="rect">
             <a:avLst/>
@@ -6437,7 +6437,7 @@
           <a:p>
             <a:r>
               <a:rPr lang="en-GB" dirty="0" err="1"/>
-              <a:t>TextField</a:t>
+              <a:t>JLabel</a:t>
             </a:r>
             <a:endParaRPr lang="en-GB" dirty="0"/>
           </a:p>
@@ -7861,6 +7861,940 @@
     </p:spTree>
     <p:extLst>
       <p:ext uri="{BB962C8B-B14F-4D97-AF65-F5344CB8AC3E}">
+        <p14:creationId xmlns:p14="http://schemas.microsoft.com/office/powerpoint/2010/main" val="1560354920"/>
+      </p:ext>
+    </p:extLst>
+  </p:cSld>
+  <p:clrMapOvr>
+    <a:masterClrMapping/>
+  </p:clrMapOvr>
+</p:sld>
+</file>
+
+<file path=ppt/slides/slide19.xml><?xml version="1.0" encoding="utf-8"?>
+<p:sld xmlns:a="http://schemas.openxmlformats.org/drawingml/2006/main" xmlns:r="http://schemas.openxmlformats.org/officeDocument/2006/relationships" xmlns:p="http://schemas.openxmlformats.org/presentationml/2006/main">
+  <p:cSld>
+    <p:spTree>
+      <p:nvGrpSpPr>
+        <p:cNvPr id="1" name=""/>
+        <p:cNvGrpSpPr/>
+        <p:nvPr/>
+      </p:nvGrpSpPr>
+      <p:grpSpPr>
+        <a:xfrm>
+          <a:off x="0" y="0"/>
+          <a:ext cx="0" cy="0"/>
+          <a:chOff x="0" y="0"/>
+          <a:chExt cx="0" cy="0"/>
+        </a:xfrm>
+      </p:grpSpPr>
+      <p:sp>
+        <p:nvSpPr>
+          <p:cNvPr id="2" name="Title 1">
+            <a:extLst>
+              <a:ext uri="{FF2B5EF4-FFF2-40B4-BE49-F238E27FC236}">
+                <a16:creationId xmlns:a16="http://schemas.microsoft.com/office/drawing/2014/main" id="{7304BBA7-9D5E-4B9A-95AF-2E54F4B41C0E}"/>
+              </a:ext>
+            </a:extLst>
+          </p:cNvPr>
+          <p:cNvSpPr>
+            <a:spLocks noGrp="1"/>
+          </p:cNvSpPr>
+          <p:nvPr>
+            <p:ph type="title"/>
+          </p:nvPr>
+        </p:nvSpPr>
+        <p:spPr/>
+        <p:txBody>
+          <a:bodyPr/>
+          <a:lstStyle/>
+          <a:p>
+            <a:r>
+              <a:rPr lang="en-GB" dirty="0"/>
+              <a:t>Exception Handling</a:t>
+            </a:r>
+          </a:p>
+        </p:txBody>
+      </p:sp>
+      <p:sp>
+        <p:nvSpPr>
+          <p:cNvPr id="3" name="Content Placeholder 2">
+            <a:extLst>
+              <a:ext uri="{FF2B5EF4-FFF2-40B4-BE49-F238E27FC236}">
+                <a16:creationId xmlns:a16="http://schemas.microsoft.com/office/drawing/2014/main" id="{3AB586B9-467B-4F63-B336-2E9D19321584}"/>
+              </a:ext>
+            </a:extLst>
+          </p:cNvPr>
+          <p:cNvSpPr>
+            <a:spLocks noGrp="1"/>
+          </p:cNvSpPr>
+          <p:nvPr>
+            <p:ph idx="1"/>
+          </p:nvPr>
+        </p:nvSpPr>
+        <p:spPr>
+          <a:xfrm>
+            <a:off x="822959" y="1845734"/>
+            <a:ext cx="7543800" cy="4023360"/>
+          </a:xfrm>
+        </p:spPr>
+        <p:txBody>
+          <a:bodyPr>
+            <a:normAutofit/>
+          </a:bodyPr>
+          <a:lstStyle/>
+          <a:p>
+            <a:pPr lvl="1">
+              <a:buFont typeface="Wingdings" panose="05000000000000000000" pitchFamily="2" charset="2"/>
+              <a:buChar char="v"/>
+            </a:pPr>
+            <a:r>
+              <a:rPr lang="en-GB" dirty="0"/>
+              <a:t> A mechanism of recovering or gracefully exiting from anticipated runtime errors.</a:t>
+            </a:r>
+          </a:p>
+          <a:p>
+            <a:pPr lvl="1">
+              <a:buFont typeface="Wingdings" panose="05000000000000000000" pitchFamily="2" charset="2"/>
+              <a:buChar char="v"/>
+            </a:pPr>
+            <a:r>
+              <a:rPr lang="en-GB" dirty="0"/>
+              <a:t> We can anticipate that in a division may include a denominator of 0, resulting in a  Divide-By-Zero Exception.  </a:t>
+            </a:r>
+          </a:p>
+          <a:p>
+            <a:pPr lvl="1">
+              <a:buFont typeface="Wingdings" panose="05000000000000000000" pitchFamily="2" charset="2"/>
+              <a:buChar char="v"/>
+            </a:pPr>
+            <a:r>
+              <a:rPr lang="en-GB" dirty="0"/>
+              <a:t> We can also anticipate that a file requested by our program to read from may not exist in the operating system file path given, resulting in a File-Not-Found exception.</a:t>
+            </a:r>
+          </a:p>
+          <a:p>
+            <a:pPr lvl="1">
+              <a:buFont typeface="Wingdings" panose="05000000000000000000" pitchFamily="2" charset="2"/>
+              <a:buChar char="v"/>
+            </a:pPr>
+            <a:r>
+              <a:rPr lang="en-GB" dirty="0"/>
+              <a:t> There are many of such predefined Exception defined by the Java library and we can also define our own exceptions, or use the default Exception class.</a:t>
+            </a:r>
+          </a:p>
+          <a:p>
+            <a:pPr lvl="1">
+              <a:buFont typeface="Wingdings" panose="05000000000000000000" pitchFamily="2" charset="2"/>
+              <a:buChar char="v"/>
+            </a:pPr>
+            <a:r>
+              <a:rPr lang="en-GB" dirty="0"/>
+              <a:t> Two ways of handling exceptions including either the throws keyword on an encapsulating method or using the try-catch-finally block.</a:t>
+            </a:r>
+          </a:p>
+          <a:p>
+            <a:pPr lvl="1">
+              <a:buFont typeface="Wingdings" panose="05000000000000000000" pitchFamily="2" charset="2"/>
+              <a:buChar char="v"/>
+            </a:pPr>
+            <a:r>
+              <a:rPr lang="en-GB" dirty="0"/>
+              <a:t> We can also generate predefined or user-defined exceptions using by throwing an exception using the “throw” keyword.</a:t>
+            </a:r>
+          </a:p>
+        </p:txBody>
+      </p:sp>
+    </p:spTree>
+    <p:extLst>
+      <p:ext uri="{BB962C8B-B14F-4D97-AF65-F5344CB8AC3E}">
+        <p14:creationId xmlns:p14="http://schemas.microsoft.com/office/powerpoint/2010/main" val="1169195662"/>
+      </p:ext>
+    </p:extLst>
+  </p:cSld>
+  <p:clrMapOvr>
+    <a:masterClrMapping/>
+  </p:clrMapOvr>
+</p:sld>
+</file>
+
+<file path=ppt/slides/slide2.xml><?xml version="1.0" encoding="utf-8"?>
+<p:sld xmlns:a="http://schemas.openxmlformats.org/drawingml/2006/main" xmlns:r="http://schemas.openxmlformats.org/officeDocument/2006/relationships" xmlns:p="http://schemas.openxmlformats.org/presentationml/2006/main">
+  <p:cSld>
+    <p:spTree>
+      <p:nvGrpSpPr>
+        <p:cNvPr id="1" name=""/>
+        <p:cNvGrpSpPr/>
+        <p:nvPr/>
+      </p:nvGrpSpPr>
+      <p:grpSpPr>
+        <a:xfrm>
+          <a:off x="0" y="0"/>
+          <a:ext cx="0" cy="0"/>
+          <a:chOff x="0" y="0"/>
+          <a:chExt cx="0" cy="0"/>
+        </a:xfrm>
+      </p:grpSpPr>
+      <p:sp>
+        <p:nvSpPr>
+          <p:cNvPr id="2" name="Title 1">
+            <a:extLst>
+              <a:ext uri="{FF2B5EF4-FFF2-40B4-BE49-F238E27FC236}">
+                <a16:creationId xmlns:a16="http://schemas.microsoft.com/office/drawing/2014/main" id="{7304BBA7-9D5E-4B9A-95AF-2E54F4B41C0E}"/>
+              </a:ext>
+            </a:extLst>
+          </p:cNvPr>
+          <p:cNvSpPr>
+            <a:spLocks noGrp="1"/>
+          </p:cNvSpPr>
+          <p:nvPr>
+            <p:ph type="title"/>
+          </p:nvPr>
+        </p:nvSpPr>
+        <p:spPr/>
+        <p:txBody>
+          <a:bodyPr/>
+          <a:lstStyle/>
+          <a:p>
+            <a:r>
+              <a:rPr lang="en-GB" dirty="0"/>
+              <a:t>Outline</a:t>
+            </a:r>
+          </a:p>
+        </p:txBody>
+      </p:sp>
+      <p:sp>
+        <p:nvSpPr>
+          <p:cNvPr id="3" name="Content Placeholder 2">
+            <a:extLst>
+              <a:ext uri="{FF2B5EF4-FFF2-40B4-BE49-F238E27FC236}">
+                <a16:creationId xmlns:a16="http://schemas.microsoft.com/office/drawing/2014/main" id="{3AB586B9-467B-4F63-B336-2E9D19321584}"/>
+              </a:ext>
+            </a:extLst>
+          </p:cNvPr>
+          <p:cNvSpPr>
+            <a:spLocks noGrp="1"/>
+          </p:cNvSpPr>
+          <p:nvPr>
+            <p:ph idx="1"/>
+          </p:nvPr>
+        </p:nvSpPr>
+        <p:spPr>
+          <a:xfrm>
+            <a:off x="822960" y="1958855"/>
+            <a:ext cx="4795415" cy="4243981"/>
+          </a:xfrm>
+        </p:spPr>
+        <p:txBody>
+          <a:bodyPr>
+            <a:normAutofit/>
+          </a:bodyPr>
+          <a:lstStyle/>
+          <a:p>
+            <a:pPr>
+              <a:spcBef>
+                <a:spcPts val="600"/>
+              </a:spcBef>
+              <a:buFont typeface="Wingdings" panose="05000000000000000000" pitchFamily="2" charset="2"/>
+              <a:buChar char="v"/>
+            </a:pPr>
+            <a:r>
+              <a:rPr lang="en-US" sz="2000" dirty="0"/>
+              <a:t> Introduction to GUI development</a:t>
+            </a:r>
+          </a:p>
+          <a:p>
+            <a:pPr>
+              <a:spcBef>
+                <a:spcPts val="600"/>
+              </a:spcBef>
+              <a:buFont typeface="Wingdings" panose="05000000000000000000" pitchFamily="2" charset="2"/>
+              <a:buChar char="v"/>
+            </a:pPr>
+            <a:r>
+              <a:rPr lang="en-US" dirty="0"/>
+              <a:t> Setting up an application window</a:t>
+            </a:r>
+            <a:endParaRPr lang="en-US" sz="2000" dirty="0"/>
+          </a:p>
+          <a:p>
+            <a:pPr>
+              <a:spcBef>
+                <a:spcPts val="600"/>
+              </a:spcBef>
+              <a:buFont typeface="Wingdings" panose="05000000000000000000" pitchFamily="2" charset="2"/>
+              <a:buChar char="v"/>
+            </a:pPr>
+            <a:r>
+              <a:rPr lang="en-US" dirty="0"/>
+              <a:t> Component Hierarchy</a:t>
+            </a:r>
+          </a:p>
+          <a:p>
+            <a:pPr>
+              <a:spcBef>
+                <a:spcPts val="600"/>
+              </a:spcBef>
+              <a:buFont typeface="Wingdings" panose="05000000000000000000" pitchFamily="2" charset="2"/>
+              <a:buChar char="v"/>
+            </a:pPr>
+            <a:r>
+              <a:rPr lang="en-US" dirty="0"/>
+              <a:t> </a:t>
+            </a:r>
+            <a:r>
+              <a:rPr lang="en-US" dirty="0" err="1"/>
+              <a:t>JButton</a:t>
+            </a:r>
+            <a:endParaRPr lang="en-US" dirty="0"/>
+          </a:p>
+          <a:p>
+            <a:pPr>
+              <a:spcBef>
+                <a:spcPts val="600"/>
+              </a:spcBef>
+              <a:buFont typeface="Wingdings" panose="05000000000000000000" pitchFamily="2" charset="2"/>
+              <a:buChar char="v"/>
+            </a:pPr>
+            <a:r>
+              <a:rPr lang="en-US" dirty="0"/>
+              <a:t> Labels and </a:t>
+            </a:r>
+            <a:r>
+              <a:rPr lang="en-US" dirty="0" err="1"/>
+              <a:t>TextFields</a:t>
+            </a:r>
+            <a:endParaRPr lang="en-US" dirty="0"/>
+          </a:p>
+          <a:p>
+            <a:pPr>
+              <a:spcBef>
+                <a:spcPts val="600"/>
+              </a:spcBef>
+              <a:buFont typeface="Wingdings" panose="05000000000000000000" pitchFamily="2" charset="2"/>
+              <a:buChar char="v"/>
+            </a:pPr>
+            <a:r>
+              <a:rPr lang="en-US" sz="2000" dirty="0"/>
+              <a:t> Basic Layouts in Java</a:t>
+            </a:r>
+          </a:p>
+          <a:p>
+            <a:pPr>
+              <a:spcBef>
+                <a:spcPts val="600"/>
+              </a:spcBef>
+              <a:buFont typeface="Wingdings" panose="05000000000000000000" pitchFamily="2" charset="2"/>
+              <a:buChar char="v"/>
+            </a:pPr>
+            <a:r>
+              <a:rPr lang="en-US" sz="2000" dirty="0"/>
+              <a:t> Event Handling</a:t>
+            </a:r>
+          </a:p>
+          <a:p>
+            <a:pPr>
+              <a:spcBef>
+                <a:spcPts val="600"/>
+              </a:spcBef>
+              <a:buFont typeface="Wingdings" panose="05000000000000000000" pitchFamily="2" charset="2"/>
+              <a:buChar char="v"/>
+            </a:pPr>
+            <a:r>
+              <a:rPr lang="en-US" dirty="0"/>
+              <a:t> Exception handling</a:t>
+            </a:r>
+            <a:endParaRPr lang="en-GB" dirty="0"/>
+          </a:p>
+          <a:p>
+            <a:pPr>
+              <a:spcBef>
+                <a:spcPts val="600"/>
+              </a:spcBef>
+              <a:buFont typeface="Wingdings" panose="05000000000000000000" pitchFamily="2" charset="2"/>
+              <a:buChar char="v"/>
+            </a:pPr>
+            <a:r>
+              <a:rPr lang="en-GB" sz="2000" dirty="0"/>
+              <a:t> Exercises</a:t>
+            </a:r>
+            <a:endParaRPr lang="en-US" sz="2000" dirty="0"/>
+          </a:p>
+        </p:txBody>
+      </p:sp>
+    </p:spTree>
+    <p:extLst>
+      <p:ext uri="{BB962C8B-B14F-4D97-AF65-F5344CB8AC3E}">
+        <p14:creationId xmlns:p14="http://schemas.microsoft.com/office/powerpoint/2010/main" val="129472628"/>
+      </p:ext>
+    </p:extLst>
+  </p:cSld>
+  <p:clrMapOvr>
+    <a:masterClrMapping/>
+  </p:clrMapOvr>
+</p:sld>
+</file>
+
+<file path=ppt/slides/slide20.xml><?xml version="1.0" encoding="utf-8"?>
+<p:sld xmlns:a="http://schemas.openxmlformats.org/drawingml/2006/main" xmlns:r="http://schemas.openxmlformats.org/officeDocument/2006/relationships" xmlns:p="http://schemas.openxmlformats.org/presentationml/2006/main">
+  <p:cSld>
+    <p:spTree>
+      <p:nvGrpSpPr>
+        <p:cNvPr id="1" name=""/>
+        <p:cNvGrpSpPr/>
+        <p:nvPr/>
+      </p:nvGrpSpPr>
+      <p:grpSpPr>
+        <a:xfrm>
+          <a:off x="0" y="0"/>
+          <a:ext cx="0" cy="0"/>
+          <a:chOff x="0" y="0"/>
+          <a:chExt cx="0" cy="0"/>
+        </a:xfrm>
+      </p:grpSpPr>
+      <p:sp>
+        <p:nvSpPr>
+          <p:cNvPr id="2" name="Title 1">
+            <a:extLst>
+              <a:ext uri="{FF2B5EF4-FFF2-40B4-BE49-F238E27FC236}">
+                <a16:creationId xmlns:a16="http://schemas.microsoft.com/office/drawing/2014/main" id="{7304BBA7-9D5E-4B9A-95AF-2E54F4B41C0E}"/>
+              </a:ext>
+            </a:extLst>
+          </p:cNvPr>
+          <p:cNvSpPr>
+            <a:spLocks noGrp="1"/>
+          </p:cNvSpPr>
+          <p:nvPr>
+            <p:ph type="title"/>
+          </p:nvPr>
+        </p:nvSpPr>
+        <p:spPr/>
+        <p:txBody>
+          <a:bodyPr/>
+          <a:lstStyle/>
+          <a:p>
+            <a:r>
+              <a:rPr lang="en-GB" dirty="0"/>
+              <a:t>Divide-by-zero Exception handling example</a:t>
+            </a:r>
+          </a:p>
+        </p:txBody>
+      </p:sp>
+      <p:sp>
+        <p:nvSpPr>
+          <p:cNvPr id="3" name="Content Placeholder 2">
+            <a:extLst>
+              <a:ext uri="{FF2B5EF4-FFF2-40B4-BE49-F238E27FC236}">
+                <a16:creationId xmlns:a16="http://schemas.microsoft.com/office/drawing/2014/main" id="{3AB586B9-467B-4F63-B336-2E9D19321584}"/>
+              </a:ext>
+            </a:extLst>
+          </p:cNvPr>
+          <p:cNvSpPr>
+            <a:spLocks noGrp="1"/>
+          </p:cNvSpPr>
+          <p:nvPr>
+            <p:ph idx="1"/>
+          </p:nvPr>
+        </p:nvSpPr>
+        <p:spPr>
+          <a:xfrm>
+            <a:off x="822959" y="2262432"/>
+            <a:ext cx="7543800" cy="3606661"/>
+          </a:xfrm>
+          <a:solidFill>
+            <a:schemeClr val="tx1">
+              <a:lumMod val="85000"/>
+              <a:lumOff val="15000"/>
+            </a:schemeClr>
+          </a:solidFill>
+        </p:spPr>
+        <p:txBody>
+          <a:bodyPr>
+            <a:normAutofit/>
+          </a:bodyPr>
+          <a:lstStyle/>
+          <a:p>
+            <a:r>
+              <a:rPr lang="en-GB" b="0" dirty="0">
+                <a:solidFill>
+                  <a:srgbClr val="D4D4D4"/>
+                </a:solidFill>
+                <a:effectLst/>
+                <a:latin typeface="Consolas" panose="020B0609020204030204" pitchFamily="49" charset="0"/>
+              </a:rPr>
+              <a:t>  </a:t>
+            </a:r>
+            <a:r>
+              <a:rPr lang="en-GB" b="0" dirty="0">
+                <a:solidFill>
+                  <a:srgbClr val="569CD6"/>
+                </a:solidFill>
+                <a:effectLst/>
+                <a:latin typeface="Consolas" panose="020B0609020204030204" pitchFamily="49" charset="0"/>
+              </a:rPr>
+              <a:t>private</a:t>
+            </a:r>
+            <a:r>
+              <a:rPr lang="en-GB" b="0" dirty="0">
+                <a:solidFill>
+                  <a:srgbClr val="D4D4D4"/>
+                </a:solidFill>
+                <a:effectLst/>
+                <a:latin typeface="Consolas" panose="020B0609020204030204" pitchFamily="49" charset="0"/>
+              </a:rPr>
+              <a:t> </a:t>
+            </a:r>
+            <a:r>
+              <a:rPr lang="en-GB" b="0" dirty="0">
+                <a:solidFill>
+                  <a:srgbClr val="4EC9B0"/>
+                </a:solidFill>
+                <a:effectLst/>
+                <a:latin typeface="Consolas" panose="020B0609020204030204" pitchFamily="49" charset="0"/>
+              </a:rPr>
+              <a:t>void</a:t>
+            </a:r>
+            <a:r>
+              <a:rPr lang="en-GB" b="0" dirty="0">
+                <a:solidFill>
+                  <a:srgbClr val="D4D4D4"/>
+                </a:solidFill>
+                <a:effectLst/>
+                <a:latin typeface="Consolas" panose="020B0609020204030204" pitchFamily="49" charset="0"/>
+              </a:rPr>
+              <a:t> </a:t>
+            </a:r>
+            <a:r>
+              <a:rPr lang="en-GB" b="0" dirty="0">
+                <a:solidFill>
+                  <a:srgbClr val="DCDCAA"/>
+                </a:solidFill>
+                <a:effectLst/>
+                <a:latin typeface="Consolas" panose="020B0609020204030204" pitchFamily="49" charset="0"/>
+              </a:rPr>
+              <a:t>div</a:t>
+            </a:r>
+            <a:r>
+              <a:rPr lang="en-GB" b="0" dirty="0">
+                <a:solidFill>
+                  <a:srgbClr val="D4D4D4"/>
+                </a:solidFill>
+                <a:effectLst/>
+                <a:latin typeface="Consolas" panose="020B0609020204030204" pitchFamily="49" charset="0"/>
+              </a:rPr>
+              <a:t>(</a:t>
+            </a:r>
+            <a:r>
+              <a:rPr lang="en-GB" b="0" dirty="0">
+                <a:solidFill>
+                  <a:srgbClr val="4EC9B0"/>
+                </a:solidFill>
+                <a:effectLst/>
+                <a:latin typeface="Consolas" panose="020B0609020204030204" pitchFamily="49" charset="0"/>
+              </a:rPr>
+              <a:t>double</a:t>
+            </a:r>
+            <a:r>
+              <a:rPr lang="en-GB" b="0" dirty="0">
+                <a:solidFill>
+                  <a:srgbClr val="D4D4D4"/>
+                </a:solidFill>
+                <a:effectLst/>
+                <a:latin typeface="Consolas" panose="020B0609020204030204" pitchFamily="49" charset="0"/>
+              </a:rPr>
+              <a:t> </a:t>
+            </a:r>
+            <a:r>
+              <a:rPr lang="en-GB" b="0" dirty="0">
+                <a:solidFill>
+                  <a:srgbClr val="9CDCFE"/>
+                </a:solidFill>
+                <a:effectLst/>
+                <a:latin typeface="Consolas" panose="020B0609020204030204" pitchFamily="49" charset="0"/>
+              </a:rPr>
+              <a:t>x</a:t>
+            </a:r>
+            <a:r>
+              <a:rPr lang="en-GB" b="0" dirty="0">
+                <a:solidFill>
+                  <a:srgbClr val="D4D4D4"/>
+                </a:solidFill>
+                <a:effectLst/>
+                <a:latin typeface="Consolas" panose="020B0609020204030204" pitchFamily="49" charset="0"/>
+              </a:rPr>
+              <a:t>){</a:t>
+            </a:r>
+          </a:p>
+          <a:p>
+            <a:r>
+              <a:rPr lang="en-GB" b="0" dirty="0">
+                <a:solidFill>
+                  <a:srgbClr val="D4D4D4"/>
+                </a:solidFill>
+                <a:effectLst/>
+                <a:latin typeface="Consolas" panose="020B0609020204030204" pitchFamily="49" charset="0"/>
+              </a:rPr>
+              <a:t>    </a:t>
+            </a:r>
+            <a:r>
+              <a:rPr lang="en-GB" b="0" dirty="0">
+                <a:solidFill>
+                  <a:srgbClr val="C586C0"/>
+                </a:solidFill>
+                <a:effectLst/>
+                <a:latin typeface="Consolas" panose="020B0609020204030204" pitchFamily="49" charset="0"/>
+              </a:rPr>
+              <a:t>try</a:t>
+            </a:r>
+            <a:r>
+              <a:rPr lang="en-GB" b="0" dirty="0">
+                <a:solidFill>
+                  <a:srgbClr val="D4D4D4"/>
+                </a:solidFill>
+                <a:effectLst/>
+                <a:latin typeface="Consolas" panose="020B0609020204030204" pitchFamily="49" charset="0"/>
+              </a:rPr>
+              <a:t>{</a:t>
+            </a:r>
+          </a:p>
+          <a:p>
+            <a:r>
+              <a:rPr lang="en-GB" b="0" dirty="0">
+                <a:solidFill>
+                  <a:srgbClr val="D4D4D4"/>
+                </a:solidFill>
+                <a:effectLst/>
+                <a:latin typeface="Consolas" panose="020B0609020204030204" pitchFamily="49" charset="0"/>
+              </a:rPr>
+              <a:t>      </a:t>
+            </a:r>
+            <a:r>
+              <a:rPr lang="en-GB" b="0" dirty="0" err="1">
+                <a:solidFill>
+                  <a:srgbClr val="DCDCAA"/>
+                </a:solidFill>
+                <a:effectLst/>
+                <a:latin typeface="Consolas" panose="020B0609020204030204" pitchFamily="49" charset="0"/>
+              </a:rPr>
+              <a:t>setVal</a:t>
+            </a:r>
+            <a:r>
+              <a:rPr lang="en-GB" b="0" dirty="0">
+                <a:solidFill>
+                  <a:srgbClr val="D4D4D4"/>
+                </a:solidFill>
+                <a:effectLst/>
+                <a:latin typeface="Consolas" panose="020B0609020204030204" pitchFamily="49" charset="0"/>
+              </a:rPr>
+              <a:t>(</a:t>
+            </a:r>
+            <a:r>
+              <a:rPr lang="en-GB" b="0" dirty="0" err="1">
+                <a:solidFill>
+                  <a:srgbClr val="DCDCAA"/>
+                </a:solidFill>
+                <a:effectLst/>
+                <a:latin typeface="Consolas" panose="020B0609020204030204" pitchFamily="49" charset="0"/>
+              </a:rPr>
+              <a:t>getVal</a:t>
+            </a:r>
+            <a:r>
+              <a:rPr lang="en-GB" b="0" dirty="0">
+                <a:solidFill>
+                  <a:srgbClr val="D4D4D4"/>
+                </a:solidFill>
+                <a:effectLst/>
+                <a:latin typeface="Consolas" panose="020B0609020204030204" pitchFamily="49" charset="0"/>
+              </a:rPr>
+              <a:t>()/x);</a:t>
+            </a:r>
+          </a:p>
+          <a:p>
+            <a:r>
+              <a:rPr lang="en-GB" b="0" dirty="0">
+                <a:solidFill>
+                  <a:srgbClr val="D4D4D4"/>
+                </a:solidFill>
+                <a:effectLst/>
+                <a:latin typeface="Consolas" panose="020B0609020204030204" pitchFamily="49" charset="0"/>
+              </a:rPr>
+              <a:t>    } </a:t>
+            </a:r>
+            <a:r>
+              <a:rPr lang="en-GB" b="0" dirty="0">
+                <a:solidFill>
+                  <a:srgbClr val="C586C0"/>
+                </a:solidFill>
+                <a:effectLst/>
+                <a:latin typeface="Consolas" panose="020B0609020204030204" pitchFamily="49" charset="0"/>
+              </a:rPr>
+              <a:t>catch</a:t>
+            </a:r>
+            <a:r>
+              <a:rPr lang="en-GB" b="0" dirty="0">
+                <a:solidFill>
+                  <a:srgbClr val="D4D4D4"/>
+                </a:solidFill>
+                <a:effectLst/>
+                <a:latin typeface="Consolas" panose="020B0609020204030204" pitchFamily="49" charset="0"/>
+              </a:rPr>
+              <a:t>(</a:t>
+            </a:r>
+            <a:r>
+              <a:rPr lang="en-GB" b="0" dirty="0">
+                <a:solidFill>
+                  <a:srgbClr val="4EC9B0"/>
+                </a:solidFill>
+                <a:effectLst/>
+                <a:latin typeface="Consolas" panose="020B0609020204030204" pitchFamily="49" charset="0"/>
+              </a:rPr>
+              <a:t>Exception</a:t>
+            </a:r>
+            <a:r>
+              <a:rPr lang="en-GB" b="0" dirty="0">
+                <a:solidFill>
+                  <a:srgbClr val="D4D4D4"/>
+                </a:solidFill>
+                <a:effectLst/>
+                <a:latin typeface="Consolas" panose="020B0609020204030204" pitchFamily="49" charset="0"/>
+              </a:rPr>
+              <a:t> </a:t>
+            </a:r>
+            <a:r>
+              <a:rPr lang="en-GB" b="0" dirty="0">
+                <a:solidFill>
+                  <a:srgbClr val="9CDCFE"/>
+                </a:solidFill>
+                <a:effectLst/>
+                <a:latin typeface="Consolas" panose="020B0609020204030204" pitchFamily="49" charset="0"/>
+              </a:rPr>
+              <a:t>e</a:t>
+            </a:r>
+            <a:r>
+              <a:rPr lang="en-GB" b="0" dirty="0">
+                <a:solidFill>
+                  <a:srgbClr val="D4D4D4"/>
+                </a:solidFill>
+                <a:effectLst/>
+                <a:latin typeface="Consolas" panose="020B0609020204030204" pitchFamily="49" charset="0"/>
+              </a:rPr>
+              <a:t>){</a:t>
+            </a:r>
+          </a:p>
+          <a:p>
+            <a:r>
+              <a:rPr lang="en-GB" b="0" dirty="0">
+                <a:solidFill>
+                  <a:srgbClr val="D4D4D4"/>
+                </a:solidFill>
+                <a:effectLst/>
+                <a:latin typeface="Consolas" panose="020B0609020204030204" pitchFamily="49" charset="0"/>
+              </a:rPr>
+              <a:t>      </a:t>
+            </a:r>
+            <a:r>
+              <a:rPr lang="en-GB" b="0" dirty="0" err="1">
+                <a:solidFill>
+                  <a:srgbClr val="9CDCFE"/>
+                </a:solidFill>
+                <a:effectLst/>
+                <a:latin typeface="Consolas" panose="020B0609020204030204" pitchFamily="49" charset="0"/>
+              </a:rPr>
+              <a:t>System</a:t>
+            </a:r>
+            <a:r>
+              <a:rPr lang="en-GB" b="0" dirty="0" err="1">
+                <a:solidFill>
+                  <a:srgbClr val="D4D4D4"/>
+                </a:solidFill>
+                <a:effectLst/>
+                <a:latin typeface="Consolas" panose="020B0609020204030204" pitchFamily="49" charset="0"/>
+              </a:rPr>
+              <a:t>.</a:t>
+            </a:r>
+            <a:r>
+              <a:rPr lang="en-GB" b="0" dirty="0" err="1">
+                <a:solidFill>
+                  <a:srgbClr val="9CDCFE"/>
+                </a:solidFill>
+                <a:effectLst/>
+                <a:latin typeface="Consolas" panose="020B0609020204030204" pitchFamily="49" charset="0"/>
+              </a:rPr>
+              <a:t>out</a:t>
+            </a:r>
+            <a:r>
+              <a:rPr lang="en-GB" b="0" dirty="0" err="1">
+                <a:solidFill>
+                  <a:srgbClr val="D4D4D4"/>
+                </a:solidFill>
+                <a:effectLst/>
+                <a:latin typeface="Consolas" panose="020B0609020204030204" pitchFamily="49" charset="0"/>
+              </a:rPr>
+              <a:t>.</a:t>
+            </a:r>
+            <a:r>
+              <a:rPr lang="en-GB" b="0" dirty="0" err="1">
+                <a:solidFill>
+                  <a:srgbClr val="DCDCAA"/>
+                </a:solidFill>
+                <a:effectLst/>
+                <a:latin typeface="Consolas" panose="020B0609020204030204" pitchFamily="49" charset="0"/>
+              </a:rPr>
+              <a:t>println</a:t>
+            </a:r>
+            <a:r>
+              <a:rPr lang="en-GB" b="0" dirty="0">
+                <a:solidFill>
+                  <a:srgbClr val="D4D4D4"/>
+                </a:solidFill>
+                <a:effectLst/>
+                <a:latin typeface="Consolas" panose="020B0609020204030204" pitchFamily="49" charset="0"/>
+              </a:rPr>
+              <a:t>(</a:t>
+            </a:r>
+            <a:r>
+              <a:rPr lang="en-GB" b="0" dirty="0" err="1">
+                <a:solidFill>
+                  <a:srgbClr val="9CDCFE"/>
+                </a:solidFill>
+                <a:effectLst/>
+                <a:latin typeface="Consolas" panose="020B0609020204030204" pitchFamily="49" charset="0"/>
+              </a:rPr>
+              <a:t>e</a:t>
+            </a:r>
+            <a:r>
+              <a:rPr lang="en-GB" b="0" dirty="0" err="1">
+                <a:solidFill>
+                  <a:srgbClr val="D4D4D4"/>
+                </a:solidFill>
+                <a:effectLst/>
+                <a:latin typeface="Consolas" panose="020B0609020204030204" pitchFamily="49" charset="0"/>
+              </a:rPr>
+              <a:t>.</a:t>
+            </a:r>
+            <a:r>
+              <a:rPr lang="en-GB" b="0" dirty="0" err="1">
+                <a:solidFill>
+                  <a:srgbClr val="DCDCAA"/>
+                </a:solidFill>
+                <a:effectLst/>
+                <a:latin typeface="Consolas" panose="020B0609020204030204" pitchFamily="49" charset="0"/>
+              </a:rPr>
+              <a:t>getMessage</a:t>
+            </a:r>
+            <a:r>
+              <a:rPr lang="en-GB" b="0" dirty="0">
+                <a:solidFill>
+                  <a:srgbClr val="D4D4D4"/>
+                </a:solidFill>
+                <a:effectLst/>
+                <a:latin typeface="Consolas" panose="020B0609020204030204" pitchFamily="49" charset="0"/>
+              </a:rPr>
+              <a:t>());</a:t>
+            </a:r>
+          </a:p>
+          <a:p>
+            <a:r>
+              <a:rPr lang="en-GB" b="0" dirty="0">
+                <a:solidFill>
+                  <a:srgbClr val="D4D4D4"/>
+                </a:solidFill>
+                <a:effectLst/>
+                <a:latin typeface="Consolas" panose="020B0609020204030204" pitchFamily="49" charset="0"/>
+              </a:rPr>
+              <a:t>    };</a:t>
+            </a:r>
+          </a:p>
+          <a:p>
+            <a:r>
+              <a:rPr lang="en-GB" b="0" dirty="0">
+                <a:solidFill>
+                  <a:srgbClr val="D4D4D4"/>
+                </a:solidFill>
+                <a:effectLst/>
+                <a:latin typeface="Consolas" panose="020B0609020204030204" pitchFamily="49" charset="0"/>
+              </a:rPr>
+              <a:t>  }</a:t>
+            </a:r>
+          </a:p>
+        </p:txBody>
+      </p:sp>
+    </p:spTree>
+    <p:extLst>
+      <p:ext uri="{BB962C8B-B14F-4D97-AF65-F5344CB8AC3E}">
+        <p14:creationId xmlns:p14="http://schemas.microsoft.com/office/powerpoint/2010/main" val="3955090638"/>
+      </p:ext>
+    </p:extLst>
+  </p:cSld>
+  <p:clrMapOvr>
+    <a:masterClrMapping/>
+  </p:clrMapOvr>
+</p:sld>
+</file>
+
+<file path=ppt/slides/slide21.xml><?xml version="1.0" encoding="utf-8"?>
+<p:sld xmlns:a="http://schemas.openxmlformats.org/drawingml/2006/main" xmlns:r="http://schemas.openxmlformats.org/officeDocument/2006/relationships" xmlns:p="http://schemas.openxmlformats.org/presentationml/2006/main">
+  <p:cSld>
+    <p:spTree>
+      <p:nvGrpSpPr>
+        <p:cNvPr id="1" name=""/>
+        <p:cNvGrpSpPr/>
+        <p:nvPr/>
+      </p:nvGrpSpPr>
+      <p:grpSpPr>
+        <a:xfrm>
+          <a:off x="0" y="0"/>
+          <a:ext cx="0" cy="0"/>
+          <a:chOff x="0" y="0"/>
+          <a:chExt cx="0" cy="0"/>
+        </a:xfrm>
+      </p:grpSpPr>
+      <p:sp>
+        <p:nvSpPr>
+          <p:cNvPr id="3" name="Content Placeholder 2">
+            <a:extLst>
+              <a:ext uri="{FF2B5EF4-FFF2-40B4-BE49-F238E27FC236}">
+                <a16:creationId xmlns:a16="http://schemas.microsoft.com/office/drawing/2014/main" id="{6C7F13ED-B066-4225-805E-0889FD78E024}"/>
+              </a:ext>
+            </a:extLst>
+          </p:cNvPr>
+          <p:cNvSpPr>
+            <a:spLocks noGrp="1"/>
+          </p:cNvSpPr>
+          <p:nvPr>
+            <p:ph idx="1"/>
+          </p:nvPr>
+        </p:nvSpPr>
+        <p:spPr/>
+        <p:txBody>
+          <a:bodyPr>
+            <a:normAutofit/>
+          </a:bodyPr>
+          <a:lstStyle/>
+          <a:p>
+            <a:pPr algn="ctr"/>
+            <a:endParaRPr lang="en-GB" sz="4800" dirty="0"/>
+          </a:p>
+          <a:p>
+            <a:pPr marL="0" indent="0" algn="ctr">
+              <a:buNone/>
+            </a:pPr>
+            <a:endParaRPr lang="en-GB" sz="4800" dirty="0"/>
+          </a:p>
+          <a:p>
+            <a:pPr marL="0" indent="0" algn="ctr">
+              <a:buNone/>
+            </a:pPr>
+            <a:r>
+              <a:rPr lang="en-GB" sz="4800" dirty="0"/>
+              <a:t>Any Questions?</a:t>
+            </a:r>
+          </a:p>
+        </p:txBody>
+      </p:sp>
+    </p:spTree>
+    <p:extLst>
+      <p:ext uri="{BB962C8B-B14F-4D97-AF65-F5344CB8AC3E}">
         <p14:creationId xmlns:p14="http://schemas.microsoft.com/office/powerpoint/2010/main" val="1419206274"/>
       </p:ext>
     </p:extLst>
@@ -7871,7 +8805,7 @@
 </p:sld>
 </file>
 
-<file path=ppt/slides/slide19.xml><?xml version="1.0" encoding="utf-8"?>
+<file path=ppt/slides/slide22.xml><?xml version="1.0" encoding="utf-8"?>
 <p:sld xmlns:a="http://schemas.openxmlformats.org/drawingml/2006/main" xmlns:r="http://schemas.openxmlformats.org/officeDocument/2006/relationships" xmlns:p="http://schemas.openxmlformats.org/presentationml/2006/main">
   <p:cSld>
     <p:spTree>
@@ -8131,637 +9065,6 @@
 </p:sld>
 </file>
 
-<file path=ppt/slides/slide2.xml><?xml version="1.0" encoding="utf-8"?>
-<p:sld xmlns:a="http://schemas.openxmlformats.org/drawingml/2006/main" xmlns:r="http://schemas.openxmlformats.org/officeDocument/2006/relationships" xmlns:p="http://schemas.openxmlformats.org/presentationml/2006/main">
-  <p:cSld>
-    <p:spTree>
-      <p:nvGrpSpPr>
-        <p:cNvPr id="1" name=""/>
-        <p:cNvGrpSpPr/>
-        <p:nvPr/>
-      </p:nvGrpSpPr>
-      <p:grpSpPr>
-        <a:xfrm>
-          <a:off x="0" y="0"/>
-          <a:ext cx="0" cy="0"/>
-          <a:chOff x="0" y="0"/>
-          <a:chExt cx="0" cy="0"/>
-        </a:xfrm>
-      </p:grpSpPr>
-      <p:sp>
-        <p:nvSpPr>
-          <p:cNvPr id="2" name="Title 1">
-            <a:extLst>
-              <a:ext uri="{FF2B5EF4-FFF2-40B4-BE49-F238E27FC236}">
-                <a16:creationId xmlns:a16="http://schemas.microsoft.com/office/drawing/2014/main" id="{7304BBA7-9D5E-4B9A-95AF-2E54F4B41C0E}"/>
-              </a:ext>
-            </a:extLst>
-          </p:cNvPr>
-          <p:cNvSpPr>
-            <a:spLocks noGrp="1"/>
-          </p:cNvSpPr>
-          <p:nvPr>
-            <p:ph type="title"/>
-          </p:nvPr>
-        </p:nvSpPr>
-        <p:spPr/>
-        <p:txBody>
-          <a:bodyPr/>
-          <a:lstStyle/>
-          <a:p>
-            <a:r>
-              <a:rPr lang="en-GB" dirty="0"/>
-              <a:t>Outline</a:t>
-            </a:r>
-          </a:p>
-        </p:txBody>
-      </p:sp>
-      <p:sp>
-        <p:nvSpPr>
-          <p:cNvPr id="3" name="Content Placeholder 2">
-            <a:extLst>
-              <a:ext uri="{FF2B5EF4-FFF2-40B4-BE49-F238E27FC236}">
-                <a16:creationId xmlns:a16="http://schemas.microsoft.com/office/drawing/2014/main" id="{3AB586B9-467B-4F63-B336-2E9D19321584}"/>
-              </a:ext>
-            </a:extLst>
-          </p:cNvPr>
-          <p:cNvSpPr>
-            <a:spLocks noGrp="1"/>
-          </p:cNvSpPr>
-          <p:nvPr>
-            <p:ph idx="1"/>
-          </p:nvPr>
-        </p:nvSpPr>
-        <p:spPr>
-          <a:xfrm>
-            <a:off x="822960" y="1958855"/>
-            <a:ext cx="4795415" cy="4243981"/>
-          </a:xfrm>
-        </p:spPr>
-        <p:txBody>
-          <a:bodyPr>
-            <a:normAutofit/>
-          </a:bodyPr>
-          <a:lstStyle/>
-          <a:p>
-            <a:pPr>
-              <a:spcBef>
-                <a:spcPts val="600"/>
-              </a:spcBef>
-              <a:buFont typeface="Wingdings" panose="05000000000000000000" pitchFamily="2" charset="2"/>
-              <a:buChar char="v"/>
-            </a:pPr>
-            <a:r>
-              <a:rPr lang="en-US" sz="2000" dirty="0"/>
-              <a:t> Introduction to GUI development</a:t>
-            </a:r>
-          </a:p>
-          <a:p>
-            <a:pPr>
-              <a:spcBef>
-                <a:spcPts val="600"/>
-              </a:spcBef>
-              <a:buFont typeface="Wingdings" panose="05000000000000000000" pitchFamily="2" charset="2"/>
-              <a:buChar char="v"/>
-            </a:pPr>
-            <a:r>
-              <a:rPr lang="en-US" dirty="0"/>
-              <a:t> Setting up an application window</a:t>
-            </a:r>
-            <a:endParaRPr lang="en-US" sz="2000" dirty="0"/>
-          </a:p>
-          <a:p>
-            <a:pPr>
-              <a:spcBef>
-                <a:spcPts val="600"/>
-              </a:spcBef>
-              <a:buFont typeface="Wingdings" panose="05000000000000000000" pitchFamily="2" charset="2"/>
-              <a:buChar char="v"/>
-            </a:pPr>
-            <a:r>
-              <a:rPr lang="en-US" dirty="0"/>
-              <a:t> Component Hierarchy</a:t>
-            </a:r>
-          </a:p>
-          <a:p>
-            <a:pPr>
-              <a:spcBef>
-                <a:spcPts val="600"/>
-              </a:spcBef>
-              <a:buFont typeface="Wingdings" panose="05000000000000000000" pitchFamily="2" charset="2"/>
-              <a:buChar char="v"/>
-            </a:pPr>
-            <a:r>
-              <a:rPr lang="en-US" dirty="0"/>
-              <a:t> </a:t>
-            </a:r>
-            <a:r>
-              <a:rPr lang="en-US" dirty="0" err="1"/>
-              <a:t>JButton</a:t>
-            </a:r>
-            <a:endParaRPr lang="en-US" dirty="0"/>
-          </a:p>
-          <a:p>
-            <a:pPr>
-              <a:spcBef>
-                <a:spcPts val="600"/>
-              </a:spcBef>
-              <a:buFont typeface="Wingdings" panose="05000000000000000000" pitchFamily="2" charset="2"/>
-              <a:buChar char="v"/>
-            </a:pPr>
-            <a:r>
-              <a:rPr lang="en-US" dirty="0"/>
-              <a:t> Labels and </a:t>
-            </a:r>
-            <a:r>
-              <a:rPr lang="en-US" dirty="0" err="1"/>
-              <a:t>TextFields</a:t>
-            </a:r>
-            <a:endParaRPr lang="en-US" dirty="0"/>
-          </a:p>
-          <a:p>
-            <a:pPr>
-              <a:spcBef>
-                <a:spcPts val="600"/>
-              </a:spcBef>
-              <a:buFont typeface="Wingdings" panose="05000000000000000000" pitchFamily="2" charset="2"/>
-              <a:buChar char="v"/>
-            </a:pPr>
-            <a:r>
-              <a:rPr lang="en-US" sz="2000" dirty="0"/>
-              <a:t> Basic Layouts in Java</a:t>
-            </a:r>
-          </a:p>
-          <a:p>
-            <a:pPr>
-              <a:spcBef>
-                <a:spcPts val="600"/>
-              </a:spcBef>
-              <a:buFont typeface="Wingdings" panose="05000000000000000000" pitchFamily="2" charset="2"/>
-              <a:buChar char="v"/>
-            </a:pPr>
-            <a:r>
-              <a:rPr lang="en-US" sz="2000" dirty="0"/>
-              <a:t> Event Handling</a:t>
-            </a:r>
-          </a:p>
-          <a:p>
-            <a:pPr>
-              <a:spcBef>
-                <a:spcPts val="600"/>
-              </a:spcBef>
-              <a:buFont typeface="Wingdings" panose="05000000000000000000" pitchFamily="2" charset="2"/>
-              <a:buChar char="v"/>
-            </a:pPr>
-            <a:r>
-              <a:rPr lang="en-US" dirty="0"/>
-              <a:t> Exception handling</a:t>
-            </a:r>
-            <a:endParaRPr lang="en-GB" dirty="0"/>
-          </a:p>
-          <a:p>
-            <a:pPr>
-              <a:spcBef>
-                <a:spcPts val="600"/>
-              </a:spcBef>
-              <a:buFont typeface="Wingdings" panose="05000000000000000000" pitchFamily="2" charset="2"/>
-              <a:buChar char="v"/>
-            </a:pPr>
-            <a:r>
-              <a:rPr lang="en-GB" sz="2000" dirty="0"/>
-              <a:t> Exercises</a:t>
-            </a:r>
-            <a:endParaRPr lang="en-US" sz="2000" dirty="0"/>
-          </a:p>
-        </p:txBody>
-      </p:sp>
-    </p:spTree>
-    <p:extLst>
-      <p:ext uri="{BB962C8B-B14F-4D97-AF65-F5344CB8AC3E}">
-        <p14:creationId xmlns:p14="http://schemas.microsoft.com/office/powerpoint/2010/main" val="129472628"/>
-      </p:ext>
-    </p:extLst>
-  </p:cSld>
-  <p:clrMapOvr>
-    <a:masterClrMapping/>
-  </p:clrMapOvr>
-</p:sld>
-</file>
-
-<file path=ppt/slides/slide20.xml><?xml version="1.0" encoding="utf-8"?>
-<p:sld xmlns:a="http://schemas.openxmlformats.org/drawingml/2006/main" xmlns:r="http://schemas.openxmlformats.org/officeDocument/2006/relationships" xmlns:p="http://schemas.openxmlformats.org/presentationml/2006/main">
-  <p:cSld>
-    <p:spTree>
-      <p:nvGrpSpPr>
-        <p:cNvPr id="1" name=""/>
-        <p:cNvGrpSpPr/>
-        <p:nvPr/>
-      </p:nvGrpSpPr>
-      <p:grpSpPr>
-        <a:xfrm>
-          <a:off x="0" y="0"/>
-          <a:ext cx="0" cy="0"/>
-          <a:chOff x="0" y="0"/>
-          <a:chExt cx="0" cy="0"/>
-        </a:xfrm>
-      </p:grpSpPr>
-      <p:sp>
-        <p:nvSpPr>
-          <p:cNvPr id="2" name="Title 1">
-            <a:extLst>
-              <a:ext uri="{FF2B5EF4-FFF2-40B4-BE49-F238E27FC236}">
-                <a16:creationId xmlns:a16="http://schemas.microsoft.com/office/drawing/2014/main" id="{7304BBA7-9D5E-4B9A-95AF-2E54F4B41C0E}"/>
-              </a:ext>
-            </a:extLst>
-          </p:cNvPr>
-          <p:cNvSpPr>
-            <a:spLocks noGrp="1"/>
-          </p:cNvSpPr>
-          <p:nvPr>
-            <p:ph type="title"/>
-          </p:nvPr>
-        </p:nvSpPr>
-        <p:spPr/>
-        <p:txBody>
-          <a:bodyPr/>
-          <a:lstStyle/>
-          <a:p>
-            <a:r>
-              <a:rPr lang="en-GB" dirty="0"/>
-              <a:t>Simple Calculator events</a:t>
-            </a:r>
-          </a:p>
-        </p:txBody>
-      </p:sp>
-      <p:sp>
-        <p:nvSpPr>
-          <p:cNvPr id="3" name="Content Placeholder 2">
-            <a:extLst>
-              <a:ext uri="{FF2B5EF4-FFF2-40B4-BE49-F238E27FC236}">
-                <a16:creationId xmlns:a16="http://schemas.microsoft.com/office/drawing/2014/main" id="{3AB586B9-467B-4F63-B336-2E9D19321584}"/>
-              </a:ext>
-            </a:extLst>
-          </p:cNvPr>
-          <p:cNvSpPr>
-            <a:spLocks noGrp="1"/>
-          </p:cNvSpPr>
-          <p:nvPr>
-            <p:ph sz="half" idx="1"/>
-          </p:nvPr>
-        </p:nvSpPr>
-        <p:spPr>
-          <a:xfrm>
-            <a:off x="754144" y="1845734"/>
-            <a:ext cx="3772136" cy="4023360"/>
-          </a:xfrm>
-        </p:spPr>
-        <p:txBody>
-          <a:bodyPr>
-            <a:normAutofit/>
-          </a:bodyPr>
-          <a:lstStyle/>
-          <a:p>
-            <a:pPr marL="201168" lvl="1" indent="0">
-              <a:buNone/>
-            </a:pPr>
-            <a:endParaRPr lang="en-GB" dirty="0"/>
-          </a:p>
-        </p:txBody>
-      </p:sp>
-      <p:sp>
-        <p:nvSpPr>
-          <p:cNvPr id="5" name="TextBox 4">
-            <a:extLst>
-              <a:ext uri="{FF2B5EF4-FFF2-40B4-BE49-F238E27FC236}">
-                <a16:creationId xmlns:a16="http://schemas.microsoft.com/office/drawing/2014/main" id="{F1E70778-2142-494A-9598-F580C662A453}"/>
-              </a:ext>
-            </a:extLst>
-          </p:cNvPr>
-          <p:cNvSpPr txBox="1"/>
-          <p:nvPr/>
-        </p:nvSpPr>
-        <p:spPr>
-          <a:xfrm>
-            <a:off x="942680" y="6311967"/>
-            <a:ext cx="6825007" cy="646331"/>
-          </a:xfrm>
-          <a:prstGeom prst="rect">
-            <a:avLst/>
-          </a:prstGeom>
-          <a:noFill/>
-        </p:spPr>
-        <p:txBody>
-          <a:bodyPr wrap="square">
-            <a:spAutoFit/>
-          </a:bodyPr>
-          <a:lstStyle/>
-          <a:p>
-            <a:r>
-              <a:rPr lang="en-US" b="0" i="0" dirty="0" err="1">
-                <a:solidFill>
-                  <a:schemeClr val="bg1"/>
-                </a:solidFill>
-                <a:effectLst/>
-                <a:latin typeface="Arial" panose="020B0604020202020204" pitchFamily="34" charset="0"/>
-              </a:rPr>
-              <a:t>Horstmann</a:t>
-            </a:r>
-            <a:r>
-              <a:rPr lang="en-US" b="0" i="0" dirty="0">
-                <a:solidFill>
-                  <a:schemeClr val="bg1"/>
-                </a:solidFill>
-                <a:effectLst/>
-                <a:latin typeface="Arial" panose="020B0604020202020204" pitchFamily="34" charset="0"/>
-              </a:rPr>
-              <a:t>, C. S., &amp; Cornell, G. (2013). </a:t>
-            </a:r>
-            <a:r>
-              <a:rPr lang="en-US" b="0" i="1" dirty="0">
-                <a:solidFill>
-                  <a:schemeClr val="bg1"/>
-                </a:solidFill>
-                <a:effectLst/>
-                <a:latin typeface="Arial" panose="020B0604020202020204" pitchFamily="34" charset="0"/>
-              </a:rPr>
-              <a:t>Core Java: Essential Features</a:t>
-            </a:r>
-            <a:r>
-              <a:rPr lang="en-US" b="0" i="0" dirty="0">
-                <a:solidFill>
-                  <a:schemeClr val="bg1"/>
-                </a:solidFill>
-                <a:effectLst/>
-                <a:latin typeface="Arial" panose="020B0604020202020204" pitchFamily="34" charset="0"/>
-              </a:rPr>
-              <a:t> (Vol. 1). Pearson Education.</a:t>
-            </a:r>
-            <a:endParaRPr lang="en-GB" dirty="0">
-              <a:solidFill>
-                <a:schemeClr val="bg1"/>
-              </a:solidFill>
-            </a:endParaRPr>
-          </a:p>
-        </p:txBody>
-      </p:sp>
-      <p:sp>
-        <p:nvSpPr>
-          <p:cNvPr id="4" name="Content Placeholder 3">
-            <a:extLst>
-              <a:ext uri="{FF2B5EF4-FFF2-40B4-BE49-F238E27FC236}">
-                <a16:creationId xmlns:a16="http://schemas.microsoft.com/office/drawing/2014/main" id="{484C5B21-C1AE-47E0-887A-919646C86704}"/>
-              </a:ext>
-            </a:extLst>
-          </p:cNvPr>
-          <p:cNvSpPr>
-            <a:spLocks noGrp="1"/>
-          </p:cNvSpPr>
-          <p:nvPr>
-            <p:ph sz="half" idx="2"/>
-          </p:nvPr>
-        </p:nvSpPr>
-        <p:spPr/>
-        <p:txBody>
-          <a:bodyPr/>
-          <a:lstStyle/>
-          <a:p>
-            <a:endParaRPr lang="en-GB"/>
-          </a:p>
-        </p:txBody>
-      </p:sp>
-    </p:spTree>
-    <p:extLst>
-      <p:ext uri="{BB962C8B-B14F-4D97-AF65-F5344CB8AC3E}">
-        <p14:creationId xmlns:p14="http://schemas.microsoft.com/office/powerpoint/2010/main" val="3950683397"/>
-      </p:ext>
-    </p:extLst>
-  </p:cSld>
-  <p:clrMapOvr>
-    <a:masterClrMapping/>
-  </p:clrMapOvr>
-</p:sld>
-</file>
-
-<file path=ppt/slides/slide21.xml><?xml version="1.0" encoding="utf-8"?>
-<p:sld xmlns:a="http://schemas.openxmlformats.org/drawingml/2006/main" xmlns:r="http://schemas.openxmlformats.org/officeDocument/2006/relationships" xmlns:p="http://schemas.openxmlformats.org/presentationml/2006/main">
-  <p:cSld>
-    <p:spTree>
-      <p:nvGrpSpPr>
-        <p:cNvPr id="1" name=""/>
-        <p:cNvGrpSpPr/>
-        <p:nvPr/>
-      </p:nvGrpSpPr>
-      <p:grpSpPr>
-        <a:xfrm>
-          <a:off x="0" y="0"/>
-          <a:ext cx="0" cy="0"/>
-          <a:chOff x="0" y="0"/>
-          <a:chExt cx="0" cy="0"/>
-        </a:xfrm>
-      </p:grpSpPr>
-      <p:sp>
-        <p:nvSpPr>
-          <p:cNvPr id="3" name="Content Placeholder 2">
-            <a:extLst>
-              <a:ext uri="{FF2B5EF4-FFF2-40B4-BE49-F238E27FC236}">
-                <a16:creationId xmlns:a16="http://schemas.microsoft.com/office/drawing/2014/main" id="{6C7F13ED-B066-4225-805E-0889FD78E024}"/>
-              </a:ext>
-            </a:extLst>
-          </p:cNvPr>
-          <p:cNvSpPr>
-            <a:spLocks noGrp="1"/>
-          </p:cNvSpPr>
-          <p:nvPr>
-            <p:ph idx="1"/>
-          </p:nvPr>
-        </p:nvSpPr>
-        <p:spPr/>
-        <p:txBody>
-          <a:bodyPr>
-            <a:normAutofit/>
-          </a:bodyPr>
-          <a:lstStyle/>
-          <a:p>
-            <a:pPr algn="ctr"/>
-            <a:endParaRPr lang="en-GB" sz="4800" dirty="0"/>
-          </a:p>
-          <a:p>
-            <a:pPr marL="0" indent="0" algn="ctr">
-              <a:buNone/>
-            </a:pPr>
-            <a:endParaRPr lang="en-GB" sz="4800" dirty="0"/>
-          </a:p>
-          <a:p>
-            <a:pPr marL="0" indent="0" algn="ctr">
-              <a:buNone/>
-            </a:pPr>
-            <a:r>
-              <a:rPr lang="en-GB" sz="4800" dirty="0"/>
-              <a:t>Any Questions?</a:t>
-            </a:r>
-          </a:p>
-        </p:txBody>
-      </p:sp>
-    </p:spTree>
-    <p:extLst>
-      <p:ext uri="{BB962C8B-B14F-4D97-AF65-F5344CB8AC3E}">
-        <p14:creationId xmlns:p14="http://schemas.microsoft.com/office/powerpoint/2010/main" val="1560354920"/>
-      </p:ext>
-    </p:extLst>
-  </p:cSld>
-  <p:clrMapOvr>
-    <a:masterClrMapping/>
-  </p:clrMapOvr>
-</p:sld>
-</file>
-
-<file path=ppt/slides/slide22.xml><?xml version="1.0" encoding="utf-8"?>
-<p:sld xmlns:a="http://schemas.openxmlformats.org/drawingml/2006/main" xmlns:r="http://schemas.openxmlformats.org/officeDocument/2006/relationships" xmlns:p="http://schemas.openxmlformats.org/presentationml/2006/main">
-  <p:cSld>
-    <p:spTree>
-      <p:nvGrpSpPr>
-        <p:cNvPr id="1" name=""/>
-        <p:cNvGrpSpPr/>
-        <p:nvPr/>
-      </p:nvGrpSpPr>
-      <p:grpSpPr>
-        <a:xfrm>
-          <a:off x="0" y="0"/>
-          <a:ext cx="0" cy="0"/>
-          <a:chOff x="0" y="0"/>
-          <a:chExt cx="0" cy="0"/>
-        </a:xfrm>
-      </p:grpSpPr>
-      <p:sp>
-        <p:nvSpPr>
-          <p:cNvPr id="2" name="Title 1">
-            <a:extLst>
-              <a:ext uri="{FF2B5EF4-FFF2-40B4-BE49-F238E27FC236}">
-                <a16:creationId xmlns:a16="http://schemas.microsoft.com/office/drawing/2014/main" id="{7304BBA7-9D5E-4B9A-95AF-2E54F4B41C0E}"/>
-              </a:ext>
-            </a:extLst>
-          </p:cNvPr>
-          <p:cNvSpPr>
-            <a:spLocks noGrp="1"/>
-          </p:cNvSpPr>
-          <p:nvPr>
-            <p:ph type="title"/>
-          </p:nvPr>
-        </p:nvSpPr>
-        <p:spPr/>
-        <p:txBody>
-          <a:bodyPr/>
-          <a:lstStyle/>
-          <a:p>
-            <a:r>
-              <a:rPr lang="en-GB" dirty="0"/>
-              <a:t>Exception Handling</a:t>
-            </a:r>
-          </a:p>
-        </p:txBody>
-      </p:sp>
-      <p:sp>
-        <p:nvSpPr>
-          <p:cNvPr id="3" name="Content Placeholder 2">
-            <a:extLst>
-              <a:ext uri="{FF2B5EF4-FFF2-40B4-BE49-F238E27FC236}">
-                <a16:creationId xmlns:a16="http://schemas.microsoft.com/office/drawing/2014/main" id="{3AB586B9-467B-4F63-B336-2E9D19321584}"/>
-              </a:ext>
-            </a:extLst>
-          </p:cNvPr>
-          <p:cNvSpPr>
-            <a:spLocks noGrp="1"/>
-          </p:cNvSpPr>
-          <p:nvPr>
-            <p:ph idx="1"/>
-          </p:nvPr>
-        </p:nvSpPr>
-        <p:spPr>
-          <a:xfrm>
-            <a:off x="822959" y="1845734"/>
-            <a:ext cx="7543800" cy="4023360"/>
-          </a:xfrm>
-        </p:spPr>
-        <p:txBody>
-          <a:bodyPr>
-            <a:normAutofit/>
-          </a:bodyPr>
-          <a:lstStyle/>
-          <a:p>
-            <a:pPr lvl="1">
-              <a:buFont typeface="Wingdings" panose="05000000000000000000" pitchFamily="2" charset="2"/>
-              <a:buChar char="v"/>
-            </a:pPr>
-            <a:r>
-              <a:rPr lang="en-GB" dirty="0"/>
-              <a:t> A mechanism of recovering or gracefully exiting from anticipated runtime errors.</a:t>
-            </a:r>
-          </a:p>
-          <a:p>
-            <a:pPr lvl="1">
-              <a:buFont typeface="Wingdings" panose="05000000000000000000" pitchFamily="2" charset="2"/>
-              <a:buChar char="v"/>
-            </a:pPr>
-            <a:r>
-              <a:rPr lang="en-GB" dirty="0"/>
-              <a:t> We can anticipate that in a division may include a denominator of 0, resulting in a  Divide-By-Zero Exception.  </a:t>
-            </a:r>
-          </a:p>
-          <a:p>
-            <a:pPr lvl="1">
-              <a:buFont typeface="Wingdings" panose="05000000000000000000" pitchFamily="2" charset="2"/>
-              <a:buChar char="v"/>
-            </a:pPr>
-            <a:r>
-              <a:rPr lang="en-GB" dirty="0"/>
-              <a:t> We can also anticipate that a file requested by our program to read from may not exist in the operating system file path given, resulting in a File-Not-Found exception.</a:t>
-            </a:r>
-          </a:p>
-          <a:p>
-            <a:pPr lvl="1">
-              <a:buFont typeface="Wingdings" panose="05000000000000000000" pitchFamily="2" charset="2"/>
-              <a:buChar char="v"/>
-            </a:pPr>
-            <a:r>
-              <a:rPr lang="en-GB" dirty="0"/>
-              <a:t> There are many of such predefined Exception defined by the Java library and we can also define our own exceptions, or use the default Exception class.</a:t>
-            </a:r>
-          </a:p>
-          <a:p>
-            <a:pPr lvl="1">
-              <a:buFont typeface="Wingdings" panose="05000000000000000000" pitchFamily="2" charset="2"/>
-              <a:buChar char="v"/>
-            </a:pPr>
-            <a:r>
-              <a:rPr lang="en-GB" dirty="0"/>
-              <a:t> Two ways of handling exceptions including either the throws keyword on an encapsulating method or using the try-catch-finally block.</a:t>
-            </a:r>
-          </a:p>
-          <a:p>
-            <a:pPr lvl="1">
-              <a:buFont typeface="Wingdings" panose="05000000000000000000" pitchFamily="2" charset="2"/>
-              <a:buChar char="v"/>
-            </a:pPr>
-            <a:r>
-              <a:rPr lang="en-GB" dirty="0"/>
-              <a:t> We can also generate predefined or user-defined exceptions using by throwing an exception using the “throw” keyword.</a:t>
-            </a:r>
-          </a:p>
-        </p:txBody>
-      </p:sp>
-    </p:spTree>
-    <p:extLst>
-      <p:ext uri="{BB962C8B-B14F-4D97-AF65-F5344CB8AC3E}">
-        <p14:creationId xmlns:p14="http://schemas.microsoft.com/office/powerpoint/2010/main" val="1169195662"/>
-      </p:ext>
-    </p:extLst>
-  </p:cSld>
-  <p:clrMapOvr>
-    <a:masterClrMapping/>
-  </p:clrMapOvr>
-</p:sld>
-</file>
-
 <file path=ppt/slides/slide23.xml><?xml version="1.0" encoding="utf-8"?>
 <p:sld xmlns:a="http://schemas.openxmlformats.org/drawingml/2006/main" xmlns:r="http://schemas.openxmlformats.org/officeDocument/2006/relationships" xmlns:p="http://schemas.openxmlformats.org/presentationml/2006/main">
   <p:cSld>
@@ -8795,14 +9098,21 @@
             <p:ph type="title"/>
           </p:nvPr>
         </p:nvSpPr>
-        <p:spPr/>
+        <p:spPr>
+          <a:xfrm>
+            <a:off x="813533" y="286604"/>
+            <a:ext cx="7543800" cy="646331"/>
+          </a:xfrm>
+        </p:spPr>
         <p:txBody>
-          <a:bodyPr/>
+          <a:bodyPr>
+            <a:normAutofit fontScale="90000"/>
+          </a:bodyPr>
           <a:lstStyle/>
           <a:p>
             <a:r>
               <a:rPr lang="en-GB" dirty="0"/>
-              <a:t>Divide-by-zero Exception handling example</a:t>
+              <a:t>Simple Calculator events</a:t>
             </a:r>
           </a:p>
         </p:txBody>
@@ -8820,24 +9130,2347 @@
             <a:spLocks noGrp="1"/>
           </p:cNvSpPr>
           <p:nvPr>
-            <p:ph idx="1"/>
+            <p:ph sz="half" idx="1"/>
           </p:nvPr>
         </p:nvSpPr>
         <p:spPr>
           <a:xfrm>
-            <a:off x="822959" y="1845734"/>
-            <a:ext cx="7543800" cy="4023360"/>
+            <a:off x="848414" y="952106"/>
+            <a:ext cx="3772136" cy="5382704"/>
           </a:xfrm>
+          <a:solidFill>
+            <a:schemeClr val="tx1"/>
+          </a:solidFill>
         </p:spPr>
         <p:txBody>
           <a:bodyPr>
-            <a:normAutofit/>
+            <a:normAutofit fontScale="85000" lnSpcReduction="20000"/>
           </a:bodyPr>
           <a:lstStyle/>
           <a:p>
-            <a:pPr lvl="1">
-              <a:buFont typeface="Wingdings" panose="05000000000000000000" pitchFamily="2" charset="2"/>
-              <a:buChar char="v"/>
+            <a:pPr>
+              <a:spcBef>
+                <a:spcPts val="0"/>
+              </a:spcBef>
+            </a:pPr>
+            <a:r>
+              <a:rPr lang="en-US" b="0" dirty="0">
+                <a:solidFill>
+                  <a:srgbClr val="D4D4D4"/>
+                </a:solidFill>
+                <a:effectLst/>
+                <a:latin typeface="Consolas" panose="020B0609020204030204" pitchFamily="49" charset="0"/>
+              </a:rPr>
+              <a:t> </a:t>
+            </a:r>
+            <a:r>
+              <a:rPr lang="en-US" b="0" dirty="0">
+                <a:solidFill>
+                  <a:srgbClr val="4EC9B0"/>
+                </a:solidFill>
+                <a:effectLst/>
+                <a:latin typeface="Consolas" panose="020B0609020204030204" pitchFamily="49" charset="0"/>
+              </a:rPr>
+              <a:t>void</a:t>
+            </a:r>
+            <a:r>
+              <a:rPr lang="en-US" b="0" dirty="0">
+                <a:solidFill>
+                  <a:srgbClr val="D4D4D4"/>
+                </a:solidFill>
+                <a:effectLst/>
+                <a:latin typeface="Consolas" panose="020B0609020204030204" pitchFamily="49" charset="0"/>
+              </a:rPr>
+              <a:t> </a:t>
+            </a:r>
+            <a:r>
+              <a:rPr lang="en-US" b="0" dirty="0" err="1">
+                <a:solidFill>
+                  <a:srgbClr val="DCDCAA"/>
+                </a:solidFill>
+                <a:effectLst/>
+                <a:latin typeface="Consolas" panose="020B0609020204030204" pitchFamily="49" charset="0"/>
+              </a:rPr>
+              <a:t>actionPerformed</a:t>
+            </a:r>
+            <a:r>
+              <a:rPr lang="en-US" b="0" dirty="0">
+                <a:solidFill>
+                  <a:srgbClr val="D4D4D4"/>
+                </a:solidFill>
+                <a:effectLst/>
+                <a:latin typeface="Consolas" panose="020B0609020204030204" pitchFamily="49" charset="0"/>
+              </a:rPr>
+              <a:t>(</a:t>
+            </a:r>
+            <a:r>
+              <a:rPr lang="en-US" b="0" dirty="0" err="1">
+                <a:solidFill>
+                  <a:srgbClr val="4EC9B0"/>
+                </a:solidFill>
+                <a:effectLst/>
+                <a:latin typeface="Consolas" panose="020B0609020204030204" pitchFamily="49" charset="0"/>
+              </a:rPr>
+              <a:t>ActionEvent</a:t>
+            </a:r>
+            <a:r>
+              <a:rPr lang="en-US" b="0" dirty="0">
+                <a:solidFill>
+                  <a:srgbClr val="D4D4D4"/>
+                </a:solidFill>
+                <a:effectLst/>
+                <a:latin typeface="Consolas" panose="020B0609020204030204" pitchFamily="49" charset="0"/>
+              </a:rPr>
+              <a:t> </a:t>
+            </a:r>
+            <a:r>
+              <a:rPr lang="en-US" b="0" dirty="0" err="1">
+                <a:solidFill>
+                  <a:srgbClr val="9CDCFE"/>
+                </a:solidFill>
+                <a:effectLst/>
+                <a:latin typeface="Consolas" panose="020B0609020204030204" pitchFamily="49" charset="0"/>
+              </a:rPr>
+              <a:t>evt</a:t>
+            </a:r>
+            <a:r>
+              <a:rPr lang="en-US" b="0" dirty="0">
+                <a:solidFill>
+                  <a:srgbClr val="D4D4D4"/>
+                </a:solidFill>
+                <a:effectLst/>
+                <a:latin typeface="Consolas" panose="020B0609020204030204" pitchFamily="49" charset="0"/>
+              </a:rPr>
+              <a:t>){</a:t>
+            </a:r>
+          </a:p>
+          <a:p>
+            <a:pPr>
+              <a:spcBef>
+                <a:spcPts val="0"/>
+              </a:spcBef>
+            </a:pPr>
+            <a:r>
+              <a:rPr lang="en-US" b="0" dirty="0">
+                <a:solidFill>
+                  <a:srgbClr val="D4D4D4"/>
+                </a:solidFill>
+                <a:effectLst/>
+                <a:latin typeface="Consolas" panose="020B0609020204030204" pitchFamily="49" charset="0"/>
+              </a:rPr>
+              <a:t>        </a:t>
+            </a:r>
+            <a:r>
+              <a:rPr lang="en-US" b="0" dirty="0">
+                <a:solidFill>
+                  <a:srgbClr val="4EC9B0"/>
+                </a:solidFill>
+                <a:effectLst/>
+                <a:latin typeface="Consolas" panose="020B0609020204030204" pitchFamily="49" charset="0"/>
+              </a:rPr>
+              <a:t>String</a:t>
+            </a:r>
+            <a:r>
+              <a:rPr lang="en-US" b="0" dirty="0">
+                <a:solidFill>
+                  <a:srgbClr val="D4D4D4"/>
+                </a:solidFill>
+                <a:effectLst/>
+                <a:latin typeface="Consolas" panose="020B0609020204030204" pitchFamily="49" charset="0"/>
+              </a:rPr>
+              <a:t> </a:t>
+            </a:r>
+            <a:r>
+              <a:rPr lang="en-US" b="0" dirty="0">
+                <a:solidFill>
+                  <a:srgbClr val="9CDCFE"/>
+                </a:solidFill>
+                <a:effectLst/>
+                <a:latin typeface="Consolas" panose="020B0609020204030204" pitchFamily="49" charset="0"/>
+              </a:rPr>
+              <a:t>op</a:t>
+            </a:r>
+            <a:r>
+              <a:rPr lang="en-US" b="0" dirty="0">
+                <a:solidFill>
+                  <a:srgbClr val="D4D4D4"/>
+                </a:solidFill>
+                <a:effectLst/>
+                <a:latin typeface="Consolas" panose="020B0609020204030204" pitchFamily="49" charset="0"/>
+              </a:rPr>
+              <a:t>=</a:t>
+            </a:r>
+            <a:r>
+              <a:rPr lang="en-US" b="0" dirty="0" err="1">
+                <a:solidFill>
+                  <a:srgbClr val="9CDCFE"/>
+                </a:solidFill>
+                <a:effectLst/>
+                <a:latin typeface="Consolas" panose="020B0609020204030204" pitchFamily="49" charset="0"/>
+              </a:rPr>
+              <a:t>evt</a:t>
+            </a:r>
+            <a:r>
+              <a:rPr lang="en-US" b="0" dirty="0" err="1">
+                <a:solidFill>
+                  <a:srgbClr val="D4D4D4"/>
+                </a:solidFill>
+                <a:effectLst/>
+                <a:latin typeface="Consolas" panose="020B0609020204030204" pitchFamily="49" charset="0"/>
+              </a:rPr>
+              <a:t>.</a:t>
+            </a:r>
+            <a:r>
+              <a:rPr lang="en-US" b="0" dirty="0" err="1">
+                <a:solidFill>
+                  <a:srgbClr val="DCDCAA"/>
+                </a:solidFill>
+                <a:effectLst/>
+                <a:latin typeface="Consolas" panose="020B0609020204030204" pitchFamily="49" charset="0"/>
+              </a:rPr>
+              <a:t>getActionCommand</a:t>
+            </a:r>
+            <a:r>
+              <a:rPr lang="en-US" b="0" dirty="0">
+                <a:solidFill>
+                  <a:srgbClr val="D4D4D4"/>
+                </a:solidFill>
+                <a:effectLst/>
+                <a:latin typeface="Consolas" panose="020B0609020204030204" pitchFamily="49" charset="0"/>
+              </a:rPr>
+              <a:t>();</a:t>
+            </a:r>
+          </a:p>
+          <a:p>
+            <a:pPr>
+              <a:spcBef>
+                <a:spcPts val="0"/>
+              </a:spcBef>
+            </a:pPr>
+            <a:r>
+              <a:rPr lang="en-US" b="0" dirty="0">
+                <a:solidFill>
+                  <a:srgbClr val="D4D4D4"/>
+                </a:solidFill>
+                <a:effectLst/>
+                <a:latin typeface="Consolas" panose="020B0609020204030204" pitchFamily="49" charset="0"/>
+              </a:rPr>
+              <a:t>        </a:t>
+            </a:r>
+            <a:r>
+              <a:rPr lang="en-US" b="0" dirty="0">
+                <a:solidFill>
+                  <a:srgbClr val="C586C0"/>
+                </a:solidFill>
+                <a:effectLst/>
+                <a:latin typeface="Consolas" panose="020B0609020204030204" pitchFamily="49" charset="0"/>
+              </a:rPr>
+              <a:t>switch</a:t>
+            </a:r>
+            <a:r>
+              <a:rPr lang="en-US" b="0" dirty="0">
+                <a:solidFill>
+                  <a:srgbClr val="D4D4D4"/>
+                </a:solidFill>
+                <a:effectLst/>
+                <a:latin typeface="Consolas" panose="020B0609020204030204" pitchFamily="49" charset="0"/>
+              </a:rPr>
+              <a:t>(op){</a:t>
+            </a:r>
+          </a:p>
+          <a:p>
+            <a:pPr>
+              <a:spcBef>
+                <a:spcPts val="0"/>
+              </a:spcBef>
+            </a:pPr>
+            <a:r>
+              <a:rPr lang="en-US" b="0" dirty="0">
+                <a:solidFill>
+                  <a:srgbClr val="D4D4D4"/>
+                </a:solidFill>
+                <a:effectLst/>
+                <a:latin typeface="Consolas" panose="020B0609020204030204" pitchFamily="49" charset="0"/>
+              </a:rPr>
+              <a:t>            </a:t>
+            </a:r>
+            <a:r>
+              <a:rPr lang="en-US" b="0" dirty="0">
+                <a:solidFill>
+                  <a:srgbClr val="C586C0"/>
+                </a:solidFill>
+                <a:effectLst/>
+                <a:latin typeface="Consolas" panose="020B0609020204030204" pitchFamily="49" charset="0"/>
+              </a:rPr>
+              <a:t>case</a:t>
+            </a:r>
+            <a:r>
+              <a:rPr lang="en-US" b="0" dirty="0">
+                <a:solidFill>
+                  <a:srgbClr val="D4D4D4"/>
+                </a:solidFill>
+                <a:effectLst/>
+                <a:latin typeface="Consolas" panose="020B0609020204030204" pitchFamily="49" charset="0"/>
+              </a:rPr>
+              <a:t> </a:t>
+            </a:r>
+            <a:r>
+              <a:rPr lang="en-US" b="0" dirty="0">
+                <a:solidFill>
+                  <a:srgbClr val="CE9178"/>
+                </a:solidFill>
+                <a:effectLst/>
+                <a:latin typeface="Consolas" panose="020B0609020204030204" pitchFamily="49" charset="0"/>
+              </a:rPr>
+              <a:t>"0"</a:t>
+            </a:r>
+            <a:r>
+              <a:rPr lang="en-US" b="0" dirty="0">
+                <a:solidFill>
+                  <a:srgbClr val="C586C0"/>
+                </a:solidFill>
+                <a:effectLst/>
+                <a:latin typeface="Consolas" panose="020B0609020204030204" pitchFamily="49" charset="0"/>
+              </a:rPr>
+              <a:t>:</a:t>
+            </a:r>
+            <a:endParaRPr lang="en-US" b="0" dirty="0">
+              <a:solidFill>
+                <a:srgbClr val="D4D4D4"/>
+              </a:solidFill>
+              <a:effectLst/>
+              <a:latin typeface="Consolas" panose="020B0609020204030204" pitchFamily="49" charset="0"/>
+            </a:endParaRPr>
+          </a:p>
+          <a:p>
+            <a:pPr>
+              <a:spcBef>
+                <a:spcPts val="0"/>
+              </a:spcBef>
+            </a:pPr>
+            <a:r>
+              <a:rPr lang="en-US" b="0" dirty="0">
+                <a:solidFill>
+                  <a:srgbClr val="D4D4D4"/>
+                </a:solidFill>
+                <a:effectLst/>
+                <a:latin typeface="Consolas" panose="020B0609020204030204" pitchFamily="49" charset="0"/>
+              </a:rPr>
+              <a:t>                </a:t>
+            </a:r>
+            <a:r>
+              <a:rPr lang="en-US" b="0" dirty="0">
+                <a:solidFill>
+                  <a:srgbClr val="C586C0"/>
+                </a:solidFill>
+                <a:effectLst/>
+                <a:latin typeface="Consolas" panose="020B0609020204030204" pitchFamily="49" charset="0"/>
+              </a:rPr>
+              <a:t>break</a:t>
+            </a:r>
+            <a:r>
+              <a:rPr lang="en-US" b="0" dirty="0">
+                <a:solidFill>
+                  <a:srgbClr val="D4D4D4"/>
+                </a:solidFill>
+                <a:effectLst/>
+                <a:latin typeface="Consolas" panose="020B0609020204030204" pitchFamily="49" charset="0"/>
+              </a:rPr>
+              <a:t>;</a:t>
+            </a:r>
+          </a:p>
+          <a:p>
+            <a:pPr>
+              <a:spcBef>
+                <a:spcPts val="0"/>
+              </a:spcBef>
+            </a:pPr>
+            <a:r>
+              <a:rPr lang="en-US" b="0" dirty="0">
+                <a:solidFill>
+                  <a:srgbClr val="D4D4D4"/>
+                </a:solidFill>
+                <a:effectLst/>
+                <a:latin typeface="Consolas" panose="020B0609020204030204" pitchFamily="49" charset="0"/>
+              </a:rPr>
+              <a:t>            </a:t>
+            </a:r>
+            <a:r>
+              <a:rPr lang="en-US" b="0" dirty="0">
+                <a:solidFill>
+                  <a:srgbClr val="C586C0"/>
+                </a:solidFill>
+                <a:effectLst/>
+                <a:latin typeface="Consolas" panose="020B0609020204030204" pitchFamily="49" charset="0"/>
+              </a:rPr>
+              <a:t>case</a:t>
+            </a:r>
+            <a:r>
+              <a:rPr lang="en-US" b="0" dirty="0">
+                <a:solidFill>
+                  <a:srgbClr val="D4D4D4"/>
+                </a:solidFill>
+                <a:effectLst/>
+                <a:latin typeface="Consolas" panose="020B0609020204030204" pitchFamily="49" charset="0"/>
+              </a:rPr>
+              <a:t> </a:t>
+            </a:r>
+            <a:r>
+              <a:rPr lang="en-US" b="0" dirty="0">
+                <a:solidFill>
+                  <a:srgbClr val="CE9178"/>
+                </a:solidFill>
+                <a:effectLst/>
+                <a:latin typeface="Consolas" panose="020B0609020204030204" pitchFamily="49" charset="0"/>
+              </a:rPr>
+              <a:t>"1"</a:t>
+            </a:r>
+            <a:r>
+              <a:rPr lang="en-US" b="0" dirty="0">
+                <a:solidFill>
+                  <a:srgbClr val="C586C0"/>
+                </a:solidFill>
+                <a:effectLst/>
+                <a:latin typeface="Consolas" panose="020B0609020204030204" pitchFamily="49" charset="0"/>
+              </a:rPr>
+              <a:t>:</a:t>
+            </a:r>
+            <a:endParaRPr lang="en-US" b="0" dirty="0">
+              <a:solidFill>
+                <a:srgbClr val="D4D4D4"/>
+              </a:solidFill>
+              <a:effectLst/>
+              <a:latin typeface="Consolas" panose="020B0609020204030204" pitchFamily="49" charset="0"/>
+            </a:endParaRPr>
+          </a:p>
+          <a:p>
+            <a:pPr>
+              <a:spcBef>
+                <a:spcPts val="0"/>
+              </a:spcBef>
+            </a:pPr>
+            <a:r>
+              <a:rPr lang="en-US" b="0" dirty="0">
+                <a:solidFill>
+                  <a:srgbClr val="D4D4D4"/>
+                </a:solidFill>
+                <a:effectLst/>
+                <a:latin typeface="Consolas" panose="020B0609020204030204" pitchFamily="49" charset="0"/>
+              </a:rPr>
+              <a:t>                </a:t>
+            </a:r>
+            <a:r>
+              <a:rPr lang="en-US" b="0" dirty="0">
+                <a:solidFill>
+                  <a:srgbClr val="C586C0"/>
+                </a:solidFill>
+                <a:effectLst/>
+                <a:latin typeface="Consolas" panose="020B0609020204030204" pitchFamily="49" charset="0"/>
+              </a:rPr>
+              <a:t>break</a:t>
+            </a:r>
+            <a:r>
+              <a:rPr lang="en-US" b="0" dirty="0">
+                <a:solidFill>
+                  <a:srgbClr val="D4D4D4"/>
+                </a:solidFill>
+                <a:effectLst/>
+                <a:latin typeface="Consolas" panose="020B0609020204030204" pitchFamily="49" charset="0"/>
+              </a:rPr>
+              <a:t>;</a:t>
+            </a:r>
+          </a:p>
+          <a:p>
+            <a:pPr>
+              <a:spcBef>
+                <a:spcPts val="0"/>
+              </a:spcBef>
+            </a:pPr>
+            <a:r>
+              <a:rPr lang="en-US" b="0" dirty="0">
+                <a:solidFill>
+                  <a:srgbClr val="D4D4D4"/>
+                </a:solidFill>
+                <a:effectLst/>
+                <a:latin typeface="Consolas" panose="020B0609020204030204" pitchFamily="49" charset="0"/>
+              </a:rPr>
+              <a:t>            </a:t>
+            </a:r>
+            <a:r>
+              <a:rPr lang="en-US" b="0" dirty="0">
+                <a:solidFill>
+                  <a:srgbClr val="C586C0"/>
+                </a:solidFill>
+                <a:effectLst/>
+                <a:latin typeface="Consolas" panose="020B0609020204030204" pitchFamily="49" charset="0"/>
+              </a:rPr>
+              <a:t>case</a:t>
+            </a:r>
+            <a:r>
+              <a:rPr lang="en-US" b="0" dirty="0">
+                <a:solidFill>
+                  <a:srgbClr val="D4D4D4"/>
+                </a:solidFill>
+                <a:effectLst/>
+                <a:latin typeface="Consolas" panose="020B0609020204030204" pitchFamily="49" charset="0"/>
+              </a:rPr>
+              <a:t> </a:t>
+            </a:r>
+            <a:r>
+              <a:rPr lang="en-US" b="0" dirty="0">
+                <a:solidFill>
+                  <a:srgbClr val="CE9178"/>
+                </a:solidFill>
+                <a:effectLst/>
+                <a:latin typeface="Consolas" panose="020B0609020204030204" pitchFamily="49" charset="0"/>
+              </a:rPr>
+              <a:t>"2"</a:t>
+            </a:r>
+            <a:r>
+              <a:rPr lang="en-US" b="0" dirty="0">
+                <a:solidFill>
+                  <a:srgbClr val="C586C0"/>
+                </a:solidFill>
+                <a:effectLst/>
+                <a:latin typeface="Consolas" panose="020B0609020204030204" pitchFamily="49" charset="0"/>
+              </a:rPr>
+              <a:t>:</a:t>
+            </a:r>
+            <a:endParaRPr lang="en-US" b="0" dirty="0">
+              <a:solidFill>
+                <a:srgbClr val="D4D4D4"/>
+              </a:solidFill>
+              <a:effectLst/>
+              <a:latin typeface="Consolas" panose="020B0609020204030204" pitchFamily="49" charset="0"/>
+            </a:endParaRPr>
+          </a:p>
+          <a:p>
+            <a:pPr>
+              <a:spcBef>
+                <a:spcPts val="0"/>
+              </a:spcBef>
+            </a:pPr>
+            <a:r>
+              <a:rPr lang="en-US" b="0" dirty="0">
+                <a:solidFill>
+                  <a:srgbClr val="D4D4D4"/>
+                </a:solidFill>
+                <a:effectLst/>
+                <a:latin typeface="Consolas" panose="020B0609020204030204" pitchFamily="49" charset="0"/>
+              </a:rPr>
+              <a:t>                </a:t>
+            </a:r>
+            <a:r>
+              <a:rPr lang="en-US" b="0" dirty="0">
+                <a:solidFill>
+                  <a:srgbClr val="C586C0"/>
+                </a:solidFill>
+                <a:effectLst/>
+                <a:latin typeface="Consolas" panose="020B0609020204030204" pitchFamily="49" charset="0"/>
+              </a:rPr>
+              <a:t>break</a:t>
+            </a:r>
+            <a:r>
+              <a:rPr lang="en-US" b="0" dirty="0">
+                <a:solidFill>
+                  <a:srgbClr val="D4D4D4"/>
+                </a:solidFill>
+                <a:effectLst/>
+                <a:latin typeface="Consolas" panose="020B0609020204030204" pitchFamily="49" charset="0"/>
+              </a:rPr>
+              <a:t>;</a:t>
+            </a:r>
+          </a:p>
+          <a:p>
+            <a:pPr>
+              <a:spcBef>
+                <a:spcPts val="0"/>
+              </a:spcBef>
+            </a:pPr>
+            <a:r>
+              <a:rPr lang="en-US" b="0" dirty="0">
+                <a:solidFill>
+                  <a:srgbClr val="D4D4D4"/>
+                </a:solidFill>
+                <a:effectLst/>
+                <a:latin typeface="Consolas" panose="020B0609020204030204" pitchFamily="49" charset="0"/>
+              </a:rPr>
+              <a:t>            </a:t>
+            </a:r>
+            <a:r>
+              <a:rPr lang="en-US" b="0" dirty="0">
+                <a:solidFill>
+                  <a:srgbClr val="C586C0"/>
+                </a:solidFill>
+                <a:effectLst/>
+                <a:latin typeface="Consolas" panose="020B0609020204030204" pitchFamily="49" charset="0"/>
+              </a:rPr>
+              <a:t>case</a:t>
+            </a:r>
+            <a:r>
+              <a:rPr lang="en-US" b="0" dirty="0">
+                <a:solidFill>
+                  <a:srgbClr val="D4D4D4"/>
+                </a:solidFill>
+                <a:effectLst/>
+                <a:latin typeface="Consolas" panose="020B0609020204030204" pitchFamily="49" charset="0"/>
+              </a:rPr>
+              <a:t> </a:t>
+            </a:r>
+            <a:r>
+              <a:rPr lang="en-US" b="0" dirty="0">
+                <a:solidFill>
+                  <a:srgbClr val="CE9178"/>
+                </a:solidFill>
+                <a:effectLst/>
+                <a:latin typeface="Consolas" panose="020B0609020204030204" pitchFamily="49" charset="0"/>
+              </a:rPr>
+              <a:t>"3"</a:t>
+            </a:r>
+            <a:r>
+              <a:rPr lang="en-US" b="0" dirty="0">
+                <a:solidFill>
+                  <a:srgbClr val="C586C0"/>
+                </a:solidFill>
+                <a:effectLst/>
+                <a:latin typeface="Consolas" panose="020B0609020204030204" pitchFamily="49" charset="0"/>
+              </a:rPr>
+              <a:t>:</a:t>
+            </a:r>
+            <a:endParaRPr lang="en-US" b="0" dirty="0">
+              <a:solidFill>
+                <a:srgbClr val="D4D4D4"/>
+              </a:solidFill>
+              <a:effectLst/>
+              <a:latin typeface="Consolas" panose="020B0609020204030204" pitchFamily="49" charset="0"/>
+            </a:endParaRPr>
+          </a:p>
+          <a:p>
+            <a:pPr>
+              <a:spcBef>
+                <a:spcPts val="0"/>
+              </a:spcBef>
+            </a:pPr>
+            <a:r>
+              <a:rPr lang="en-US" b="0" dirty="0">
+                <a:solidFill>
+                  <a:srgbClr val="D4D4D4"/>
+                </a:solidFill>
+                <a:effectLst/>
+                <a:latin typeface="Consolas" panose="020B0609020204030204" pitchFamily="49" charset="0"/>
+              </a:rPr>
+              <a:t>                </a:t>
+            </a:r>
+            <a:r>
+              <a:rPr lang="en-US" b="0" dirty="0">
+                <a:solidFill>
+                  <a:srgbClr val="C586C0"/>
+                </a:solidFill>
+                <a:effectLst/>
+                <a:latin typeface="Consolas" panose="020B0609020204030204" pitchFamily="49" charset="0"/>
+              </a:rPr>
+              <a:t>break</a:t>
+            </a:r>
+            <a:r>
+              <a:rPr lang="en-US" b="0" dirty="0">
+                <a:solidFill>
+                  <a:srgbClr val="D4D4D4"/>
+                </a:solidFill>
+                <a:effectLst/>
+                <a:latin typeface="Consolas" panose="020B0609020204030204" pitchFamily="49" charset="0"/>
+              </a:rPr>
+              <a:t>;</a:t>
+            </a:r>
+          </a:p>
+          <a:p>
+            <a:pPr>
+              <a:spcBef>
+                <a:spcPts val="0"/>
+              </a:spcBef>
+            </a:pPr>
+            <a:r>
+              <a:rPr lang="en-US" b="0" dirty="0">
+                <a:solidFill>
+                  <a:srgbClr val="D4D4D4"/>
+                </a:solidFill>
+                <a:effectLst/>
+                <a:latin typeface="Consolas" panose="020B0609020204030204" pitchFamily="49" charset="0"/>
+              </a:rPr>
+              <a:t>            </a:t>
+            </a:r>
+            <a:r>
+              <a:rPr lang="en-US" b="0" dirty="0">
+                <a:solidFill>
+                  <a:srgbClr val="C586C0"/>
+                </a:solidFill>
+                <a:effectLst/>
+                <a:latin typeface="Consolas" panose="020B0609020204030204" pitchFamily="49" charset="0"/>
+              </a:rPr>
+              <a:t>case</a:t>
+            </a:r>
+            <a:r>
+              <a:rPr lang="en-US" b="0" dirty="0">
+                <a:solidFill>
+                  <a:srgbClr val="D4D4D4"/>
+                </a:solidFill>
+                <a:effectLst/>
+                <a:latin typeface="Consolas" panose="020B0609020204030204" pitchFamily="49" charset="0"/>
+              </a:rPr>
+              <a:t> </a:t>
+            </a:r>
+            <a:r>
+              <a:rPr lang="en-US" b="0" dirty="0">
+                <a:solidFill>
+                  <a:srgbClr val="CE9178"/>
+                </a:solidFill>
+                <a:effectLst/>
+                <a:latin typeface="Consolas" panose="020B0609020204030204" pitchFamily="49" charset="0"/>
+              </a:rPr>
+              <a:t>"4"</a:t>
+            </a:r>
+            <a:r>
+              <a:rPr lang="en-US" b="0" dirty="0">
+                <a:solidFill>
+                  <a:srgbClr val="C586C0"/>
+                </a:solidFill>
+                <a:effectLst/>
+                <a:latin typeface="Consolas" panose="020B0609020204030204" pitchFamily="49" charset="0"/>
+              </a:rPr>
+              <a:t>:</a:t>
+            </a:r>
+            <a:endParaRPr lang="en-US" b="0" dirty="0">
+              <a:solidFill>
+                <a:srgbClr val="D4D4D4"/>
+              </a:solidFill>
+              <a:effectLst/>
+              <a:latin typeface="Consolas" panose="020B0609020204030204" pitchFamily="49" charset="0"/>
+            </a:endParaRPr>
+          </a:p>
+          <a:p>
+            <a:pPr>
+              <a:spcBef>
+                <a:spcPts val="0"/>
+              </a:spcBef>
+            </a:pPr>
+            <a:r>
+              <a:rPr lang="en-US" b="0" dirty="0">
+                <a:solidFill>
+                  <a:srgbClr val="D4D4D4"/>
+                </a:solidFill>
+                <a:effectLst/>
+                <a:latin typeface="Consolas" panose="020B0609020204030204" pitchFamily="49" charset="0"/>
+              </a:rPr>
+              <a:t>                </a:t>
+            </a:r>
+            <a:r>
+              <a:rPr lang="en-US" b="0" dirty="0">
+                <a:solidFill>
+                  <a:srgbClr val="C586C0"/>
+                </a:solidFill>
+                <a:effectLst/>
+                <a:latin typeface="Consolas" panose="020B0609020204030204" pitchFamily="49" charset="0"/>
+              </a:rPr>
+              <a:t>break</a:t>
+            </a:r>
+            <a:r>
+              <a:rPr lang="en-US" b="0" dirty="0">
+                <a:solidFill>
+                  <a:srgbClr val="D4D4D4"/>
+                </a:solidFill>
+                <a:effectLst/>
+                <a:latin typeface="Consolas" panose="020B0609020204030204" pitchFamily="49" charset="0"/>
+              </a:rPr>
+              <a:t>;</a:t>
+            </a:r>
+          </a:p>
+          <a:p>
+            <a:pPr>
+              <a:spcBef>
+                <a:spcPts val="0"/>
+              </a:spcBef>
+            </a:pPr>
+            <a:r>
+              <a:rPr lang="en-US" b="0" dirty="0">
+                <a:solidFill>
+                  <a:srgbClr val="D4D4D4"/>
+                </a:solidFill>
+                <a:effectLst/>
+                <a:latin typeface="Consolas" panose="020B0609020204030204" pitchFamily="49" charset="0"/>
+              </a:rPr>
+              <a:t>            </a:t>
+            </a:r>
+            <a:r>
+              <a:rPr lang="en-US" b="0" dirty="0">
+                <a:solidFill>
+                  <a:srgbClr val="C586C0"/>
+                </a:solidFill>
+                <a:effectLst/>
+                <a:latin typeface="Consolas" panose="020B0609020204030204" pitchFamily="49" charset="0"/>
+              </a:rPr>
+              <a:t>case</a:t>
+            </a:r>
+            <a:r>
+              <a:rPr lang="en-US" b="0" dirty="0">
+                <a:solidFill>
+                  <a:srgbClr val="D4D4D4"/>
+                </a:solidFill>
+                <a:effectLst/>
+                <a:latin typeface="Consolas" panose="020B0609020204030204" pitchFamily="49" charset="0"/>
+              </a:rPr>
+              <a:t> </a:t>
+            </a:r>
+            <a:r>
+              <a:rPr lang="en-US" b="0" dirty="0">
+                <a:solidFill>
+                  <a:srgbClr val="CE9178"/>
+                </a:solidFill>
+                <a:effectLst/>
+                <a:latin typeface="Consolas" panose="020B0609020204030204" pitchFamily="49" charset="0"/>
+              </a:rPr>
+              <a:t>"5"</a:t>
+            </a:r>
+            <a:r>
+              <a:rPr lang="en-US" b="0" dirty="0">
+                <a:solidFill>
+                  <a:srgbClr val="C586C0"/>
+                </a:solidFill>
+                <a:effectLst/>
+                <a:latin typeface="Consolas" panose="020B0609020204030204" pitchFamily="49" charset="0"/>
+              </a:rPr>
+              <a:t>:</a:t>
+            </a:r>
+            <a:endParaRPr lang="en-US" b="0" dirty="0">
+              <a:solidFill>
+                <a:srgbClr val="D4D4D4"/>
+              </a:solidFill>
+              <a:effectLst/>
+              <a:latin typeface="Consolas" panose="020B0609020204030204" pitchFamily="49" charset="0"/>
+            </a:endParaRPr>
+          </a:p>
+          <a:p>
+            <a:pPr>
+              <a:spcBef>
+                <a:spcPts val="0"/>
+              </a:spcBef>
+            </a:pPr>
+            <a:r>
+              <a:rPr lang="en-US" b="0" dirty="0">
+                <a:solidFill>
+                  <a:srgbClr val="D4D4D4"/>
+                </a:solidFill>
+                <a:effectLst/>
+                <a:latin typeface="Consolas" panose="020B0609020204030204" pitchFamily="49" charset="0"/>
+              </a:rPr>
+              <a:t>                </a:t>
+            </a:r>
+            <a:r>
+              <a:rPr lang="en-US" b="0" dirty="0">
+                <a:solidFill>
+                  <a:srgbClr val="C586C0"/>
+                </a:solidFill>
+                <a:effectLst/>
+                <a:latin typeface="Consolas" panose="020B0609020204030204" pitchFamily="49" charset="0"/>
+              </a:rPr>
+              <a:t>break</a:t>
+            </a:r>
+            <a:r>
+              <a:rPr lang="en-US" b="0" dirty="0">
+                <a:solidFill>
+                  <a:srgbClr val="D4D4D4"/>
+                </a:solidFill>
+                <a:effectLst/>
+                <a:latin typeface="Consolas" panose="020B0609020204030204" pitchFamily="49" charset="0"/>
+              </a:rPr>
+              <a:t>;</a:t>
+            </a:r>
+          </a:p>
+          <a:p>
+            <a:pPr>
+              <a:spcBef>
+                <a:spcPts val="0"/>
+              </a:spcBef>
+            </a:pPr>
+            <a:r>
+              <a:rPr lang="en-US" b="0" dirty="0">
+                <a:solidFill>
+                  <a:srgbClr val="D4D4D4"/>
+                </a:solidFill>
+                <a:effectLst/>
+                <a:latin typeface="Consolas" panose="020B0609020204030204" pitchFamily="49" charset="0"/>
+              </a:rPr>
+              <a:t>            </a:t>
+            </a:r>
+            <a:r>
+              <a:rPr lang="en-US" b="0" dirty="0">
+                <a:solidFill>
+                  <a:srgbClr val="C586C0"/>
+                </a:solidFill>
+                <a:effectLst/>
+                <a:latin typeface="Consolas" panose="020B0609020204030204" pitchFamily="49" charset="0"/>
+              </a:rPr>
+              <a:t>case</a:t>
+            </a:r>
+            <a:r>
+              <a:rPr lang="en-US" b="0" dirty="0">
+                <a:solidFill>
+                  <a:srgbClr val="D4D4D4"/>
+                </a:solidFill>
+                <a:effectLst/>
+                <a:latin typeface="Consolas" panose="020B0609020204030204" pitchFamily="49" charset="0"/>
+              </a:rPr>
+              <a:t> </a:t>
+            </a:r>
+            <a:r>
+              <a:rPr lang="en-US" b="0" dirty="0">
+                <a:solidFill>
+                  <a:srgbClr val="CE9178"/>
+                </a:solidFill>
+                <a:effectLst/>
+                <a:latin typeface="Consolas" panose="020B0609020204030204" pitchFamily="49" charset="0"/>
+              </a:rPr>
+              <a:t>"6"</a:t>
+            </a:r>
+            <a:r>
+              <a:rPr lang="en-US" b="0" dirty="0">
+                <a:solidFill>
+                  <a:srgbClr val="C586C0"/>
+                </a:solidFill>
+                <a:effectLst/>
+                <a:latin typeface="Consolas" panose="020B0609020204030204" pitchFamily="49" charset="0"/>
+              </a:rPr>
+              <a:t>:</a:t>
+            </a:r>
+            <a:endParaRPr lang="en-US" b="0" dirty="0">
+              <a:solidFill>
+                <a:srgbClr val="D4D4D4"/>
+              </a:solidFill>
+              <a:effectLst/>
+              <a:latin typeface="Consolas" panose="020B0609020204030204" pitchFamily="49" charset="0"/>
+            </a:endParaRPr>
+          </a:p>
+          <a:p>
+            <a:pPr>
+              <a:spcBef>
+                <a:spcPts val="0"/>
+              </a:spcBef>
+            </a:pPr>
+            <a:r>
+              <a:rPr lang="en-US" b="0" dirty="0">
+                <a:solidFill>
+                  <a:srgbClr val="D4D4D4"/>
+                </a:solidFill>
+                <a:effectLst/>
+                <a:latin typeface="Consolas" panose="020B0609020204030204" pitchFamily="49" charset="0"/>
+              </a:rPr>
+              <a:t>                </a:t>
+            </a:r>
+            <a:r>
+              <a:rPr lang="en-US" b="0" dirty="0">
+                <a:solidFill>
+                  <a:srgbClr val="C586C0"/>
+                </a:solidFill>
+                <a:effectLst/>
+                <a:latin typeface="Consolas" panose="020B0609020204030204" pitchFamily="49" charset="0"/>
+              </a:rPr>
+              <a:t>break</a:t>
+            </a:r>
+            <a:r>
+              <a:rPr lang="en-US" b="0" dirty="0">
+                <a:solidFill>
+                  <a:srgbClr val="D4D4D4"/>
+                </a:solidFill>
+                <a:effectLst/>
+                <a:latin typeface="Consolas" panose="020B0609020204030204" pitchFamily="49" charset="0"/>
+              </a:rPr>
+              <a:t>;</a:t>
+            </a:r>
+          </a:p>
+          <a:p>
+            <a:pPr>
+              <a:spcBef>
+                <a:spcPts val="0"/>
+              </a:spcBef>
+            </a:pPr>
+            <a:r>
+              <a:rPr lang="en-US" b="0" dirty="0">
+                <a:solidFill>
+                  <a:srgbClr val="D4D4D4"/>
+                </a:solidFill>
+                <a:effectLst/>
+                <a:latin typeface="Consolas" panose="020B0609020204030204" pitchFamily="49" charset="0"/>
+              </a:rPr>
+              <a:t>            </a:t>
+            </a:r>
+            <a:r>
+              <a:rPr lang="en-US" b="0" dirty="0">
+                <a:solidFill>
+                  <a:srgbClr val="C586C0"/>
+                </a:solidFill>
+                <a:effectLst/>
+                <a:latin typeface="Consolas" panose="020B0609020204030204" pitchFamily="49" charset="0"/>
+              </a:rPr>
+              <a:t>case</a:t>
+            </a:r>
+            <a:r>
+              <a:rPr lang="en-US" b="0" dirty="0">
+                <a:solidFill>
+                  <a:srgbClr val="D4D4D4"/>
+                </a:solidFill>
+                <a:effectLst/>
+                <a:latin typeface="Consolas" panose="020B0609020204030204" pitchFamily="49" charset="0"/>
+              </a:rPr>
+              <a:t> </a:t>
+            </a:r>
+            <a:r>
+              <a:rPr lang="en-US" b="0" dirty="0">
+                <a:solidFill>
+                  <a:srgbClr val="CE9178"/>
+                </a:solidFill>
+                <a:effectLst/>
+                <a:latin typeface="Consolas" panose="020B0609020204030204" pitchFamily="49" charset="0"/>
+              </a:rPr>
+              <a:t>"7"</a:t>
+            </a:r>
+            <a:r>
+              <a:rPr lang="en-US" b="0" dirty="0">
+                <a:solidFill>
+                  <a:srgbClr val="C586C0"/>
+                </a:solidFill>
+                <a:effectLst/>
+                <a:latin typeface="Consolas" panose="020B0609020204030204" pitchFamily="49" charset="0"/>
+              </a:rPr>
+              <a:t>:</a:t>
+            </a:r>
+            <a:endParaRPr lang="en-US" b="0" dirty="0">
+              <a:solidFill>
+                <a:srgbClr val="D4D4D4"/>
+              </a:solidFill>
+              <a:effectLst/>
+              <a:latin typeface="Consolas" panose="020B0609020204030204" pitchFamily="49" charset="0"/>
+            </a:endParaRPr>
+          </a:p>
+          <a:p>
+            <a:pPr>
+              <a:spcBef>
+                <a:spcPts val="0"/>
+              </a:spcBef>
+            </a:pPr>
+            <a:r>
+              <a:rPr lang="en-US" b="0" dirty="0">
+                <a:solidFill>
+                  <a:srgbClr val="D4D4D4"/>
+                </a:solidFill>
+                <a:effectLst/>
+                <a:latin typeface="Consolas" panose="020B0609020204030204" pitchFamily="49" charset="0"/>
+              </a:rPr>
+              <a:t>                </a:t>
+            </a:r>
+            <a:r>
+              <a:rPr lang="en-US" b="0" dirty="0">
+                <a:solidFill>
+                  <a:srgbClr val="C586C0"/>
+                </a:solidFill>
+                <a:effectLst/>
+                <a:latin typeface="Consolas" panose="020B0609020204030204" pitchFamily="49" charset="0"/>
+              </a:rPr>
+              <a:t>break</a:t>
+            </a:r>
+            <a:r>
+              <a:rPr lang="en-US" b="0" dirty="0">
+                <a:solidFill>
+                  <a:srgbClr val="D4D4D4"/>
+                </a:solidFill>
+                <a:effectLst/>
+                <a:latin typeface="Consolas" panose="020B0609020204030204" pitchFamily="49" charset="0"/>
+              </a:rPr>
+              <a:t>;</a:t>
+            </a:r>
+          </a:p>
+          <a:p>
+            <a:pPr>
+              <a:spcBef>
+                <a:spcPts val="0"/>
+              </a:spcBef>
+            </a:pPr>
+            <a:r>
+              <a:rPr lang="en-US" b="0" dirty="0">
+                <a:solidFill>
+                  <a:srgbClr val="D4D4D4"/>
+                </a:solidFill>
+                <a:effectLst/>
+                <a:latin typeface="Consolas" panose="020B0609020204030204" pitchFamily="49" charset="0"/>
+              </a:rPr>
+              <a:t>            </a:t>
+            </a:r>
+            <a:r>
+              <a:rPr lang="en-US" b="0" dirty="0">
+                <a:solidFill>
+                  <a:srgbClr val="C586C0"/>
+                </a:solidFill>
+                <a:effectLst/>
+                <a:latin typeface="Consolas" panose="020B0609020204030204" pitchFamily="49" charset="0"/>
+              </a:rPr>
+              <a:t>case</a:t>
+            </a:r>
+            <a:r>
+              <a:rPr lang="en-US" b="0" dirty="0">
+                <a:solidFill>
+                  <a:srgbClr val="D4D4D4"/>
+                </a:solidFill>
+                <a:effectLst/>
+                <a:latin typeface="Consolas" panose="020B0609020204030204" pitchFamily="49" charset="0"/>
+              </a:rPr>
+              <a:t> </a:t>
+            </a:r>
+            <a:r>
+              <a:rPr lang="en-US" b="0" dirty="0">
+                <a:solidFill>
+                  <a:srgbClr val="CE9178"/>
+                </a:solidFill>
+                <a:effectLst/>
+                <a:latin typeface="Consolas" panose="020B0609020204030204" pitchFamily="49" charset="0"/>
+              </a:rPr>
+              <a:t>"8"</a:t>
+            </a:r>
+            <a:r>
+              <a:rPr lang="en-US" b="0" dirty="0">
+                <a:solidFill>
+                  <a:srgbClr val="C586C0"/>
+                </a:solidFill>
+                <a:effectLst/>
+                <a:latin typeface="Consolas" panose="020B0609020204030204" pitchFamily="49" charset="0"/>
+              </a:rPr>
+              <a:t>:</a:t>
+            </a:r>
+            <a:endParaRPr lang="en-US" b="0" dirty="0">
+              <a:solidFill>
+                <a:srgbClr val="D4D4D4"/>
+              </a:solidFill>
+              <a:effectLst/>
+              <a:latin typeface="Consolas" panose="020B0609020204030204" pitchFamily="49" charset="0"/>
+            </a:endParaRPr>
+          </a:p>
+          <a:p>
+            <a:pPr>
+              <a:spcBef>
+                <a:spcPts val="0"/>
+              </a:spcBef>
+            </a:pPr>
+            <a:r>
+              <a:rPr lang="en-US" b="0" dirty="0">
+                <a:solidFill>
+                  <a:srgbClr val="D4D4D4"/>
+                </a:solidFill>
+                <a:effectLst/>
+                <a:latin typeface="Consolas" panose="020B0609020204030204" pitchFamily="49" charset="0"/>
+              </a:rPr>
+              <a:t>                </a:t>
+            </a:r>
+            <a:r>
+              <a:rPr lang="en-US" b="0" dirty="0">
+                <a:solidFill>
+                  <a:srgbClr val="C586C0"/>
+                </a:solidFill>
+                <a:effectLst/>
+                <a:latin typeface="Consolas" panose="020B0609020204030204" pitchFamily="49" charset="0"/>
+              </a:rPr>
+              <a:t>break</a:t>
+            </a:r>
+            <a:r>
+              <a:rPr lang="en-US" b="0" dirty="0">
+                <a:solidFill>
+                  <a:srgbClr val="D4D4D4"/>
+                </a:solidFill>
+                <a:effectLst/>
+                <a:latin typeface="Consolas" panose="020B0609020204030204" pitchFamily="49" charset="0"/>
+              </a:rPr>
+              <a:t>;</a:t>
+            </a:r>
+          </a:p>
+          <a:p>
+            <a:pPr>
+              <a:spcBef>
+                <a:spcPts val="0"/>
+              </a:spcBef>
+            </a:pPr>
+            <a:r>
+              <a:rPr lang="en-US" b="0" dirty="0">
+                <a:solidFill>
+                  <a:srgbClr val="D4D4D4"/>
+                </a:solidFill>
+                <a:effectLst/>
+                <a:latin typeface="Consolas" panose="020B0609020204030204" pitchFamily="49" charset="0"/>
+              </a:rPr>
+              <a:t>            </a:t>
+            </a:r>
+            <a:r>
+              <a:rPr lang="en-US" b="0" dirty="0">
+                <a:solidFill>
+                  <a:srgbClr val="C586C0"/>
+                </a:solidFill>
+                <a:effectLst/>
+                <a:latin typeface="Consolas" panose="020B0609020204030204" pitchFamily="49" charset="0"/>
+              </a:rPr>
+              <a:t>case</a:t>
+            </a:r>
+            <a:r>
+              <a:rPr lang="en-US" b="0" dirty="0">
+                <a:solidFill>
+                  <a:srgbClr val="D4D4D4"/>
+                </a:solidFill>
+                <a:effectLst/>
+                <a:latin typeface="Consolas" panose="020B0609020204030204" pitchFamily="49" charset="0"/>
+              </a:rPr>
+              <a:t> </a:t>
+            </a:r>
+            <a:r>
+              <a:rPr lang="en-US" b="0" dirty="0">
+                <a:solidFill>
+                  <a:srgbClr val="CE9178"/>
+                </a:solidFill>
+                <a:effectLst/>
+                <a:latin typeface="Consolas" panose="020B0609020204030204" pitchFamily="49" charset="0"/>
+              </a:rPr>
+              <a:t>"9"</a:t>
+            </a:r>
+            <a:r>
+              <a:rPr lang="en-US" b="0" dirty="0">
+                <a:solidFill>
+                  <a:srgbClr val="C586C0"/>
+                </a:solidFill>
+                <a:effectLst/>
+                <a:latin typeface="Consolas" panose="020B0609020204030204" pitchFamily="49" charset="0"/>
+              </a:rPr>
+              <a:t>:</a:t>
+            </a:r>
+            <a:endParaRPr lang="en-US" b="0" dirty="0">
+              <a:solidFill>
+                <a:srgbClr val="D4D4D4"/>
+              </a:solidFill>
+              <a:effectLst/>
+              <a:latin typeface="Consolas" panose="020B0609020204030204" pitchFamily="49" charset="0"/>
+            </a:endParaRPr>
+          </a:p>
+          <a:p>
+            <a:pPr>
+              <a:spcBef>
+                <a:spcPts val="0"/>
+              </a:spcBef>
+            </a:pPr>
+            <a:r>
+              <a:rPr lang="en-US" b="0" dirty="0">
+                <a:solidFill>
+                  <a:srgbClr val="D4D4D4"/>
+                </a:solidFill>
+                <a:effectLst/>
+                <a:latin typeface="Consolas" panose="020B0609020204030204" pitchFamily="49" charset="0"/>
+              </a:rPr>
+              <a:t>                </a:t>
+            </a:r>
+            <a:r>
+              <a:rPr lang="en-US" b="0" dirty="0">
+                <a:solidFill>
+                  <a:srgbClr val="C586C0"/>
+                </a:solidFill>
+                <a:effectLst/>
+                <a:latin typeface="Consolas" panose="020B0609020204030204" pitchFamily="49" charset="0"/>
+              </a:rPr>
+              <a:t>break</a:t>
+            </a:r>
+            <a:r>
+              <a:rPr lang="en-US" b="0" dirty="0">
+                <a:solidFill>
+                  <a:srgbClr val="D4D4D4"/>
+                </a:solidFill>
+                <a:effectLst/>
+                <a:latin typeface="Consolas" panose="020B0609020204030204" pitchFamily="49" charset="0"/>
+              </a:rPr>
+              <a:t>;</a:t>
+            </a:r>
+          </a:p>
+          <a:p>
+            <a:pPr marL="201168" lvl="1" indent="0">
+              <a:spcBef>
+                <a:spcPts val="0"/>
+              </a:spcBef>
+              <a:buNone/>
+            </a:pPr>
+            <a:endParaRPr lang="en-GB" dirty="0"/>
+          </a:p>
+        </p:txBody>
+      </p:sp>
+      <p:sp>
+        <p:nvSpPr>
+          <p:cNvPr id="4" name="Content Placeholder 3">
+            <a:extLst>
+              <a:ext uri="{FF2B5EF4-FFF2-40B4-BE49-F238E27FC236}">
+                <a16:creationId xmlns:a16="http://schemas.microsoft.com/office/drawing/2014/main" id="{484C5B21-C1AE-47E0-887A-919646C86704}"/>
+              </a:ext>
+            </a:extLst>
+          </p:cNvPr>
+          <p:cNvSpPr>
+            <a:spLocks noGrp="1"/>
+          </p:cNvSpPr>
+          <p:nvPr>
+            <p:ph sz="half" idx="2"/>
+          </p:nvPr>
+        </p:nvSpPr>
+        <p:spPr>
+          <a:xfrm>
+            <a:off x="4757710" y="952108"/>
+            <a:ext cx="3703320" cy="5382703"/>
+          </a:xfrm>
+          <a:solidFill>
+            <a:schemeClr val="tx1"/>
+          </a:solidFill>
+        </p:spPr>
+        <p:txBody>
+          <a:bodyPr>
+            <a:normAutofit fontScale="85000" lnSpcReduction="20000"/>
+          </a:bodyPr>
+          <a:lstStyle/>
+          <a:p>
+            <a:pPr>
+              <a:spcBef>
+                <a:spcPts val="0"/>
+              </a:spcBef>
+            </a:pPr>
+            <a:r>
+              <a:rPr lang="en-US" b="0" dirty="0">
+                <a:solidFill>
+                  <a:srgbClr val="D4D4D4"/>
+                </a:solidFill>
+                <a:effectLst/>
+                <a:latin typeface="Consolas" panose="020B0609020204030204" pitchFamily="49" charset="0"/>
+              </a:rPr>
+              <a:t>            </a:t>
+            </a:r>
+            <a:r>
+              <a:rPr lang="en-US" b="0" dirty="0">
+                <a:solidFill>
+                  <a:srgbClr val="C586C0"/>
+                </a:solidFill>
+                <a:effectLst/>
+                <a:latin typeface="Consolas" panose="020B0609020204030204" pitchFamily="49" charset="0"/>
+              </a:rPr>
+              <a:t>case</a:t>
+            </a:r>
+            <a:r>
+              <a:rPr lang="en-US" b="0" dirty="0">
+                <a:solidFill>
+                  <a:srgbClr val="D4D4D4"/>
+                </a:solidFill>
+                <a:effectLst/>
+                <a:latin typeface="Consolas" panose="020B0609020204030204" pitchFamily="49" charset="0"/>
+              </a:rPr>
+              <a:t> </a:t>
+            </a:r>
+            <a:r>
+              <a:rPr lang="en-US" b="0" dirty="0">
+                <a:solidFill>
+                  <a:srgbClr val="CE9178"/>
+                </a:solidFill>
+                <a:effectLst/>
+                <a:latin typeface="Consolas" panose="020B0609020204030204" pitchFamily="49" charset="0"/>
+              </a:rPr>
+              <a:t>"="</a:t>
+            </a:r>
+            <a:r>
+              <a:rPr lang="en-US" b="0" dirty="0">
+                <a:solidFill>
+                  <a:srgbClr val="C586C0"/>
+                </a:solidFill>
+                <a:effectLst/>
+                <a:latin typeface="Consolas" panose="020B0609020204030204" pitchFamily="49" charset="0"/>
+              </a:rPr>
+              <a:t>:</a:t>
+            </a:r>
+            <a:endParaRPr lang="en-US" b="0" dirty="0">
+              <a:solidFill>
+                <a:srgbClr val="D4D4D4"/>
+              </a:solidFill>
+              <a:effectLst/>
+              <a:latin typeface="Consolas" panose="020B0609020204030204" pitchFamily="49" charset="0"/>
+            </a:endParaRPr>
+          </a:p>
+          <a:p>
+            <a:pPr>
+              <a:spcBef>
+                <a:spcPts val="0"/>
+              </a:spcBef>
+            </a:pPr>
+            <a:r>
+              <a:rPr lang="en-US" b="0" dirty="0">
+                <a:solidFill>
+                  <a:srgbClr val="D4D4D4"/>
+                </a:solidFill>
+                <a:effectLst/>
+                <a:latin typeface="Consolas" panose="020B0609020204030204" pitchFamily="49" charset="0"/>
+              </a:rPr>
+              <a:t>                </a:t>
+            </a:r>
+            <a:r>
+              <a:rPr lang="en-US" b="0" dirty="0">
+                <a:solidFill>
+                  <a:srgbClr val="C586C0"/>
+                </a:solidFill>
+                <a:effectLst/>
+                <a:latin typeface="Consolas" panose="020B0609020204030204" pitchFamily="49" charset="0"/>
+              </a:rPr>
+              <a:t>break</a:t>
+            </a:r>
+            <a:r>
+              <a:rPr lang="en-US" b="0" dirty="0">
+                <a:solidFill>
+                  <a:srgbClr val="D4D4D4"/>
+                </a:solidFill>
+                <a:effectLst/>
+                <a:latin typeface="Consolas" panose="020B0609020204030204" pitchFamily="49" charset="0"/>
+              </a:rPr>
+              <a:t>;</a:t>
+            </a:r>
+          </a:p>
+          <a:p>
+            <a:pPr>
+              <a:spcBef>
+                <a:spcPts val="0"/>
+              </a:spcBef>
+            </a:pPr>
+            <a:r>
+              <a:rPr lang="en-US" b="0" dirty="0">
+                <a:solidFill>
+                  <a:srgbClr val="D4D4D4"/>
+                </a:solidFill>
+                <a:effectLst/>
+                <a:latin typeface="Consolas" panose="020B0609020204030204" pitchFamily="49" charset="0"/>
+              </a:rPr>
+              <a:t>            </a:t>
+            </a:r>
+            <a:r>
+              <a:rPr lang="en-US" b="0" dirty="0">
+                <a:solidFill>
+                  <a:srgbClr val="C586C0"/>
+                </a:solidFill>
+                <a:effectLst/>
+                <a:latin typeface="Consolas" panose="020B0609020204030204" pitchFamily="49" charset="0"/>
+              </a:rPr>
+              <a:t>case</a:t>
+            </a:r>
+            <a:r>
+              <a:rPr lang="en-US" b="0" dirty="0">
+                <a:solidFill>
+                  <a:srgbClr val="D4D4D4"/>
+                </a:solidFill>
+                <a:effectLst/>
+                <a:latin typeface="Consolas" panose="020B0609020204030204" pitchFamily="49" charset="0"/>
+              </a:rPr>
+              <a:t> </a:t>
+            </a:r>
+            <a:r>
+              <a:rPr lang="en-US" b="0" dirty="0">
+                <a:solidFill>
+                  <a:srgbClr val="CE9178"/>
+                </a:solidFill>
+                <a:effectLst/>
+                <a:latin typeface="Consolas" panose="020B0609020204030204" pitchFamily="49" charset="0"/>
+              </a:rPr>
+              <a:t>"+"</a:t>
+            </a:r>
+            <a:r>
+              <a:rPr lang="en-US" b="0" dirty="0">
+                <a:solidFill>
+                  <a:srgbClr val="C586C0"/>
+                </a:solidFill>
+                <a:effectLst/>
+                <a:latin typeface="Consolas" panose="020B0609020204030204" pitchFamily="49" charset="0"/>
+              </a:rPr>
+              <a:t>:</a:t>
+            </a:r>
+            <a:endParaRPr lang="en-US" b="0" dirty="0">
+              <a:solidFill>
+                <a:srgbClr val="D4D4D4"/>
+              </a:solidFill>
+              <a:effectLst/>
+              <a:latin typeface="Consolas" panose="020B0609020204030204" pitchFamily="49" charset="0"/>
+            </a:endParaRPr>
+          </a:p>
+          <a:p>
+            <a:pPr>
+              <a:spcBef>
+                <a:spcPts val="0"/>
+              </a:spcBef>
+            </a:pPr>
+            <a:r>
+              <a:rPr lang="en-US" b="0" dirty="0">
+                <a:solidFill>
+                  <a:srgbClr val="D4D4D4"/>
+                </a:solidFill>
+                <a:effectLst/>
+                <a:latin typeface="Consolas" panose="020B0609020204030204" pitchFamily="49" charset="0"/>
+              </a:rPr>
+              <a:t>                </a:t>
+            </a:r>
+            <a:r>
+              <a:rPr lang="en-US" b="0" dirty="0">
+                <a:solidFill>
+                  <a:srgbClr val="C586C0"/>
+                </a:solidFill>
+                <a:effectLst/>
+                <a:latin typeface="Consolas" panose="020B0609020204030204" pitchFamily="49" charset="0"/>
+              </a:rPr>
+              <a:t>break</a:t>
+            </a:r>
+            <a:r>
+              <a:rPr lang="en-US" b="0" dirty="0">
+                <a:solidFill>
+                  <a:srgbClr val="D4D4D4"/>
+                </a:solidFill>
+                <a:effectLst/>
+                <a:latin typeface="Consolas" panose="020B0609020204030204" pitchFamily="49" charset="0"/>
+              </a:rPr>
+              <a:t>;</a:t>
+            </a:r>
+          </a:p>
+          <a:p>
+            <a:pPr>
+              <a:spcBef>
+                <a:spcPts val="0"/>
+              </a:spcBef>
+            </a:pPr>
+            <a:r>
+              <a:rPr lang="en-US" b="0" dirty="0">
+                <a:solidFill>
+                  <a:srgbClr val="D4D4D4"/>
+                </a:solidFill>
+                <a:effectLst/>
+                <a:latin typeface="Consolas" panose="020B0609020204030204" pitchFamily="49" charset="0"/>
+              </a:rPr>
+              <a:t>            </a:t>
+            </a:r>
+            <a:r>
+              <a:rPr lang="en-US" b="0" dirty="0">
+                <a:solidFill>
+                  <a:srgbClr val="C586C0"/>
+                </a:solidFill>
+                <a:effectLst/>
+                <a:latin typeface="Consolas" panose="020B0609020204030204" pitchFamily="49" charset="0"/>
+              </a:rPr>
+              <a:t>case</a:t>
+            </a:r>
+            <a:r>
+              <a:rPr lang="en-US" b="0" dirty="0">
+                <a:solidFill>
+                  <a:srgbClr val="D4D4D4"/>
+                </a:solidFill>
+                <a:effectLst/>
+                <a:latin typeface="Consolas" panose="020B0609020204030204" pitchFamily="49" charset="0"/>
+              </a:rPr>
+              <a:t> </a:t>
+            </a:r>
+            <a:r>
+              <a:rPr lang="en-US" b="0" dirty="0">
+                <a:solidFill>
+                  <a:srgbClr val="CE9178"/>
+                </a:solidFill>
+                <a:effectLst/>
+                <a:latin typeface="Consolas" panose="020B0609020204030204" pitchFamily="49" charset="0"/>
+              </a:rPr>
+              <a:t>"-"</a:t>
+            </a:r>
+            <a:r>
+              <a:rPr lang="en-US" b="0" dirty="0">
+                <a:solidFill>
+                  <a:srgbClr val="C586C0"/>
+                </a:solidFill>
+                <a:effectLst/>
+                <a:latin typeface="Consolas" panose="020B0609020204030204" pitchFamily="49" charset="0"/>
+              </a:rPr>
+              <a:t>:</a:t>
+            </a:r>
+            <a:endParaRPr lang="en-US" b="0" dirty="0">
+              <a:solidFill>
+                <a:srgbClr val="D4D4D4"/>
+              </a:solidFill>
+              <a:effectLst/>
+              <a:latin typeface="Consolas" panose="020B0609020204030204" pitchFamily="49" charset="0"/>
+            </a:endParaRPr>
+          </a:p>
+          <a:p>
+            <a:pPr>
+              <a:spcBef>
+                <a:spcPts val="0"/>
+              </a:spcBef>
+            </a:pPr>
+            <a:r>
+              <a:rPr lang="en-US" b="0" dirty="0">
+                <a:solidFill>
+                  <a:srgbClr val="D4D4D4"/>
+                </a:solidFill>
+                <a:effectLst/>
+                <a:latin typeface="Consolas" panose="020B0609020204030204" pitchFamily="49" charset="0"/>
+              </a:rPr>
+              <a:t>                </a:t>
+            </a:r>
+            <a:r>
+              <a:rPr lang="en-US" b="0" dirty="0">
+                <a:solidFill>
+                  <a:srgbClr val="C586C0"/>
+                </a:solidFill>
+                <a:effectLst/>
+                <a:latin typeface="Consolas" panose="020B0609020204030204" pitchFamily="49" charset="0"/>
+              </a:rPr>
+              <a:t>break</a:t>
+            </a:r>
+            <a:r>
+              <a:rPr lang="en-US" b="0" dirty="0">
+                <a:solidFill>
+                  <a:srgbClr val="D4D4D4"/>
+                </a:solidFill>
+                <a:effectLst/>
+                <a:latin typeface="Consolas" panose="020B0609020204030204" pitchFamily="49" charset="0"/>
+              </a:rPr>
+              <a:t>;</a:t>
+            </a:r>
+          </a:p>
+          <a:p>
+            <a:pPr>
+              <a:spcBef>
+                <a:spcPts val="0"/>
+              </a:spcBef>
+            </a:pPr>
+            <a:r>
+              <a:rPr lang="en-US" b="0" dirty="0">
+                <a:solidFill>
+                  <a:srgbClr val="D4D4D4"/>
+                </a:solidFill>
+                <a:effectLst/>
+                <a:latin typeface="Consolas" panose="020B0609020204030204" pitchFamily="49" charset="0"/>
+              </a:rPr>
+              <a:t>            </a:t>
+            </a:r>
+            <a:r>
+              <a:rPr lang="en-US" b="0" dirty="0">
+                <a:solidFill>
+                  <a:srgbClr val="C586C0"/>
+                </a:solidFill>
+                <a:effectLst/>
+                <a:latin typeface="Consolas" panose="020B0609020204030204" pitchFamily="49" charset="0"/>
+              </a:rPr>
+              <a:t>case</a:t>
+            </a:r>
+            <a:r>
+              <a:rPr lang="en-US" b="0" dirty="0">
+                <a:solidFill>
+                  <a:srgbClr val="D4D4D4"/>
+                </a:solidFill>
+                <a:effectLst/>
+                <a:latin typeface="Consolas" panose="020B0609020204030204" pitchFamily="49" charset="0"/>
+              </a:rPr>
+              <a:t> </a:t>
+            </a:r>
+            <a:r>
+              <a:rPr lang="en-US" b="0" dirty="0">
+                <a:solidFill>
+                  <a:srgbClr val="CE9178"/>
+                </a:solidFill>
+                <a:effectLst/>
+                <a:latin typeface="Consolas" panose="020B0609020204030204" pitchFamily="49" charset="0"/>
+              </a:rPr>
+              <a:t>"/"</a:t>
+            </a:r>
+            <a:r>
+              <a:rPr lang="en-US" b="0" dirty="0">
+                <a:solidFill>
+                  <a:srgbClr val="C586C0"/>
+                </a:solidFill>
+                <a:effectLst/>
+                <a:latin typeface="Consolas" panose="020B0609020204030204" pitchFamily="49" charset="0"/>
+              </a:rPr>
+              <a:t>:</a:t>
+            </a:r>
+            <a:endParaRPr lang="en-US" b="0" dirty="0">
+              <a:solidFill>
+                <a:srgbClr val="D4D4D4"/>
+              </a:solidFill>
+              <a:effectLst/>
+              <a:latin typeface="Consolas" panose="020B0609020204030204" pitchFamily="49" charset="0"/>
+            </a:endParaRPr>
+          </a:p>
+          <a:p>
+            <a:pPr>
+              <a:spcBef>
+                <a:spcPts val="0"/>
+              </a:spcBef>
+            </a:pPr>
+            <a:r>
+              <a:rPr lang="en-US" b="0" dirty="0">
+                <a:solidFill>
+                  <a:srgbClr val="D4D4D4"/>
+                </a:solidFill>
+                <a:effectLst/>
+                <a:latin typeface="Consolas" panose="020B0609020204030204" pitchFamily="49" charset="0"/>
+              </a:rPr>
+              <a:t>                </a:t>
+            </a:r>
+            <a:r>
+              <a:rPr lang="en-US" b="0" dirty="0">
+                <a:solidFill>
+                  <a:srgbClr val="C586C0"/>
+                </a:solidFill>
+                <a:effectLst/>
+                <a:latin typeface="Consolas" panose="020B0609020204030204" pitchFamily="49" charset="0"/>
+              </a:rPr>
+              <a:t>break</a:t>
+            </a:r>
+            <a:r>
+              <a:rPr lang="en-US" b="0" dirty="0">
+                <a:solidFill>
+                  <a:srgbClr val="D4D4D4"/>
+                </a:solidFill>
+                <a:effectLst/>
+                <a:latin typeface="Consolas" panose="020B0609020204030204" pitchFamily="49" charset="0"/>
+              </a:rPr>
+              <a:t>;</a:t>
+            </a:r>
+          </a:p>
+          <a:p>
+            <a:pPr>
+              <a:spcBef>
+                <a:spcPts val="0"/>
+              </a:spcBef>
+            </a:pPr>
+            <a:r>
+              <a:rPr lang="en-US" b="0" dirty="0">
+                <a:solidFill>
+                  <a:srgbClr val="D4D4D4"/>
+                </a:solidFill>
+                <a:effectLst/>
+                <a:latin typeface="Consolas" panose="020B0609020204030204" pitchFamily="49" charset="0"/>
+              </a:rPr>
+              <a:t>            </a:t>
+            </a:r>
+            <a:r>
+              <a:rPr lang="en-US" b="0" dirty="0">
+                <a:solidFill>
+                  <a:srgbClr val="C586C0"/>
+                </a:solidFill>
+                <a:effectLst/>
+                <a:latin typeface="Consolas" panose="020B0609020204030204" pitchFamily="49" charset="0"/>
+              </a:rPr>
+              <a:t>case</a:t>
+            </a:r>
+            <a:r>
+              <a:rPr lang="en-US" b="0" dirty="0">
+                <a:solidFill>
+                  <a:srgbClr val="D4D4D4"/>
+                </a:solidFill>
+                <a:effectLst/>
+                <a:latin typeface="Consolas" panose="020B0609020204030204" pitchFamily="49" charset="0"/>
+              </a:rPr>
+              <a:t> </a:t>
+            </a:r>
+            <a:r>
+              <a:rPr lang="en-US" b="0" dirty="0">
+                <a:solidFill>
+                  <a:srgbClr val="CE9178"/>
+                </a:solidFill>
+                <a:effectLst/>
+                <a:latin typeface="Consolas" panose="020B0609020204030204" pitchFamily="49" charset="0"/>
+              </a:rPr>
+              <a:t>"x"</a:t>
+            </a:r>
+            <a:r>
+              <a:rPr lang="en-US" b="0" dirty="0">
+                <a:solidFill>
+                  <a:srgbClr val="C586C0"/>
+                </a:solidFill>
+                <a:effectLst/>
+                <a:latin typeface="Consolas" panose="020B0609020204030204" pitchFamily="49" charset="0"/>
+              </a:rPr>
+              <a:t>:</a:t>
+            </a:r>
+            <a:endParaRPr lang="en-US" b="0" dirty="0">
+              <a:solidFill>
+                <a:srgbClr val="D4D4D4"/>
+              </a:solidFill>
+              <a:effectLst/>
+              <a:latin typeface="Consolas" panose="020B0609020204030204" pitchFamily="49" charset="0"/>
+            </a:endParaRPr>
+          </a:p>
+          <a:p>
+            <a:pPr>
+              <a:spcBef>
+                <a:spcPts val="0"/>
+              </a:spcBef>
+            </a:pPr>
+            <a:r>
+              <a:rPr lang="en-US" b="0" dirty="0">
+                <a:solidFill>
+                  <a:srgbClr val="D4D4D4"/>
+                </a:solidFill>
+                <a:effectLst/>
+                <a:latin typeface="Consolas" panose="020B0609020204030204" pitchFamily="49" charset="0"/>
+              </a:rPr>
+              <a:t>                </a:t>
+            </a:r>
+            <a:r>
+              <a:rPr lang="en-US" b="0" dirty="0">
+                <a:solidFill>
+                  <a:srgbClr val="C586C0"/>
+                </a:solidFill>
+                <a:effectLst/>
+                <a:latin typeface="Consolas" panose="020B0609020204030204" pitchFamily="49" charset="0"/>
+              </a:rPr>
+              <a:t>break</a:t>
+            </a:r>
+            <a:r>
+              <a:rPr lang="en-US" b="0" dirty="0">
+                <a:solidFill>
+                  <a:srgbClr val="D4D4D4"/>
+                </a:solidFill>
+                <a:effectLst/>
+                <a:latin typeface="Consolas" panose="020B0609020204030204" pitchFamily="49" charset="0"/>
+              </a:rPr>
+              <a:t>;</a:t>
+            </a:r>
+          </a:p>
+          <a:p>
+            <a:pPr>
+              <a:spcBef>
+                <a:spcPts val="0"/>
+              </a:spcBef>
+            </a:pPr>
+            <a:r>
+              <a:rPr lang="en-US" b="0" dirty="0">
+                <a:solidFill>
+                  <a:srgbClr val="D4D4D4"/>
+                </a:solidFill>
+                <a:effectLst/>
+                <a:latin typeface="Consolas" panose="020B0609020204030204" pitchFamily="49" charset="0"/>
+              </a:rPr>
+              <a:t>            </a:t>
+            </a:r>
+            <a:r>
+              <a:rPr lang="en-US" b="0" dirty="0">
+                <a:solidFill>
+                  <a:srgbClr val="C586C0"/>
+                </a:solidFill>
+                <a:effectLst/>
+                <a:latin typeface="Consolas" panose="020B0609020204030204" pitchFamily="49" charset="0"/>
+              </a:rPr>
+              <a:t>case</a:t>
+            </a:r>
+            <a:r>
+              <a:rPr lang="en-US" b="0" dirty="0">
+                <a:solidFill>
+                  <a:srgbClr val="D4D4D4"/>
+                </a:solidFill>
+                <a:effectLst/>
+                <a:latin typeface="Consolas" panose="020B0609020204030204" pitchFamily="49" charset="0"/>
+              </a:rPr>
+              <a:t> </a:t>
+            </a:r>
+            <a:r>
+              <a:rPr lang="en-US" b="0" dirty="0">
+                <a:solidFill>
+                  <a:srgbClr val="CE9178"/>
+                </a:solidFill>
+                <a:effectLst/>
+                <a:latin typeface="Consolas" panose="020B0609020204030204" pitchFamily="49" charset="0"/>
+              </a:rPr>
+              <a:t>"AC"</a:t>
+            </a:r>
+            <a:r>
+              <a:rPr lang="en-US" b="0" dirty="0">
+                <a:solidFill>
+                  <a:srgbClr val="C586C0"/>
+                </a:solidFill>
+                <a:effectLst/>
+                <a:latin typeface="Consolas" panose="020B0609020204030204" pitchFamily="49" charset="0"/>
+              </a:rPr>
+              <a:t>:</a:t>
+            </a:r>
+            <a:endParaRPr lang="en-US" b="0" dirty="0">
+              <a:solidFill>
+                <a:srgbClr val="D4D4D4"/>
+              </a:solidFill>
+              <a:effectLst/>
+              <a:latin typeface="Consolas" panose="020B0609020204030204" pitchFamily="49" charset="0"/>
+            </a:endParaRPr>
+          </a:p>
+          <a:p>
+            <a:pPr>
+              <a:spcBef>
+                <a:spcPts val="0"/>
+              </a:spcBef>
+            </a:pPr>
+            <a:r>
+              <a:rPr lang="en-US" b="0" dirty="0">
+                <a:solidFill>
+                  <a:srgbClr val="D4D4D4"/>
+                </a:solidFill>
+                <a:effectLst/>
+                <a:latin typeface="Consolas" panose="020B0609020204030204" pitchFamily="49" charset="0"/>
+              </a:rPr>
+              <a:t>                </a:t>
+            </a:r>
+            <a:r>
+              <a:rPr lang="en-US" b="0" dirty="0">
+                <a:solidFill>
+                  <a:srgbClr val="C586C0"/>
+                </a:solidFill>
+                <a:effectLst/>
+                <a:latin typeface="Consolas" panose="020B0609020204030204" pitchFamily="49" charset="0"/>
+              </a:rPr>
+              <a:t>break</a:t>
+            </a:r>
+            <a:r>
+              <a:rPr lang="en-US" b="0" dirty="0">
+                <a:solidFill>
+                  <a:srgbClr val="D4D4D4"/>
+                </a:solidFill>
+                <a:effectLst/>
+                <a:latin typeface="Consolas" panose="020B0609020204030204" pitchFamily="49" charset="0"/>
+              </a:rPr>
+              <a:t>;</a:t>
+            </a:r>
+          </a:p>
+          <a:p>
+            <a:pPr>
+              <a:spcBef>
+                <a:spcPts val="0"/>
+              </a:spcBef>
+            </a:pPr>
+            <a:r>
+              <a:rPr lang="en-US" b="0" dirty="0">
+                <a:solidFill>
+                  <a:srgbClr val="D4D4D4"/>
+                </a:solidFill>
+                <a:effectLst/>
+                <a:latin typeface="Consolas" panose="020B0609020204030204" pitchFamily="49" charset="0"/>
+              </a:rPr>
+              <a:t>            </a:t>
+            </a:r>
+            <a:r>
+              <a:rPr lang="en-US" b="0" dirty="0">
+                <a:solidFill>
+                  <a:srgbClr val="C586C0"/>
+                </a:solidFill>
+                <a:effectLst/>
+                <a:latin typeface="Consolas" panose="020B0609020204030204" pitchFamily="49" charset="0"/>
+              </a:rPr>
+              <a:t>case</a:t>
+            </a:r>
+            <a:r>
+              <a:rPr lang="en-US" b="0" dirty="0">
+                <a:solidFill>
+                  <a:srgbClr val="D4D4D4"/>
+                </a:solidFill>
+                <a:effectLst/>
+                <a:latin typeface="Consolas" panose="020B0609020204030204" pitchFamily="49" charset="0"/>
+              </a:rPr>
+              <a:t> </a:t>
+            </a:r>
+            <a:r>
+              <a:rPr lang="en-US" b="0" dirty="0">
+                <a:solidFill>
+                  <a:srgbClr val="CE9178"/>
+                </a:solidFill>
+                <a:effectLst/>
+                <a:latin typeface="Consolas" panose="020B0609020204030204" pitchFamily="49" charset="0"/>
+              </a:rPr>
+              <a:t>"C"</a:t>
+            </a:r>
+            <a:r>
+              <a:rPr lang="en-US" b="0" dirty="0">
+                <a:solidFill>
+                  <a:srgbClr val="C586C0"/>
+                </a:solidFill>
+                <a:effectLst/>
+                <a:latin typeface="Consolas" panose="020B0609020204030204" pitchFamily="49" charset="0"/>
+              </a:rPr>
+              <a:t>:</a:t>
+            </a:r>
+            <a:endParaRPr lang="en-US" b="0" dirty="0">
+              <a:solidFill>
+                <a:srgbClr val="D4D4D4"/>
+              </a:solidFill>
+              <a:effectLst/>
+              <a:latin typeface="Consolas" panose="020B0609020204030204" pitchFamily="49" charset="0"/>
+            </a:endParaRPr>
+          </a:p>
+          <a:p>
+            <a:pPr>
+              <a:spcBef>
+                <a:spcPts val="0"/>
+              </a:spcBef>
+            </a:pPr>
+            <a:r>
+              <a:rPr lang="en-US" b="0" dirty="0">
+                <a:solidFill>
+                  <a:srgbClr val="D4D4D4"/>
+                </a:solidFill>
+                <a:effectLst/>
+                <a:latin typeface="Consolas" panose="020B0609020204030204" pitchFamily="49" charset="0"/>
+              </a:rPr>
+              <a:t>                </a:t>
+            </a:r>
+            <a:r>
+              <a:rPr lang="en-US" b="0" dirty="0">
+                <a:solidFill>
+                  <a:srgbClr val="C586C0"/>
+                </a:solidFill>
+                <a:effectLst/>
+                <a:latin typeface="Consolas" panose="020B0609020204030204" pitchFamily="49" charset="0"/>
+              </a:rPr>
+              <a:t>break</a:t>
+            </a:r>
+            <a:r>
+              <a:rPr lang="en-US" b="0" dirty="0">
+                <a:solidFill>
+                  <a:srgbClr val="D4D4D4"/>
+                </a:solidFill>
+                <a:effectLst/>
+                <a:latin typeface="Consolas" panose="020B0609020204030204" pitchFamily="49" charset="0"/>
+              </a:rPr>
+              <a:t>;</a:t>
+            </a:r>
+          </a:p>
+          <a:p>
+            <a:pPr>
+              <a:spcBef>
+                <a:spcPts val="0"/>
+              </a:spcBef>
+            </a:pPr>
+            <a:r>
+              <a:rPr lang="en-US" b="0" dirty="0">
+                <a:solidFill>
+                  <a:srgbClr val="D4D4D4"/>
+                </a:solidFill>
+                <a:effectLst/>
+                <a:latin typeface="Consolas" panose="020B0609020204030204" pitchFamily="49" charset="0"/>
+              </a:rPr>
+              <a:t>            </a:t>
+            </a:r>
+            <a:r>
+              <a:rPr lang="en-US" b="0" dirty="0">
+                <a:solidFill>
+                  <a:srgbClr val="C586C0"/>
+                </a:solidFill>
+                <a:effectLst/>
+                <a:latin typeface="Consolas" panose="020B0609020204030204" pitchFamily="49" charset="0"/>
+              </a:rPr>
+              <a:t>case</a:t>
+            </a:r>
+            <a:r>
+              <a:rPr lang="en-US" b="0" dirty="0">
+                <a:solidFill>
+                  <a:srgbClr val="D4D4D4"/>
+                </a:solidFill>
+                <a:effectLst/>
+                <a:latin typeface="Consolas" panose="020B0609020204030204" pitchFamily="49" charset="0"/>
+              </a:rPr>
+              <a:t> </a:t>
+            </a:r>
+            <a:r>
+              <a:rPr lang="en-US" b="0" dirty="0">
+                <a:solidFill>
+                  <a:srgbClr val="CE9178"/>
+                </a:solidFill>
+                <a:effectLst/>
+                <a:latin typeface="Consolas" panose="020B0609020204030204" pitchFamily="49" charset="0"/>
+              </a:rPr>
+              <a:t>"M+"</a:t>
+            </a:r>
+            <a:r>
+              <a:rPr lang="en-US" b="0" dirty="0">
+                <a:solidFill>
+                  <a:srgbClr val="C586C0"/>
+                </a:solidFill>
+                <a:effectLst/>
+                <a:latin typeface="Consolas" panose="020B0609020204030204" pitchFamily="49" charset="0"/>
+              </a:rPr>
+              <a:t>:</a:t>
+            </a:r>
+            <a:endParaRPr lang="en-US" b="0" dirty="0">
+              <a:solidFill>
+                <a:srgbClr val="D4D4D4"/>
+              </a:solidFill>
+              <a:effectLst/>
+              <a:latin typeface="Consolas" panose="020B0609020204030204" pitchFamily="49" charset="0"/>
+            </a:endParaRPr>
+          </a:p>
+          <a:p>
+            <a:pPr>
+              <a:spcBef>
+                <a:spcPts val="0"/>
+              </a:spcBef>
+            </a:pPr>
+            <a:r>
+              <a:rPr lang="en-US" b="0" dirty="0">
+                <a:solidFill>
+                  <a:srgbClr val="D4D4D4"/>
+                </a:solidFill>
+                <a:effectLst/>
+                <a:latin typeface="Consolas" panose="020B0609020204030204" pitchFamily="49" charset="0"/>
+              </a:rPr>
+              <a:t>                </a:t>
+            </a:r>
+            <a:r>
+              <a:rPr lang="en-US" b="0" dirty="0">
+                <a:solidFill>
+                  <a:srgbClr val="C586C0"/>
+                </a:solidFill>
+                <a:effectLst/>
+                <a:latin typeface="Consolas" panose="020B0609020204030204" pitchFamily="49" charset="0"/>
+              </a:rPr>
+              <a:t>break</a:t>
+            </a:r>
+            <a:r>
+              <a:rPr lang="en-US" b="0" dirty="0">
+                <a:solidFill>
+                  <a:srgbClr val="D4D4D4"/>
+                </a:solidFill>
+                <a:effectLst/>
+                <a:latin typeface="Consolas" panose="020B0609020204030204" pitchFamily="49" charset="0"/>
+              </a:rPr>
+              <a:t>;</a:t>
+            </a:r>
+          </a:p>
+          <a:p>
+            <a:pPr>
+              <a:spcBef>
+                <a:spcPts val="0"/>
+              </a:spcBef>
+            </a:pPr>
+            <a:r>
+              <a:rPr lang="en-US" b="0" dirty="0">
+                <a:solidFill>
+                  <a:srgbClr val="D4D4D4"/>
+                </a:solidFill>
+                <a:effectLst/>
+                <a:latin typeface="Consolas" panose="020B0609020204030204" pitchFamily="49" charset="0"/>
+              </a:rPr>
+              <a:t>            </a:t>
+            </a:r>
+            <a:r>
+              <a:rPr lang="en-US" b="0" dirty="0">
+                <a:solidFill>
+                  <a:srgbClr val="C586C0"/>
+                </a:solidFill>
+                <a:effectLst/>
+                <a:latin typeface="Consolas" panose="020B0609020204030204" pitchFamily="49" charset="0"/>
+              </a:rPr>
+              <a:t>case</a:t>
+            </a:r>
+            <a:r>
+              <a:rPr lang="en-US" b="0" dirty="0">
+                <a:solidFill>
+                  <a:srgbClr val="D4D4D4"/>
+                </a:solidFill>
+                <a:effectLst/>
+                <a:latin typeface="Consolas" panose="020B0609020204030204" pitchFamily="49" charset="0"/>
+              </a:rPr>
+              <a:t> </a:t>
+            </a:r>
+            <a:r>
+              <a:rPr lang="en-US" b="0" dirty="0">
+                <a:solidFill>
+                  <a:srgbClr val="CE9178"/>
+                </a:solidFill>
+                <a:effectLst/>
+                <a:latin typeface="Consolas" panose="020B0609020204030204" pitchFamily="49" charset="0"/>
+              </a:rPr>
+              <a:t>"+/-"</a:t>
+            </a:r>
+            <a:r>
+              <a:rPr lang="en-US" b="0" dirty="0">
+                <a:solidFill>
+                  <a:srgbClr val="C586C0"/>
+                </a:solidFill>
+                <a:effectLst/>
+                <a:latin typeface="Consolas" panose="020B0609020204030204" pitchFamily="49" charset="0"/>
+              </a:rPr>
+              <a:t>:</a:t>
+            </a:r>
+            <a:endParaRPr lang="en-US" b="0" dirty="0">
+              <a:solidFill>
+                <a:srgbClr val="D4D4D4"/>
+              </a:solidFill>
+              <a:effectLst/>
+              <a:latin typeface="Consolas" panose="020B0609020204030204" pitchFamily="49" charset="0"/>
+            </a:endParaRPr>
+          </a:p>
+          <a:p>
+            <a:pPr>
+              <a:spcBef>
+                <a:spcPts val="0"/>
+              </a:spcBef>
+            </a:pPr>
+            <a:r>
+              <a:rPr lang="en-US" b="0" dirty="0">
+                <a:solidFill>
+                  <a:srgbClr val="D4D4D4"/>
+                </a:solidFill>
+                <a:effectLst/>
+                <a:latin typeface="Consolas" panose="020B0609020204030204" pitchFamily="49" charset="0"/>
+              </a:rPr>
+              <a:t>                </a:t>
+            </a:r>
+            <a:r>
+              <a:rPr lang="en-US" b="0" dirty="0">
+                <a:solidFill>
+                  <a:srgbClr val="C586C0"/>
+                </a:solidFill>
+                <a:effectLst/>
+                <a:latin typeface="Consolas" panose="020B0609020204030204" pitchFamily="49" charset="0"/>
+              </a:rPr>
+              <a:t>break</a:t>
+            </a:r>
+            <a:r>
+              <a:rPr lang="en-US" b="0" dirty="0">
+                <a:solidFill>
+                  <a:srgbClr val="D4D4D4"/>
+                </a:solidFill>
+                <a:effectLst/>
+                <a:latin typeface="Consolas" panose="020B0609020204030204" pitchFamily="49" charset="0"/>
+              </a:rPr>
+              <a:t>;</a:t>
+            </a:r>
+          </a:p>
+          <a:p>
+            <a:pPr>
+              <a:spcBef>
+                <a:spcPts val="0"/>
+              </a:spcBef>
+            </a:pPr>
+            <a:r>
+              <a:rPr lang="en-US" b="0" dirty="0">
+                <a:solidFill>
+                  <a:srgbClr val="D4D4D4"/>
+                </a:solidFill>
+                <a:effectLst/>
+                <a:latin typeface="Consolas" panose="020B0609020204030204" pitchFamily="49" charset="0"/>
+              </a:rPr>
+              <a:t>            </a:t>
+            </a:r>
+            <a:r>
+              <a:rPr lang="en-US" b="0" dirty="0">
+                <a:solidFill>
+                  <a:srgbClr val="C586C0"/>
+                </a:solidFill>
+                <a:effectLst/>
+                <a:latin typeface="Consolas" panose="020B0609020204030204" pitchFamily="49" charset="0"/>
+              </a:rPr>
+              <a:t>default:</a:t>
+            </a:r>
+            <a:endParaRPr lang="en-US" b="0" dirty="0">
+              <a:solidFill>
+                <a:srgbClr val="D4D4D4"/>
+              </a:solidFill>
+              <a:effectLst/>
+              <a:latin typeface="Consolas" panose="020B0609020204030204" pitchFamily="49" charset="0"/>
+            </a:endParaRPr>
+          </a:p>
+          <a:p>
+            <a:pPr>
+              <a:spcBef>
+                <a:spcPts val="0"/>
+              </a:spcBef>
+            </a:pPr>
+            <a:r>
+              <a:rPr lang="en-US" b="0" dirty="0">
+                <a:solidFill>
+                  <a:srgbClr val="D4D4D4"/>
+                </a:solidFill>
+                <a:effectLst/>
+                <a:latin typeface="Consolas" panose="020B0609020204030204" pitchFamily="49" charset="0"/>
+              </a:rPr>
+              <a:t>                </a:t>
+            </a:r>
+            <a:r>
+              <a:rPr lang="en-US" b="0" dirty="0">
+                <a:solidFill>
+                  <a:srgbClr val="C586C0"/>
+                </a:solidFill>
+                <a:effectLst/>
+                <a:latin typeface="Consolas" panose="020B0609020204030204" pitchFamily="49" charset="0"/>
+              </a:rPr>
+              <a:t>break</a:t>
+            </a:r>
+            <a:r>
+              <a:rPr lang="en-US" b="0" dirty="0">
+                <a:solidFill>
+                  <a:srgbClr val="D4D4D4"/>
+                </a:solidFill>
+                <a:effectLst/>
+                <a:latin typeface="Consolas" panose="020B0609020204030204" pitchFamily="49" charset="0"/>
+              </a:rPr>
+              <a:t>;</a:t>
+            </a:r>
+          </a:p>
+          <a:p>
+            <a:pPr>
+              <a:spcBef>
+                <a:spcPts val="0"/>
+              </a:spcBef>
+            </a:pPr>
+            <a:r>
+              <a:rPr lang="en-US" b="0" dirty="0">
+                <a:solidFill>
+                  <a:srgbClr val="D4D4D4"/>
+                </a:solidFill>
+                <a:effectLst/>
+                <a:latin typeface="Consolas" panose="020B0609020204030204" pitchFamily="49" charset="0"/>
+              </a:rPr>
+              <a:t>        }</a:t>
+            </a:r>
+          </a:p>
+          <a:p>
+            <a:pPr>
+              <a:spcBef>
+                <a:spcPts val="0"/>
+              </a:spcBef>
+            </a:pPr>
+            <a:r>
+              <a:rPr lang="en-US" b="0" dirty="0">
+                <a:solidFill>
+                  <a:srgbClr val="D4D4D4"/>
+                </a:solidFill>
+                <a:effectLst/>
+                <a:latin typeface="Consolas" panose="020B0609020204030204" pitchFamily="49" charset="0"/>
+              </a:rPr>
+              <a:t>    }</a:t>
+            </a:r>
+          </a:p>
+          <a:p>
+            <a:pPr>
+              <a:spcBef>
+                <a:spcPts val="0"/>
+              </a:spcBef>
+            </a:pPr>
+            <a:br>
+              <a:rPr lang="en-US" b="0" dirty="0">
+                <a:solidFill>
+                  <a:srgbClr val="D4D4D4"/>
+                </a:solidFill>
+                <a:effectLst/>
+                <a:latin typeface="Consolas" panose="020B0609020204030204" pitchFamily="49" charset="0"/>
+              </a:rPr>
+            </a:br>
+            <a:endParaRPr lang="en-US" b="0" dirty="0">
+              <a:solidFill>
+                <a:srgbClr val="D4D4D4"/>
+              </a:solidFill>
+              <a:effectLst/>
+              <a:latin typeface="Consolas" panose="020B0609020204030204" pitchFamily="49" charset="0"/>
+            </a:endParaRPr>
+          </a:p>
+          <a:p>
+            <a:pPr>
+              <a:spcBef>
+                <a:spcPts val="0"/>
+              </a:spcBef>
             </a:pPr>
             <a:endParaRPr lang="en-GB" dirty="0"/>
           </a:p>
@@ -8846,7 +11479,7 @@
     </p:spTree>
     <p:extLst>
       <p:ext uri="{BB962C8B-B14F-4D97-AF65-F5344CB8AC3E}">
-        <p14:creationId xmlns:p14="http://schemas.microsoft.com/office/powerpoint/2010/main" val="3955090638"/>
+        <p14:creationId xmlns:p14="http://schemas.microsoft.com/office/powerpoint/2010/main" val="3950683397"/>
       </p:ext>
     </p:extLst>
   </p:cSld>
@@ -13087,6 +15720,21 @@
 </file>
 
 <file path=customXml/item1.xml><?xml version="1.0" encoding="utf-8"?>
+<p:properties xmlns:p="http://schemas.microsoft.com/office/2006/metadata/properties" xmlns:xsi="http://www.w3.org/2001/XMLSchema-instance" xmlns:pc="http://schemas.microsoft.com/office/infopath/2007/PartnerControls">
+  <documentManagement/>
+</p:properties>
+</file>
+
+<file path=customXml/item2.xml><?xml version="1.0" encoding="utf-8"?>
+<?mso-contentType ?>
+<FormTemplates xmlns="http://schemas.microsoft.com/sharepoint/v3/contenttype/forms">
+  <Display>DocumentLibraryForm</Display>
+  <Edit>DocumentLibraryForm</Edit>
+  <New>DocumentLibraryForm</New>
+</FormTemplates>
+</file>
+
+<file path=customXml/item3.xml><?xml version="1.0" encoding="utf-8"?>
 <ct:contentTypeSchema xmlns:ct="http://schemas.microsoft.com/office/2006/metadata/contentType" xmlns:ma="http://schemas.microsoft.com/office/2006/metadata/properties/metaAttributes" ct:_="" ma:_="" ma:contentTypeName="Document" ma:contentTypeID="0x010100062A1965C0ED8D4B93D90EC9097FB304" ma:contentTypeVersion="13" ma:contentTypeDescription="Create a new document." ma:contentTypeScope="" ma:versionID="ad8c00255a362f38b965062bb6973433">
   <xsd:schema xmlns:xsd="http://www.w3.org/2001/XMLSchema" xmlns:xs="http://www.w3.org/2001/XMLSchema" xmlns:p="http://schemas.microsoft.com/office/2006/metadata/properties" xmlns:ns3="cab83b3b-4db3-4a13-8dd4-e60be6d87cf5" xmlns:ns4="c2e86655-d7ed-4420-bc92-1b9547829f54" targetNamespace="http://schemas.microsoft.com/office/2006/metadata/properties" ma:root="true" ma:fieldsID="d47f86c9060cacabc5fb99b2dd628c7d" ns3:_="" ns4:_="">
     <xsd:import namespace="cab83b3b-4db3-4a13-8dd4-e60be6d87cf5"/>
@@ -13309,22 +15957,32 @@
 </ct:contentTypeSchema>
 </file>
 
-<file path=customXml/item2.xml><?xml version="1.0" encoding="utf-8"?>
-<p:properties xmlns:p="http://schemas.microsoft.com/office/2006/metadata/properties" xmlns:xsi="http://www.w3.org/2001/XMLSchema-instance" xmlns:pc="http://schemas.microsoft.com/office/infopath/2007/PartnerControls">
-  <documentManagement/>
-</p:properties>
+<file path=customXml/itemProps1.xml><?xml version="1.0" encoding="utf-8"?>
+<ds:datastoreItem xmlns:ds="http://schemas.openxmlformats.org/officeDocument/2006/customXml" ds:itemID="{1B174DBE-1AD7-495B-B168-212A7EE723A6}">
+  <ds:schemaRefs>
+    <ds:schemaRef ds:uri="http://schemas.microsoft.com/office/2006/documentManagement/types"/>
+    <ds:schemaRef ds:uri="http://schemas.openxmlformats.org/package/2006/metadata/core-properties"/>
+    <ds:schemaRef ds:uri="c2e86655-d7ed-4420-bc92-1b9547829f54"/>
+    <ds:schemaRef ds:uri="http://purl.org/dc/elements/1.1/"/>
+    <ds:schemaRef ds:uri="http://schemas.microsoft.com/office/infopath/2007/PartnerControls"/>
+    <ds:schemaRef ds:uri="cab83b3b-4db3-4a13-8dd4-e60be6d87cf5"/>
+    <ds:schemaRef ds:uri="http://schemas.microsoft.com/office/2006/metadata/properties"/>
+    <ds:schemaRef ds:uri="http://purl.org/dc/terms/"/>
+    <ds:schemaRef ds:uri="http://www.w3.org/XML/1998/namespace"/>
+    <ds:schemaRef ds:uri="http://purl.org/dc/dcmitype/"/>
+  </ds:schemaRefs>
+</ds:datastoreItem>
 </file>
 
-<file path=customXml/item3.xml><?xml version="1.0" encoding="utf-8"?>
-<?mso-contentType ?>
-<FormTemplates xmlns="http://schemas.microsoft.com/sharepoint/v3/contenttype/forms">
-  <Display>DocumentLibraryForm</Display>
-  <Edit>DocumentLibraryForm</Edit>
-  <New>DocumentLibraryForm</New>
-</FormTemplates>
+<file path=customXml/itemProps2.xml><?xml version="1.0" encoding="utf-8"?>
+<ds:datastoreItem xmlns:ds="http://schemas.openxmlformats.org/officeDocument/2006/customXml" ds:itemID="{07A05CC1-FF68-453F-AE9C-352B80151440}">
+  <ds:schemaRefs>
+    <ds:schemaRef ds:uri="http://schemas.microsoft.com/sharepoint/v3/contenttype/forms"/>
+  </ds:schemaRefs>
+</ds:datastoreItem>
 </file>
 
-<file path=customXml/itemProps1.xml><?xml version="1.0" encoding="utf-8"?>
+<file path=customXml/itemProps3.xml><?xml version="1.0" encoding="utf-8"?>
 <ds:datastoreItem xmlns:ds="http://schemas.openxmlformats.org/officeDocument/2006/customXml" ds:itemID="{03233C07-2685-44F7-9601-FF64EA49BA1B}">
   <ds:schemaRefs>
     <ds:schemaRef ds:uri="http://schemas.microsoft.com/office/2006/metadata/contentType"/>
@@ -13341,29 +15999,4 @@
     <ds:schemaRef ds:uri="http://schemas.microsoft.com/internal/obd"/>
   </ds:schemaRefs>
 </ds:datastoreItem>
-</file>
-
-<file path=customXml/itemProps2.xml><?xml version="1.0" encoding="utf-8"?>
-<ds:datastoreItem xmlns:ds="http://schemas.openxmlformats.org/officeDocument/2006/customXml" ds:itemID="{1B174DBE-1AD7-495B-B168-212A7EE723A6}">
-  <ds:schemaRefs>
-    <ds:schemaRef ds:uri="http://schemas.microsoft.com/office/2006/documentManagement/types"/>
-    <ds:schemaRef ds:uri="http://schemas.openxmlformats.org/package/2006/metadata/core-properties"/>
-    <ds:schemaRef ds:uri="c2e86655-d7ed-4420-bc92-1b9547829f54"/>
-    <ds:schemaRef ds:uri="http://purl.org/dc/elements/1.1/"/>
-    <ds:schemaRef ds:uri="http://schemas.microsoft.com/office/infopath/2007/PartnerControls"/>
-    <ds:schemaRef ds:uri="cab83b3b-4db3-4a13-8dd4-e60be6d87cf5"/>
-    <ds:schemaRef ds:uri="http://schemas.microsoft.com/office/2006/metadata/properties"/>
-    <ds:schemaRef ds:uri="http://purl.org/dc/terms/"/>
-    <ds:schemaRef ds:uri="http://www.w3.org/XML/1998/namespace"/>
-    <ds:schemaRef ds:uri="http://purl.org/dc/dcmitype/"/>
-  </ds:schemaRefs>
-</ds:datastoreItem>
-</file>
-
-<file path=customXml/itemProps3.xml><?xml version="1.0" encoding="utf-8"?>
-<ds:datastoreItem xmlns:ds="http://schemas.openxmlformats.org/officeDocument/2006/customXml" ds:itemID="{07A05CC1-FF68-453F-AE9C-352B80151440}">
-  <ds:schemaRefs>
-    <ds:schemaRef ds:uri="http://schemas.microsoft.com/sharepoint/v3/contenttype/forms"/>
-  </ds:schemaRefs>
-</ds:datastoreItem>
 </file>